--- a/ISTQB Foundation Level Preparation.pptx
+++ b/ISTQB Foundation Level Preparation.pptx
@@ -63,21 +63,23 @@
     <p:sldId id="308" r:id="rId59"/>
     <p:sldId id="309" r:id="rId60"/>
     <p:sldId id="310" r:id="rId61"/>
+    <p:sldId id="311" r:id="rId62"/>
+    <p:sldId id="312" r:id="rId63"/>
   </p:sldIdLst>
   <p:sldSz cy="5143500" cx="9144000"/>
   <p:notesSz cx="6858000" cy="9144000"/>
   <p:embeddedFontLst>
     <p:embeddedFont>
       <p:font typeface="PT Sans Narrow"/>
-      <p:regular r:id="rId62"/>
-      <p:bold r:id="rId63"/>
+      <p:regular r:id="rId64"/>
+      <p:bold r:id="rId65"/>
     </p:embeddedFont>
     <p:embeddedFont>
       <p:font typeface="Open Sans"/>
-      <p:regular r:id="rId64"/>
-      <p:bold r:id="rId65"/>
-      <p:italic r:id="rId66"/>
-      <p:boldItalic r:id="rId67"/>
+      <p:regular r:id="rId66"/>
+      <p:bold r:id="rId67"/>
+      <p:italic r:id="rId68"/>
+      <p:boldItalic r:id="rId69"/>
     </p:embeddedFont>
   </p:embeddedFontLst>
   <p:defaultTextStyle>
@@ -5759,6 +5761,204 @@
       <p:sp>
         <p:nvSpPr>
           <p:cNvPr id="390" name="Google Shape;390;g26a4d061b7b_0_24:notes"/>
+          <p:cNvSpPr txBox="1"/>
+          <p:nvPr>
+            <p:ph idx="1" type="body"/>
+          </p:nvPr>
+        </p:nvSpPr>
+        <p:spPr>
+          <a:xfrm>
+            <a:off x="685800" y="4343400"/>
+            <a:ext cx="5486400" cy="4114800"/>
+          </a:xfrm>
+          <a:prstGeom prst="rect">
+            <a:avLst/>
+          </a:prstGeom>
+        </p:spPr>
+        <p:txBody>
+          <a:bodyPr anchorCtr="0" anchor="t" bIns="91425" lIns="91425" spcFirstLastPara="1" rIns="91425" wrap="square" tIns="91425">
+            <a:noAutofit/>
+          </a:bodyPr>
+          <a:lstStyle/>
+          <a:p>
+            <a:pPr indent="0" lvl="0" marL="0" rtl="0" algn="l">
+              <a:spcBef>
+                <a:spcPts val="0"/>
+              </a:spcBef>
+              <a:spcAft>
+                <a:spcPts val="0"/>
+              </a:spcAft>
+              <a:buNone/>
+            </a:pPr>
+            <a:r>
+              <a:t/>
+            </a:r>
+            <a:endParaRPr/>
+          </a:p>
+        </p:txBody>
+      </p:sp>
+    </p:spTree>
+  </p:cSld>
+  <p:clrMapOvr>
+    <a:masterClrMapping/>
+  </p:clrMapOvr>
+</p:notes>
+</file>
+
+<file path=ppt/notesSlides/notesSlide56.xml><?xml version="1.0" encoding="utf-8"?>
+<p:notes xmlns:a="http://schemas.openxmlformats.org/drawingml/2006/main" xmlns:r="http://schemas.openxmlformats.org/officeDocument/2006/relationships" xmlns:mc="http://schemas.openxmlformats.org/markup-compatibility/2006" xmlns:mv="urn:schemas-microsoft-com:mac:vml" xmlns:p="http://schemas.openxmlformats.org/presentationml/2006/main" xmlns:c="http://schemas.openxmlformats.org/drawingml/2006/chart" xmlns:dgm="http://schemas.openxmlformats.org/drawingml/2006/diagram" xmlns:o="urn:schemas-microsoft-com:office:office" xmlns:v="urn:schemas-microsoft-com:vml" xmlns:pvml="urn:schemas-microsoft-com:office:powerpoint" xmlns:com="http://schemas.openxmlformats.org/drawingml/2006/compatibility" xmlns:p14="http://schemas.microsoft.com/office/powerpoint/2010/main" xmlns:p15="http://schemas.microsoft.com/office/powerpoint/2012/main" xmlns:ahyp="http://schemas.microsoft.com/office/drawing/2018/hyperlinkcolor" showMasterPhAnim="0" showMasterSp="0">
+  <p:cSld>
+    <p:spTree>
+      <p:nvGrpSpPr>
+        <p:cNvPr id="394" name="Shape 394"/>
+        <p:cNvGrpSpPr/>
+        <p:nvPr/>
+      </p:nvGrpSpPr>
+      <p:grpSpPr>
+        <a:xfrm>
+          <a:off x="0" y="0"/>
+          <a:ext cx="0" cy="0"/>
+          <a:chOff x="0" y="0"/>
+          <a:chExt cx="0" cy="0"/>
+        </a:xfrm>
+      </p:grpSpPr>
+      <p:sp>
+        <p:nvSpPr>
+          <p:cNvPr id="395" name="Google Shape;395;g2f13a2c1d0d_4_0:notes"/>
+          <p:cNvSpPr/>
+          <p:nvPr>
+            <p:ph idx="2" type="sldImg"/>
+          </p:nvPr>
+        </p:nvSpPr>
+        <p:spPr>
+          <a:xfrm>
+            <a:off x="381300" y="685800"/>
+            <a:ext cx="6096000" cy="3429000"/>
+          </a:xfrm>
+          <a:custGeom>
+            <a:rect b="b" l="l" r="r" t="t"/>
+            <a:pathLst>
+              <a:path extrusionOk="0" h="120000" w="120000">
+                <a:moveTo>
+                  <a:pt x="0" y="0"/>
+                </a:moveTo>
+                <a:lnTo>
+                  <a:pt x="120000" y="0"/>
+                </a:lnTo>
+                <a:lnTo>
+                  <a:pt x="120000" y="120000"/>
+                </a:lnTo>
+                <a:lnTo>
+                  <a:pt x="0" y="120000"/>
+                </a:lnTo>
+                <a:close/>
+              </a:path>
+            </a:pathLst>
+          </a:custGeom>
+        </p:spPr>
+      </p:sp>
+      <p:sp>
+        <p:nvSpPr>
+          <p:cNvPr id="396" name="Google Shape;396;g2f13a2c1d0d_4_0:notes"/>
+          <p:cNvSpPr txBox="1"/>
+          <p:nvPr>
+            <p:ph idx="1" type="body"/>
+          </p:nvPr>
+        </p:nvSpPr>
+        <p:spPr>
+          <a:xfrm>
+            <a:off x="685800" y="4343400"/>
+            <a:ext cx="5486400" cy="4114800"/>
+          </a:xfrm>
+          <a:prstGeom prst="rect">
+            <a:avLst/>
+          </a:prstGeom>
+        </p:spPr>
+        <p:txBody>
+          <a:bodyPr anchorCtr="0" anchor="t" bIns="91425" lIns="91425" spcFirstLastPara="1" rIns="91425" wrap="square" tIns="91425">
+            <a:noAutofit/>
+          </a:bodyPr>
+          <a:lstStyle/>
+          <a:p>
+            <a:pPr indent="0" lvl="0" marL="0" rtl="0" algn="l">
+              <a:spcBef>
+                <a:spcPts val="0"/>
+              </a:spcBef>
+              <a:spcAft>
+                <a:spcPts val="0"/>
+              </a:spcAft>
+              <a:buNone/>
+            </a:pPr>
+            <a:r>
+              <a:t/>
+            </a:r>
+            <a:endParaRPr/>
+          </a:p>
+        </p:txBody>
+      </p:sp>
+    </p:spTree>
+  </p:cSld>
+  <p:clrMapOvr>
+    <a:masterClrMapping/>
+  </p:clrMapOvr>
+</p:notes>
+</file>
+
+<file path=ppt/notesSlides/notesSlide57.xml><?xml version="1.0" encoding="utf-8"?>
+<p:notes xmlns:a="http://schemas.openxmlformats.org/drawingml/2006/main" xmlns:r="http://schemas.openxmlformats.org/officeDocument/2006/relationships" xmlns:mc="http://schemas.openxmlformats.org/markup-compatibility/2006" xmlns:mv="urn:schemas-microsoft-com:mac:vml" xmlns:p="http://schemas.openxmlformats.org/presentationml/2006/main" xmlns:c="http://schemas.openxmlformats.org/drawingml/2006/chart" xmlns:dgm="http://schemas.openxmlformats.org/drawingml/2006/diagram" xmlns:o="urn:schemas-microsoft-com:office:office" xmlns:v="urn:schemas-microsoft-com:vml" xmlns:pvml="urn:schemas-microsoft-com:office:powerpoint" xmlns:com="http://schemas.openxmlformats.org/drawingml/2006/compatibility" xmlns:p14="http://schemas.microsoft.com/office/powerpoint/2010/main" xmlns:p15="http://schemas.microsoft.com/office/powerpoint/2012/main" xmlns:ahyp="http://schemas.microsoft.com/office/drawing/2018/hyperlinkcolor" showMasterPhAnim="0" showMasterSp="0">
+  <p:cSld>
+    <p:spTree>
+      <p:nvGrpSpPr>
+        <p:cNvPr id="399" name="Shape 399"/>
+        <p:cNvGrpSpPr/>
+        <p:nvPr/>
+      </p:nvGrpSpPr>
+      <p:grpSpPr>
+        <a:xfrm>
+          <a:off x="0" y="0"/>
+          <a:ext cx="0" cy="0"/>
+          <a:chOff x="0" y="0"/>
+          <a:chExt cx="0" cy="0"/>
+        </a:xfrm>
+      </p:grpSpPr>
+      <p:sp>
+        <p:nvSpPr>
+          <p:cNvPr id="400" name="Google Shape;400;g2f13a2c1d0d_4_5:notes"/>
+          <p:cNvSpPr/>
+          <p:nvPr>
+            <p:ph idx="2" type="sldImg"/>
+          </p:nvPr>
+        </p:nvSpPr>
+        <p:spPr>
+          <a:xfrm>
+            <a:off x="381300" y="685800"/>
+            <a:ext cx="6096000" cy="3429000"/>
+          </a:xfrm>
+          <a:custGeom>
+            <a:rect b="b" l="l" r="r" t="t"/>
+            <a:pathLst>
+              <a:path extrusionOk="0" h="120000" w="120000">
+                <a:moveTo>
+                  <a:pt x="0" y="0"/>
+                </a:moveTo>
+                <a:lnTo>
+                  <a:pt x="120000" y="0"/>
+                </a:lnTo>
+                <a:lnTo>
+                  <a:pt x="120000" y="120000"/>
+                </a:lnTo>
+                <a:lnTo>
+                  <a:pt x="0" y="120000"/>
+                </a:lnTo>
+                <a:close/>
+              </a:path>
+            </a:pathLst>
+          </a:custGeom>
+        </p:spPr>
+      </p:sp>
+      <p:sp>
+        <p:nvSpPr>
+          <p:cNvPr id="401" name="Google Shape;401;g2f13a2c1d0d_4_5:notes"/>
           <p:cNvSpPr txBox="1"/>
           <p:nvPr>
             <p:ph idx="1" type="body"/>
@@ -18441,7 +18641,7 @@
             <a:tbl>
               <a:tblPr>
                 <a:noFill/>
-                <a:tableStyleId>{64DFB320-C106-4444-A3B5-13AC1BCEC69A}</a:tableStyleId>
+                <a:tableStyleId>{10B4E7AE-2D56-4951-9267-EE1B9DE7A3AE}</a:tableStyleId>
               </a:tblPr>
               <a:tblGrid>
                 <a:gridCol w="5713925"/>
@@ -23128,6 +23328,345 @@
 </p:sld>
 </file>
 
+<file path=ppt/slides/slide56.xml><?xml version="1.0" encoding="utf-8"?>
+<p:sld xmlns:a="http://schemas.openxmlformats.org/drawingml/2006/main" xmlns:r="http://schemas.openxmlformats.org/officeDocument/2006/relationships" xmlns:mc="http://schemas.openxmlformats.org/markup-compatibility/2006" xmlns:mv="urn:schemas-microsoft-com:mac:vml" xmlns:p="http://schemas.openxmlformats.org/presentationml/2006/main" xmlns:c="http://schemas.openxmlformats.org/drawingml/2006/chart" xmlns:dgm="http://schemas.openxmlformats.org/drawingml/2006/diagram" xmlns:o="urn:schemas-microsoft-com:office:office" xmlns:v="urn:schemas-microsoft-com:vml" xmlns:pvml="urn:schemas-microsoft-com:office:powerpoint" xmlns:com="http://schemas.openxmlformats.org/drawingml/2006/compatibility" xmlns:p14="http://schemas.microsoft.com/office/powerpoint/2010/main" xmlns:p15="http://schemas.microsoft.com/office/powerpoint/2012/main" xmlns:ahyp="http://schemas.microsoft.com/office/drawing/2018/hyperlinkcolor">
+  <p:cSld>
+    <p:spTree>
+      <p:nvGrpSpPr>
+        <p:cNvPr id="397" name="Shape 397"/>
+        <p:cNvGrpSpPr/>
+        <p:nvPr/>
+      </p:nvGrpSpPr>
+      <p:grpSpPr>
+        <a:xfrm>
+          <a:off x="0" y="0"/>
+          <a:ext cx="0" cy="0"/>
+          <a:chOff x="0" y="0"/>
+          <a:chExt cx="0" cy="0"/>
+        </a:xfrm>
+      </p:grpSpPr>
+      <p:sp>
+        <p:nvSpPr>
+          <p:cNvPr id="398" name="Google Shape;398;p68"/>
+          <p:cNvSpPr txBox="1"/>
+          <p:nvPr>
+            <p:ph idx="1" type="body"/>
+          </p:nvPr>
+        </p:nvSpPr>
+        <p:spPr>
+          <a:xfrm>
+            <a:off x="311700" y="262425"/>
+            <a:ext cx="8520600" cy="4306500"/>
+          </a:xfrm>
+          <a:prstGeom prst="rect">
+            <a:avLst/>
+          </a:prstGeom>
+        </p:spPr>
+        <p:txBody>
+          <a:bodyPr anchorCtr="0" anchor="t" bIns="91425" lIns="91425" spcFirstLastPara="1" rIns="91425" wrap="square" tIns="91425">
+            <a:normAutofit lnSpcReduction="10000"/>
+          </a:bodyPr>
+          <a:lstStyle/>
+          <a:p>
+            <a:pPr indent="0" lvl="0" marL="0" rtl="0" algn="l">
+              <a:spcBef>
+                <a:spcPts val="0"/>
+              </a:spcBef>
+              <a:spcAft>
+                <a:spcPts val="0"/>
+              </a:spcAft>
+              <a:buNone/>
+            </a:pPr>
+            <a:r>
+              <a:rPr lang="en">
+                <a:solidFill>
+                  <a:schemeClr val="accent1"/>
+                </a:solidFill>
+              </a:rPr>
+              <a:t>Question #22</a:t>
+            </a:r>
+            <a:endParaRPr>
+              <a:solidFill>
+                <a:schemeClr val="accent1"/>
+              </a:solidFill>
+            </a:endParaRPr>
+          </a:p>
+          <a:p>
+            <a:pPr indent="0" lvl="0" marL="0" rtl="0" algn="l">
+              <a:spcBef>
+                <a:spcPts val="1200"/>
+              </a:spcBef>
+              <a:spcAft>
+                <a:spcPts val="0"/>
+              </a:spcAft>
+              <a:buNone/>
+            </a:pPr>
+            <a:r>
+              <a:rPr lang="en">
+                <a:solidFill>
+                  <a:schemeClr val="accent1"/>
+                </a:solidFill>
+              </a:rPr>
+              <a:t>Your favorite bicycle daily rental store has just introduced a new Customer Relationship Management system and asked you, one of their most loyal members, to test it.</a:t>
+            </a:r>
+            <a:endParaRPr>
+              <a:solidFill>
+                <a:schemeClr val="accent1"/>
+              </a:solidFill>
+            </a:endParaRPr>
+          </a:p>
+          <a:p>
+            <a:pPr indent="0" lvl="0" marL="0" rtl="0" algn="l">
+              <a:spcBef>
+                <a:spcPts val="1200"/>
+              </a:spcBef>
+              <a:spcAft>
+                <a:spcPts val="0"/>
+              </a:spcAft>
+              <a:buNone/>
+            </a:pPr>
+            <a:r>
+              <a:rPr lang="en">
+                <a:solidFill>
+                  <a:schemeClr val="accent1"/>
+                </a:solidFill>
+              </a:rPr>
+              <a:t>The implemented features are as follows:</a:t>
+            </a:r>
+            <a:endParaRPr>
+              <a:solidFill>
+                <a:schemeClr val="accent1"/>
+              </a:solidFill>
+            </a:endParaRPr>
+          </a:p>
+          <a:p>
+            <a:pPr indent="0" lvl="0" marL="0" rtl="0" algn="l">
+              <a:spcBef>
+                <a:spcPts val="1200"/>
+              </a:spcBef>
+              <a:spcAft>
+                <a:spcPts val="0"/>
+              </a:spcAft>
+              <a:buNone/>
+            </a:pPr>
+            <a:r>
+              <a:rPr lang="en">
+                <a:solidFill>
+                  <a:schemeClr val="accent1"/>
+                </a:solidFill>
+              </a:rPr>
+              <a:t>Anyone can rent a bicycle, but members receive a 20% discount</a:t>
+            </a:r>
+            <a:endParaRPr>
+              <a:solidFill>
+                <a:schemeClr val="accent1"/>
+              </a:solidFill>
+            </a:endParaRPr>
+          </a:p>
+          <a:p>
+            <a:pPr indent="0" lvl="0" marL="0" rtl="0" algn="l">
+              <a:spcBef>
+                <a:spcPts val="1200"/>
+              </a:spcBef>
+              <a:spcAft>
+                <a:spcPts val="0"/>
+              </a:spcAft>
+              <a:buNone/>
+            </a:pPr>
+            <a:r>
+              <a:rPr lang="en">
+                <a:solidFill>
+                  <a:schemeClr val="accent1"/>
+                </a:solidFill>
+              </a:rPr>
+              <a:t>However, if the return deadline is missed, the discount is no longer available</a:t>
+            </a:r>
+            <a:endParaRPr>
+              <a:solidFill>
+                <a:schemeClr val="accent1"/>
+              </a:solidFill>
+            </a:endParaRPr>
+          </a:p>
+          <a:p>
+            <a:pPr indent="0" lvl="0" marL="0" rtl="0" algn="l">
+              <a:spcBef>
+                <a:spcPts val="1200"/>
+              </a:spcBef>
+              <a:spcAft>
+                <a:spcPts val="0"/>
+              </a:spcAft>
+              <a:buNone/>
+            </a:pPr>
+            <a:r>
+              <a:rPr lang="en">
+                <a:solidFill>
+                  <a:schemeClr val="accent1"/>
+                </a:solidFill>
+              </a:rPr>
+              <a:t>After 15 rentals, members get a gift: a T-Shirt</a:t>
+            </a:r>
+            <a:endParaRPr>
+              <a:solidFill>
+                <a:schemeClr val="accent1"/>
+              </a:solidFill>
+            </a:endParaRPr>
+          </a:p>
+          <a:p>
+            <a:pPr indent="0" lvl="0" marL="0" rtl="0" algn="l">
+              <a:spcBef>
+                <a:spcPts val="1200"/>
+              </a:spcBef>
+              <a:spcAft>
+                <a:spcPts val="0"/>
+              </a:spcAft>
+              <a:buNone/>
+            </a:pPr>
+            <a:r>
+              <a:rPr lang="en">
+                <a:solidFill>
+                  <a:schemeClr val="accent1"/>
+                </a:solidFill>
+              </a:rPr>
+              <a:t>Decision table describing the implemented features looks as follows:</a:t>
+            </a:r>
+            <a:endParaRPr>
+              <a:solidFill>
+                <a:schemeClr val="accent1"/>
+              </a:solidFill>
+            </a:endParaRPr>
+          </a:p>
+          <a:p>
+            <a:pPr indent="0" lvl="0" marL="0" rtl="0" algn="l">
+              <a:spcBef>
+                <a:spcPts val="1200"/>
+              </a:spcBef>
+              <a:spcAft>
+                <a:spcPts val="1200"/>
+              </a:spcAft>
+              <a:buNone/>
+            </a:pPr>
+            <a:r>
+              <a:t/>
+            </a:r>
+            <a:endParaRPr>
+              <a:solidFill>
+                <a:schemeClr val="accent1"/>
+              </a:solidFill>
+            </a:endParaRPr>
+          </a:p>
+        </p:txBody>
+      </p:sp>
+    </p:spTree>
+  </p:cSld>
+  <p:clrMapOvr>
+    <a:masterClrMapping/>
+  </p:clrMapOvr>
+</p:sld>
+</file>
+
+<file path=ppt/slides/slide57.xml><?xml version="1.0" encoding="utf-8"?>
+<p:sld xmlns:a="http://schemas.openxmlformats.org/drawingml/2006/main" xmlns:r="http://schemas.openxmlformats.org/officeDocument/2006/relationships" xmlns:mc="http://schemas.openxmlformats.org/markup-compatibility/2006" xmlns:mv="urn:schemas-microsoft-com:mac:vml" xmlns:p="http://schemas.openxmlformats.org/presentationml/2006/main" xmlns:c="http://schemas.openxmlformats.org/drawingml/2006/chart" xmlns:dgm="http://schemas.openxmlformats.org/drawingml/2006/diagram" xmlns:o="urn:schemas-microsoft-com:office:office" xmlns:v="urn:schemas-microsoft-com:vml" xmlns:pvml="urn:schemas-microsoft-com:office:powerpoint" xmlns:com="http://schemas.openxmlformats.org/drawingml/2006/compatibility" xmlns:p14="http://schemas.microsoft.com/office/powerpoint/2010/main" xmlns:p15="http://schemas.microsoft.com/office/powerpoint/2012/main" xmlns:ahyp="http://schemas.microsoft.com/office/drawing/2018/hyperlinkcolor">
+  <p:cSld>
+    <p:spTree>
+      <p:nvGrpSpPr>
+        <p:cNvPr id="402" name="Shape 402"/>
+        <p:cNvGrpSpPr/>
+        <p:nvPr/>
+      </p:nvGrpSpPr>
+      <p:grpSpPr>
+        <a:xfrm>
+          <a:off x="0" y="0"/>
+          <a:ext cx="0" cy="0"/>
+          <a:chOff x="0" y="0"/>
+          <a:chExt cx="0" cy="0"/>
+        </a:xfrm>
+      </p:grpSpPr>
+      <p:sp>
+        <p:nvSpPr>
+          <p:cNvPr id="403" name="Google Shape;403;p69"/>
+          <p:cNvSpPr txBox="1"/>
+          <p:nvPr>
+            <p:ph type="title"/>
+          </p:nvPr>
+        </p:nvSpPr>
+        <p:spPr>
+          <a:xfrm>
+            <a:off x="311700" y="445025"/>
+            <a:ext cx="8520600" cy="707400"/>
+          </a:xfrm>
+          <a:prstGeom prst="rect">
+            <a:avLst/>
+          </a:prstGeom>
+        </p:spPr>
+        <p:txBody>
+          <a:bodyPr anchorCtr="0" anchor="t" bIns="91425" lIns="91425" spcFirstLastPara="1" rIns="91425" wrap="square" tIns="91425">
+            <a:normAutofit fontScale="90000"/>
+          </a:bodyPr>
+          <a:lstStyle/>
+          <a:p>
+            <a:pPr indent="0" lvl="0" marL="0" rtl="0" algn="l">
+              <a:spcBef>
+                <a:spcPts val="0"/>
+              </a:spcBef>
+              <a:spcAft>
+                <a:spcPts val="0"/>
+              </a:spcAft>
+              <a:buNone/>
+            </a:pPr>
+            <a:r>
+              <a:t/>
+            </a:r>
+            <a:endParaRPr/>
+          </a:p>
+        </p:txBody>
+      </p:sp>
+      <p:sp>
+        <p:nvSpPr>
+          <p:cNvPr id="404" name="Google Shape;404;p69"/>
+          <p:cNvSpPr txBox="1"/>
+          <p:nvPr>
+            <p:ph idx="1" type="body"/>
+          </p:nvPr>
+        </p:nvSpPr>
+        <p:spPr>
+          <a:xfrm>
+            <a:off x="311700" y="1266325"/>
+            <a:ext cx="8520600" cy="3302700"/>
+          </a:xfrm>
+          <a:prstGeom prst="rect">
+            <a:avLst/>
+          </a:prstGeom>
+        </p:spPr>
+        <p:txBody>
+          <a:bodyPr anchorCtr="0" anchor="t" bIns="91425" lIns="91425" spcFirstLastPara="1" rIns="91425" wrap="square" tIns="91425">
+            <a:normAutofit/>
+          </a:bodyPr>
+          <a:lstStyle/>
+          <a:p>
+            <a:pPr indent="0" lvl="0" marL="0" rtl="0" algn="l">
+              <a:spcBef>
+                <a:spcPts val="0"/>
+              </a:spcBef>
+              <a:spcAft>
+                <a:spcPts val="1200"/>
+              </a:spcAft>
+              <a:buNone/>
+            </a:pPr>
+            <a:r>
+              <a:t/>
+            </a:r>
+            <a:endParaRPr/>
+          </a:p>
+        </p:txBody>
+      </p:sp>
+    </p:spTree>
+  </p:cSld>
+  <p:clrMapOvr>
+    <a:masterClrMapping/>
+  </p:clrMapOvr>
+</p:sld>
+</file>
+
 <file path=ppt/slides/slide6.xml><?xml version="1.0" encoding="utf-8"?>
 <p:sld xmlns:a="http://schemas.openxmlformats.org/drawingml/2006/main" xmlns:r="http://schemas.openxmlformats.org/officeDocument/2006/relationships" xmlns:mc="http://schemas.openxmlformats.org/markup-compatibility/2006" xmlns:mv="urn:schemas-microsoft-com:mac:vml" xmlns:p="http://schemas.openxmlformats.org/presentationml/2006/main" xmlns:c="http://schemas.openxmlformats.org/drawingml/2006/chart" xmlns:dgm="http://schemas.openxmlformats.org/drawingml/2006/diagram" xmlns:o="urn:schemas-microsoft-com:office:office" xmlns:v="urn:schemas-microsoft-com:vml" xmlns:pvml="urn:schemas-microsoft-com:office:powerpoint" xmlns:com="http://schemas.openxmlformats.org/drawingml/2006/compatibility" xmlns:p14="http://schemas.microsoft.com/office/powerpoint/2010/main" xmlns:p15="http://schemas.microsoft.com/office/powerpoint/2012/main" xmlns:ahyp="http://schemas.microsoft.com/office/drawing/2018/hyperlinkcolor">
   <p:cSld>
@@ -24026,6 +24565,285 @@
 </file>
 
 <file path=ppt/theme/theme1.xml><?xml version="1.0" encoding="utf-8"?>
+<a:theme xmlns:a="http://schemas.openxmlformats.org/drawingml/2006/main" xmlns:r="http://schemas.openxmlformats.org/officeDocument/2006/relationships">
+  <a:themeElements>
+    <a:clrScheme name="Default">
+      <a:dk1>
+        <a:srgbClr val="000000"/>
+      </a:dk1>
+      <a:lt1>
+        <a:srgbClr val="FFFFFF"/>
+      </a:lt1>
+      <a:dk2>
+        <a:srgbClr val="158158"/>
+      </a:dk2>
+      <a:lt2>
+        <a:srgbClr val="F3F3F3"/>
+      </a:lt2>
+      <a:accent1>
+        <a:srgbClr val="058DC7"/>
+      </a:accent1>
+      <a:accent2>
+        <a:srgbClr val="50B432"/>
+      </a:accent2>
+      <a:accent3>
+        <a:srgbClr val="ED561B"/>
+      </a:accent3>
+      <a:accent4>
+        <a:srgbClr val="EDEF00"/>
+      </a:accent4>
+      <a:accent5>
+        <a:srgbClr val="24CBE5"/>
+      </a:accent5>
+      <a:accent6>
+        <a:srgbClr val="64E572"/>
+      </a:accent6>
+      <a:hlink>
+        <a:srgbClr val="2200CC"/>
+      </a:hlink>
+      <a:folHlink>
+        <a:srgbClr val="551A8B"/>
+      </a:folHlink>
+    </a:clrScheme>
+    <a:fontScheme name="Office">
+      <a:majorFont>
+        <a:latin typeface="Arial"/>
+        <a:ea typeface=""/>
+        <a:cs typeface=""/>
+        <a:font script="Jpan" typeface="ＭＳ Ｐゴシック"/>
+        <a:font script="Hang" typeface="맑은 고딕"/>
+        <a:font script="Hans" typeface="宋体"/>
+        <a:font script="Hant" typeface="新細明體"/>
+        <a:font script="Arab" typeface="Times New Roman"/>
+        <a:font script="Hebr" typeface="Times New Roman"/>
+        <a:font script="Thai" typeface="Angsana New"/>
+        <a:font script="Ethi" typeface="Nyala"/>
+        <a:font script="Beng" typeface="Vrinda"/>
+        <a:font script="Gujr" typeface="Shruti"/>
+        <a:font script="Khmr" typeface="MoolBoran"/>
+        <a:font script="Knda" typeface="Tunga"/>
+        <a:font script="Guru" typeface="Raavi"/>
+        <a:font script="Cans" typeface="Euphemia"/>
+        <a:font script="Cher" typeface="Plantagenet Cherokee"/>
+        <a:font script="Yiii" typeface="Microsoft Yi Baiti"/>
+        <a:font script="Tibt" typeface="Microsoft Himalaya"/>
+        <a:font script="Thaa" typeface="MV Boli"/>
+        <a:font script="Deva" typeface="Mangal"/>
+        <a:font script="Telu" typeface="Gautami"/>
+        <a:font script="Taml" typeface="Latha"/>
+        <a:font script="Syrc" typeface="Estrangelo Edessa"/>
+        <a:font script="Orya" typeface="Kalinga"/>
+        <a:font script="Mlym" typeface="Kartika"/>
+        <a:font script="Laoo" typeface="DokChampa"/>
+        <a:font script="Sinh" typeface="Iskoola Pota"/>
+        <a:font script="Mong" typeface="Mongolian Baiti"/>
+        <a:font script="Viet" typeface="Times New Roman"/>
+        <a:font script="Uigh" typeface="Microsoft Uighur"/>
+        <a:font script="Geor" typeface="Sylfaen"/>
+      </a:majorFont>
+      <a:minorFont>
+        <a:latin typeface="Arial"/>
+        <a:ea typeface=""/>
+        <a:cs typeface=""/>
+        <a:font script="Jpan" typeface="ＭＳ Ｐゴシック"/>
+        <a:font script="Hang" typeface="맑은 고딕"/>
+        <a:font script="Hans" typeface="宋体"/>
+        <a:font script="Hant" typeface="新細明體"/>
+        <a:font script="Arab" typeface="Arial"/>
+        <a:font script="Hebr" typeface="Arial"/>
+        <a:font script="Thai" typeface="Cordia New"/>
+        <a:font script="Ethi" typeface="Nyala"/>
+        <a:font script="Beng" typeface="Vrinda"/>
+        <a:font script="Gujr" typeface="Shruti"/>
+        <a:font script="Khmr" typeface="DaunPenh"/>
+        <a:font script="Knda" typeface="Tunga"/>
+        <a:font script="Guru" typeface="Raavi"/>
+        <a:font script="Cans" typeface="Euphemia"/>
+        <a:font script="Cher" typeface="Plantagenet Cherokee"/>
+        <a:font script="Yiii" typeface="Microsoft Yi Baiti"/>
+        <a:font script="Tibt" typeface="Microsoft Himalaya"/>
+        <a:font script="Thaa" typeface="MV Boli"/>
+        <a:font script="Deva" typeface="Mangal"/>
+        <a:font script="Telu" typeface="Gautami"/>
+        <a:font script="Taml" typeface="Latha"/>
+        <a:font script="Syrc" typeface="Estrangelo Edessa"/>
+        <a:font script="Orya" typeface="Kalinga"/>
+        <a:font script="Mlym" typeface="Kartika"/>
+        <a:font script="Laoo" typeface="DokChampa"/>
+        <a:font script="Sinh" typeface="Iskoola Pota"/>
+        <a:font script="Mong" typeface="Mongolian Baiti"/>
+        <a:font script="Viet" typeface="Arial"/>
+        <a:font script="Uigh" typeface="Microsoft Uighur"/>
+        <a:font script="Geor" typeface="Sylfaen"/>
+      </a:minorFont>
+    </a:fontScheme>
+    <a:fmtScheme name="Office">
+      <a:fillStyleLst>
+        <a:solidFill>
+          <a:schemeClr val="phClr"/>
+        </a:solidFill>
+        <a:gradFill rotWithShape="1">
+          <a:gsLst>
+            <a:gs pos="0">
+              <a:schemeClr val="phClr">
+                <a:tint val="50000"/>
+                <a:satMod val="300000"/>
+              </a:schemeClr>
+            </a:gs>
+            <a:gs pos="35000">
+              <a:schemeClr val="phClr">
+                <a:tint val="37000"/>
+                <a:satMod val="300000"/>
+              </a:schemeClr>
+            </a:gs>
+            <a:gs pos="100000">
+              <a:schemeClr val="phClr">
+                <a:tint val="15000"/>
+                <a:satMod val="350000"/>
+              </a:schemeClr>
+            </a:gs>
+          </a:gsLst>
+          <a:lin ang="16200000" scaled="1"/>
+        </a:gradFill>
+        <a:gradFill rotWithShape="1">
+          <a:gsLst>
+            <a:gs pos="0">
+              <a:schemeClr val="phClr">
+                <a:tint val="100000"/>
+                <a:shade val="100000"/>
+                <a:satMod val="130000"/>
+              </a:schemeClr>
+            </a:gs>
+            <a:gs pos="100000">
+              <a:schemeClr val="phClr">
+                <a:tint val="50000"/>
+                <a:shade val="100000"/>
+                <a:satMod val="350000"/>
+              </a:schemeClr>
+            </a:gs>
+          </a:gsLst>
+          <a:lin ang="16200000" scaled="0"/>
+        </a:gradFill>
+      </a:fillStyleLst>
+      <a:lnStyleLst>
+        <a:ln w="9525" cap="flat" cmpd="sng" algn="ctr">
+          <a:solidFill>
+            <a:schemeClr val="phClr">
+              <a:shade val="95000"/>
+              <a:satMod val="105000"/>
+            </a:schemeClr>
+          </a:solidFill>
+          <a:prstDash val="solid"/>
+        </a:ln>
+        <a:ln w="25400" cap="flat" cmpd="sng" algn="ctr">
+          <a:solidFill>
+            <a:schemeClr val="phClr"/>
+          </a:solidFill>
+          <a:prstDash val="solid"/>
+        </a:ln>
+        <a:ln w="38100" cap="flat" cmpd="sng" algn="ctr">
+          <a:solidFill>
+            <a:schemeClr val="phClr"/>
+          </a:solidFill>
+          <a:prstDash val="solid"/>
+        </a:ln>
+      </a:lnStyleLst>
+      <a:effectStyleLst>
+        <a:effectStyle>
+          <a:effectLst>
+            <a:outerShdw blurRad="40000" dist="20000" dir="5400000" rotWithShape="0">
+              <a:srgbClr val="000000">
+                <a:alpha val="38000"/>
+              </a:srgbClr>
+            </a:outerShdw>
+          </a:effectLst>
+        </a:effectStyle>
+        <a:effectStyle>
+          <a:effectLst>
+            <a:outerShdw blurRad="40000" dist="23000" dir="5400000" rotWithShape="0">
+              <a:srgbClr val="000000">
+                <a:alpha val="35000"/>
+              </a:srgbClr>
+            </a:outerShdw>
+          </a:effectLst>
+        </a:effectStyle>
+        <a:effectStyle>
+          <a:effectLst>
+            <a:outerShdw blurRad="40000" dist="23000" dir="5400000" rotWithShape="0">
+              <a:srgbClr val="000000">
+                <a:alpha val="35000"/>
+              </a:srgbClr>
+            </a:outerShdw>
+          </a:effectLst>
+          <a:scene3d>
+            <a:camera prst="orthographicFront">
+              <a:rot lat="0" lon="0" rev="0"/>
+            </a:camera>
+            <a:lightRig rig="threePt" dir="t">
+              <a:rot lat="0" lon="0" rev="1200000"/>
+            </a:lightRig>
+          </a:scene3d>
+          <a:sp3d>
+            <a:bevelT w="63500" h="25400"/>
+          </a:sp3d>
+        </a:effectStyle>
+      </a:effectStyleLst>
+      <a:bgFillStyleLst>
+        <a:solidFill>
+          <a:schemeClr val="phClr"/>
+        </a:solidFill>
+        <a:gradFill rotWithShape="1">
+          <a:gsLst>
+            <a:gs pos="0">
+              <a:schemeClr val="phClr">
+                <a:tint val="40000"/>
+                <a:satMod val="350000"/>
+              </a:schemeClr>
+            </a:gs>
+            <a:gs pos="40000">
+              <a:schemeClr val="phClr">
+                <a:tint val="45000"/>
+                <a:shade val="99000"/>
+                <a:satMod val="350000"/>
+              </a:schemeClr>
+            </a:gs>
+            <a:gs pos="100000">
+              <a:schemeClr val="phClr">
+                <a:shade val="20000"/>
+                <a:satMod val="255000"/>
+              </a:schemeClr>
+            </a:gs>
+          </a:gsLst>
+          <a:path path="circle">
+            <a:fillToRect l="50000" t="-80000" r="50000" b="180000"/>
+          </a:path>
+        </a:gradFill>
+        <a:gradFill rotWithShape="1">
+          <a:gsLst>
+            <a:gs pos="0">
+              <a:schemeClr val="phClr">
+                <a:tint val="80000"/>
+                <a:satMod val="300000"/>
+              </a:schemeClr>
+            </a:gs>
+            <a:gs pos="100000">
+              <a:schemeClr val="phClr">
+                <a:shade val="30000"/>
+                <a:satMod val="200000"/>
+              </a:schemeClr>
+            </a:gs>
+          </a:gsLst>
+          <a:path path="circle">
+            <a:fillToRect l="50000" t="50000" r="50000" b="50000"/>
+          </a:path>
+        </a:gradFill>
+      </a:bgFillStyleLst>
+    </a:fmtScheme>
+  </a:themeElements>
+</a:theme>
+</file>
+
+<file path=ppt/theme/theme2.xml><?xml version="1.0" encoding="utf-8"?>
 <a:theme xmlns:a="http://schemas.openxmlformats.org/drawingml/2006/main" xmlns:r="http://schemas.openxmlformats.org/officeDocument/2006/relationships" name="Tropic">
   <a:themeElements>
     <a:clrScheme name="Tropic">
@@ -24302,283 +25120,4 @@
     </a:fmtScheme>
   </a:themeElements>
 </a:theme>
-</file>
-
-<file path=ppt/theme/theme2.xml><?xml version="1.0" encoding="utf-8"?>
-<a:theme xmlns:a="http://schemas.openxmlformats.org/drawingml/2006/main" xmlns:r="http://schemas.openxmlformats.org/officeDocument/2006/relationships">
-  <a:themeElements>
-    <a:clrScheme name="Default">
-      <a:dk1>
-        <a:srgbClr val="000000"/>
-      </a:dk1>
-      <a:lt1>
-        <a:srgbClr val="FFFFFF"/>
-      </a:lt1>
-      <a:dk2>
-        <a:srgbClr val="158158"/>
-      </a:dk2>
-      <a:lt2>
-        <a:srgbClr val="F3F3F3"/>
-      </a:lt2>
-      <a:accent1>
-        <a:srgbClr val="058DC7"/>
-      </a:accent1>
-      <a:accent2>
-        <a:srgbClr val="50B432"/>
-      </a:accent2>
-      <a:accent3>
-        <a:srgbClr val="ED561B"/>
-      </a:accent3>
-      <a:accent4>
-        <a:srgbClr val="EDEF00"/>
-      </a:accent4>
-      <a:accent5>
-        <a:srgbClr val="24CBE5"/>
-      </a:accent5>
-      <a:accent6>
-        <a:srgbClr val="64E572"/>
-      </a:accent6>
-      <a:hlink>
-        <a:srgbClr val="2200CC"/>
-      </a:hlink>
-      <a:folHlink>
-        <a:srgbClr val="551A8B"/>
-      </a:folHlink>
-    </a:clrScheme>
-    <a:fontScheme name="Office">
-      <a:majorFont>
-        <a:latin typeface="Arial"/>
-        <a:ea typeface=""/>
-        <a:cs typeface=""/>
-        <a:font script="Jpan" typeface="ＭＳ Ｐゴシック"/>
-        <a:font script="Hang" typeface="맑은 고딕"/>
-        <a:font script="Hans" typeface="宋体"/>
-        <a:font script="Hant" typeface="新細明體"/>
-        <a:font script="Arab" typeface="Times New Roman"/>
-        <a:font script="Hebr" typeface="Times New Roman"/>
-        <a:font script="Thai" typeface="Angsana New"/>
-        <a:font script="Ethi" typeface="Nyala"/>
-        <a:font script="Beng" typeface="Vrinda"/>
-        <a:font script="Gujr" typeface="Shruti"/>
-        <a:font script="Khmr" typeface="MoolBoran"/>
-        <a:font script="Knda" typeface="Tunga"/>
-        <a:font script="Guru" typeface="Raavi"/>
-        <a:font script="Cans" typeface="Euphemia"/>
-        <a:font script="Cher" typeface="Plantagenet Cherokee"/>
-        <a:font script="Yiii" typeface="Microsoft Yi Baiti"/>
-        <a:font script="Tibt" typeface="Microsoft Himalaya"/>
-        <a:font script="Thaa" typeface="MV Boli"/>
-        <a:font script="Deva" typeface="Mangal"/>
-        <a:font script="Telu" typeface="Gautami"/>
-        <a:font script="Taml" typeface="Latha"/>
-        <a:font script="Syrc" typeface="Estrangelo Edessa"/>
-        <a:font script="Orya" typeface="Kalinga"/>
-        <a:font script="Mlym" typeface="Kartika"/>
-        <a:font script="Laoo" typeface="DokChampa"/>
-        <a:font script="Sinh" typeface="Iskoola Pota"/>
-        <a:font script="Mong" typeface="Mongolian Baiti"/>
-        <a:font script="Viet" typeface="Times New Roman"/>
-        <a:font script="Uigh" typeface="Microsoft Uighur"/>
-        <a:font script="Geor" typeface="Sylfaen"/>
-      </a:majorFont>
-      <a:minorFont>
-        <a:latin typeface="Arial"/>
-        <a:ea typeface=""/>
-        <a:cs typeface=""/>
-        <a:font script="Jpan" typeface="ＭＳ Ｐゴシック"/>
-        <a:font script="Hang" typeface="맑은 고딕"/>
-        <a:font script="Hans" typeface="宋体"/>
-        <a:font script="Hant" typeface="新細明體"/>
-        <a:font script="Arab" typeface="Arial"/>
-        <a:font script="Hebr" typeface="Arial"/>
-        <a:font script="Thai" typeface="Cordia New"/>
-        <a:font script="Ethi" typeface="Nyala"/>
-        <a:font script="Beng" typeface="Vrinda"/>
-        <a:font script="Gujr" typeface="Shruti"/>
-        <a:font script="Khmr" typeface="DaunPenh"/>
-        <a:font script="Knda" typeface="Tunga"/>
-        <a:font script="Guru" typeface="Raavi"/>
-        <a:font script="Cans" typeface="Euphemia"/>
-        <a:font script="Cher" typeface="Plantagenet Cherokee"/>
-        <a:font script="Yiii" typeface="Microsoft Yi Baiti"/>
-        <a:font script="Tibt" typeface="Microsoft Himalaya"/>
-        <a:font script="Thaa" typeface="MV Boli"/>
-        <a:font script="Deva" typeface="Mangal"/>
-        <a:font script="Telu" typeface="Gautami"/>
-        <a:font script="Taml" typeface="Latha"/>
-        <a:font script="Syrc" typeface="Estrangelo Edessa"/>
-        <a:font script="Orya" typeface="Kalinga"/>
-        <a:font script="Mlym" typeface="Kartika"/>
-        <a:font script="Laoo" typeface="DokChampa"/>
-        <a:font script="Sinh" typeface="Iskoola Pota"/>
-        <a:font script="Mong" typeface="Mongolian Baiti"/>
-        <a:font script="Viet" typeface="Arial"/>
-        <a:font script="Uigh" typeface="Microsoft Uighur"/>
-        <a:font script="Geor" typeface="Sylfaen"/>
-      </a:minorFont>
-    </a:fontScheme>
-    <a:fmtScheme name="Office">
-      <a:fillStyleLst>
-        <a:solidFill>
-          <a:schemeClr val="phClr"/>
-        </a:solidFill>
-        <a:gradFill rotWithShape="1">
-          <a:gsLst>
-            <a:gs pos="0">
-              <a:schemeClr val="phClr">
-                <a:tint val="50000"/>
-                <a:satMod val="300000"/>
-              </a:schemeClr>
-            </a:gs>
-            <a:gs pos="35000">
-              <a:schemeClr val="phClr">
-                <a:tint val="37000"/>
-                <a:satMod val="300000"/>
-              </a:schemeClr>
-            </a:gs>
-            <a:gs pos="100000">
-              <a:schemeClr val="phClr">
-                <a:tint val="15000"/>
-                <a:satMod val="350000"/>
-              </a:schemeClr>
-            </a:gs>
-          </a:gsLst>
-          <a:lin ang="16200000" scaled="1"/>
-        </a:gradFill>
-        <a:gradFill rotWithShape="1">
-          <a:gsLst>
-            <a:gs pos="0">
-              <a:schemeClr val="phClr">
-                <a:tint val="100000"/>
-                <a:shade val="100000"/>
-                <a:satMod val="130000"/>
-              </a:schemeClr>
-            </a:gs>
-            <a:gs pos="100000">
-              <a:schemeClr val="phClr">
-                <a:tint val="50000"/>
-                <a:shade val="100000"/>
-                <a:satMod val="350000"/>
-              </a:schemeClr>
-            </a:gs>
-          </a:gsLst>
-          <a:lin ang="16200000" scaled="0"/>
-        </a:gradFill>
-      </a:fillStyleLst>
-      <a:lnStyleLst>
-        <a:ln w="9525" cap="flat" cmpd="sng" algn="ctr">
-          <a:solidFill>
-            <a:schemeClr val="phClr">
-              <a:shade val="95000"/>
-              <a:satMod val="105000"/>
-            </a:schemeClr>
-          </a:solidFill>
-          <a:prstDash val="solid"/>
-        </a:ln>
-        <a:ln w="25400" cap="flat" cmpd="sng" algn="ctr">
-          <a:solidFill>
-            <a:schemeClr val="phClr"/>
-          </a:solidFill>
-          <a:prstDash val="solid"/>
-        </a:ln>
-        <a:ln w="38100" cap="flat" cmpd="sng" algn="ctr">
-          <a:solidFill>
-            <a:schemeClr val="phClr"/>
-          </a:solidFill>
-          <a:prstDash val="solid"/>
-        </a:ln>
-      </a:lnStyleLst>
-      <a:effectStyleLst>
-        <a:effectStyle>
-          <a:effectLst>
-            <a:outerShdw blurRad="40000" dist="20000" dir="5400000" rotWithShape="0">
-              <a:srgbClr val="000000">
-                <a:alpha val="38000"/>
-              </a:srgbClr>
-            </a:outerShdw>
-          </a:effectLst>
-        </a:effectStyle>
-        <a:effectStyle>
-          <a:effectLst>
-            <a:outerShdw blurRad="40000" dist="23000" dir="5400000" rotWithShape="0">
-              <a:srgbClr val="000000">
-                <a:alpha val="35000"/>
-              </a:srgbClr>
-            </a:outerShdw>
-          </a:effectLst>
-        </a:effectStyle>
-        <a:effectStyle>
-          <a:effectLst>
-            <a:outerShdw blurRad="40000" dist="23000" dir="5400000" rotWithShape="0">
-              <a:srgbClr val="000000">
-                <a:alpha val="35000"/>
-              </a:srgbClr>
-            </a:outerShdw>
-          </a:effectLst>
-          <a:scene3d>
-            <a:camera prst="orthographicFront">
-              <a:rot lat="0" lon="0" rev="0"/>
-            </a:camera>
-            <a:lightRig rig="threePt" dir="t">
-              <a:rot lat="0" lon="0" rev="1200000"/>
-            </a:lightRig>
-          </a:scene3d>
-          <a:sp3d>
-            <a:bevelT w="63500" h="25400"/>
-          </a:sp3d>
-        </a:effectStyle>
-      </a:effectStyleLst>
-      <a:bgFillStyleLst>
-        <a:solidFill>
-          <a:schemeClr val="phClr"/>
-        </a:solidFill>
-        <a:gradFill rotWithShape="1">
-          <a:gsLst>
-            <a:gs pos="0">
-              <a:schemeClr val="phClr">
-                <a:tint val="40000"/>
-                <a:satMod val="350000"/>
-              </a:schemeClr>
-            </a:gs>
-            <a:gs pos="40000">
-              <a:schemeClr val="phClr">
-                <a:tint val="45000"/>
-                <a:shade val="99000"/>
-                <a:satMod val="350000"/>
-              </a:schemeClr>
-            </a:gs>
-            <a:gs pos="100000">
-              <a:schemeClr val="phClr">
-                <a:shade val="20000"/>
-                <a:satMod val="255000"/>
-              </a:schemeClr>
-            </a:gs>
-          </a:gsLst>
-          <a:path path="circle">
-            <a:fillToRect l="50000" t="-80000" r="50000" b="180000"/>
-          </a:path>
-        </a:gradFill>
-        <a:gradFill rotWithShape="1">
-          <a:gsLst>
-            <a:gs pos="0">
-              <a:schemeClr val="phClr">
-                <a:tint val="80000"/>
-                <a:satMod val="300000"/>
-              </a:schemeClr>
-            </a:gs>
-            <a:gs pos="100000">
-              <a:schemeClr val="phClr">
-                <a:shade val="30000"/>
-                <a:satMod val="200000"/>
-              </a:schemeClr>
-            </a:gs>
-          </a:gsLst>
-          <a:path path="circle">
-            <a:fillToRect l="50000" t="50000" r="50000" b="50000"/>
-          </a:path>
-        </a:gradFill>
-      </a:bgFillStyleLst>
-    </a:fmtScheme>
-  </a:themeElements>
-</a:theme>
 </file>
--- a/ISTQB Foundation Level Preparation.pptx
+++ b/ISTQB Foundation Level Preparation.pptx
@@ -65,21 +65,25 @@
     <p:sldId id="310" r:id="rId61"/>
     <p:sldId id="311" r:id="rId62"/>
     <p:sldId id="312" r:id="rId63"/>
+    <p:sldId id="313" r:id="rId64"/>
+    <p:sldId id="314" r:id="rId65"/>
+    <p:sldId id="315" r:id="rId66"/>
+    <p:sldId id="316" r:id="rId67"/>
   </p:sldIdLst>
   <p:sldSz cy="5143500" cx="9144000"/>
   <p:notesSz cx="6858000" cy="9144000"/>
   <p:embeddedFontLst>
     <p:embeddedFont>
       <p:font typeface="PT Sans Narrow"/>
-      <p:regular r:id="rId64"/>
-      <p:bold r:id="rId65"/>
+      <p:regular r:id="rId68"/>
+      <p:bold r:id="rId69"/>
     </p:embeddedFont>
     <p:embeddedFont>
       <p:font typeface="Open Sans"/>
-      <p:regular r:id="rId66"/>
-      <p:bold r:id="rId67"/>
-      <p:italic r:id="rId68"/>
-      <p:boldItalic r:id="rId69"/>
+      <p:regular r:id="rId70"/>
+      <p:bold r:id="rId71"/>
+      <p:italic r:id="rId72"/>
+      <p:boldItalic r:id="rId73"/>
     </p:embeddedFont>
   </p:embeddedFontLst>
   <p:defaultTextStyle>
@@ -5909,7 +5913,7 @@
   <p:cSld>
     <p:spTree>
       <p:nvGrpSpPr>
-        <p:cNvPr id="399" name="Shape 399"/>
+        <p:cNvPr id="400" name="Shape 400"/>
         <p:cNvGrpSpPr/>
         <p:nvPr/>
       </p:nvGrpSpPr>
@@ -5923,7 +5927,7 @@
       </p:grpSpPr>
       <p:sp>
         <p:nvSpPr>
-          <p:cNvPr id="400" name="Google Shape;400;g2f13a2c1d0d_4_5:notes"/>
+          <p:cNvPr id="401" name="Google Shape;401;g2f13a2c1d0d_4_5:notes"/>
           <p:cNvSpPr/>
           <p:nvPr>
             <p:ph idx="2" type="sldImg"/>
@@ -5958,7 +5962,205 @@
       </p:sp>
       <p:sp>
         <p:nvSpPr>
-          <p:cNvPr id="401" name="Google Shape;401;g2f13a2c1d0d_4_5:notes"/>
+          <p:cNvPr id="402" name="Google Shape;402;g2f13a2c1d0d_4_5:notes"/>
+          <p:cNvSpPr txBox="1"/>
+          <p:nvPr>
+            <p:ph idx="1" type="body"/>
+          </p:nvPr>
+        </p:nvSpPr>
+        <p:spPr>
+          <a:xfrm>
+            <a:off x="685800" y="4343400"/>
+            <a:ext cx="5486400" cy="4114800"/>
+          </a:xfrm>
+          <a:prstGeom prst="rect">
+            <a:avLst/>
+          </a:prstGeom>
+        </p:spPr>
+        <p:txBody>
+          <a:bodyPr anchorCtr="0" anchor="t" bIns="91425" lIns="91425" spcFirstLastPara="1" rIns="91425" wrap="square" tIns="91425">
+            <a:noAutofit/>
+          </a:bodyPr>
+          <a:lstStyle/>
+          <a:p>
+            <a:pPr indent="0" lvl="0" marL="0" rtl="0" algn="l">
+              <a:spcBef>
+                <a:spcPts val="0"/>
+              </a:spcBef>
+              <a:spcAft>
+                <a:spcPts val="0"/>
+              </a:spcAft>
+              <a:buNone/>
+            </a:pPr>
+            <a:r>
+              <a:t/>
+            </a:r>
+            <a:endParaRPr/>
+          </a:p>
+        </p:txBody>
+      </p:sp>
+    </p:spTree>
+  </p:cSld>
+  <p:clrMapOvr>
+    <a:masterClrMapping/>
+  </p:clrMapOvr>
+</p:notes>
+</file>
+
+<file path=ppt/notesSlides/notesSlide58.xml><?xml version="1.0" encoding="utf-8"?>
+<p:notes xmlns:a="http://schemas.openxmlformats.org/drawingml/2006/main" xmlns:r="http://schemas.openxmlformats.org/officeDocument/2006/relationships" xmlns:mc="http://schemas.openxmlformats.org/markup-compatibility/2006" xmlns:mv="urn:schemas-microsoft-com:mac:vml" xmlns:p="http://schemas.openxmlformats.org/presentationml/2006/main" xmlns:c="http://schemas.openxmlformats.org/drawingml/2006/chart" xmlns:dgm="http://schemas.openxmlformats.org/drawingml/2006/diagram" xmlns:o="urn:schemas-microsoft-com:office:office" xmlns:v="urn:schemas-microsoft-com:vml" xmlns:pvml="urn:schemas-microsoft-com:office:powerpoint" xmlns:com="http://schemas.openxmlformats.org/drawingml/2006/compatibility" xmlns:p14="http://schemas.microsoft.com/office/powerpoint/2010/main" xmlns:p15="http://schemas.microsoft.com/office/powerpoint/2012/main" xmlns:ahyp="http://schemas.microsoft.com/office/drawing/2018/hyperlinkcolor" showMasterPhAnim="0" showMasterSp="0">
+  <p:cSld>
+    <p:spTree>
+      <p:nvGrpSpPr>
+        <p:cNvPr id="405" name="Shape 405"/>
+        <p:cNvGrpSpPr/>
+        <p:nvPr/>
+      </p:nvGrpSpPr>
+      <p:grpSpPr>
+        <a:xfrm>
+          <a:off x="0" y="0"/>
+          <a:ext cx="0" cy="0"/>
+          <a:chOff x="0" y="0"/>
+          <a:chExt cx="0" cy="0"/>
+        </a:xfrm>
+      </p:grpSpPr>
+      <p:sp>
+        <p:nvSpPr>
+          <p:cNvPr id="406" name="Google Shape;406;g2f13a2c1d0d_4_21:notes"/>
+          <p:cNvSpPr/>
+          <p:nvPr>
+            <p:ph idx="2" type="sldImg"/>
+          </p:nvPr>
+        </p:nvSpPr>
+        <p:spPr>
+          <a:xfrm>
+            <a:off x="381300" y="685800"/>
+            <a:ext cx="6096000" cy="3429000"/>
+          </a:xfrm>
+          <a:custGeom>
+            <a:rect b="b" l="l" r="r" t="t"/>
+            <a:pathLst>
+              <a:path extrusionOk="0" h="120000" w="120000">
+                <a:moveTo>
+                  <a:pt x="0" y="0"/>
+                </a:moveTo>
+                <a:lnTo>
+                  <a:pt x="120000" y="0"/>
+                </a:lnTo>
+                <a:lnTo>
+                  <a:pt x="120000" y="120000"/>
+                </a:lnTo>
+                <a:lnTo>
+                  <a:pt x="0" y="120000"/>
+                </a:lnTo>
+                <a:close/>
+              </a:path>
+            </a:pathLst>
+          </a:custGeom>
+        </p:spPr>
+      </p:sp>
+      <p:sp>
+        <p:nvSpPr>
+          <p:cNvPr id="407" name="Google Shape;407;g2f13a2c1d0d_4_21:notes"/>
+          <p:cNvSpPr txBox="1"/>
+          <p:nvPr>
+            <p:ph idx="1" type="body"/>
+          </p:nvPr>
+        </p:nvSpPr>
+        <p:spPr>
+          <a:xfrm>
+            <a:off x="685800" y="4343400"/>
+            <a:ext cx="5486400" cy="4114800"/>
+          </a:xfrm>
+          <a:prstGeom prst="rect">
+            <a:avLst/>
+          </a:prstGeom>
+        </p:spPr>
+        <p:txBody>
+          <a:bodyPr anchorCtr="0" anchor="t" bIns="91425" lIns="91425" spcFirstLastPara="1" rIns="91425" wrap="square" tIns="91425">
+            <a:noAutofit/>
+          </a:bodyPr>
+          <a:lstStyle/>
+          <a:p>
+            <a:pPr indent="0" lvl="0" marL="0" rtl="0" algn="l">
+              <a:spcBef>
+                <a:spcPts val="0"/>
+              </a:spcBef>
+              <a:spcAft>
+                <a:spcPts val="0"/>
+              </a:spcAft>
+              <a:buNone/>
+            </a:pPr>
+            <a:r>
+              <a:t/>
+            </a:r>
+            <a:endParaRPr/>
+          </a:p>
+        </p:txBody>
+      </p:sp>
+    </p:spTree>
+  </p:cSld>
+  <p:clrMapOvr>
+    <a:masterClrMapping/>
+  </p:clrMapOvr>
+</p:notes>
+</file>
+
+<file path=ppt/notesSlides/notesSlide59.xml><?xml version="1.0" encoding="utf-8"?>
+<p:notes xmlns:a="http://schemas.openxmlformats.org/drawingml/2006/main" xmlns:r="http://schemas.openxmlformats.org/officeDocument/2006/relationships" xmlns:mc="http://schemas.openxmlformats.org/markup-compatibility/2006" xmlns:mv="urn:schemas-microsoft-com:mac:vml" xmlns:p="http://schemas.openxmlformats.org/presentationml/2006/main" xmlns:c="http://schemas.openxmlformats.org/drawingml/2006/chart" xmlns:dgm="http://schemas.openxmlformats.org/drawingml/2006/diagram" xmlns:o="urn:schemas-microsoft-com:office:office" xmlns:v="urn:schemas-microsoft-com:vml" xmlns:pvml="urn:schemas-microsoft-com:office:powerpoint" xmlns:com="http://schemas.openxmlformats.org/drawingml/2006/compatibility" xmlns:p14="http://schemas.microsoft.com/office/powerpoint/2010/main" xmlns:p15="http://schemas.microsoft.com/office/powerpoint/2012/main" xmlns:ahyp="http://schemas.microsoft.com/office/drawing/2018/hyperlinkcolor" showMasterPhAnim="0" showMasterSp="0">
+  <p:cSld>
+    <p:spTree>
+      <p:nvGrpSpPr>
+        <p:cNvPr id="411" name="Shape 411"/>
+        <p:cNvGrpSpPr/>
+        <p:nvPr/>
+      </p:nvGrpSpPr>
+      <p:grpSpPr>
+        <a:xfrm>
+          <a:off x="0" y="0"/>
+          <a:ext cx="0" cy="0"/>
+          <a:chOff x="0" y="0"/>
+          <a:chExt cx="0" cy="0"/>
+        </a:xfrm>
+      </p:grpSpPr>
+      <p:sp>
+        <p:nvSpPr>
+          <p:cNvPr id="412" name="Google Shape;412;g2f13a2c1d0d_4_26:notes"/>
+          <p:cNvSpPr/>
+          <p:nvPr>
+            <p:ph idx="2" type="sldImg"/>
+          </p:nvPr>
+        </p:nvSpPr>
+        <p:spPr>
+          <a:xfrm>
+            <a:off x="381300" y="685800"/>
+            <a:ext cx="6096000" cy="3429000"/>
+          </a:xfrm>
+          <a:custGeom>
+            <a:rect b="b" l="l" r="r" t="t"/>
+            <a:pathLst>
+              <a:path extrusionOk="0" h="120000" w="120000">
+                <a:moveTo>
+                  <a:pt x="0" y="0"/>
+                </a:moveTo>
+                <a:lnTo>
+                  <a:pt x="120000" y="0"/>
+                </a:lnTo>
+                <a:lnTo>
+                  <a:pt x="120000" y="120000"/>
+                </a:lnTo>
+                <a:lnTo>
+                  <a:pt x="0" y="120000"/>
+                </a:lnTo>
+                <a:close/>
+              </a:path>
+            </a:pathLst>
+          </a:custGeom>
+        </p:spPr>
+      </p:sp>
+      <p:sp>
+        <p:nvSpPr>
+          <p:cNvPr id="413" name="Google Shape;413;g2f13a2c1d0d_4_26:notes"/>
           <p:cNvSpPr txBox="1"/>
           <p:nvPr>
             <p:ph idx="1" type="body"/>
@@ -6058,6 +6260,204 @@
       <p:sp>
         <p:nvSpPr>
           <p:cNvPr id="94" name="Google Shape;94;g29a4c6b8399_0_1307:notes"/>
+          <p:cNvSpPr txBox="1"/>
+          <p:nvPr>
+            <p:ph idx="1" type="body"/>
+          </p:nvPr>
+        </p:nvSpPr>
+        <p:spPr>
+          <a:xfrm>
+            <a:off x="685800" y="4343400"/>
+            <a:ext cx="5486400" cy="4114800"/>
+          </a:xfrm>
+          <a:prstGeom prst="rect">
+            <a:avLst/>
+          </a:prstGeom>
+        </p:spPr>
+        <p:txBody>
+          <a:bodyPr anchorCtr="0" anchor="t" bIns="91425" lIns="91425" spcFirstLastPara="1" rIns="91425" wrap="square" tIns="91425">
+            <a:noAutofit/>
+          </a:bodyPr>
+          <a:lstStyle/>
+          <a:p>
+            <a:pPr indent="0" lvl="0" marL="0" rtl="0" algn="l">
+              <a:spcBef>
+                <a:spcPts val="0"/>
+              </a:spcBef>
+              <a:spcAft>
+                <a:spcPts val="0"/>
+              </a:spcAft>
+              <a:buNone/>
+            </a:pPr>
+            <a:r>
+              <a:t/>
+            </a:r>
+            <a:endParaRPr/>
+          </a:p>
+        </p:txBody>
+      </p:sp>
+    </p:spTree>
+  </p:cSld>
+  <p:clrMapOvr>
+    <a:masterClrMapping/>
+  </p:clrMapOvr>
+</p:notes>
+</file>
+
+<file path=ppt/notesSlides/notesSlide60.xml><?xml version="1.0" encoding="utf-8"?>
+<p:notes xmlns:a="http://schemas.openxmlformats.org/drawingml/2006/main" xmlns:r="http://schemas.openxmlformats.org/officeDocument/2006/relationships" xmlns:mc="http://schemas.openxmlformats.org/markup-compatibility/2006" xmlns:mv="urn:schemas-microsoft-com:mac:vml" xmlns:p="http://schemas.openxmlformats.org/presentationml/2006/main" xmlns:c="http://schemas.openxmlformats.org/drawingml/2006/chart" xmlns:dgm="http://schemas.openxmlformats.org/drawingml/2006/diagram" xmlns:o="urn:schemas-microsoft-com:office:office" xmlns:v="urn:schemas-microsoft-com:vml" xmlns:pvml="urn:schemas-microsoft-com:office:powerpoint" xmlns:com="http://schemas.openxmlformats.org/drawingml/2006/compatibility" xmlns:p14="http://schemas.microsoft.com/office/powerpoint/2010/main" xmlns:p15="http://schemas.microsoft.com/office/powerpoint/2012/main" xmlns:ahyp="http://schemas.microsoft.com/office/drawing/2018/hyperlinkcolor" showMasterPhAnim="0" showMasterSp="0">
+  <p:cSld>
+    <p:spTree>
+      <p:nvGrpSpPr>
+        <p:cNvPr id="416" name="Shape 416"/>
+        <p:cNvGrpSpPr/>
+        <p:nvPr/>
+      </p:nvGrpSpPr>
+      <p:grpSpPr>
+        <a:xfrm>
+          <a:off x="0" y="0"/>
+          <a:ext cx="0" cy="0"/>
+          <a:chOff x="0" y="0"/>
+          <a:chExt cx="0" cy="0"/>
+        </a:xfrm>
+      </p:grpSpPr>
+      <p:sp>
+        <p:nvSpPr>
+          <p:cNvPr id="417" name="Google Shape;417;g2f13a2c1d0d_4_35:notes"/>
+          <p:cNvSpPr/>
+          <p:nvPr>
+            <p:ph idx="2" type="sldImg"/>
+          </p:nvPr>
+        </p:nvSpPr>
+        <p:spPr>
+          <a:xfrm>
+            <a:off x="381300" y="685800"/>
+            <a:ext cx="6096000" cy="3429000"/>
+          </a:xfrm>
+          <a:custGeom>
+            <a:rect b="b" l="l" r="r" t="t"/>
+            <a:pathLst>
+              <a:path extrusionOk="0" h="120000" w="120000">
+                <a:moveTo>
+                  <a:pt x="0" y="0"/>
+                </a:moveTo>
+                <a:lnTo>
+                  <a:pt x="120000" y="0"/>
+                </a:lnTo>
+                <a:lnTo>
+                  <a:pt x="120000" y="120000"/>
+                </a:lnTo>
+                <a:lnTo>
+                  <a:pt x="0" y="120000"/>
+                </a:lnTo>
+                <a:close/>
+              </a:path>
+            </a:pathLst>
+          </a:custGeom>
+        </p:spPr>
+      </p:sp>
+      <p:sp>
+        <p:nvSpPr>
+          <p:cNvPr id="418" name="Google Shape;418;g2f13a2c1d0d_4_35:notes"/>
+          <p:cNvSpPr txBox="1"/>
+          <p:nvPr>
+            <p:ph idx="1" type="body"/>
+          </p:nvPr>
+        </p:nvSpPr>
+        <p:spPr>
+          <a:xfrm>
+            <a:off x="685800" y="4343400"/>
+            <a:ext cx="5486400" cy="4114800"/>
+          </a:xfrm>
+          <a:prstGeom prst="rect">
+            <a:avLst/>
+          </a:prstGeom>
+        </p:spPr>
+        <p:txBody>
+          <a:bodyPr anchorCtr="0" anchor="t" bIns="91425" lIns="91425" spcFirstLastPara="1" rIns="91425" wrap="square" tIns="91425">
+            <a:noAutofit/>
+          </a:bodyPr>
+          <a:lstStyle/>
+          <a:p>
+            <a:pPr indent="0" lvl="0" marL="0" rtl="0" algn="l">
+              <a:spcBef>
+                <a:spcPts val="0"/>
+              </a:spcBef>
+              <a:spcAft>
+                <a:spcPts val="0"/>
+              </a:spcAft>
+              <a:buNone/>
+            </a:pPr>
+            <a:r>
+              <a:t/>
+            </a:r>
+            <a:endParaRPr/>
+          </a:p>
+        </p:txBody>
+      </p:sp>
+    </p:spTree>
+  </p:cSld>
+  <p:clrMapOvr>
+    <a:masterClrMapping/>
+  </p:clrMapOvr>
+</p:notes>
+</file>
+
+<file path=ppt/notesSlides/notesSlide61.xml><?xml version="1.0" encoding="utf-8"?>
+<p:notes xmlns:a="http://schemas.openxmlformats.org/drawingml/2006/main" xmlns:r="http://schemas.openxmlformats.org/officeDocument/2006/relationships" xmlns:mc="http://schemas.openxmlformats.org/markup-compatibility/2006" xmlns:mv="urn:schemas-microsoft-com:mac:vml" xmlns:p="http://schemas.openxmlformats.org/presentationml/2006/main" xmlns:c="http://schemas.openxmlformats.org/drawingml/2006/chart" xmlns:dgm="http://schemas.openxmlformats.org/drawingml/2006/diagram" xmlns:o="urn:schemas-microsoft-com:office:office" xmlns:v="urn:schemas-microsoft-com:vml" xmlns:pvml="urn:schemas-microsoft-com:office:powerpoint" xmlns:com="http://schemas.openxmlformats.org/drawingml/2006/compatibility" xmlns:p14="http://schemas.microsoft.com/office/powerpoint/2010/main" xmlns:p15="http://schemas.microsoft.com/office/powerpoint/2012/main" xmlns:ahyp="http://schemas.microsoft.com/office/drawing/2018/hyperlinkcolor" showMasterPhAnim="0" showMasterSp="0">
+  <p:cSld>
+    <p:spTree>
+      <p:nvGrpSpPr>
+        <p:cNvPr id="421" name="Shape 421"/>
+        <p:cNvGrpSpPr/>
+        <p:nvPr/>
+      </p:nvGrpSpPr>
+      <p:grpSpPr>
+        <a:xfrm>
+          <a:off x="0" y="0"/>
+          <a:ext cx="0" cy="0"/>
+          <a:chOff x="0" y="0"/>
+          <a:chExt cx="0" cy="0"/>
+        </a:xfrm>
+      </p:grpSpPr>
+      <p:sp>
+        <p:nvSpPr>
+          <p:cNvPr id="422" name="Google Shape;422;g2f13a2c1d0d_4_40:notes"/>
+          <p:cNvSpPr/>
+          <p:nvPr>
+            <p:ph idx="2" type="sldImg"/>
+          </p:nvPr>
+        </p:nvSpPr>
+        <p:spPr>
+          <a:xfrm>
+            <a:off x="381300" y="685800"/>
+            <a:ext cx="6096000" cy="3429000"/>
+          </a:xfrm>
+          <a:custGeom>
+            <a:rect b="b" l="l" r="r" t="t"/>
+            <a:pathLst>
+              <a:path extrusionOk="0" h="120000" w="120000">
+                <a:moveTo>
+                  <a:pt x="0" y="0"/>
+                </a:moveTo>
+                <a:lnTo>
+                  <a:pt x="120000" y="0"/>
+                </a:lnTo>
+                <a:lnTo>
+                  <a:pt x="120000" y="120000"/>
+                </a:lnTo>
+                <a:lnTo>
+                  <a:pt x="0" y="120000"/>
+                </a:lnTo>
+                <a:close/>
+              </a:path>
+            </a:pathLst>
+          </a:custGeom>
+        </p:spPr>
+      </p:sp>
+      <p:sp>
+        <p:nvSpPr>
+          <p:cNvPr id="423" name="Google Shape;423;g2f13a2c1d0d_4_40:notes"/>
           <p:cNvSpPr txBox="1"/>
           <p:nvPr>
             <p:ph idx="1" type="body"/>
@@ -18641,7 +19041,7 @@
             <a:tbl>
               <a:tblPr>
                 <a:noFill/>
-                <a:tableStyleId>{10B4E7AE-2D56-4951-9267-EE1B9DE7A3AE}</a:tableStyleId>
+                <a:tableStyleId>{7E9CDAC2-F0DF-485C-ADB0-ED5493A748C1}</a:tableStyleId>
               </a:tblPr>
               <a:tblGrid>
                 <a:gridCol w="5713925"/>
@@ -23355,8 +23755,8 @@
         </p:nvSpPr>
         <p:spPr>
           <a:xfrm>
-            <a:off x="311700" y="262425"/>
-            <a:ext cx="8520600" cy="4306500"/>
+            <a:off x="311700" y="157450"/>
+            <a:ext cx="8520600" cy="4723800"/>
           </a:xfrm>
           <a:prstGeom prst="rect">
             <a:avLst/>
@@ -23364,7 +23764,7 @@
         </p:spPr>
         <p:txBody>
           <a:bodyPr anchorCtr="0" anchor="t" bIns="91425" lIns="91425" spcFirstLastPara="1" rIns="91425" wrap="square" tIns="91425">
-            <a:normAutofit lnSpcReduction="10000"/>
+            <a:normAutofit lnSpcReduction="20000"/>
           </a:bodyPr>
           <a:lstStyle/>
           <a:p>
@@ -23377,61 +23777,29 @@
               </a:spcAft>
               <a:buNone/>
             </a:pPr>
+            <a:r>
+              <a:rPr b="1" lang="en">
+                <a:solidFill>
+                  <a:schemeClr val="accent1"/>
+                </a:solidFill>
+              </a:rPr>
+              <a:t>22.</a:t>
+            </a:r>
             <a:r>
               <a:rPr lang="en">
                 <a:solidFill>
                   <a:schemeClr val="accent1"/>
                 </a:solidFill>
               </a:rPr>
-              <a:t>Question #22</a:t>
-            </a:r>
-            <a:endParaRPr>
-              <a:solidFill>
-                <a:schemeClr val="accent1"/>
-              </a:solidFill>
-            </a:endParaRPr>
-          </a:p>
-          <a:p>
-            <a:pPr indent="0" lvl="0" marL="0" rtl="0" algn="l">
-              <a:spcBef>
-                <a:spcPts val="1200"/>
-              </a:spcBef>
-              <a:spcAft>
-                <a:spcPts val="0"/>
-              </a:spcAft>
-              <a:buNone/>
-            </a:pPr>
+              <a:t> </a:t>
+            </a:r>
             <a:r>
               <a:rPr lang="en">
                 <a:solidFill>
                   <a:schemeClr val="accent1"/>
                 </a:solidFill>
               </a:rPr>
-              <a:t>Your favorite bicycle daily rental store has just introduced a new Customer Relationship Management system and asked you, one of their most loyal members, to test it.</a:t>
-            </a:r>
-            <a:endParaRPr>
-              <a:solidFill>
-                <a:schemeClr val="accent1"/>
-              </a:solidFill>
-            </a:endParaRPr>
-          </a:p>
-          <a:p>
-            <a:pPr indent="0" lvl="0" marL="0" rtl="0" algn="l">
-              <a:spcBef>
-                <a:spcPts val="1200"/>
-              </a:spcBef>
-              <a:spcAft>
-                <a:spcPts val="0"/>
-              </a:spcAft>
-              <a:buNone/>
-            </a:pPr>
-            <a:r>
-              <a:rPr lang="en">
-                <a:solidFill>
-                  <a:schemeClr val="accent1"/>
-                </a:solidFill>
-              </a:rPr>
-              <a:t>The implemented features are as follows:</a:t>
+              <a:t>Your favorite bicycle daily rental store has just introduced a new Customer Relationship Management system and asked you, one of their most loyal members, to test it. The implemented features are as follows:</a:t>
             </a:r>
             <a:endParaRPr>
               <a:solidFill>
@@ -23522,12 +23890,36 @@
               <a:buNone/>
             </a:pPr>
             <a:r>
+              <a:rPr b="1" lang="en">
+                <a:solidFill>
+                  <a:schemeClr val="accent1"/>
+                </a:solidFill>
+              </a:rPr>
+              <a:t>Decision table describing the implemented features looks as follows:</a:t>
+            </a:r>
+            <a:endParaRPr b="1">
+              <a:solidFill>
+                <a:schemeClr val="accent1"/>
+              </a:solidFill>
+            </a:endParaRPr>
+          </a:p>
+          <a:p>
+            <a:pPr indent="0" lvl="0" marL="0" rtl="0" algn="l">
+              <a:spcBef>
+                <a:spcPts val="1200"/>
+              </a:spcBef>
+              <a:spcAft>
+                <a:spcPts val="0"/>
+              </a:spcAft>
+              <a:buNone/>
+            </a:pPr>
+            <a:r>
               <a:rPr lang="en">
                 <a:solidFill>
                   <a:schemeClr val="accent1"/>
                 </a:solidFill>
               </a:rPr>
-              <a:t>Decision table describing the implemented features looks as follows:</a:t>
+              <a:t>a) R4</a:t>
             </a:r>
             <a:endParaRPr>
               <a:solidFill>
@@ -23541,12 +23933,17 @@
                 <a:spcPts val="1200"/>
               </a:spcBef>
               <a:spcAft>
-                <a:spcPts val="1200"/>
-              </a:spcAft>
-              <a:buNone/>
-            </a:pPr>
-            <a:r>
-              <a:t/>
+                <a:spcPts val="0"/>
+              </a:spcAft>
+              <a:buNone/>
+            </a:pPr>
+            <a:r>
+              <a:rPr lang="en">
+                <a:solidFill>
+                  <a:schemeClr val="accent1"/>
+                </a:solidFill>
+              </a:rPr>
+              <a:t>b) R2</a:t>
             </a:r>
             <a:endParaRPr>
               <a:solidFill>
@@ -23554,8 +23951,108 @@
               </a:solidFill>
             </a:endParaRPr>
           </a:p>
+          <a:p>
+            <a:pPr indent="0" lvl="0" marL="0" rtl="0" algn="l">
+              <a:spcBef>
+                <a:spcPts val="1200"/>
+              </a:spcBef>
+              <a:spcAft>
+                <a:spcPts val="0"/>
+              </a:spcAft>
+              <a:buNone/>
+            </a:pPr>
+            <a:r>
+              <a:rPr lang="en">
+                <a:solidFill>
+                  <a:schemeClr val="accent1"/>
+                </a:solidFill>
+              </a:rPr>
+              <a:t>c) R6</a:t>
+            </a:r>
+            <a:endParaRPr>
+              <a:solidFill>
+                <a:schemeClr val="accent1"/>
+              </a:solidFill>
+            </a:endParaRPr>
+          </a:p>
+          <a:p>
+            <a:pPr indent="0" lvl="0" marL="0" rtl="0" algn="l">
+              <a:spcBef>
+                <a:spcPts val="1200"/>
+              </a:spcBef>
+              <a:spcAft>
+                <a:spcPts val="0"/>
+              </a:spcAft>
+              <a:buNone/>
+            </a:pPr>
+            <a:r>
+              <a:rPr lang="en">
+                <a:solidFill>
+                  <a:schemeClr val="accent1"/>
+                </a:solidFill>
+              </a:rPr>
+              <a:t>d) R8</a:t>
+            </a:r>
+            <a:endParaRPr>
+              <a:solidFill>
+                <a:schemeClr val="accent1"/>
+              </a:solidFill>
+            </a:endParaRPr>
+          </a:p>
+          <a:p>
+            <a:pPr indent="0" lvl="0" marL="0" rtl="0" algn="l">
+              <a:spcBef>
+                <a:spcPts val="1200"/>
+              </a:spcBef>
+              <a:spcAft>
+                <a:spcPts val="1200"/>
+              </a:spcAft>
+              <a:buNone/>
+            </a:pPr>
+            <a:r>
+              <a:rPr lang="en">
+                <a:solidFill>
+                  <a:schemeClr val="accent1"/>
+                </a:solidFill>
+              </a:rPr>
+              <a:t>Select ONE option</a:t>
+            </a:r>
+            <a:endParaRPr>
+              <a:solidFill>
+                <a:schemeClr val="accent1"/>
+              </a:solidFill>
+            </a:endParaRPr>
+          </a:p>
         </p:txBody>
       </p:sp>
+      <p:pic>
+        <p:nvPicPr>
+          <p:cNvPr id="399" name="Google Shape;399;p68"/>
+          <p:cNvPicPr preferRelativeResize="0"/>
+          <p:nvPr/>
+        </p:nvPicPr>
+        <p:blipFill>
+          <a:blip r:embed="rId3">
+            <a:alphaModFix/>
+          </a:blip>
+          <a:stretch>
+            <a:fillRect/>
+          </a:stretch>
+        </p:blipFill>
+        <p:spPr>
+          <a:xfrm>
+            <a:off x="3907863" y="3255400"/>
+            <a:ext cx="4924425" cy="1466850"/>
+          </a:xfrm>
+          <a:prstGeom prst="rect">
+            <a:avLst/>
+          </a:prstGeom>
+          <a:noFill/>
+          <a:ln>
+            <a:noFill/>
+          </a:ln>
+        </p:spPr>
+      </p:pic>
     </p:spTree>
   </p:cSld>
   <p:clrMapOvr>
@@ -23569,7 +24066,7 @@
   <p:cSld>
     <p:spTree>
       <p:nvGrpSpPr>
-        <p:cNvPr id="402" name="Shape 402"/>
+        <p:cNvPr id="403" name="Shape 403"/>
         <p:cNvGrpSpPr/>
         <p:nvPr/>
       </p:nvGrpSpPr>
@@ -23583,45 +24080,6 @@
       </p:grpSpPr>
       <p:sp>
         <p:nvSpPr>
-          <p:cNvPr id="403" name="Google Shape;403;p69"/>
-          <p:cNvSpPr txBox="1"/>
-          <p:nvPr>
-            <p:ph type="title"/>
-          </p:nvPr>
-        </p:nvSpPr>
-        <p:spPr>
-          <a:xfrm>
-            <a:off x="311700" y="445025"/>
-            <a:ext cx="8520600" cy="707400"/>
-          </a:xfrm>
-          <a:prstGeom prst="rect">
-            <a:avLst/>
-          </a:prstGeom>
-        </p:spPr>
-        <p:txBody>
-          <a:bodyPr anchorCtr="0" anchor="t" bIns="91425" lIns="91425" spcFirstLastPara="1" rIns="91425" wrap="square" tIns="91425">
-            <a:normAutofit fontScale="90000"/>
-          </a:bodyPr>
-          <a:lstStyle/>
-          <a:p>
-            <a:pPr indent="0" lvl="0" marL="0" rtl="0" algn="l">
-              <a:spcBef>
-                <a:spcPts val="0"/>
-              </a:spcBef>
-              <a:spcAft>
-                <a:spcPts val="0"/>
-              </a:spcAft>
-              <a:buNone/>
-            </a:pPr>
-            <a:r>
-              <a:t/>
-            </a:r>
-            <a:endParaRPr/>
-          </a:p>
-        </p:txBody>
-      </p:sp>
-      <p:sp>
-        <p:nvSpPr>
           <p:cNvPr id="404" name="Google Shape;404;p69"/>
           <p:cNvSpPr txBox="1"/>
           <p:nvPr>
@@ -23630,8 +24088,8 @@
         </p:nvSpPr>
         <p:spPr>
           <a:xfrm>
-            <a:off x="311700" y="1266325"/>
-            <a:ext cx="8520600" cy="3302700"/>
+            <a:off x="311700" y="192450"/>
+            <a:ext cx="8520600" cy="4671000"/>
           </a:xfrm>
           <a:prstGeom prst="rect">
             <a:avLst/>
@@ -23648,14 +24106,551 @@
                 <a:spcPts val="0"/>
               </a:spcBef>
               <a:spcAft>
-                <a:spcPts val="1200"/>
-              </a:spcAft>
-              <a:buNone/>
-            </a:pPr>
-            <a:r>
-              <a:t/>
+                <a:spcPts val="0"/>
+              </a:spcAft>
+              <a:buNone/>
+            </a:pPr>
+            <a:r>
+              <a:rPr lang="en" sz="2200">
+                <a:solidFill>
+                  <a:srgbClr val="343541"/>
+                </a:solidFill>
+                <a:highlight>
+                  <a:schemeClr val="accent6"/>
+                </a:highlight>
+              </a:rPr>
+              <a:t>d) is corect</a:t>
+            </a:r>
+            <a:endParaRPr sz="2200">
+              <a:solidFill>
+                <a:srgbClr val="343541"/>
+              </a:solidFill>
+              <a:highlight>
+                <a:schemeClr val="accent6"/>
+              </a:highlight>
+            </a:endParaRPr>
+          </a:p>
+          <a:p>
+            <a:pPr indent="0" lvl="0" marL="0" rtl="0" algn="l">
+              <a:spcBef>
+                <a:spcPts val="1200"/>
+              </a:spcBef>
+              <a:spcAft>
+                <a:spcPts val="0"/>
+              </a:spcAft>
+              <a:buNone/>
+            </a:pPr>
+            <a:r>
+              <a:rPr lang="en" sz="2200">
+                <a:solidFill>
+                  <a:srgbClr val="343541"/>
+                </a:solidFill>
+              </a:rPr>
+              <a:t>a) Is not correct. A member without a missed deadline can get a discount and a gift T-Shirt after 15 bicycle rentals</a:t>
+            </a:r>
+            <a:endParaRPr sz="2200">
+              <a:solidFill>
+                <a:srgbClr val="343541"/>
+              </a:solidFill>
+            </a:endParaRPr>
+          </a:p>
+          <a:p>
+            <a:pPr indent="0" lvl="0" marL="0" rtl="0" algn="l">
+              <a:spcBef>
+                <a:spcPts val="1200"/>
+              </a:spcBef>
+              <a:spcAft>
+                <a:spcPts val="0"/>
+              </a:spcAft>
+              <a:buNone/>
+            </a:pPr>
+            <a:r>
+              <a:rPr lang="en" sz="2200">
+                <a:solidFill>
+                  <a:srgbClr val="343541"/>
+                </a:solidFill>
+              </a:rPr>
+              <a:t>b) Is not correct. A member without a missed deadline can get a discount but no gift T-Shirt until they rented a bicycle 15 times</a:t>
+            </a:r>
+            <a:endParaRPr sz="2200">
+              <a:solidFill>
+                <a:srgbClr val="343541"/>
+              </a:solidFill>
+            </a:endParaRPr>
+          </a:p>
+          <a:p>
+            <a:pPr indent="0" lvl="0" marL="0" rtl="0" algn="l">
+              <a:spcBef>
+                <a:spcPts val="1200"/>
+              </a:spcBef>
+              <a:spcAft>
+                <a:spcPts val="0"/>
+              </a:spcAft>
+              <a:buNone/>
+            </a:pPr>
+            <a:r>
+              <a:rPr lang="en" sz="2200">
+                <a:solidFill>
+                  <a:srgbClr val="343541"/>
+                </a:solidFill>
+              </a:rPr>
+              <a:t>c) Is not correct. Non-members cannot get a discount, even if they did not miss a deadline yet</a:t>
+            </a:r>
+            <a:endParaRPr sz="2200">
+              <a:solidFill>
+                <a:srgbClr val="343541"/>
+              </a:solidFill>
+            </a:endParaRPr>
+          </a:p>
+          <a:p>
+            <a:pPr indent="0" lvl="0" marL="0" rtl="0" algn="l">
+              <a:spcBef>
+                <a:spcPts val="1200"/>
+              </a:spcBef>
+              <a:spcAft>
+                <a:spcPts val="1200"/>
+              </a:spcAft>
+              <a:buNone/>
+            </a:pPr>
+            <a:r>
+              <a:rPr lang="en" sz="2200">
+                <a:solidFill>
+                  <a:srgbClr val="343541"/>
+                </a:solidFill>
+                <a:highlight>
+                  <a:schemeClr val="accent6"/>
+                </a:highlight>
+              </a:rPr>
+              <a:t>d) Is correct. No discount as a non-member that has also missed a deadline, but only members can receive a gift T-Shirt. Hence, the action is not correct</a:t>
+            </a:r>
+            <a:endParaRPr sz="2200">
+              <a:solidFill>
+                <a:srgbClr val="343541"/>
+              </a:solidFill>
+              <a:highlight>
+                <a:schemeClr val="accent6"/>
+              </a:highlight>
+            </a:endParaRPr>
+          </a:p>
+        </p:txBody>
+      </p:sp>
+    </p:spTree>
+  </p:cSld>
+  <p:clrMapOvr>
+    <a:masterClrMapping/>
+  </p:clrMapOvr>
+</p:sld>
+</file>
+
+<file path=ppt/slides/slide58.xml><?xml version="1.0" encoding="utf-8"?>
+<p:sld xmlns:a="http://schemas.openxmlformats.org/drawingml/2006/main" xmlns:r="http://schemas.openxmlformats.org/officeDocument/2006/relationships" xmlns:mc="http://schemas.openxmlformats.org/markup-compatibility/2006" xmlns:mv="urn:schemas-microsoft-com:mac:vml" xmlns:p="http://schemas.openxmlformats.org/presentationml/2006/main" xmlns:c="http://schemas.openxmlformats.org/drawingml/2006/chart" xmlns:dgm="http://schemas.openxmlformats.org/drawingml/2006/diagram" xmlns:o="urn:schemas-microsoft-com:office:office" xmlns:v="urn:schemas-microsoft-com:vml" xmlns:pvml="urn:schemas-microsoft-com:office:powerpoint" xmlns:com="http://schemas.openxmlformats.org/drawingml/2006/compatibility" xmlns:p14="http://schemas.microsoft.com/office/powerpoint/2010/main" xmlns:p15="http://schemas.microsoft.com/office/powerpoint/2012/main" xmlns:ahyp="http://schemas.microsoft.com/office/drawing/2018/hyperlinkcolor">
+  <p:cSld>
+    <p:spTree>
+      <p:nvGrpSpPr>
+        <p:cNvPr id="408" name="Shape 408"/>
+        <p:cNvGrpSpPr/>
+        <p:nvPr/>
+      </p:nvGrpSpPr>
+      <p:grpSpPr>
+        <a:xfrm>
+          <a:off x="0" y="0"/>
+          <a:ext cx="0" cy="0"/>
+          <a:chOff x="0" y="0"/>
+          <a:chExt cx="0" cy="0"/>
+        </a:xfrm>
+      </p:grpSpPr>
+      <p:sp>
+        <p:nvSpPr>
+          <p:cNvPr id="409" name="Google Shape;409;p70"/>
+          <p:cNvSpPr txBox="1"/>
+          <p:nvPr>
+            <p:ph idx="1" type="body"/>
+          </p:nvPr>
+        </p:nvSpPr>
+        <p:spPr>
+          <a:xfrm>
+            <a:off x="311700" y="297425"/>
+            <a:ext cx="8520600" cy="4461300"/>
+          </a:xfrm>
+          <a:prstGeom prst="rect">
+            <a:avLst/>
+          </a:prstGeom>
+        </p:spPr>
+        <p:txBody>
+          <a:bodyPr anchorCtr="0" anchor="t" bIns="91425" lIns="91425" spcFirstLastPara="1" rIns="91425" wrap="square" tIns="91425">
+            <a:normAutofit/>
+          </a:bodyPr>
+          <a:lstStyle/>
+          <a:p>
+            <a:pPr indent="0" lvl="0" marL="0" rtl="0" algn="l">
+              <a:spcBef>
+                <a:spcPts val="0"/>
+              </a:spcBef>
+              <a:spcAft>
+                <a:spcPts val="0"/>
+              </a:spcAft>
+              <a:buNone/>
+            </a:pPr>
+            <a:r>
+              <a:rPr b="1" lang="en" sz="2000">
+                <a:solidFill>
+                  <a:schemeClr val="accent1"/>
+                </a:solidFill>
+              </a:rPr>
+              <a:t>23. </a:t>
+            </a:r>
+            <a:r>
+              <a:rPr lang="en" sz="2000">
+                <a:solidFill>
+                  <a:schemeClr val="accent1"/>
+                </a:solidFill>
+              </a:rPr>
+              <a:t>You test a system whose lifecycle is modeled by the state transition diagram shown below. The system starts in the INIT state and ends its operation in the OFF state.</a:t>
+            </a:r>
+            <a:endParaRPr sz="2000">
+              <a:solidFill>
+                <a:schemeClr val="accent1"/>
+              </a:solidFill>
+            </a:endParaRPr>
+          </a:p>
+          <a:p>
+            <a:pPr indent="0" lvl="0" marL="0" rtl="0" algn="l">
+              <a:spcBef>
+                <a:spcPts val="1200"/>
+              </a:spcBef>
+              <a:spcAft>
+                <a:spcPts val="0"/>
+              </a:spcAft>
+              <a:buNone/>
+            </a:pPr>
+            <a:r>
+              <a:rPr lang="en" sz="2000">
+                <a:solidFill>
+                  <a:schemeClr val="accent1"/>
+                </a:solidFill>
+              </a:rPr>
+              <a:t>What is the MINIMAL number of test cases to achieve valid transitions coverage? </a:t>
+            </a:r>
+            <a:r>
+              <a:rPr lang="en" sz="2000">
+                <a:solidFill>
+                  <a:schemeClr val="accent1"/>
+                </a:solidFill>
+              </a:rPr>
+              <a:t>Select ONE option.</a:t>
+            </a:r>
+            <a:endParaRPr sz="2000">
+              <a:solidFill>
+                <a:schemeClr val="accent1"/>
+              </a:solidFill>
+            </a:endParaRPr>
+          </a:p>
+          <a:p>
+            <a:pPr indent="0" lvl="0" marL="0" rtl="0" algn="l">
+              <a:spcBef>
+                <a:spcPts val="1200"/>
+              </a:spcBef>
+              <a:spcAft>
+                <a:spcPts val="0"/>
+              </a:spcAft>
+              <a:buNone/>
+            </a:pPr>
+            <a:r>
+              <a:rPr lang="en" sz="2000">
+                <a:solidFill>
+                  <a:schemeClr val="accent1"/>
+                </a:solidFill>
+              </a:rPr>
+              <a:t>a) 4</a:t>
+            </a:r>
+            <a:endParaRPr sz="2000">
+              <a:solidFill>
+                <a:schemeClr val="accent1"/>
+              </a:solidFill>
+            </a:endParaRPr>
+          </a:p>
+          <a:p>
+            <a:pPr indent="0" lvl="0" marL="0" rtl="0" algn="l">
+              <a:spcBef>
+                <a:spcPts val="1200"/>
+              </a:spcBef>
+              <a:spcAft>
+                <a:spcPts val="0"/>
+              </a:spcAft>
+              <a:buNone/>
+            </a:pPr>
+            <a:r>
+              <a:rPr lang="en" sz="2000">
+                <a:solidFill>
+                  <a:schemeClr val="accent1"/>
+                </a:solidFill>
+              </a:rPr>
+              <a:t>b) 2</a:t>
+            </a:r>
+            <a:endParaRPr sz="2000">
+              <a:solidFill>
+                <a:schemeClr val="accent1"/>
+              </a:solidFill>
+            </a:endParaRPr>
+          </a:p>
+          <a:p>
+            <a:pPr indent="0" lvl="0" marL="0" rtl="0" algn="l">
+              <a:spcBef>
+                <a:spcPts val="1200"/>
+              </a:spcBef>
+              <a:spcAft>
+                <a:spcPts val="0"/>
+              </a:spcAft>
+              <a:buNone/>
+            </a:pPr>
+            <a:r>
+              <a:rPr lang="en" sz="2000">
+                <a:solidFill>
+                  <a:schemeClr val="accent1"/>
+                </a:solidFill>
+              </a:rPr>
+              <a:t>c) 7</a:t>
+            </a:r>
+            <a:endParaRPr sz="2000">
+              <a:solidFill>
+                <a:schemeClr val="accent1"/>
+              </a:solidFill>
+            </a:endParaRPr>
+          </a:p>
+          <a:p>
+            <a:pPr indent="0" lvl="0" marL="0" rtl="0" algn="l">
+              <a:spcBef>
+                <a:spcPts val="1200"/>
+              </a:spcBef>
+              <a:spcAft>
+                <a:spcPts val="1200"/>
+              </a:spcAft>
+              <a:buNone/>
+            </a:pPr>
+            <a:r>
+              <a:rPr lang="en" sz="2000">
+                <a:solidFill>
+                  <a:schemeClr val="accent1"/>
+                </a:solidFill>
+              </a:rPr>
+              <a:t>d) 3</a:t>
+            </a:r>
+            <a:endParaRPr sz="2000">
+              <a:solidFill>
+                <a:schemeClr val="accent1"/>
+              </a:solidFill>
+            </a:endParaRPr>
+          </a:p>
+        </p:txBody>
+      </p:sp>
+      <p:pic>
+        <p:nvPicPr>
+          <p:cNvPr id="410" name="Google Shape;410;p70"/>
+          <p:cNvPicPr preferRelativeResize="0"/>
+          <p:nvPr/>
+        </p:nvPicPr>
+        <p:blipFill>
+          <a:blip r:embed="rId3">
+            <a:alphaModFix/>
+          </a:blip>
+          <a:stretch>
+            <a:fillRect/>
+          </a:stretch>
+        </p:blipFill>
+        <p:spPr>
+          <a:xfrm>
+            <a:off x="3374224" y="2464625"/>
+            <a:ext cx="5542075" cy="2049050"/>
+          </a:xfrm>
+          <a:prstGeom prst="rect">
+            <a:avLst/>
+          </a:prstGeom>
+          <a:noFill/>
+          <a:ln>
+            <a:noFill/>
+          </a:ln>
+        </p:spPr>
+      </p:pic>
+    </p:spTree>
+  </p:cSld>
+  <p:clrMapOvr>
+    <a:masterClrMapping/>
+  </p:clrMapOvr>
+</p:sld>
+</file>
+
+<file path=ppt/slides/slide59.xml><?xml version="1.0" encoding="utf-8"?>
+<p:sld xmlns:a="http://schemas.openxmlformats.org/drawingml/2006/main" xmlns:r="http://schemas.openxmlformats.org/officeDocument/2006/relationships" xmlns:mc="http://schemas.openxmlformats.org/markup-compatibility/2006" xmlns:mv="urn:schemas-microsoft-com:mac:vml" xmlns:p="http://schemas.openxmlformats.org/presentationml/2006/main" xmlns:c="http://schemas.openxmlformats.org/drawingml/2006/chart" xmlns:dgm="http://schemas.openxmlformats.org/drawingml/2006/diagram" xmlns:o="urn:schemas-microsoft-com:office:office" xmlns:v="urn:schemas-microsoft-com:vml" xmlns:pvml="urn:schemas-microsoft-com:office:powerpoint" xmlns:com="http://schemas.openxmlformats.org/drawingml/2006/compatibility" xmlns:p14="http://schemas.microsoft.com/office/powerpoint/2010/main" xmlns:p15="http://schemas.microsoft.com/office/powerpoint/2012/main" xmlns:ahyp="http://schemas.microsoft.com/office/drawing/2018/hyperlinkcolor">
+  <p:cSld>
+    <p:spTree>
+      <p:nvGrpSpPr>
+        <p:cNvPr id="414" name="Shape 414"/>
+        <p:cNvGrpSpPr/>
+        <p:nvPr/>
+      </p:nvGrpSpPr>
+      <p:grpSpPr>
+        <a:xfrm>
+          <a:off x="0" y="0"/>
+          <a:ext cx="0" cy="0"/>
+          <a:chOff x="0" y="0"/>
+          <a:chExt cx="0" cy="0"/>
+        </a:xfrm>
+      </p:grpSpPr>
+      <p:sp>
+        <p:nvSpPr>
+          <p:cNvPr id="415" name="Google Shape;415;p71"/>
+          <p:cNvSpPr txBox="1"/>
+          <p:nvPr>
+            <p:ph idx="1" type="body"/>
+          </p:nvPr>
+        </p:nvSpPr>
+        <p:spPr>
+          <a:xfrm>
+            <a:off x="311700" y="297425"/>
+            <a:ext cx="8520600" cy="4271700"/>
+          </a:xfrm>
+          <a:prstGeom prst="rect">
+            <a:avLst/>
+          </a:prstGeom>
+        </p:spPr>
+        <p:txBody>
+          <a:bodyPr anchorCtr="0" anchor="t" bIns="91425" lIns="91425" spcFirstLastPara="1" rIns="91425" wrap="square" tIns="91425">
+            <a:normAutofit lnSpcReduction="10000"/>
+          </a:bodyPr>
+          <a:lstStyle/>
+          <a:p>
+            <a:pPr indent="0" lvl="0" marL="0" rtl="0" algn="l">
+              <a:spcBef>
+                <a:spcPts val="0"/>
+              </a:spcBef>
+              <a:spcAft>
+                <a:spcPts val="0"/>
+              </a:spcAft>
+              <a:buNone/>
+            </a:pPr>
+            <a:r>
+              <a:rPr lang="en"/>
+              <a:t>“test” and “error” transitions cannot occur in one test case. Neither can both “done” transitions.</a:t>
             </a:r>
             <a:endParaRPr/>
+          </a:p>
+          <a:p>
+            <a:pPr indent="0" lvl="0" marL="0" rtl="0" algn="l">
+              <a:spcBef>
+                <a:spcPts val="1200"/>
+              </a:spcBef>
+              <a:spcAft>
+                <a:spcPts val="0"/>
+              </a:spcAft>
+              <a:buNone/>
+            </a:pPr>
+            <a:r>
+              <a:rPr lang="en"/>
+              <a:t>This means we need at least three test cases to achieve transition coverage. For example:</a:t>
+            </a:r>
+            <a:endParaRPr/>
+          </a:p>
+          <a:p>
+            <a:pPr indent="0" lvl="0" marL="0" rtl="0" algn="l">
+              <a:spcBef>
+                <a:spcPts val="1200"/>
+              </a:spcBef>
+              <a:spcAft>
+                <a:spcPts val="0"/>
+              </a:spcAft>
+              <a:buNone/>
+            </a:pPr>
+            <a:r>
+              <a:rPr lang="en"/>
+              <a:t>TC1: test, done</a:t>
+            </a:r>
+            <a:br>
+              <a:rPr lang="en"/>
+            </a:br>
+            <a:r>
+              <a:rPr lang="en"/>
+              <a:t>TC2: run, error, done</a:t>
+            </a:r>
+            <a:br>
+              <a:rPr lang="en"/>
+            </a:br>
+            <a:r>
+              <a:rPr lang="en"/>
+              <a:t>TC3: run, pause, resume, pause, done</a:t>
+            </a:r>
+            <a:endParaRPr/>
+          </a:p>
+          <a:p>
+            <a:pPr indent="0" lvl="0" marL="0" rtl="0" algn="l">
+              <a:spcBef>
+                <a:spcPts val="1200"/>
+              </a:spcBef>
+              <a:spcAft>
+                <a:spcPts val="0"/>
+              </a:spcAft>
+              <a:buNone/>
+            </a:pPr>
+            <a:r>
+              <a:rPr lang="en"/>
+              <a:t>a) Is not correct</a:t>
+            </a:r>
+            <a:endParaRPr/>
+          </a:p>
+          <a:p>
+            <a:pPr indent="0" lvl="0" marL="0" rtl="0" algn="l">
+              <a:spcBef>
+                <a:spcPts val="1200"/>
+              </a:spcBef>
+              <a:spcAft>
+                <a:spcPts val="0"/>
+              </a:spcAft>
+              <a:buNone/>
+            </a:pPr>
+            <a:r>
+              <a:rPr lang="en"/>
+              <a:t>b) Is not correct</a:t>
+            </a:r>
+            <a:endParaRPr/>
+          </a:p>
+          <a:p>
+            <a:pPr indent="0" lvl="0" marL="0" rtl="0" algn="l">
+              <a:spcBef>
+                <a:spcPts val="1200"/>
+              </a:spcBef>
+              <a:spcAft>
+                <a:spcPts val="0"/>
+              </a:spcAft>
+              <a:buNone/>
+            </a:pPr>
+            <a:r>
+              <a:rPr lang="en"/>
+              <a:t>c) Is not correct</a:t>
+            </a:r>
+            <a:endParaRPr/>
+          </a:p>
+          <a:p>
+            <a:pPr indent="0" lvl="0" marL="0" rtl="0" algn="l">
+              <a:spcBef>
+                <a:spcPts val="1200"/>
+              </a:spcBef>
+              <a:spcAft>
+                <a:spcPts val="1200"/>
+              </a:spcAft>
+              <a:buNone/>
+            </a:pPr>
+            <a:r>
+              <a:rPr lang="en">
+                <a:highlight>
+                  <a:schemeClr val="accent6"/>
+                </a:highlight>
+              </a:rPr>
+              <a:t>d) Is correct</a:t>
+            </a:r>
+            <a:endParaRPr>
+              <a:highlight>
+                <a:schemeClr val="accent6"/>
+              </a:highlight>
+            </a:endParaRPr>
           </a:p>
         </p:txBody>
       </p:sp>
@@ -23887,6 +24882,372 @@
               <a:cs typeface="Arial"/>
               <a:sym typeface="Arial"/>
             </a:endParaRPr>
+          </a:p>
+        </p:txBody>
+      </p:sp>
+    </p:spTree>
+  </p:cSld>
+  <p:clrMapOvr>
+    <a:masterClrMapping/>
+  </p:clrMapOvr>
+</p:sld>
+</file>
+
+<file path=ppt/slides/slide60.xml><?xml version="1.0" encoding="utf-8"?>
+<p:sld xmlns:a="http://schemas.openxmlformats.org/drawingml/2006/main" xmlns:r="http://schemas.openxmlformats.org/officeDocument/2006/relationships" xmlns:mc="http://schemas.openxmlformats.org/markup-compatibility/2006" xmlns:mv="urn:schemas-microsoft-com:mac:vml" xmlns:p="http://schemas.openxmlformats.org/presentationml/2006/main" xmlns:c="http://schemas.openxmlformats.org/drawingml/2006/chart" xmlns:dgm="http://schemas.openxmlformats.org/drawingml/2006/diagram" xmlns:o="urn:schemas-microsoft-com:office:office" xmlns:v="urn:schemas-microsoft-com:vml" xmlns:pvml="urn:schemas-microsoft-com:office:powerpoint" xmlns:com="http://schemas.openxmlformats.org/drawingml/2006/compatibility" xmlns:p14="http://schemas.microsoft.com/office/powerpoint/2010/main" xmlns:p15="http://schemas.microsoft.com/office/powerpoint/2012/main" xmlns:ahyp="http://schemas.microsoft.com/office/drawing/2018/hyperlinkcolor">
+  <p:cSld>
+    <p:spTree>
+      <p:nvGrpSpPr>
+        <p:cNvPr id="419" name="Shape 419"/>
+        <p:cNvGrpSpPr/>
+        <p:nvPr/>
+      </p:nvGrpSpPr>
+      <p:grpSpPr>
+        <a:xfrm>
+          <a:off x="0" y="0"/>
+          <a:ext cx="0" cy="0"/>
+          <a:chOff x="0" y="0"/>
+          <a:chExt cx="0" cy="0"/>
+        </a:xfrm>
+      </p:grpSpPr>
+      <p:sp>
+        <p:nvSpPr>
+          <p:cNvPr id="420" name="Google Shape;420;p72"/>
+          <p:cNvSpPr txBox="1"/>
+          <p:nvPr>
+            <p:ph idx="1" type="body"/>
+          </p:nvPr>
+        </p:nvSpPr>
+        <p:spPr>
+          <a:xfrm>
+            <a:off x="311700" y="332400"/>
+            <a:ext cx="8520600" cy="4236600"/>
+          </a:xfrm>
+          <a:prstGeom prst="rect">
+            <a:avLst/>
+          </a:prstGeom>
+        </p:spPr>
+        <p:txBody>
+          <a:bodyPr anchorCtr="0" anchor="t" bIns="91425" lIns="91425" spcFirstLastPara="1" rIns="91425" wrap="square" tIns="91425">
+            <a:normAutofit/>
+          </a:bodyPr>
+          <a:lstStyle/>
+          <a:p>
+            <a:pPr indent="0" lvl="0" marL="0" rtl="0" algn="l">
+              <a:spcBef>
+                <a:spcPts val="0"/>
+              </a:spcBef>
+              <a:spcAft>
+                <a:spcPts val="0"/>
+              </a:spcAft>
+              <a:buNone/>
+            </a:pPr>
+            <a:r>
+              <a:rPr b="1" lang="en" sz="2100">
+                <a:solidFill>
+                  <a:schemeClr val="accent1"/>
+                </a:solidFill>
+              </a:rPr>
+              <a:t>24.</a:t>
+            </a:r>
+            <a:r>
+              <a:rPr lang="en" sz="2100">
+                <a:solidFill>
+                  <a:schemeClr val="accent1"/>
+                </a:solidFill>
+              </a:rPr>
+              <a:t> Your test suite achieved 100% statement coverage. What is the consequence of this fact?</a:t>
+            </a:r>
+            <a:endParaRPr sz="2100">
+              <a:solidFill>
+                <a:schemeClr val="accent1"/>
+              </a:solidFill>
+            </a:endParaRPr>
+          </a:p>
+          <a:p>
+            <a:pPr indent="0" lvl="0" marL="0" rtl="0" algn="l">
+              <a:spcBef>
+                <a:spcPts val="1200"/>
+              </a:spcBef>
+              <a:spcAft>
+                <a:spcPts val="0"/>
+              </a:spcAft>
+              <a:buNone/>
+            </a:pPr>
+            <a:r>
+              <a:rPr b="1" lang="en" sz="2100">
+                <a:solidFill>
+                  <a:schemeClr val="accent1"/>
+                </a:solidFill>
+              </a:rPr>
+              <a:t>a)</a:t>
+            </a:r>
+            <a:r>
+              <a:rPr lang="en" sz="2100">
+                <a:solidFill>
+                  <a:schemeClr val="accent1"/>
+                </a:solidFill>
+              </a:rPr>
+              <a:t> Each instruction in the code that contains a defect has been executed at least once</a:t>
+            </a:r>
+            <a:endParaRPr sz="2100">
+              <a:solidFill>
+                <a:schemeClr val="accent1"/>
+              </a:solidFill>
+            </a:endParaRPr>
+          </a:p>
+          <a:p>
+            <a:pPr indent="0" lvl="0" marL="0" rtl="0" algn="l">
+              <a:spcBef>
+                <a:spcPts val="1200"/>
+              </a:spcBef>
+              <a:spcAft>
+                <a:spcPts val="0"/>
+              </a:spcAft>
+              <a:buNone/>
+            </a:pPr>
+            <a:r>
+              <a:rPr b="1" lang="en" sz="2100">
+                <a:solidFill>
+                  <a:schemeClr val="accent1"/>
+                </a:solidFill>
+              </a:rPr>
+              <a:t>b)</a:t>
+            </a:r>
+            <a:r>
+              <a:rPr lang="en" sz="2100">
+                <a:solidFill>
+                  <a:schemeClr val="accent1"/>
+                </a:solidFill>
+              </a:rPr>
+              <a:t> Any test suite containing more test cases than your test suite will also achieve 100% statement coverage</a:t>
+            </a:r>
+            <a:endParaRPr sz="2100">
+              <a:solidFill>
+                <a:schemeClr val="accent1"/>
+              </a:solidFill>
+            </a:endParaRPr>
+          </a:p>
+          <a:p>
+            <a:pPr indent="0" lvl="0" marL="0" rtl="0" algn="l">
+              <a:spcBef>
+                <a:spcPts val="1200"/>
+              </a:spcBef>
+              <a:spcAft>
+                <a:spcPts val="0"/>
+              </a:spcAft>
+              <a:buNone/>
+            </a:pPr>
+            <a:r>
+              <a:rPr b="1" lang="en" sz="2100">
+                <a:solidFill>
+                  <a:schemeClr val="accent1"/>
+                </a:solidFill>
+              </a:rPr>
+              <a:t>c)</a:t>
+            </a:r>
+            <a:r>
+              <a:rPr lang="en" sz="2100">
+                <a:solidFill>
+                  <a:schemeClr val="accent1"/>
+                </a:solidFill>
+              </a:rPr>
+              <a:t> Each path in the code has been executed at least once</a:t>
+            </a:r>
+            <a:endParaRPr sz="2100">
+              <a:solidFill>
+                <a:schemeClr val="accent1"/>
+              </a:solidFill>
+            </a:endParaRPr>
+          </a:p>
+          <a:p>
+            <a:pPr indent="0" lvl="0" marL="0" rtl="0" algn="l">
+              <a:spcBef>
+                <a:spcPts val="1200"/>
+              </a:spcBef>
+              <a:spcAft>
+                <a:spcPts val="0"/>
+              </a:spcAft>
+              <a:buNone/>
+            </a:pPr>
+            <a:r>
+              <a:rPr b="1" lang="en" sz="2100">
+                <a:solidFill>
+                  <a:schemeClr val="accent1"/>
+                </a:solidFill>
+              </a:rPr>
+              <a:t>d) </a:t>
+            </a:r>
+            <a:r>
+              <a:rPr lang="en" sz="2100">
+                <a:solidFill>
+                  <a:schemeClr val="accent1"/>
+                </a:solidFill>
+              </a:rPr>
+              <a:t>Every combination of input values has been tested at least once</a:t>
+            </a:r>
+            <a:endParaRPr sz="2100">
+              <a:solidFill>
+                <a:schemeClr val="accent1"/>
+              </a:solidFill>
+            </a:endParaRPr>
+          </a:p>
+          <a:p>
+            <a:pPr indent="0" lvl="0" marL="0" rtl="0" algn="l">
+              <a:spcBef>
+                <a:spcPts val="1200"/>
+              </a:spcBef>
+              <a:spcAft>
+                <a:spcPts val="1200"/>
+              </a:spcAft>
+              <a:buNone/>
+            </a:pPr>
+            <a:r>
+              <a:rPr lang="en" sz="2100">
+                <a:solidFill>
+                  <a:schemeClr val="accent1"/>
+                </a:solidFill>
+              </a:rPr>
+              <a:t>Select ONE option.</a:t>
+            </a:r>
+            <a:endParaRPr sz="2100">
+              <a:solidFill>
+                <a:schemeClr val="accent1"/>
+              </a:solidFill>
+            </a:endParaRPr>
+          </a:p>
+        </p:txBody>
+      </p:sp>
+    </p:spTree>
+  </p:cSld>
+  <p:clrMapOvr>
+    <a:masterClrMapping/>
+  </p:clrMapOvr>
+</p:sld>
+</file>
+
+<file path=ppt/slides/slide61.xml><?xml version="1.0" encoding="utf-8"?>
+<p:sld xmlns:a="http://schemas.openxmlformats.org/drawingml/2006/main" xmlns:r="http://schemas.openxmlformats.org/officeDocument/2006/relationships" xmlns:mc="http://schemas.openxmlformats.org/markup-compatibility/2006" xmlns:mv="urn:schemas-microsoft-com:mac:vml" xmlns:p="http://schemas.openxmlformats.org/presentationml/2006/main" xmlns:c="http://schemas.openxmlformats.org/drawingml/2006/chart" xmlns:dgm="http://schemas.openxmlformats.org/drawingml/2006/diagram" xmlns:o="urn:schemas-microsoft-com:office:office" xmlns:v="urn:schemas-microsoft-com:vml" xmlns:pvml="urn:schemas-microsoft-com:office:powerpoint" xmlns:com="http://schemas.openxmlformats.org/drawingml/2006/compatibility" xmlns:p14="http://schemas.microsoft.com/office/powerpoint/2010/main" xmlns:p15="http://schemas.microsoft.com/office/powerpoint/2012/main" xmlns:ahyp="http://schemas.microsoft.com/office/drawing/2018/hyperlinkcolor">
+  <p:cSld>
+    <p:spTree>
+      <p:nvGrpSpPr>
+        <p:cNvPr id="424" name="Shape 424"/>
+        <p:cNvGrpSpPr/>
+        <p:nvPr/>
+      </p:nvGrpSpPr>
+      <p:grpSpPr>
+        <a:xfrm>
+          <a:off x="0" y="0"/>
+          <a:ext cx="0" cy="0"/>
+          <a:chOff x="0" y="0"/>
+          <a:chExt cx="0" cy="0"/>
+        </a:xfrm>
+      </p:grpSpPr>
+      <p:sp>
+        <p:nvSpPr>
+          <p:cNvPr id="425" name="Google Shape;425;p73"/>
+          <p:cNvSpPr txBox="1"/>
+          <p:nvPr>
+            <p:ph idx="1" type="body"/>
+          </p:nvPr>
+        </p:nvSpPr>
+        <p:spPr>
+          <a:xfrm>
+            <a:off x="311700" y="244925"/>
+            <a:ext cx="8520600" cy="4566300"/>
+          </a:xfrm>
+          <a:prstGeom prst="rect">
+            <a:avLst/>
+          </a:prstGeom>
+        </p:spPr>
+        <p:txBody>
+          <a:bodyPr anchorCtr="0" anchor="t" bIns="91425" lIns="91425" spcFirstLastPara="1" rIns="91425" wrap="square" tIns="91425">
+            <a:noAutofit/>
+          </a:bodyPr>
+          <a:lstStyle/>
+          <a:p>
+            <a:pPr indent="0" lvl="0" marL="0" rtl="0" algn="l">
+              <a:lnSpc>
+                <a:spcPct val="95000"/>
+              </a:lnSpc>
+              <a:spcBef>
+                <a:spcPts val="0"/>
+              </a:spcBef>
+              <a:spcAft>
+                <a:spcPts val="0"/>
+              </a:spcAft>
+              <a:buNone/>
+            </a:pPr>
+            <a:r>
+              <a:rPr lang="en" sz="1900">
+                <a:highlight>
+                  <a:schemeClr val="accent6"/>
+                </a:highlight>
+              </a:rPr>
+              <a:t>a) Is correct. Since 100% statement coverage is achieved, every statement, including the ones with defects, must have been executed and evaluated at least once</a:t>
+            </a:r>
+            <a:endParaRPr sz="1900">
+              <a:highlight>
+                <a:schemeClr val="accent6"/>
+              </a:highlight>
+            </a:endParaRPr>
+          </a:p>
+          <a:p>
+            <a:pPr indent="0" lvl="0" marL="0" rtl="0" algn="l">
+              <a:lnSpc>
+                <a:spcPct val="95000"/>
+              </a:lnSpc>
+              <a:spcBef>
+                <a:spcPts val="1200"/>
+              </a:spcBef>
+              <a:spcAft>
+                <a:spcPts val="0"/>
+              </a:spcAft>
+              <a:buNone/>
+            </a:pPr>
+            <a:r>
+              <a:rPr lang="en" sz="1900"/>
+              <a:t>b) Is not correct. Coverage depends on what is tested, not on the number of test cases. For example, for code “if (x==0) y=1”, one test case (x=0) achieves 100% statement coverage, but two test cases (x=1) and (x=2) together achieve only 50% statement coverage</a:t>
+            </a:r>
+            <a:endParaRPr sz="1900"/>
+          </a:p>
+          <a:p>
+            <a:pPr indent="0" lvl="0" marL="0" rtl="0" algn="l">
+              <a:lnSpc>
+                <a:spcPct val="95000"/>
+              </a:lnSpc>
+              <a:spcBef>
+                <a:spcPts val="1200"/>
+              </a:spcBef>
+              <a:spcAft>
+                <a:spcPts val="0"/>
+              </a:spcAft>
+              <a:buNone/>
+            </a:pPr>
+            <a:r>
+              <a:rPr lang="en" sz="1900"/>
+              <a:t>c) Is not correct. If there is a loop in the code there may be an infinite number of possible paths, so it is not possible to execute all the possible paths in the code</a:t>
+            </a:r>
+            <a:endParaRPr sz="1900"/>
+          </a:p>
+          <a:p>
+            <a:pPr indent="0" lvl="0" marL="0" rtl="0" algn="l">
+              <a:lnSpc>
+                <a:spcPct val="95000"/>
+              </a:lnSpc>
+              <a:spcBef>
+                <a:spcPts val="1200"/>
+              </a:spcBef>
+              <a:spcAft>
+                <a:spcPts val="1200"/>
+              </a:spcAft>
+              <a:buNone/>
+            </a:pPr>
+            <a:r>
+              <a:rPr lang="en" sz="1900"/>
+              <a:t>d) Is not correct. Exhaustive testing is not possible (see the seven testing principles section in the syllabus). For example, for code “input x; print x” any single test with arbitrary x achieves 100% statement coverage, but covers one input value</a:t>
+            </a:r>
+            <a:endParaRPr sz="1900"/>
           </a:p>
         </p:txBody>
       </p:sp>

--- a/ISTQB Foundation Level Preparation.pptx
+++ b/ISTQB Foundation Level Preparation.pptx
@@ -69,21 +69,27 @@
     <p:sldId id="314" r:id="rId65"/>
     <p:sldId id="315" r:id="rId66"/>
     <p:sldId id="316" r:id="rId67"/>
+    <p:sldId id="317" r:id="rId68"/>
+    <p:sldId id="318" r:id="rId69"/>
+    <p:sldId id="319" r:id="rId70"/>
+    <p:sldId id="320" r:id="rId71"/>
+    <p:sldId id="321" r:id="rId72"/>
+    <p:sldId id="322" r:id="rId73"/>
   </p:sldIdLst>
   <p:sldSz cy="5143500" cx="9144000"/>
   <p:notesSz cx="6858000" cy="9144000"/>
   <p:embeddedFontLst>
     <p:embeddedFont>
       <p:font typeface="PT Sans Narrow"/>
-      <p:regular r:id="rId68"/>
-      <p:bold r:id="rId69"/>
+      <p:regular r:id="rId74"/>
+      <p:bold r:id="rId75"/>
     </p:embeddedFont>
     <p:embeddedFont>
       <p:font typeface="Open Sans"/>
-      <p:regular r:id="rId70"/>
-      <p:bold r:id="rId71"/>
-      <p:italic r:id="rId72"/>
-      <p:boldItalic r:id="rId73"/>
+      <p:regular r:id="rId76"/>
+      <p:bold r:id="rId77"/>
+      <p:italic r:id="rId78"/>
+      <p:boldItalic r:id="rId79"/>
     </p:embeddedFont>
   </p:embeddedFontLst>
   <p:defaultTextStyle>
@@ -6458,6 +6464,600 @@
       <p:sp>
         <p:nvSpPr>
           <p:cNvPr id="423" name="Google Shape;423;g2f13a2c1d0d_4_40:notes"/>
+          <p:cNvSpPr txBox="1"/>
+          <p:nvPr>
+            <p:ph idx="1" type="body"/>
+          </p:nvPr>
+        </p:nvSpPr>
+        <p:spPr>
+          <a:xfrm>
+            <a:off x="685800" y="4343400"/>
+            <a:ext cx="5486400" cy="4114800"/>
+          </a:xfrm>
+          <a:prstGeom prst="rect">
+            <a:avLst/>
+          </a:prstGeom>
+        </p:spPr>
+        <p:txBody>
+          <a:bodyPr anchorCtr="0" anchor="t" bIns="91425" lIns="91425" spcFirstLastPara="1" rIns="91425" wrap="square" tIns="91425">
+            <a:noAutofit/>
+          </a:bodyPr>
+          <a:lstStyle/>
+          <a:p>
+            <a:pPr indent="0" lvl="0" marL="0" rtl="0" algn="l">
+              <a:spcBef>
+                <a:spcPts val="0"/>
+              </a:spcBef>
+              <a:spcAft>
+                <a:spcPts val="0"/>
+              </a:spcAft>
+              <a:buNone/>
+            </a:pPr>
+            <a:r>
+              <a:t/>
+            </a:r>
+            <a:endParaRPr/>
+          </a:p>
+        </p:txBody>
+      </p:sp>
+    </p:spTree>
+  </p:cSld>
+  <p:clrMapOvr>
+    <a:masterClrMapping/>
+  </p:clrMapOvr>
+</p:notes>
+</file>
+
+<file path=ppt/notesSlides/notesSlide62.xml><?xml version="1.0" encoding="utf-8"?>
+<p:notes xmlns:a="http://schemas.openxmlformats.org/drawingml/2006/main" xmlns:r="http://schemas.openxmlformats.org/officeDocument/2006/relationships" xmlns:mc="http://schemas.openxmlformats.org/markup-compatibility/2006" xmlns:mv="urn:schemas-microsoft-com:mac:vml" xmlns:p="http://schemas.openxmlformats.org/presentationml/2006/main" xmlns:c="http://schemas.openxmlformats.org/drawingml/2006/chart" xmlns:dgm="http://schemas.openxmlformats.org/drawingml/2006/diagram" xmlns:o="urn:schemas-microsoft-com:office:office" xmlns:v="urn:schemas-microsoft-com:vml" xmlns:pvml="urn:schemas-microsoft-com:office:powerpoint" xmlns:com="http://schemas.openxmlformats.org/drawingml/2006/compatibility" xmlns:p14="http://schemas.microsoft.com/office/powerpoint/2010/main" xmlns:p15="http://schemas.microsoft.com/office/powerpoint/2012/main" xmlns:ahyp="http://schemas.microsoft.com/office/drawing/2018/hyperlinkcolor" showMasterPhAnim="0" showMasterSp="0">
+  <p:cSld>
+    <p:spTree>
+      <p:nvGrpSpPr>
+        <p:cNvPr id="426" name="Shape 426"/>
+        <p:cNvGrpSpPr/>
+        <p:nvPr/>
+      </p:nvGrpSpPr>
+      <p:grpSpPr>
+        <a:xfrm>
+          <a:off x="0" y="0"/>
+          <a:ext cx="0" cy="0"/>
+          <a:chOff x="0" y="0"/>
+          <a:chExt cx="0" cy="0"/>
+        </a:xfrm>
+      </p:grpSpPr>
+      <p:sp>
+        <p:nvSpPr>
+          <p:cNvPr id="427" name="Google Shape;427;g2f13a2c1d0d_4_47:notes"/>
+          <p:cNvSpPr/>
+          <p:nvPr>
+            <p:ph idx="2" type="sldImg"/>
+          </p:nvPr>
+        </p:nvSpPr>
+        <p:spPr>
+          <a:xfrm>
+            <a:off x="381300" y="685800"/>
+            <a:ext cx="6096000" cy="3429000"/>
+          </a:xfrm>
+          <a:custGeom>
+            <a:rect b="b" l="l" r="r" t="t"/>
+            <a:pathLst>
+              <a:path extrusionOk="0" h="120000" w="120000">
+                <a:moveTo>
+                  <a:pt x="0" y="0"/>
+                </a:moveTo>
+                <a:lnTo>
+                  <a:pt x="120000" y="0"/>
+                </a:lnTo>
+                <a:lnTo>
+                  <a:pt x="120000" y="120000"/>
+                </a:lnTo>
+                <a:lnTo>
+                  <a:pt x="0" y="120000"/>
+                </a:lnTo>
+                <a:close/>
+              </a:path>
+            </a:pathLst>
+          </a:custGeom>
+        </p:spPr>
+      </p:sp>
+      <p:sp>
+        <p:nvSpPr>
+          <p:cNvPr id="428" name="Google Shape;428;g2f13a2c1d0d_4_47:notes"/>
+          <p:cNvSpPr txBox="1"/>
+          <p:nvPr>
+            <p:ph idx="1" type="body"/>
+          </p:nvPr>
+        </p:nvSpPr>
+        <p:spPr>
+          <a:xfrm>
+            <a:off x="685800" y="4343400"/>
+            <a:ext cx="5486400" cy="4114800"/>
+          </a:xfrm>
+          <a:prstGeom prst="rect">
+            <a:avLst/>
+          </a:prstGeom>
+        </p:spPr>
+        <p:txBody>
+          <a:bodyPr anchorCtr="0" anchor="t" bIns="91425" lIns="91425" spcFirstLastPara="1" rIns="91425" wrap="square" tIns="91425">
+            <a:noAutofit/>
+          </a:bodyPr>
+          <a:lstStyle/>
+          <a:p>
+            <a:pPr indent="0" lvl="0" marL="0" rtl="0" algn="l">
+              <a:spcBef>
+                <a:spcPts val="0"/>
+              </a:spcBef>
+              <a:spcAft>
+                <a:spcPts val="0"/>
+              </a:spcAft>
+              <a:buNone/>
+            </a:pPr>
+            <a:r>
+              <a:t/>
+            </a:r>
+            <a:endParaRPr/>
+          </a:p>
+        </p:txBody>
+      </p:sp>
+    </p:spTree>
+  </p:cSld>
+  <p:clrMapOvr>
+    <a:masterClrMapping/>
+  </p:clrMapOvr>
+</p:notes>
+</file>
+
+<file path=ppt/notesSlides/notesSlide63.xml><?xml version="1.0" encoding="utf-8"?>
+<p:notes xmlns:a="http://schemas.openxmlformats.org/drawingml/2006/main" xmlns:r="http://schemas.openxmlformats.org/officeDocument/2006/relationships" xmlns:mc="http://schemas.openxmlformats.org/markup-compatibility/2006" xmlns:mv="urn:schemas-microsoft-com:mac:vml" xmlns:p="http://schemas.openxmlformats.org/presentationml/2006/main" xmlns:c="http://schemas.openxmlformats.org/drawingml/2006/chart" xmlns:dgm="http://schemas.openxmlformats.org/drawingml/2006/diagram" xmlns:o="urn:schemas-microsoft-com:office:office" xmlns:v="urn:schemas-microsoft-com:vml" xmlns:pvml="urn:schemas-microsoft-com:office:powerpoint" xmlns:com="http://schemas.openxmlformats.org/drawingml/2006/compatibility" xmlns:p14="http://schemas.microsoft.com/office/powerpoint/2010/main" xmlns:p15="http://schemas.microsoft.com/office/powerpoint/2012/main" xmlns:ahyp="http://schemas.microsoft.com/office/drawing/2018/hyperlinkcolor" showMasterPhAnim="0" showMasterSp="0">
+  <p:cSld>
+    <p:spTree>
+      <p:nvGrpSpPr>
+        <p:cNvPr id="431" name="Shape 431"/>
+        <p:cNvGrpSpPr/>
+        <p:nvPr/>
+      </p:nvGrpSpPr>
+      <p:grpSpPr>
+        <a:xfrm>
+          <a:off x="0" y="0"/>
+          <a:ext cx="0" cy="0"/>
+          <a:chOff x="0" y="0"/>
+          <a:chExt cx="0" cy="0"/>
+        </a:xfrm>
+      </p:grpSpPr>
+      <p:sp>
+        <p:nvSpPr>
+          <p:cNvPr id="432" name="Google Shape;432;g2f13a2c1d0d_4_52:notes"/>
+          <p:cNvSpPr/>
+          <p:nvPr>
+            <p:ph idx="2" type="sldImg"/>
+          </p:nvPr>
+        </p:nvSpPr>
+        <p:spPr>
+          <a:xfrm>
+            <a:off x="381300" y="685800"/>
+            <a:ext cx="6096000" cy="3429000"/>
+          </a:xfrm>
+          <a:custGeom>
+            <a:rect b="b" l="l" r="r" t="t"/>
+            <a:pathLst>
+              <a:path extrusionOk="0" h="120000" w="120000">
+                <a:moveTo>
+                  <a:pt x="0" y="0"/>
+                </a:moveTo>
+                <a:lnTo>
+                  <a:pt x="120000" y="0"/>
+                </a:lnTo>
+                <a:lnTo>
+                  <a:pt x="120000" y="120000"/>
+                </a:lnTo>
+                <a:lnTo>
+                  <a:pt x="0" y="120000"/>
+                </a:lnTo>
+                <a:close/>
+              </a:path>
+            </a:pathLst>
+          </a:custGeom>
+        </p:spPr>
+      </p:sp>
+      <p:sp>
+        <p:nvSpPr>
+          <p:cNvPr id="433" name="Google Shape;433;g2f13a2c1d0d_4_52:notes"/>
+          <p:cNvSpPr txBox="1"/>
+          <p:nvPr>
+            <p:ph idx="1" type="body"/>
+          </p:nvPr>
+        </p:nvSpPr>
+        <p:spPr>
+          <a:xfrm>
+            <a:off x="685800" y="4343400"/>
+            <a:ext cx="5486400" cy="4114800"/>
+          </a:xfrm>
+          <a:prstGeom prst="rect">
+            <a:avLst/>
+          </a:prstGeom>
+        </p:spPr>
+        <p:txBody>
+          <a:bodyPr anchorCtr="0" anchor="t" bIns="91425" lIns="91425" spcFirstLastPara="1" rIns="91425" wrap="square" tIns="91425">
+            <a:noAutofit/>
+          </a:bodyPr>
+          <a:lstStyle/>
+          <a:p>
+            <a:pPr indent="0" lvl="0" marL="0" rtl="0" algn="l">
+              <a:spcBef>
+                <a:spcPts val="0"/>
+              </a:spcBef>
+              <a:spcAft>
+                <a:spcPts val="0"/>
+              </a:spcAft>
+              <a:buNone/>
+            </a:pPr>
+            <a:r>
+              <a:t/>
+            </a:r>
+            <a:endParaRPr/>
+          </a:p>
+        </p:txBody>
+      </p:sp>
+    </p:spTree>
+  </p:cSld>
+  <p:clrMapOvr>
+    <a:masterClrMapping/>
+  </p:clrMapOvr>
+</p:notes>
+</file>
+
+<file path=ppt/notesSlides/notesSlide64.xml><?xml version="1.0" encoding="utf-8"?>
+<p:notes xmlns:a="http://schemas.openxmlformats.org/drawingml/2006/main" xmlns:r="http://schemas.openxmlformats.org/officeDocument/2006/relationships" xmlns:mc="http://schemas.openxmlformats.org/markup-compatibility/2006" xmlns:mv="urn:schemas-microsoft-com:mac:vml" xmlns:p="http://schemas.openxmlformats.org/presentationml/2006/main" xmlns:c="http://schemas.openxmlformats.org/drawingml/2006/chart" xmlns:dgm="http://schemas.openxmlformats.org/drawingml/2006/diagram" xmlns:o="urn:schemas-microsoft-com:office:office" xmlns:v="urn:schemas-microsoft-com:vml" xmlns:pvml="urn:schemas-microsoft-com:office:powerpoint" xmlns:com="http://schemas.openxmlformats.org/drawingml/2006/compatibility" xmlns:p14="http://schemas.microsoft.com/office/powerpoint/2010/main" xmlns:p15="http://schemas.microsoft.com/office/powerpoint/2012/main" xmlns:ahyp="http://schemas.microsoft.com/office/drawing/2018/hyperlinkcolor" showMasterPhAnim="0" showMasterSp="0">
+  <p:cSld>
+    <p:spTree>
+      <p:nvGrpSpPr>
+        <p:cNvPr id="436" name="Shape 436"/>
+        <p:cNvGrpSpPr/>
+        <p:nvPr/>
+      </p:nvGrpSpPr>
+      <p:grpSpPr>
+        <a:xfrm>
+          <a:off x="0" y="0"/>
+          <a:ext cx="0" cy="0"/>
+          <a:chOff x="0" y="0"/>
+          <a:chExt cx="0" cy="0"/>
+        </a:xfrm>
+      </p:grpSpPr>
+      <p:sp>
+        <p:nvSpPr>
+          <p:cNvPr id="437" name="Google Shape;437;g2f13a2c1d0d_4_57:notes"/>
+          <p:cNvSpPr/>
+          <p:nvPr>
+            <p:ph idx="2" type="sldImg"/>
+          </p:nvPr>
+        </p:nvSpPr>
+        <p:spPr>
+          <a:xfrm>
+            <a:off x="381300" y="685800"/>
+            <a:ext cx="6096000" cy="3429000"/>
+          </a:xfrm>
+          <a:custGeom>
+            <a:rect b="b" l="l" r="r" t="t"/>
+            <a:pathLst>
+              <a:path extrusionOk="0" h="120000" w="120000">
+                <a:moveTo>
+                  <a:pt x="0" y="0"/>
+                </a:moveTo>
+                <a:lnTo>
+                  <a:pt x="120000" y="0"/>
+                </a:lnTo>
+                <a:lnTo>
+                  <a:pt x="120000" y="120000"/>
+                </a:lnTo>
+                <a:lnTo>
+                  <a:pt x="0" y="120000"/>
+                </a:lnTo>
+                <a:close/>
+              </a:path>
+            </a:pathLst>
+          </a:custGeom>
+        </p:spPr>
+      </p:sp>
+      <p:sp>
+        <p:nvSpPr>
+          <p:cNvPr id="438" name="Google Shape;438;g2f13a2c1d0d_4_57:notes"/>
+          <p:cNvSpPr txBox="1"/>
+          <p:nvPr>
+            <p:ph idx="1" type="body"/>
+          </p:nvPr>
+        </p:nvSpPr>
+        <p:spPr>
+          <a:xfrm>
+            <a:off x="685800" y="4343400"/>
+            <a:ext cx="5486400" cy="4114800"/>
+          </a:xfrm>
+          <a:prstGeom prst="rect">
+            <a:avLst/>
+          </a:prstGeom>
+        </p:spPr>
+        <p:txBody>
+          <a:bodyPr anchorCtr="0" anchor="t" bIns="91425" lIns="91425" spcFirstLastPara="1" rIns="91425" wrap="square" tIns="91425">
+            <a:noAutofit/>
+          </a:bodyPr>
+          <a:lstStyle/>
+          <a:p>
+            <a:pPr indent="0" lvl="0" marL="0" rtl="0" algn="l">
+              <a:spcBef>
+                <a:spcPts val="0"/>
+              </a:spcBef>
+              <a:spcAft>
+                <a:spcPts val="0"/>
+              </a:spcAft>
+              <a:buNone/>
+            </a:pPr>
+            <a:r>
+              <a:t/>
+            </a:r>
+            <a:endParaRPr/>
+          </a:p>
+        </p:txBody>
+      </p:sp>
+    </p:spTree>
+  </p:cSld>
+  <p:clrMapOvr>
+    <a:masterClrMapping/>
+  </p:clrMapOvr>
+</p:notes>
+</file>
+
+<file path=ppt/notesSlides/notesSlide65.xml><?xml version="1.0" encoding="utf-8"?>
+<p:notes xmlns:a="http://schemas.openxmlformats.org/drawingml/2006/main" xmlns:r="http://schemas.openxmlformats.org/officeDocument/2006/relationships" xmlns:mc="http://schemas.openxmlformats.org/markup-compatibility/2006" xmlns:mv="urn:schemas-microsoft-com:mac:vml" xmlns:p="http://schemas.openxmlformats.org/presentationml/2006/main" xmlns:c="http://schemas.openxmlformats.org/drawingml/2006/chart" xmlns:dgm="http://schemas.openxmlformats.org/drawingml/2006/diagram" xmlns:o="urn:schemas-microsoft-com:office:office" xmlns:v="urn:schemas-microsoft-com:vml" xmlns:pvml="urn:schemas-microsoft-com:office:powerpoint" xmlns:com="http://schemas.openxmlformats.org/drawingml/2006/compatibility" xmlns:p14="http://schemas.microsoft.com/office/powerpoint/2010/main" xmlns:p15="http://schemas.microsoft.com/office/powerpoint/2012/main" xmlns:ahyp="http://schemas.microsoft.com/office/drawing/2018/hyperlinkcolor" showMasterPhAnim="0" showMasterSp="0">
+  <p:cSld>
+    <p:spTree>
+      <p:nvGrpSpPr>
+        <p:cNvPr id="441" name="Shape 441"/>
+        <p:cNvGrpSpPr/>
+        <p:nvPr/>
+      </p:nvGrpSpPr>
+      <p:grpSpPr>
+        <a:xfrm>
+          <a:off x="0" y="0"/>
+          <a:ext cx="0" cy="0"/>
+          <a:chOff x="0" y="0"/>
+          <a:chExt cx="0" cy="0"/>
+        </a:xfrm>
+      </p:grpSpPr>
+      <p:sp>
+        <p:nvSpPr>
+          <p:cNvPr id="442" name="Google Shape;442;g2f13a2c1d0d_4_62:notes"/>
+          <p:cNvSpPr/>
+          <p:nvPr>
+            <p:ph idx="2" type="sldImg"/>
+          </p:nvPr>
+        </p:nvSpPr>
+        <p:spPr>
+          <a:xfrm>
+            <a:off x="381300" y="685800"/>
+            <a:ext cx="6096000" cy="3429000"/>
+          </a:xfrm>
+          <a:custGeom>
+            <a:rect b="b" l="l" r="r" t="t"/>
+            <a:pathLst>
+              <a:path extrusionOk="0" h="120000" w="120000">
+                <a:moveTo>
+                  <a:pt x="0" y="0"/>
+                </a:moveTo>
+                <a:lnTo>
+                  <a:pt x="120000" y="0"/>
+                </a:lnTo>
+                <a:lnTo>
+                  <a:pt x="120000" y="120000"/>
+                </a:lnTo>
+                <a:lnTo>
+                  <a:pt x="0" y="120000"/>
+                </a:lnTo>
+                <a:close/>
+              </a:path>
+            </a:pathLst>
+          </a:custGeom>
+        </p:spPr>
+      </p:sp>
+      <p:sp>
+        <p:nvSpPr>
+          <p:cNvPr id="443" name="Google Shape;443;g2f13a2c1d0d_4_62:notes"/>
+          <p:cNvSpPr txBox="1"/>
+          <p:nvPr>
+            <p:ph idx="1" type="body"/>
+          </p:nvPr>
+        </p:nvSpPr>
+        <p:spPr>
+          <a:xfrm>
+            <a:off x="685800" y="4343400"/>
+            <a:ext cx="5486400" cy="4114800"/>
+          </a:xfrm>
+          <a:prstGeom prst="rect">
+            <a:avLst/>
+          </a:prstGeom>
+        </p:spPr>
+        <p:txBody>
+          <a:bodyPr anchorCtr="0" anchor="t" bIns="91425" lIns="91425" spcFirstLastPara="1" rIns="91425" wrap="square" tIns="91425">
+            <a:noAutofit/>
+          </a:bodyPr>
+          <a:lstStyle/>
+          <a:p>
+            <a:pPr indent="0" lvl="0" marL="0" rtl="0" algn="l">
+              <a:spcBef>
+                <a:spcPts val="0"/>
+              </a:spcBef>
+              <a:spcAft>
+                <a:spcPts val="0"/>
+              </a:spcAft>
+              <a:buNone/>
+            </a:pPr>
+            <a:r>
+              <a:t/>
+            </a:r>
+            <a:endParaRPr/>
+          </a:p>
+        </p:txBody>
+      </p:sp>
+    </p:spTree>
+  </p:cSld>
+  <p:clrMapOvr>
+    <a:masterClrMapping/>
+  </p:clrMapOvr>
+</p:notes>
+</file>
+
+<file path=ppt/notesSlides/notesSlide66.xml><?xml version="1.0" encoding="utf-8"?>
+<p:notes xmlns:a="http://schemas.openxmlformats.org/drawingml/2006/main" xmlns:r="http://schemas.openxmlformats.org/officeDocument/2006/relationships" xmlns:mc="http://schemas.openxmlformats.org/markup-compatibility/2006" xmlns:mv="urn:schemas-microsoft-com:mac:vml" xmlns:p="http://schemas.openxmlformats.org/presentationml/2006/main" xmlns:c="http://schemas.openxmlformats.org/drawingml/2006/chart" xmlns:dgm="http://schemas.openxmlformats.org/drawingml/2006/diagram" xmlns:o="urn:schemas-microsoft-com:office:office" xmlns:v="urn:schemas-microsoft-com:vml" xmlns:pvml="urn:schemas-microsoft-com:office:powerpoint" xmlns:com="http://schemas.openxmlformats.org/drawingml/2006/compatibility" xmlns:p14="http://schemas.microsoft.com/office/powerpoint/2010/main" xmlns:p15="http://schemas.microsoft.com/office/powerpoint/2012/main" xmlns:ahyp="http://schemas.microsoft.com/office/drawing/2018/hyperlinkcolor" showMasterPhAnim="0" showMasterSp="0">
+  <p:cSld>
+    <p:spTree>
+      <p:nvGrpSpPr>
+        <p:cNvPr id="446" name="Shape 446"/>
+        <p:cNvGrpSpPr/>
+        <p:nvPr/>
+      </p:nvGrpSpPr>
+      <p:grpSpPr>
+        <a:xfrm>
+          <a:off x="0" y="0"/>
+          <a:ext cx="0" cy="0"/>
+          <a:chOff x="0" y="0"/>
+          <a:chExt cx="0" cy="0"/>
+        </a:xfrm>
+      </p:grpSpPr>
+      <p:sp>
+        <p:nvSpPr>
+          <p:cNvPr id="447" name="Google Shape;447;g2f13a2c1d0d_4_67:notes"/>
+          <p:cNvSpPr/>
+          <p:nvPr>
+            <p:ph idx="2" type="sldImg"/>
+          </p:nvPr>
+        </p:nvSpPr>
+        <p:spPr>
+          <a:xfrm>
+            <a:off x="381300" y="685800"/>
+            <a:ext cx="6096000" cy="3429000"/>
+          </a:xfrm>
+          <a:custGeom>
+            <a:rect b="b" l="l" r="r" t="t"/>
+            <a:pathLst>
+              <a:path extrusionOk="0" h="120000" w="120000">
+                <a:moveTo>
+                  <a:pt x="0" y="0"/>
+                </a:moveTo>
+                <a:lnTo>
+                  <a:pt x="120000" y="0"/>
+                </a:lnTo>
+                <a:lnTo>
+                  <a:pt x="120000" y="120000"/>
+                </a:lnTo>
+                <a:lnTo>
+                  <a:pt x="0" y="120000"/>
+                </a:lnTo>
+                <a:close/>
+              </a:path>
+            </a:pathLst>
+          </a:custGeom>
+        </p:spPr>
+      </p:sp>
+      <p:sp>
+        <p:nvSpPr>
+          <p:cNvPr id="448" name="Google Shape;448;g2f13a2c1d0d_4_67:notes"/>
+          <p:cNvSpPr txBox="1"/>
+          <p:nvPr>
+            <p:ph idx="1" type="body"/>
+          </p:nvPr>
+        </p:nvSpPr>
+        <p:spPr>
+          <a:xfrm>
+            <a:off x="685800" y="4343400"/>
+            <a:ext cx="5486400" cy="4114800"/>
+          </a:xfrm>
+          <a:prstGeom prst="rect">
+            <a:avLst/>
+          </a:prstGeom>
+        </p:spPr>
+        <p:txBody>
+          <a:bodyPr anchorCtr="0" anchor="t" bIns="91425" lIns="91425" spcFirstLastPara="1" rIns="91425" wrap="square" tIns="91425">
+            <a:noAutofit/>
+          </a:bodyPr>
+          <a:lstStyle/>
+          <a:p>
+            <a:pPr indent="0" lvl="0" marL="0" rtl="0" algn="l">
+              <a:spcBef>
+                <a:spcPts val="0"/>
+              </a:spcBef>
+              <a:spcAft>
+                <a:spcPts val="0"/>
+              </a:spcAft>
+              <a:buNone/>
+            </a:pPr>
+            <a:r>
+              <a:t/>
+            </a:r>
+            <a:endParaRPr/>
+          </a:p>
+        </p:txBody>
+      </p:sp>
+    </p:spTree>
+  </p:cSld>
+  <p:clrMapOvr>
+    <a:masterClrMapping/>
+  </p:clrMapOvr>
+</p:notes>
+</file>
+
+<file path=ppt/notesSlides/notesSlide67.xml><?xml version="1.0" encoding="utf-8"?>
+<p:notes xmlns:a="http://schemas.openxmlformats.org/drawingml/2006/main" xmlns:r="http://schemas.openxmlformats.org/officeDocument/2006/relationships" xmlns:mc="http://schemas.openxmlformats.org/markup-compatibility/2006" xmlns:mv="urn:schemas-microsoft-com:mac:vml" xmlns:p="http://schemas.openxmlformats.org/presentationml/2006/main" xmlns:c="http://schemas.openxmlformats.org/drawingml/2006/chart" xmlns:dgm="http://schemas.openxmlformats.org/drawingml/2006/diagram" xmlns:o="urn:schemas-microsoft-com:office:office" xmlns:v="urn:schemas-microsoft-com:vml" xmlns:pvml="urn:schemas-microsoft-com:office:powerpoint" xmlns:com="http://schemas.openxmlformats.org/drawingml/2006/compatibility" xmlns:p14="http://schemas.microsoft.com/office/powerpoint/2010/main" xmlns:p15="http://schemas.microsoft.com/office/powerpoint/2012/main" xmlns:ahyp="http://schemas.microsoft.com/office/drawing/2018/hyperlinkcolor" showMasterPhAnim="0" showMasterSp="0">
+  <p:cSld>
+    <p:spTree>
+      <p:nvGrpSpPr>
+        <p:cNvPr id="451" name="Shape 451"/>
+        <p:cNvGrpSpPr/>
+        <p:nvPr/>
+      </p:nvGrpSpPr>
+      <p:grpSpPr>
+        <a:xfrm>
+          <a:off x="0" y="0"/>
+          <a:ext cx="0" cy="0"/>
+          <a:chOff x="0" y="0"/>
+          <a:chExt cx="0" cy="0"/>
+        </a:xfrm>
+      </p:grpSpPr>
+      <p:sp>
+        <p:nvSpPr>
+          <p:cNvPr id="452" name="Google Shape;452;g2f13a2c1d0d_4_72:notes"/>
+          <p:cNvSpPr/>
+          <p:nvPr>
+            <p:ph idx="2" type="sldImg"/>
+          </p:nvPr>
+        </p:nvSpPr>
+        <p:spPr>
+          <a:xfrm>
+            <a:off x="381300" y="685800"/>
+            <a:ext cx="6096000" cy="3429000"/>
+          </a:xfrm>
+          <a:custGeom>
+            <a:rect b="b" l="l" r="r" t="t"/>
+            <a:pathLst>
+              <a:path extrusionOk="0" h="120000" w="120000">
+                <a:moveTo>
+                  <a:pt x="0" y="0"/>
+                </a:moveTo>
+                <a:lnTo>
+                  <a:pt x="120000" y="0"/>
+                </a:lnTo>
+                <a:lnTo>
+                  <a:pt x="120000" y="120000"/>
+                </a:lnTo>
+                <a:lnTo>
+                  <a:pt x="0" y="120000"/>
+                </a:lnTo>
+                <a:close/>
+              </a:path>
+            </a:pathLst>
+          </a:custGeom>
+        </p:spPr>
+      </p:sp>
+      <p:sp>
+        <p:nvSpPr>
+          <p:cNvPr id="453" name="Google Shape;453;g2f13a2c1d0d_4_72:notes"/>
           <p:cNvSpPr txBox="1"/>
           <p:nvPr>
             <p:ph idx="1" type="body"/>
@@ -19041,7 +19641,7 @@
             <a:tbl>
               <a:tblPr>
                 <a:noFill/>
-                <a:tableStyleId>{7E9CDAC2-F0DF-485C-ADB0-ED5493A748C1}</a:tableStyleId>
+                <a:tableStyleId>{7559F03E-C012-4ECB-87B2-DC20DBBFA527}</a:tableStyleId>
               </a:tblPr>
               <a:tblGrid>
                 <a:gridCol w="5713925"/>
@@ -25259,6 +25859,1003 @@
 </p:sld>
 </file>
 
+<file path=ppt/slides/slide62.xml><?xml version="1.0" encoding="utf-8"?>
+<p:sld xmlns:a="http://schemas.openxmlformats.org/drawingml/2006/main" xmlns:r="http://schemas.openxmlformats.org/officeDocument/2006/relationships" xmlns:mc="http://schemas.openxmlformats.org/markup-compatibility/2006" xmlns:mv="urn:schemas-microsoft-com:mac:vml" xmlns:p="http://schemas.openxmlformats.org/presentationml/2006/main" xmlns:c="http://schemas.openxmlformats.org/drawingml/2006/chart" xmlns:dgm="http://schemas.openxmlformats.org/drawingml/2006/diagram" xmlns:o="urn:schemas-microsoft-com:office:office" xmlns:v="urn:schemas-microsoft-com:vml" xmlns:pvml="urn:schemas-microsoft-com:office:powerpoint" xmlns:com="http://schemas.openxmlformats.org/drawingml/2006/compatibility" xmlns:p14="http://schemas.microsoft.com/office/powerpoint/2010/main" xmlns:p15="http://schemas.microsoft.com/office/powerpoint/2012/main" xmlns:ahyp="http://schemas.microsoft.com/office/drawing/2018/hyperlinkcolor">
+  <p:cSld>
+    <p:spTree>
+      <p:nvGrpSpPr>
+        <p:cNvPr id="429" name="Shape 429"/>
+        <p:cNvGrpSpPr/>
+        <p:nvPr/>
+      </p:nvGrpSpPr>
+      <p:grpSpPr>
+        <a:xfrm>
+          <a:off x="0" y="0"/>
+          <a:ext cx="0" cy="0"/>
+          <a:chOff x="0" y="0"/>
+          <a:chExt cx="0" cy="0"/>
+        </a:xfrm>
+      </p:grpSpPr>
+      <p:sp>
+        <p:nvSpPr>
+          <p:cNvPr id="430" name="Google Shape;430;p74"/>
+          <p:cNvSpPr txBox="1"/>
+          <p:nvPr>
+            <p:ph idx="1" type="body"/>
+          </p:nvPr>
+        </p:nvSpPr>
+        <p:spPr>
+          <a:xfrm>
+            <a:off x="311700" y="279925"/>
+            <a:ext cx="8520600" cy="4289100"/>
+          </a:xfrm>
+          <a:prstGeom prst="rect">
+            <a:avLst/>
+          </a:prstGeom>
+        </p:spPr>
+        <p:txBody>
+          <a:bodyPr anchorCtr="0" anchor="t" bIns="91425" lIns="91425" spcFirstLastPara="1" rIns="91425" wrap="square" tIns="91425">
+            <a:normAutofit/>
+          </a:bodyPr>
+          <a:lstStyle/>
+          <a:p>
+            <a:pPr indent="0" lvl="0" marL="0" rtl="0" algn="l">
+              <a:spcBef>
+                <a:spcPts val="0"/>
+              </a:spcBef>
+              <a:spcAft>
+                <a:spcPts val="0"/>
+              </a:spcAft>
+              <a:buNone/>
+            </a:pPr>
+            <a:r>
+              <a:rPr b="1" lang="en" sz="2100">
+                <a:solidFill>
+                  <a:schemeClr val="accent1"/>
+                </a:solidFill>
+              </a:rPr>
+              <a:t>25. </a:t>
+            </a:r>
+            <a:r>
+              <a:rPr lang="en" sz="2100">
+                <a:solidFill>
+                  <a:schemeClr val="accent1"/>
+                </a:solidFill>
+              </a:rPr>
+              <a:t>Which of the following is NOT true for white-box testing?</a:t>
+            </a:r>
+            <a:endParaRPr sz="2100">
+              <a:solidFill>
+                <a:schemeClr val="accent1"/>
+              </a:solidFill>
+            </a:endParaRPr>
+          </a:p>
+          <a:p>
+            <a:pPr indent="0" lvl="0" marL="0" rtl="0" algn="l">
+              <a:spcBef>
+                <a:spcPts val="1200"/>
+              </a:spcBef>
+              <a:spcAft>
+                <a:spcPts val="0"/>
+              </a:spcAft>
+              <a:buNone/>
+            </a:pPr>
+            <a:r>
+              <a:rPr b="1" lang="en" sz="2100">
+                <a:solidFill>
+                  <a:schemeClr val="accent1"/>
+                </a:solidFill>
+              </a:rPr>
+              <a:t>a)</a:t>
+            </a:r>
+            <a:r>
+              <a:rPr lang="en" sz="2100">
+                <a:solidFill>
+                  <a:schemeClr val="accent1"/>
+                </a:solidFill>
+              </a:rPr>
+              <a:t> During white-box testing the entire software implementation is considered</a:t>
+            </a:r>
+            <a:endParaRPr sz="2100">
+              <a:solidFill>
+                <a:schemeClr val="accent1"/>
+              </a:solidFill>
+            </a:endParaRPr>
+          </a:p>
+          <a:p>
+            <a:pPr indent="0" lvl="0" marL="0" rtl="0" algn="l">
+              <a:spcBef>
+                <a:spcPts val="1200"/>
+              </a:spcBef>
+              <a:spcAft>
+                <a:spcPts val="0"/>
+              </a:spcAft>
+              <a:buNone/>
+            </a:pPr>
+            <a:r>
+              <a:rPr b="1" lang="en" sz="2100">
+                <a:solidFill>
+                  <a:schemeClr val="accent1"/>
+                </a:solidFill>
+              </a:rPr>
+              <a:t>b)</a:t>
+            </a:r>
+            <a:r>
+              <a:rPr lang="en" sz="2100">
+                <a:solidFill>
+                  <a:schemeClr val="accent1"/>
+                </a:solidFill>
+              </a:rPr>
+              <a:t> White-box coverage metrics can help identify additional tests to increase code coverage</a:t>
+            </a:r>
+            <a:endParaRPr sz="2100">
+              <a:solidFill>
+                <a:schemeClr val="accent1"/>
+              </a:solidFill>
+            </a:endParaRPr>
+          </a:p>
+          <a:p>
+            <a:pPr indent="0" lvl="0" marL="0" rtl="0" algn="l">
+              <a:spcBef>
+                <a:spcPts val="1200"/>
+              </a:spcBef>
+              <a:spcAft>
+                <a:spcPts val="0"/>
+              </a:spcAft>
+              <a:buNone/>
+            </a:pPr>
+            <a:r>
+              <a:rPr b="1" lang="en" sz="2100">
+                <a:solidFill>
+                  <a:schemeClr val="accent1"/>
+                </a:solidFill>
+              </a:rPr>
+              <a:t>c)</a:t>
+            </a:r>
+            <a:r>
+              <a:rPr lang="en" sz="2100">
+                <a:solidFill>
+                  <a:schemeClr val="accent1"/>
+                </a:solidFill>
+              </a:rPr>
+              <a:t> White-box test techniques can be used in static testing</a:t>
+            </a:r>
+            <a:endParaRPr sz="2100">
+              <a:solidFill>
+                <a:schemeClr val="accent1"/>
+              </a:solidFill>
+            </a:endParaRPr>
+          </a:p>
+          <a:p>
+            <a:pPr indent="0" lvl="0" marL="0" rtl="0" algn="l">
+              <a:spcBef>
+                <a:spcPts val="1200"/>
+              </a:spcBef>
+              <a:spcAft>
+                <a:spcPts val="0"/>
+              </a:spcAft>
+              <a:buNone/>
+            </a:pPr>
+            <a:r>
+              <a:rPr b="1" lang="en" sz="2100">
+                <a:solidFill>
+                  <a:schemeClr val="accent1"/>
+                </a:solidFill>
+              </a:rPr>
+              <a:t>d)</a:t>
+            </a:r>
+            <a:r>
+              <a:rPr lang="en" sz="2100">
+                <a:solidFill>
+                  <a:schemeClr val="accent1"/>
+                </a:solidFill>
+              </a:rPr>
+              <a:t> White-box testing can help identify gaps in requirements implementation</a:t>
+            </a:r>
+            <a:endParaRPr sz="2100">
+              <a:solidFill>
+                <a:schemeClr val="accent1"/>
+              </a:solidFill>
+            </a:endParaRPr>
+          </a:p>
+          <a:p>
+            <a:pPr indent="0" lvl="0" marL="0" rtl="0" algn="l">
+              <a:spcBef>
+                <a:spcPts val="1200"/>
+              </a:spcBef>
+              <a:spcAft>
+                <a:spcPts val="1200"/>
+              </a:spcAft>
+              <a:buNone/>
+            </a:pPr>
+            <a:r>
+              <a:rPr lang="en" sz="2100">
+                <a:solidFill>
+                  <a:schemeClr val="accent1"/>
+                </a:solidFill>
+              </a:rPr>
+              <a:t>Select ONE option.</a:t>
+            </a:r>
+            <a:endParaRPr sz="2100">
+              <a:solidFill>
+                <a:schemeClr val="accent1"/>
+              </a:solidFill>
+            </a:endParaRPr>
+          </a:p>
+        </p:txBody>
+      </p:sp>
+    </p:spTree>
+  </p:cSld>
+  <p:clrMapOvr>
+    <a:masterClrMapping/>
+  </p:clrMapOvr>
+</p:sld>
+</file>
+
+<file path=ppt/slides/slide63.xml><?xml version="1.0" encoding="utf-8"?>
+<p:sld xmlns:a="http://schemas.openxmlformats.org/drawingml/2006/main" xmlns:r="http://schemas.openxmlformats.org/officeDocument/2006/relationships" xmlns:mc="http://schemas.openxmlformats.org/markup-compatibility/2006" xmlns:mv="urn:schemas-microsoft-com:mac:vml" xmlns:p="http://schemas.openxmlformats.org/presentationml/2006/main" xmlns:c="http://schemas.openxmlformats.org/drawingml/2006/chart" xmlns:dgm="http://schemas.openxmlformats.org/drawingml/2006/diagram" xmlns:o="urn:schemas-microsoft-com:office:office" xmlns:v="urn:schemas-microsoft-com:vml" xmlns:pvml="urn:schemas-microsoft-com:office:powerpoint" xmlns:com="http://schemas.openxmlformats.org/drawingml/2006/compatibility" xmlns:p14="http://schemas.microsoft.com/office/powerpoint/2010/main" xmlns:p15="http://schemas.microsoft.com/office/powerpoint/2012/main" xmlns:ahyp="http://schemas.microsoft.com/office/drawing/2018/hyperlinkcolor">
+  <p:cSld>
+    <p:spTree>
+      <p:nvGrpSpPr>
+        <p:cNvPr id="434" name="Shape 434"/>
+        <p:cNvGrpSpPr/>
+        <p:nvPr/>
+      </p:nvGrpSpPr>
+      <p:grpSpPr>
+        <a:xfrm>
+          <a:off x="0" y="0"/>
+          <a:ext cx="0" cy="0"/>
+          <a:chOff x="0" y="0"/>
+          <a:chExt cx="0" cy="0"/>
+        </a:xfrm>
+      </p:grpSpPr>
+      <p:sp>
+        <p:nvSpPr>
+          <p:cNvPr id="435" name="Google Shape;435;p75"/>
+          <p:cNvSpPr txBox="1"/>
+          <p:nvPr>
+            <p:ph idx="1" type="body"/>
+          </p:nvPr>
+        </p:nvSpPr>
+        <p:spPr>
+          <a:xfrm>
+            <a:off x="311700" y="262425"/>
+            <a:ext cx="8520600" cy="4531200"/>
+          </a:xfrm>
+          <a:prstGeom prst="rect">
+            <a:avLst/>
+          </a:prstGeom>
+        </p:spPr>
+        <p:txBody>
+          <a:bodyPr anchorCtr="0" anchor="t" bIns="91425" lIns="91425" spcFirstLastPara="1" rIns="91425" wrap="square" tIns="91425">
+            <a:noAutofit/>
+          </a:bodyPr>
+          <a:lstStyle/>
+          <a:p>
+            <a:pPr indent="0" lvl="0" marL="0" rtl="0" algn="l">
+              <a:spcBef>
+                <a:spcPts val="0"/>
+              </a:spcBef>
+              <a:spcAft>
+                <a:spcPts val="0"/>
+              </a:spcAft>
+              <a:buNone/>
+            </a:pPr>
+            <a:r>
+              <a:rPr lang="en" sz="1900"/>
+              <a:t>a) Is not correct. The fundamental strength of white-box test techniques is that the entire software implementation is taken into account during testing</a:t>
+            </a:r>
+            <a:endParaRPr sz="1900"/>
+          </a:p>
+          <a:p>
+            <a:pPr indent="0" lvl="0" marL="0" rtl="0" algn="l">
+              <a:spcBef>
+                <a:spcPts val="1200"/>
+              </a:spcBef>
+              <a:spcAft>
+                <a:spcPts val="0"/>
+              </a:spcAft>
+              <a:buNone/>
+            </a:pPr>
+            <a:r>
+              <a:rPr lang="en" sz="1900"/>
+              <a:t>b) Is not correct. White-box coverage measures provide an objective measure of coverage and provide the necessary information to allow additional tests to be generated to increase this coverage</a:t>
+            </a:r>
+            <a:endParaRPr sz="1900"/>
+          </a:p>
+          <a:p>
+            <a:pPr indent="0" lvl="0" marL="0" rtl="0" algn="l">
+              <a:spcBef>
+                <a:spcPts val="1200"/>
+              </a:spcBef>
+              <a:spcAft>
+                <a:spcPts val="0"/>
+              </a:spcAft>
+              <a:buNone/>
+            </a:pPr>
+            <a:r>
+              <a:rPr lang="en" sz="1900"/>
+              <a:t>c) Is not correct. White-box test techniques can be used to perform reviews (static testing)</a:t>
+            </a:r>
+            <a:endParaRPr sz="1900"/>
+          </a:p>
+          <a:p>
+            <a:pPr indent="0" lvl="0" marL="0" rtl="0" algn="l">
+              <a:spcBef>
+                <a:spcPts val="1200"/>
+              </a:spcBef>
+              <a:spcAft>
+                <a:spcPts val="1200"/>
+              </a:spcAft>
+              <a:buNone/>
+            </a:pPr>
+            <a:r>
+              <a:rPr lang="en" sz="1900">
+                <a:highlight>
+                  <a:schemeClr val="accent6"/>
+                </a:highlight>
+              </a:rPr>
+              <a:t>d) Is correct. This is the weakness of the white-box test techniques. They are not able to identify the missing implementation, because they are based solely on the test object structure, not on the requirements specification</a:t>
+            </a:r>
+            <a:endParaRPr sz="1900">
+              <a:highlight>
+                <a:schemeClr val="accent6"/>
+              </a:highlight>
+            </a:endParaRPr>
+          </a:p>
+        </p:txBody>
+      </p:sp>
+    </p:spTree>
+  </p:cSld>
+  <p:clrMapOvr>
+    <a:masterClrMapping/>
+  </p:clrMapOvr>
+</p:sld>
+</file>
+
+<file path=ppt/slides/slide64.xml><?xml version="1.0" encoding="utf-8"?>
+<p:sld xmlns:a="http://schemas.openxmlformats.org/drawingml/2006/main" xmlns:r="http://schemas.openxmlformats.org/officeDocument/2006/relationships" xmlns:mc="http://schemas.openxmlformats.org/markup-compatibility/2006" xmlns:mv="urn:schemas-microsoft-com:mac:vml" xmlns:p="http://schemas.openxmlformats.org/presentationml/2006/main" xmlns:c="http://schemas.openxmlformats.org/drawingml/2006/chart" xmlns:dgm="http://schemas.openxmlformats.org/drawingml/2006/diagram" xmlns:o="urn:schemas-microsoft-com:office:office" xmlns:v="urn:schemas-microsoft-com:vml" xmlns:pvml="urn:schemas-microsoft-com:office:powerpoint" xmlns:com="http://schemas.openxmlformats.org/drawingml/2006/compatibility" xmlns:p14="http://schemas.microsoft.com/office/powerpoint/2010/main" xmlns:p15="http://schemas.microsoft.com/office/powerpoint/2012/main" xmlns:ahyp="http://schemas.microsoft.com/office/drawing/2018/hyperlinkcolor">
+  <p:cSld>
+    <p:spTree>
+      <p:nvGrpSpPr>
+        <p:cNvPr id="439" name="Shape 439"/>
+        <p:cNvGrpSpPr/>
+        <p:nvPr/>
+      </p:nvGrpSpPr>
+      <p:grpSpPr>
+        <a:xfrm>
+          <a:off x="0" y="0"/>
+          <a:ext cx="0" cy="0"/>
+          <a:chOff x="0" y="0"/>
+          <a:chExt cx="0" cy="0"/>
+        </a:xfrm>
+      </p:grpSpPr>
+      <p:sp>
+        <p:nvSpPr>
+          <p:cNvPr id="440" name="Google Shape;440;p76"/>
+          <p:cNvSpPr txBox="1"/>
+          <p:nvPr>
+            <p:ph idx="1" type="body"/>
+          </p:nvPr>
+        </p:nvSpPr>
+        <p:spPr>
+          <a:xfrm>
+            <a:off x="311700" y="279925"/>
+            <a:ext cx="8520600" cy="4289100"/>
+          </a:xfrm>
+          <a:prstGeom prst="rect">
+            <a:avLst/>
+          </a:prstGeom>
+        </p:spPr>
+        <p:txBody>
+          <a:bodyPr anchorCtr="0" anchor="t" bIns="91425" lIns="91425" spcFirstLastPara="1" rIns="91425" wrap="square" tIns="91425">
+            <a:noAutofit/>
+          </a:bodyPr>
+          <a:lstStyle/>
+          <a:p>
+            <a:pPr indent="0" lvl="0" marL="0" rtl="0" algn="l">
+              <a:spcBef>
+                <a:spcPts val="0"/>
+              </a:spcBef>
+              <a:spcAft>
+                <a:spcPts val="0"/>
+              </a:spcAft>
+              <a:buNone/>
+            </a:pPr>
+            <a:r>
+              <a:rPr b="1" lang="en">
+                <a:solidFill>
+                  <a:schemeClr val="accent1"/>
+                </a:solidFill>
+              </a:rPr>
+              <a:t>26. </a:t>
+            </a:r>
+            <a:r>
+              <a:rPr lang="en">
+                <a:solidFill>
+                  <a:schemeClr val="accent1"/>
+                </a:solidFill>
+              </a:rPr>
+              <a:t>Which of the following BEST describes the concept behind error guessing?</a:t>
+            </a:r>
+            <a:endParaRPr>
+              <a:solidFill>
+                <a:schemeClr val="accent1"/>
+              </a:solidFill>
+            </a:endParaRPr>
+          </a:p>
+          <a:p>
+            <a:pPr indent="0" lvl="0" marL="0" rtl="0" algn="l">
+              <a:spcBef>
+                <a:spcPts val="1200"/>
+              </a:spcBef>
+              <a:spcAft>
+                <a:spcPts val="0"/>
+              </a:spcAft>
+              <a:buNone/>
+            </a:pPr>
+            <a:r>
+              <a:rPr b="1" lang="en">
+                <a:solidFill>
+                  <a:schemeClr val="accent1"/>
+                </a:solidFill>
+              </a:rPr>
+              <a:t>a)</a:t>
+            </a:r>
+            <a:r>
+              <a:rPr lang="en">
+                <a:solidFill>
+                  <a:schemeClr val="accent1"/>
+                </a:solidFill>
+              </a:rPr>
+              <a:t> Error guessing involves using your knowledge and experience of defects found in the past and typical errors made by developers</a:t>
+            </a:r>
+            <a:endParaRPr>
+              <a:solidFill>
+                <a:schemeClr val="accent1"/>
+              </a:solidFill>
+            </a:endParaRPr>
+          </a:p>
+          <a:p>
+            <a:pPr indent="0" lvl="0" marL="0" rtl="0" algn="l">
+              <a:spcBef>
+                <a:spcPts val="1200"/>
+              </a:spcBef>
+              <a:spcAft>
+                <a:spcPts val="0"/>
+              </a:spcAft>
+              <a:buNone/>
+            </a:pPr>
+            <a:r>
+              <a:rPr b="1" lang="en">
+                <a:solidFill>
+                  <a:schemeClr val="accent1"/>
+                </a:solidFill>
+              </a:rPr>
+              <a:t>b)</a:t>
+            </a:r>
+            <a:r>
+              <a:rPr lang="en">
+                <a:solidFill>
+                  <a:schemeClr val="accent1"/>
+                </a:solidFill>
+              </a:rPr>
+              <a:t> Error guessing involves using your personal experience of development and the errors you made as a developer</a:t>
+            </a:r>
+            <a:endParaRPr>
+              <a:solidFill>
+                <a:schemeClr val="accent1"/>
+              </a:solidFill>
+            </a:endParaRPr>
+          </a:p>
+          <a:p>
+            <a:pPr indent="0" lvl="0" marL="0" rtl="0" algn="l">
+              <a:spcBef>
+                <a:spcPts val="1200"/>
+              </a:spcBef>
+              <a:spcAft>
+                <a:spcPts val="0"/>
+              </a:spcAft>
+              <a:buNone/>
+            </a:pPr>
+            <a:r>
+              <a:rPr b="1" lang="en">
+                <a:solidFill>
+                  <a:schemeClr val="accent1"/>
+                </a:solidFill>
+              </a:rPr>
+              <a:t>c)</a:t>
+            </a:r>
+            <a:r>
+              <a:rPr lang="en">
+                <a:solidFill>
+                  <a:schemeClr val="accent1"/>
+                </a:solidFill>
+              </a:rPr>
+              <a:t> Error guessing requires you to imagine that you are the user of the test object and to guess errors the user could make interacting with it</a:t>
+            </a:r>
+            <a:endParaRPr>
+              <a:solidFill>
+                <a:schemeClr val="accent1"/>
+              </a:solidFill>
+            </a:endParaRPr>
+          </a:p>
+          <a:p>
+            <a:pPr indent="0" lvl="0" marL="0" rtl="0" algn="l">
+              <a:spcBef>
+                <a:spcPts val="1200"/>
+              </a:spcBef>
+              <a:spcAft>
+                <a:spcPts val="0"/>
+              </a:spcAft>
+              <a:buNone/>
+            </a:pPr>
+            <a:r>
+              <a:rPr b="1" lang="en">
+                <a:solidFill>
+                  <a:schemeClr val="accent1"/>
+                </a:solidFill>
+              </a:rPr>
+              <a:t>d) </a:t>
+            </a:r>
+            <a:r>
+              <a:rPr lang="en">
+                <a:solidFill>
+                  <a:schemeClr val="accent1"/>
+                </a:solidFill>
+              </a:rPr>
+              <a:t>Error guessing requires you to rapidly duplicate the development task to identify the sort of errors a developer might make</a:t>
+            </a:r>
+            <a:endParaRPr>
+              <a:solidFill>
+                <a:schemeClr val="accent1"/>
+              </a:solidFill>
+            </a:endParaRPr>
+          </a:p>
+          <a:p>
+            <a:pPr indent="0" lvl="0" marL="0" rtl="0" algn="l">
+              <a:spcBef>
+                <a:spcPts val="1200"/>
+              </a:spcBef>
+              <a:spcAft>
+                <a:spcPts val="1200"/>
+              </a:spcAft>
+              <a:buNone/>
+            </a:pPr>
+            <a:r>
+              <a:rPr lang="en">
+                <a:solidFill>
+                  <a:schemeClr val="accent1"/>
+                </a:solidFill>
+              </a:rPr>
+              <a:t>Select ONE option.</a:t>
+            </a:r>
+            <a:endParaRPr>
+              <a:solidFill>
+                <a:schemeClr val="accent1"/>
+              </a:solidFill>
+            </a:endParaRPr>
+          </a:p>
+        </p:txBody>
+      </p:sp>
+    </p:spTree>
+  </p:cSld>
+  <p:clrMapOvr>
+    <a:masterClrMapping/>
+  </p:clrMapOvr>
+</p:sld>
+</file>
+
+<file path=ppt/slides/slide65.xml><?xml version="1.0" encoding="utf-8"?>
+<p:sld xmlns:a="http://schemas.openxmlformats.org/drawingml/2006/main" xmlns:r="http://schemas.openxmlformats.org/officeDocument/2006/relationships" xmlns:mc="http://schemas.openxmlformats.org/markup-compatibility/2006" xmlns:mv="urn:schemas-microsoft-com:mac:vml" xmlns:p="http://schemas.openxmlformats.org/presentationml/2006/main" xmlns:c="http://schemas.openxmlformats.org/drawingml/2006/chart" xmlns:dgm="http://schemas.openxmlformats.org/drawingml/2006/diagram" xmlns:o="urn:schemas-microsoft-com:office:office" xmlns:v="urn:schemas-microsoft-com:vml" xmlns:pvml="urn:schemas-microsoft-com:office:powerpoint" xmlns:com="http://schemas.openxmlformats.org/drawingml/2006/compatibility" xmlns:p14="http://schemas.microsoft.com/office/powerpoint/2010/main" xmlns:p15="http://schemas.microsoft.com/office/powerpoint/2012/main" xmlns:ahyp="http://schemas.microsoft.com/office/drawing/2018/hyperlinkcolor">
+  <p:cSld>
+    <p:spTree>
+      <p:nvGrpSpPr>
+        <p:cNvPr id="444" name="Shape 444"/>
+        <p:cNvGrpSpPr/>
+        <p:nvPr/>
+      </p:nvGrpSpPr>
+      <p:grpSpPr>
+        <a:xfrm>
+          <a:off x="0" y="0"/>
+          <a:ext cx="0" cy="0"/>
+          <a:chOff x="0" y="0"/>
+          <a:chExt cx="0" cy="0"/>
+        </a:xfrm>
+      </p:grpSpPr>
+      <p:sp>
+        <p:nvSpPr>
+          <p:cNvPr id="445" name="Google Shape;445;p77"/>
+          <p:cNvSpPr txBox="1"/>
+          <p:nvPr>
+            <p:ph idx="1" type="body"/>
+          </p:nvPr>
+        </p:nvSpPr>
+        <p:spPr>
+          <a:xfrm>
+            <a:off x="311700" y="279925"/>
+            <a:ext cx="8520600" cy="4289100"/>
+          </a:xfrm>
+          <a:prstGeom prst="rect">
+            <a:avLst/>
+          </a:prstGeom>
+        </p:spPr>
+        <p:txBody>
+          <a:bodyPr anchorCtr="0" anchor="t" bIns="91425" lIns="91425" spcFirstLastPara="1" rIns="91425" wrap="square" tIns="91425">
+            <a:normAutofit lnSpcReduction="10000"/>
+          </a:bodyPr>
+          <a:lstStyle/>
+          <a:p>
+            <a:pPr indent="0" lvl="0" marL="0" rtl="0" algn="l">
+              <a:spcBef>
+                <a:spcPts val="0"/>
+              </a:spcBef>
+              <a:spcAft>
+                <a:spcPts val="0"/>
+              </a:spcAft>
+              <a:buNone/>
+            </a:pPr>
+            <a:r>
+              <a:rPr lang="en">
+                <a:highlight>
+                  <a:schemeClr val="accent6"/>
+                </a:highlight>
+              </a:rPr>
+              <a:t>a) Is correct. The basic concept behind error guessing is that the tester tries to guess what errors may have been made by the developer and what defects may be in the test object based on past experience (and sometimes checklists)</a:t>
+            </a:r>
+            <a:endParaRPr>
+              <a:highlight>
+                <a:schemeClr val="accent6"/>
+              </a:highlight>
+            </a:endParaRPr>
+          </a:p>
+          <a:p>
+            <a:pPr indent="0" lvl="0" marL="0" rtl="0" algn="l">
+              <a:spcBef>
+                <a:spcPts val="1200"/>
+              </a:spcBef>
+              <a:spcAft>
+                <a:spcPts val="0"/>
+              </a:spcAft>
+              <a:buNone/>
+            </a:pPr>
+            <a:r>
+              <a:rPr lang="en"/>
+              <a:t>b) Is not correct. Although a testers who used to be a developer may use their personal experience to help them when performing error guessing, the test technique is not based on prior knowledge of development</a:t>
+            </a:r>
+            <a:endParaRPr/>
+          </a:p>
+          <a:p>
+            <a:pPr indent="0" lvl="0" marL="0" rtl="0" algn="l">
+              <a:spcBef>
+                <a:spcPts val="1200"/>
+              </a:spcBef>
+              <a:spcAft>
+                <a:spcPts val="0"/>
+              </a:spcAft>
+              <a:buNone/>
+            </a:pPr>
+            <a:r>
+              <a:rPr lang="en"/>
+              <a:t>c) Is not correct. Error guessing is not a usability technique for guessing how users may fail to interact with the test object</a:t>
+            </a:r>
+            <a:endParaRPr/>
+          </a:p>
+          <a:p>
+            <a:pPr indent="0" lvl="0" marL="0" rtl="0" algn="l">
+              <a:spcBef>
+                <a:spcPts val="1200"/>
+              </a:spcBef>
+              <a:spcAft>
+                <a:spcPts val="1200"/>
+              </a:spcAft>
+              <a:buNone/>
+            </a:pPr>
+            <a:r>
+              <a:rPr lang="en"/>
+              <a:t>d) Is not correct. Duplicating the development task has several flaws that make it impractical, such as the tester having equivalent skills to the developer and the time involved to perform the development. It is not error guessing</a:t>
+            </a:r>
+            <a:endParaRPr/>
+          </a:p>
+        </p:txBody>
+      </p:sp>
+    </p:spTree>
+  </p:cSld>
+  <p:clrMapOvr>
+    <a:masterClrMapping/>
+  </p:clrMapOvr>
+</p:sld>
+</file>
+
+<file path=ppt/slides/slide66.xml><?xml version="1.0" encoding="utf-8"?>
+<p:sld xmlns:a="http://schemas.openxmlformats.org/drawingml/2006/main" xmlns:r="http://schemas.openxmlformats.org/officeDocument/2006/relationships" xmlns:mc="http://schemas.openxmlformats.org/markup-compatibility/2006" xmlns:mv="urn:schemas-microsoft-com:mac:vml" xmlns:p="http://schemas.openxmlformats.org/presentationml/2006/main" xmlns:c="http://schemas.openxmlformats.org/drawingml/2006/chart" xmlns:dgm="http://schemas.openxmlformats.org/drawingml/2006/diagram" xmlns:o="urn:schemas-microsoft-com:office:office" xmlns:v="urn:schemas-microsoft-com:vml" xmlns:pvml="urn:schemas-microsoft-com:office:powerpoint" xmlns:com="http://schemas.openxmlformats.org/drawingml/2006/compatibility" xmlns:p14="http://schemas.microsoft.com/office/powerpoint/2010/main" xmlns:p15="http://schemas.microsoft.com/office/powerpoint/2012/main" xmlns:ahyp="http://schemas.microsoft.com/office/drawing/2018/hyperlinkcolor">
+  <p:cSld>
+    <p:spTree>
+      <p:nvGrpSpPr>
+        <p:cNvPr id="449" name="Shape 449"/>
+        <p:cNvGrpSpPr/>
+        <p:nvPr/>
+      </p:nvGrpSpPr>
+      <p:grpSpPr>
+        <a:xfrm>
+          <a:off x="0" y="0"/>
+          <a:ext cx="0" cy="0"/>
+          <a:chOff x="0" y="0"/>
+          <a:chExt cx="0" cy="0"/>
+        </a:xfrm>
+      </p:grpSpPr>
+      <p:sp>
+        <p:nvSpPr>
+          <p:cNvPr id="450" name="Google Shape;450;p78"/>
+          <p:cNvSpPr txBox="1"/>
+          <p:nvPr>
+            <p:ph type="title"/>
+          </p:nvPr>
+        </p:nvSpPr>
+        <p:spPr>
+          <a:xfrm>
+            <a:off x="311700" y="192450"/>
+            <a:ext cx="8520600" cy="4653600"/>
+          </a:xfrm>
+          <a:prstGeom prst="rect">
+            <a:avLst/>
+          </a:prstGeom>
+        </p:spPr>
+        <p:txBody>
+          <a:bodyPr anchorCtr="0" anchor="t" bIns="91425" lIns="91425" spcFirstLastPara="1" rIns="91425" wrap="square" tIns="91425">
+            <a:noAutofit/>
+          </a:bodyPr>
+          <a:lstStyle/>
+          <a:p>
+            <a:pPr indent="0" lvl="0" marL="0" rtl="0" algn="l">
+              <a:spcBef>
+                <a:spcPts val="0"/>
+              </a:spcBef>
+              <a:spcAft>
+                <a:spcPts val="0"/>
+              </a:spcAft>
+              <a:buSzPts val="990"/>
+              <a:buNone/>
+            </a:pPr>
+            <a:r>
+              <a:rPr b="0" lang="en" sz="2640"/>
+              <a:t>27. In your project there has been a delay in the release of a brand-new application and test execution started late, but you have very detailed domain knowledge and good analytical skills. The full list of requirements has not yet been shared with the team, but management is asking for some test results to be presented.</a:t>
+            </a:r>
+            <a:endParaRPr b="0" sz="2640"/>
+          </a:p>
+          <a:p>
+            <a:pPr indent="0" lvl="0" marL="0" rtl="0" algn="l">
+              <a:spcBef>
+                <a:spcPts val="0"/>
+              </a:spcBef>
+              <a:spcAft>
+                <a:spcPts val="0"/>
+              </a:spcAft>
+              <a:buSzPts val="990"/>
+              <a:buNone/>
+            </a:pPr>
+            <a:r>
+              <a:rPr b="0" lang="en" sz="2640"/>
+              <a:t>Which test technique fits BEST in this situation?</a:t>
+            </a:r>
+            <a:endParaRPr b="0" sz="2640"/>
+          </a:p>
+          <a:p>
+            <a:pPr indent="0" lvl="0" marL="0" rtl="0" algn="l">
+              <a:spcBef>
+                <a:spcPts val="0"/>
+              </a:spcBef>
+              <a:spcAft>
+                <a:spcPts val="0"/>
+              </a:spcAft>
+              <a:buSzPts val="990"/>
+              <a:buNone/>
+            </a:pPr>
+            <a:r>
+              <a:rPr b="0" lang="en" sz="2640"/>
+              <a:t>a) Checklist-based testing</a:t>
+            </a:r>
+            <a:endParaRPr b="0" sz="2640"/>
+          </a:p>
+          <a:p>
+            <a:pPr indent="0" lvl="0" marL="0" rtl="0" algn="l">
+              <a:spcBef>
+                <a:spcPts val="0"/>
+              </a:spcBef>
+              <a:spcAft>
+                <a:spcPts val="0"/>
+              </a:spcAft>
+              <a:buSzPts val="990"/>
+              <a:buNone/>
+            </a:pPr>
+            <a:r>
+              <a:rPr b="0" lang="en" sz="2640"/>
+              <a:t>b) Error guessing</a:t>
+            </a:r>
+            <a:endParaRPr b="0" sz="2640"/>
+          </a:p>
+          <a:p>
+            <a:pPr indent="0" lvl="0" marL="0" rtl="0" algn="l">
+              <a:spcBef>
+                <a:spcPts val="0"/>
+              </a:spcBef>
+              <a:spcAft>
+                <a:spcPts val="0"/>
+              </a:spcAft>
+              <a:buSzPts val="990"/>
+              <a:buNone/>
+            </a:pPr>
+            <a:r>
+              <a:rPr b="0" lang="en" sz="2640"/>
+              <a:t>c) Exploratory testing</a:t>
+            </a:r>
+            <a:endParaRPr b="0" sz="2640"/>
+          </a:p>
+          <a:p>
+            <a:pPr indent="0" lvl="0" marL="0" rtl="0" algn="l">
+              <a:spcBef>
+                <a:spcPts val="0"/>
+              </a:spcBef>
+              <a:spcAft>
+                <a:spcPts val="0"/>
+              </a:spcAft>
+              <a:buSzPts val="990"/>
+              <a:buNone/>
+            </a:pPr>
+            <a:r>
+              <a:rPr b="0" lang="en" sz="2640"/>
+              <a:t>d) Branch testing</a:t>
+            </a:r>
+            <a:endParaRPr b="0" sz="2640"/>
+          </a:p>
+          <a:p>
+            <a:pPr indent="0" lvl="0" marL="0" rtl="0" algn="l">
+              <a:spcBef>
+                <a:spcPts val="0"/>
+              </a:spcBef>
+              <a:spcAft>
+                <a:spcPts val="0"/>
+              </a:spcAft>
+              <a:buSzPts val="990"/>
+              <a:buNone/>
+            </a:pPr>
+            <a:r>
+              <a:rPr b="0" lang="en" sz="2640"/>
+              <a:t>Select ONE option.</a:t>
+            </a:r>
+            <a:endParaRPr b="0" sz="2640"/>
+          </a:p>
+        </p:txBody>
+      </p:sp>
+    </p:spTree>
+  </p:cSld>
+  <p:clrMapOvr>
+    <a:masterClrMapping/>
+  </p:clrMapOvr>
+</p:sld>
+</file>
+
+<file path=ppt/slides/slide67.xml><?xml version="1.0" encoding="utf-8"?>
+<p:sld xmlns:a="http://schemas.openxmlformats.org/drawingml/2006/main" xmlns:r="http://schemas.openxmlformats.org/officeDocument/2006/relationships" xmlns:mc="http://schemas.openxmlformats.org/markup-compatibility/2006" xmlns:mv="urn:schemas-microsoft-com:mac:vml" xmlns:p="http://schemas.openxmlformats.org/presentationml/2006/main" xmlns:c="http://schemas.openxmlformats.org/drawingml/2006/chart" xmlns:dgm="http://schemas.openxmlformats.org/drawingml/2006/diagram" xmlns:o="urn:schemas-microsoft-com:office:office" xmlns:v="urn:schemas-microsoft-com:vml" xmlns:pvml="urn:schemas-microsoft-com:office:powerpoint" xmlns:com="http://schemas.openxmlformats.org/drawingml/2006/compatibility" xmlns:p14="http://schemas.microsoft.com/office/powerpoint/2010/main" xmlns:p15="http://schemas.microsoft.com/office/powerpoint/2012/main" xmlns:ahyp="http://schemas.microsoft.com/office/drawing/2018/hyperlinkcolor">
+  <p:cSld>
+    <p:spTree>
+      <p:nvGrpSpPr>
+        <p:cNvPr id="454" name="Shape 454"/>
+        <p:cNvGrpSpPr/>
+        <p:nvPr/>
+      </p:nvGrpSpPr>
+      <p:grpSpPr>
+        <a:xfrm>
+          <a:off x="0" y="0"/>
+          <a:ext cx="0" cy="0"/>
+          <a:chOff x="0" y="0"/>
+          <a:chExt cx="0" cy="0"/>
+        </a:xfrm>
+      </p:grpSpPr>
+      <p:sp>
+        <p:nvSpPr>
+          <p:cNvPr id="455" name="Google Shape;455;p79"/>
+          <p:cNvSpPr txBox="1"/>
+          <p:nvPr>
+            <p:ph idx="1" type="body"/>
+          </p:nvPr>
+        </p:nvSpPr>
+        <p:spPr>
+          <a:xfrm>
+            <a:off x="311700" y="227425"/>
+            <a:ext cx="8520600" cy="4341600"/>
+          </a:xfrm>
+          <a:prstGeom prst="rect">
+            <a:avLst/>
+          </a:prstGeom>
+        </p:spPr>
+        <p:txBody>
+          <a:bodyPr anchorCtr="0" anchor="t" bIns="91425" lIns="91425" spcFirstLastPara="1" rIns="91425" wrap="square" tIns="91425">
+            <a:normAutofit/>
+          </a:bodyPr>
+          <a:lstStyle/>
+          <a:p>
+            <a:pPr indent="0" lvl="0" marL="0" rtl="0" algn="l">
+              <a:spcBef>
+                <a:spcPts val="0"/>
+              </a:spcBef>
+              <a:spcAft>
+                <a:spcPts val="0"/>
+              </a:spcAft>
+              <a:buNone/>
+            </a:pPr>
+            <a:r>
+              <a:rPr lang="en" sz="2000"/>
+              <a:t>a) Is not correct. This is a new product. You probably do not have a checklist yet and test conditions might not be known due to missing requirements</a:t>
+            </a:r>
+            <a:endParaRPr sz="2000"/>
+          </a:p>
+          <a:p>
+            <a:pPr indent="0" lvl="0" marL="0" rtl="0" algn="l">
+              <a:spcBef>
+                <a:spcPts val="1200"/>
+              </a:spcBef>
+              <a:spcAft>
+                <a:spcPts val="0"/>
+              </a:spcAft>
+              <a:buNone/>
+            </a:pPr>
+            <a:r>
+              <a:rPr lang="en" sz="2000"/>
+              <a:t>b) Is not correct. This is a new product. You probably do not have enough information to make correct error guesses</a:t>
+            </a:r>
+            <a:endParaRPr sz="2000"/>
+          </a:p>
+          <a:p>
+            <a:pPr indent="0" lvl="0" marL="0" rtl="0" algn="l">
+              <a:spcBef>
+                <a:spcPts val="1200"/>
+              </a:spcBef>
+              <a:spcAft>
+                <a:spcPts val="0"/>
+              </a:spcAft>
+              <a:buNone/>
+            </a:pPr>
+            <a:r>
+              <a:rPr lang="en" sz="2000">
+                <a:highlight>
+                  <a:schemeClr val="accent6"/>
+                </a:highlight>
+              </a:rPr>
+              <a:t>c) Is correct. Exploratory testing is most useful when there are few known specifications and/or there is a pressing timeline for testing</a:t>
+            </a:r>
+            <a:endParaRPr sz="2000">
+              <a:highlight>
+                <a:schemeClr val="accent6"/>
+              </a:highlight>
+            </a:endParaRPr>
+          </a:p>
+          <a:p>
+            <a:pPr indent="0" lvl="0" marL="0" rtl="0" algn="l">
+              <a:spcBef>
+                <a:spcPts val="1200"/>
+              </a:spcBef>
+              <a:spcAft>
+                <a:spcPts val="1200"/>
+              </a:spcAft>
+              <a:buNone/>
+            </a:pPr>
+            <a:r>
+              <a:rPr lang="en" sz="2000"/>
+              <a:t>d) Is not correct. Branch testing is time-consuming, and your management is asking about some test results now. Also, branch testing does not involve domain knowledge</a:t>
+            </a:r>
+            <a:endParaRPr sz="2000"/>
+          </a:p>
+        </p:txBody>
+      </p:sp>
+    </p:spTree>
+  </p:cSld>
+  <p:clrMapOvr>
+    <a:masterClrMapping/>
+  </p:clrMapOvr>
+</p:sld>
+</file>
+
 <file path=ppt/slides/slide7.xml><?xml version="1.0" encoding="utf-8"?>
 <p:sld xmlns:a="http://schemas.openxmlformats.org/drawingml/2006/main" xmlns:r="http://schemas.openxmlformats.org/officeDocument/2006/relationships" xmlns:mc="http://schemas.openxmlformats.org/markup-compatibility/2006" xmlns:mv="urn:schemas-microsoft-com:mac:vml" xmlns:p="http://schemas.openxmlformats.org/presentationml/2006/main" xmlns:c="http://schemas.openxmlformats.org/drawingml/2006/chart" xmlns:dgm="http://schemas.openxmlformats.org/drawingml/2006/diagram" xmlns:o="urn:schemas-microsoft-com:office:office" xmlns:v="urn:schemas-microsoft-com:vml" xmlns:pvml="urn:schemas-microsoft-com:office:powerpoint" xmlns:com="http://schemas.openxmlformats.org/drawingml/2006/compatibility" xmlns:p14="http://schemas.microsoft.com/office/powerpoint/2010/main" xmlns:p15="http://schemas.microsoft.com/office/powerpoint/2012/main" xmlns:ahyp="http://schemas.microsoft.com/office/drawing/2018/hyperlinkcolor">
   <p:cSld>
@@ -25926,6 +27523,285 @@
 </file>
 
 <file path=ppt/theme/theme1.xml><?xml version="1.0" encoding="utf-8"?>
+<a:theme xmlns:a="http://schemas.openxmlformats.org/drawingml/2006/main" xmlns:r="http://schemas.openxmlformats.org/officeDocument/2006/relationships" name="Tropic">
+  <a:themeElements>
+    <a:clrScheme name="Tropic">
+      <a:dk1>
+        <a:srgbClr val="A1E8D9"/>
+      </a:dk1>
+      <a:lt1>
+        <a:srgbClr val="FFFFFF"/>
+      </a:lt1>
+      <a:dk2>
+        <a:srgbClr val="695D46"/>
+      </a:dk2>
+      <a:lt2>
+        <a:srgbClr val="B3A77D"/>
+      </a:lt2>
+      <a:accent1>
+        <a:srgbClr val="EF6C00"/>
+      </a:accent1>
+      <a:accent2>
+        <a:srgbClr val="CE93D8"/>
+      </a:accent2>
+      <a:accent3>
+        <a:srgbClr val="4DB6AC"/>
+      </a:accent3>
+      <a:accent4>
+        <a:srgbClr val="FF9800"/>
+      </a:accent4>
+      <a:accent5>
+        <a:srgbClr val="009668"/>
+      </a:accent5>
+      <a:accent6>
+        <a:srgbClr val="EEFF41"/>
+      </a:accent6>
+      <a:hlink>
+        <a:srgbClr val="009668"/>
+      </a:hlink>
+      <a:folHlink>
+        <a:srgbClr val="009668"/>
+      </a:folHlink>
+    </a:clrScheme>
+    <a:fontScheme name="Office">
+      <a:majorFont>
+        <a:latin typeface="Arial"/>
+        <a:ea typeface=""/>
+        <a:cs typeface=""/>
+        <a:font script="Jpan" typeface="ＭＳ Ｐゴシック"/>
+        <a:font script="Hang" typeface="맑은 고딕"/>
+        <a:font script="Hans" typeface="宋体"/>
+        <a:font script="Hant" typeface="新細明體"/>
+        <a:font script="Arab" typeface="Times New Roman"/>
+        <a:font script="Hebr" typeface="Times New Roman"/>
+        <a:font script="Thai" typeface="Angsana New"/>
+        <a:font script="Ethi" typeface="Nyala"/>
+        <a:font script="Beng" typeface="Vrinda"/>
+        <a:font script="Gujr" typeface="Shruti"/>
+        <a:font script="Khmr" typeface="MoolBoran"/>
+        <a:font script="Knda" typeface="Tunga"/>
+        <a:font script="Guru" typeface="Raavi"/>
+        <a:font script="Cans" typeface="Euphemia"/>
+        <a:font script="Cher" typeface="Plantagenet Cherokee"/>
+        <a:font script="Yiii" typeface="Microsoft Yi Baiti"/>
+        <a:font script="Tibt" typeface="Microsoft Himalaya"/>
+        <a:font script="Thaa" typeface="MV Boli"/>
+        <a:font script="Deva" typeface="Mangal"/>
+        <a:font script="Telu" typeface="Gautami"/>
+        <a:font script="Taml" typeface="Latha"/>
+        <a:font script="Syrc" typeface="Estrangelo Edessa"/>
+        <a:font script="Orya" typeface="Kalinga"/>
+        <a:font script="Mlym" typeface="Kartika"/>
+        <a:font script="Laoo" typeface="DokChampa"/>
+        <a:font script="Sinh" typeface="Iskoola Pota"/>
+        <a:font script="Mong" typeface="Mongolian Baiti"/>
+        <a:font script="Viet" typeface="Times New Roman"/>
+        <a:font script="Uigh" typeface="Microsoft Uighur"/>
+        <a:font script="Geor" typeface="Sylfaen"/>
+      </a:majorFont>
+      <a:minorFont>
+        <a:latin typeface="Arial"/>
+        <a:ea typeface=""/>
+        <a:cs typeface=""/>
+        <a:font script="Jpan" typeface="ＭＳ Ｐゴシック"/>
+        <a:font script="Hang" typeface="맑은 고딕"/>
+        <a:font script="Hans" typeface="宋体"/>
+        <a:font script="Hant" typeface="新細明體"/>
+        <a:font script="Arab" typeface="Arial"/>
+        <a:font script="Hebr" typeface="Arial"/>
+        <a:font script="Thai" typeface="Cordia New"/>
+        <a:font script="Ethi" typeface="Nyala"/>
+        <a:font script="Beng" typeface="Vrinda"/>
+        <a:font script="Gujr" typeface="Shruti"/>
+        <a:font script="Khmr" typeface="DaunPenh"/>
+        <a:font script="Knda" typeface="Tunga"/>
+        <a:font script="Guru" typeface="Raavi"/>
+        <a:font script="Cans" typeface="Euphemia"/>
+        <a:font script="Cher" typeface="Plantagenet Cherokee"/>
+        <a:font script="Yiii" typeface="Microsoft Yi Baiti"/>
+        <a:font script="Tibt" typeface="Microsoft Himalaya"/>
+        <a:font script="Thaa" typeface="MV Boli"/>
+        <a:font script="Deva" typeface="Mangal"/>
+        <a:font script="Telu" typeface="Gautami"/>
+        <a:font script="Taml" typeface="Latha"/>
+        <a:font script="Syrc" typeface="Estrangelo Edessa"/>
+        <a:font script="Orya" typeface="Kalinga"/>
+        <a:font script="Mlym" typeface="Kartika"/>
+        <a:font script="Laoo" typeface="DokChampa"/>
+        <a:font script="Sinh" typeface="Iskoola Pota"/>
+        <a:font script="Mong" typeface="Mongolian Baiti"/>
+        <a:font script="Viet" typeface="Arial"/>
+        <a:font script="Uigh" typeface="Microsoft Uighur"/>
+        <a:font script="Geor" typeface="Sylfaen"/>
+      </a:minorFont>
+    </a:fontScheme>
+    <a:fmtScheme name="Office">
+      <a:fillStyleLst>
+        <a:solidFill>
+          <a:schemeClr val="phClr"/>
+        </a:solidFill>
+        <a:gradFill rotWithShape="1">
+          <a:gsLst>
+            <a:gs pos="0">
+              <a:schemeClr val="phClr">
+                <a:tint val="50000"/>
+                <a:satMod val="300000"/>
+              </a:schemeClr>
+            </a:gs>
+            <a:gs pos="35000">
+              <a:schemeClr val="phClr">
+                <a:tint val="37000"/>
+                <a:satMod val="300000"/>
+              </a:schemeClr>
+            </a:gs>
+            <a:gs pos="100000">
+              <a:schemeClr val="phClr">
+                <a:tint val="15000"/>
+                <a:satMod val="350000"/>
+              </a:schemeClr>
+            </a:gs>
+          </a:gsLst>
+          <a:lin ang="16200000" scaled="1"/>
+        </a:gradFill>
+        <a:gradFill rotWithShape="1">
+          <a:gsLst>
+            <a:gs pos="0">
+              <a:schemeClr val="phClr">
+                <a:tint val="100000"/>
+                <a:shade val="100000"/>
+                <a:satMod val="130000"/>
+              </a:schemeClr>
+            </a:gs>
+            <a:gs pos="100000">
+              <a:schemeClr val="phClr">
+                <a:tint val="50000"/>
+                <a:shade val="100000"/>
+                <a:satMod val="350000"/>
+              </a:schemeClr>
+            </a:gs>
+          </a:gsLst>
+          <a:lin ang="16200000" scaled="0"/>
+        </a:gradFill>
+      </a:fillStyleLst>
+      <a:lnStyleLst>
+        <a:ln w="9525" cap="flat" cmpd="sng" algn="ctr">
+          <a:solidFill>
+            <a:schemeClr val="phClr">
+              <a:shade val="95000"/>
+              <a:satMod val="105000"/>
+            </a:schemeClr>
+          </a:solidFill>
+          <a:prstDash val="solid"/>
+        </a:ln>
+        <a:ln w="25400" cap="flat" cmpd="sng" algn="ctr">
+          <a:solidFill>
+            <a:schemeClr val="phClr"/>
+          </a:solidFill>
+          <a:prstDash val="solid"/>
+        </a:ln>
+        <a:ln w="38100" cap="flat" cmpd="sng" algn="ctr">
+          <a:solidFill>
+            <a:schemeClr val="phClr"/>
+          </a:solidFill>
+          <a:prstDash val="solid"/>
+        </a:ln>
+      </a:lnStyleLst>
+      <a:effectStyleLst>
+        <a:effectStyle>
+          <a:effectLst>
+            <a:outerShdw blurRad="40000" dist="20000" dir="5400000" rotWithShape="0">
+              <a:srgbClr val="000000">
+                <a:alpha val="38000"/>
+              </a:srgbClr>
+            </a:outerShdw>
+          </a:effectLst>
+        </a:effectStyle>
+        <a:effectStyle>
+          <a:effectLst>
+            <a:outerShdw blurRad="40000" dist="23000" dir="5400000" rotWithShape="0">
+              <a:srgbClr val="000000">
+                <a:alpha val="35000"/>
+              </a:srgbClr>
+            </a:outerShdw>
+          </a:effectLst>
+        </a:effectStyle>
+        <a:effectStyle>
+          <a:effectLst>
+            <a:outerShdw blurRad="40000" dist="23000" dir="5400000" rotWithShape="0">
+              <a:srgbClr val="000000">
+                <a:alpha val="35000"/>
+              </a:srgbClr>
+            </a:outerShdw>
+          </a:effectLst>
+          <a:scene3d>
+            <a:camera prst="orthographicFront">
+              <a:rot lat="0" lon="0" rev="0"/>
+            </a:camera>
+            <a:lightRig rig="threePt" dir="t">
+              <a:rot lat="0" lon="0" rev="1200000"/>
+            </a:lightRig>
+          </a:scene3d>
+          <a:sp3d>
+            <a:bevelT w="63500" h="25400"/>
+          </a:sp3d>
+        </a:effectStyle>
+      </a:effectStyleLst>
+      <a:bgFillStyleLst>
+        <a:solidFill>
+          <a:schemeClr val="phClr"/>
+        </a:solidFill>
+        <a:gradFill rotWithShape="1">
+          <a:gsLst>
+            <a:gs pos="0">
+              <a:schemeClr val="phClr">
+                <a:tint val="40000"/>
+                <a:satMod val="350000"/>
+              </a:schemeClr>
+            </a:gs>
+            <a:gs pos="40000">
+              <a:schemeClr val="phClr">
+                <a:tint val="45000"/>
+                <a:shade val="99000"/>
+                <a:satMod val="350000"/>
+              </a:schemeClr>
+            </a:gs>
+            <a:gs pos="100000">
+              <a:schemeClr val="phClr">
+                <a:shade val="20000"/>
+                <a:satMod val="255000"/>
+              </a:schemeClr>
+            </a:gs>
+          </a:gsLst>
+          <a:path path="circle">
+            <a:fillToRect l="50000" t="-80000" r="50000" b="180000"/>
+          </a:path>
+        </a:gradFill>
+        <a:gradFill rotWithShape="1">
+          <a:gsLst>
+            <a:gs pos="0">
+              <a:schemeClr val="phClr">
+                <a:tint val="80000"/>
+                <a:satMod val="300000"/>
+              </a:schemeClr>
+            </a:gs>
+            <a:gs pos="100000">
+              <a:schemeClr val="phClr">
+                <a:shade val="30000"/>
+                <a:satMod val="200000"/>
+              </a:schemeClr>
+            </a:gs>
+          </a:gsLst>
+          <a:path path="circle">
+            <a:fillToRect l="50000" t="50000" r="50000" b="50000"/>
+          </a:path>
+        </a:gradFill>
+      </a:bgFillStyleLst>
+    </a:fmtScheme>
+  </a:themeElements>
+</a:theme>
+</file>
+
+<file path=ppt/theme/theme2.xml><?xml version="1.0" encoding="utf-8"?>
 <a:theme xmlns:a="http://schemas.openxmlformats.org/drawingml/2006/main" xmlns:r="http://schemas.openxmlformats.org/officeDocument/2006/relationships">
   <a:themeElements>
     <a:clrScheme name="Default">
@@ -26202,283 +28078,4 @@
     </a:fmtScheme>
   </a:themeElements>
 </a:theme>
-</file>
-
-<file path=ppt/theme/theme2.xml><?xml version="1.0" encoding="utf-8"?>
-<a:theme xmlns:a="http://schemas.openxmlformats.org/drawingml/2006/main" xmlns:r="http://schemas.openxmlformats.org/officeDocument/2006/relationships" name="Tropic">
-  <a:themeElements>
-    <a:clrScheme name="Tropic">
-      <a:dk1>
-        <a:srgbClr val="A1E8D9"/>
-      </a:dk1>
-      <a:lt1>
-        <a:srgbClr val="FFFFFF"/>
-      </a:lt1>
-      <a:dk2>
-        <a:srgbClr val="695D46"/>
-      </a:dk2>
-      <a:lt2>
-        <a:srgbClr val="B3A77D"/>
-      </a:lt2>
-      <a:accent1>
-        <a:srgbClr val="EF6C00"/>
-      </a:accent1>
-      <a:accent2>
-        <a:srgbClr val="CE93D8"/>
-      </a:accent2>
-      <a:accent3>
-        <a:srgbClr val="4DB6AC"/>
-      </a:accent3>
-      <a:accent4>
-        <a:srgbClr val="FF9800"/>
-      </a:accent4>
-      <a:accent5>
-        <a:srgbClr val="009668"/>
-      </a:accent5>
-      <a:accent6>
-        <a:srgbClr val="EEFF41"/>
-      </a:accent6>
-      <a:hlink>
-        <a:srgbClr val="009668"/>
-      </a:hlink>
-      <a:folHlink>
-        <a:srgbClr val="009668"/>
-      </a:folHlink>
-    </a:clrScheme>
-    <a:fontScheme name="Office">
-      <a:majorFont>
-        <a:latin typeface="Arial"/>
-        <a:ea typeface=""/>
-        <a:cs typeface=""/>
-        <a:font script="Jpan" typeface="ＭＳ Ｐゴシック"/>
-        <a:font script="Hang" typeface="맑은 고딕"/>
-        <a:font script="Hans" typeface="宋体"/>
-        <a:font script="Hant" typeface="新細明體"/>
-        <a:font script="Arab" typeface="Times New Roman"/>
-        <a:font script="Hebr" typeface="Times New Roman"/>
-        <a:font script="Thai" typeface="Angsana New"/>
-        <a:font script="Ethi" typeface="Nyala"/>
-        <a:font script="Beng" typeface="Vrinda"/>
-        <a:font script="Gujr" typeface="Shruti"/>
-        <a:font script="Khmr" typeface="MoolBoran"/>
-        <a:font script="Knda" typeface="Tunga"/>
-        <a:font script="Guru" typeface="Raavi"/>
-        <a:font script="Cans" typeface="Euphemia"/>
-        <a:font script="Cher" typeface="Plantagenet Cherokee"/>
-        <a:font script="Yiii" typeface="Microsoft Yi Baiti"/>
-        <a:font script="Tibt" typeface="Microsoft Himalaya"/>
-        <a:font script="Thaa" typeface="MV Boli"/>
-        <a:font script="Deva" typeface="Mangal"/>
-        <a:font script="Telu" typeface="Gautami"/>
-        <a:font script="Taml" typeface="Latha"/>
-        <a:font script="Syrc" typeface="Estrangelo Edessa"/>
-        <a:font script="Orya" typeface="Kalinga"/>
-        <a:font script="Mlym" typeface="Kartika"/>
-        <a:font script="Laoo" typeface="DokChampa"/>
-        <a:font script="Sinh" typeface="Iskoola Pota"/>
-        <a:font script="Mong" typeface="Mongolian Baiti"/>
-        <a:font script="Viet" typeface="Times New Roman"/>
-        <a:font script="Uigh" typeface="Microsoft Uighur"/>
-        <a:font script="Geor" typeface="Sylfaen"/>
-      </a:majorFont>
-      <a:minorFont>
-        <a:latin typeface="Arial"/>
-        <a:ea typeface=""/>
-        <a:cs typeface=""/>
-        <a:font script="Jpan" typeface="ＭＳ Ｐゴシック"/>
-        <a:font script="Hang" typeface="맑은 고딕"/>
-        <a:font script="Hans" typeface="宋体"/>
-        <a:font script="Hant" typeface="新細明體"/>
-        <a:font script="Arab" typeface="Arial"/>
-        <a:font script="Hebr" typeface="Arial"/>
-        <a:font script="Thai" typeface="Cordia New"/>
-        <a:font script="Ethi" typeface="Nyala"/>
-        <a:font script="Beng" typeface="Vrinda"/>
-        <a:font script="Gujr" typeface="Shruti"/>
-        <a:font script="Khmr" typeface="DaunPenh"/>
-        <a:font script="Knda" typeface="Tunga"/>
-        <a:font script="Guru" typeface="Raavi"/>
-        <a:font script="Cans" typeface="Euphemia"/>
-        <a:font script="Cher" typeface="Plantagenet Cherokee"/>
-        <a:font script="Yiii" typeface="Microsoft Yi Baiti"/>
-        <a:font script="Tibt" typeface="Microsoft Himalaya"/>
-        <a:font script="Thaa" typeface="MV Boli"/>
-        <a:font script="Deva" typeface="Mangal"/>
-        <a:font script="Telu" typeface="Gautami"/>
-        <a:font script="Taml" typeface="Latha"/>
-        <a:font script="Syrc" typeface="Estrangelo Edessa"/>
-        <a:font script="Orya" typeface="Kalinga"/>
-        <a:font script="Mlym" typeface="Kartika"/>
-        <a:font script="Laoo" typeface="DokChampa"/>
-        <a:font script="Sinh" typeface="Iskoola Pota"/>
-        <a:font script="Mong" typeface="Mongolian Baiti"/>
-        <a:font script="Viet" typeface="Arial"/>
-        <a:font script="Uigh" typeface="Microsoft Uighur"/>
-        <a:font script="Geor" typeface="Sylfaen"/>
-      </a:minorFont>
-    </a:fontScheme>
-    <a:fmtScheme name="Office">
-      <a:fillStyleLst>
-        <a:solidFill>
-          <a:schemeClr val="phClr"/>
-        </a:solidFill>
-        <a:gradFill rotWithShape="1">
-          <a:gsLst>
-            <a:gs pos="0">
-              <a:schemeClr val="phClr">
-                <a:tint val="50000"/>
-                <a:satMod val="300000"/>
-              </a:schemeClr>
-            </a:gs>
-            <a:gs pos="35000">
-              <a:schemeClr val="phClr">
-                <a:tint val="37000"/>
-                <a:satMod val="300000"/>
-              </a:schemeClr>
-            </a:gs>
-            <a:gs pos="100000">
-              <a:schemeClr val="phClr">
-                <a:tint val="15000"/>
-                <a:satMod val="350000"/>
-              </a:schemeClr>
-            </a:gs>
-          </a:gsLst>
-          <a:lin ang="16200000" scaled="1"/>
-        </a:gradFill>
-        <a:gradFill rotWithShape="1">
-          <a:gsLst>
-            <a:gs pos="0">
-              <a:schemeClr val="phClr">
-                <a:tint val="100000"/>
-                <a:shade val="100000"/>
-                <a:satMod val="130000"/>
-              </a:schemeClr>
-            </a:gs>
-            <a:gs pos="100000">
-              <a:schemeClr val="phClr">
-                <a:tint val="50000"/>
-                <a:shade val="100000"/>
-                <a:satMod val="350000"/>
-              </a:schemeClr>
-            </a:gs>
-          </a:gsLst>
-          <a:lin ang="16200000" scaled="0"/>
-        </a:gradFill>
-      </a:fillStyleLst>
-      <a:lnStyleLst>
-        <a:ln w="9525" cap="flat" cmpd="sng" algn="ctr">
-          <a:solidFill>
-            <a:schemeClr val="phClr">
-              <a:shade val="95000"/>
-              <a:satMod val="105000"/>
-            </a:schemeClr>
-          </a:solidFill>
-          <a:prstDash val="solid"/>
-        </a:ln>
-        <a:ln w="25400" cap="flat" cmpd="sng" algn="ctr">
-          <a:solidFill>
-            <a:schemeClr val="phClr"/>
-          </a:solidFill>
-          <a:prstDash val="solid"/>
-        </a:ln>
-        <a:ln w="38100" cap="flat" cmpd="sng" algn="ctr">
-          <a:solidFill>
-            <a:schemeClr val="phClr"/>
-          </a:solidFill>
-          <a:prstDash val="solid"/>
-        </a:ln>
-      </a:lnStyleLst>
-      <a:effectStyleLst>
-        <a:effectStyle>
-          <a:effectLst>
-            <a:outerShdw blurRad="40000" dist="20000" dir="5400000" rotWithShape="0">
-              <a:srgbClr val="000000">
-                <a:alpha val="38000"/>
-              </a:srgbClr>
-            </a:outerShdw>
-          </a:effectLst>
-        </a:effectStyle>
-        <a:effectStyle>
-          <a:effectLst>
-            <a:outerShdw blurRad="40000" dist="23000" dir="5400000" rotWithShape="0">
-              <a:srgbClr val="000000">
-                <a:alpha val="35000"/>
-              </a:srgbClr>
-            </a:outerShdw>
-          </a:effectLst>
-        </a:effectStyle>
-        <a:effectStyle>
-          <a:effectLst>
-            <a:outerShdw blurRad="40000" dist="23000" dir="5400000" rotWithShape="0">
-              <a:srgbClr val="000000">
-                <a:alpha val="35000"/>
-              </a:srgbClr>
-            </a:outerShdw>
-          </a:effectLst>
-          <a:scene3d>
-            <a:camera prst="orthographicFront">
-              <a:rot lat="0" lon="0" rev="0"/>
-            </a:camera>
-            <a:lightRig rig="threePt" dir="t">
-              <a:rot lat="0" lon="0" rev="1200000"/>
-            </a:lightRig>
-          </a:scene3d>
-          <a:sp3d>
-            <a:bevelT w="63500" h="25400"/>
-          </a:sp3d>
-        </a:effectStyle>
-      </a:effectStyleLst>
-      <a:bgFillStyleLst>
-        <a:solidFill>
-          <a:schemeClr val="phClr"/>
-        </a:solidFill>
-        <a:gradFill rotWithShape="1">
-          <a:gsLst>
-            <a:gs pos="0">
-              <a:schemeClr val="phClr">
-                <a:tint val="40000"/>
-                <a:satMod val="350000"/>
-              </a:schemeClr>
-            </a:gs>
-            <a:gs pos="40000">
-              <a:schemeClr val="phClr">
-                <a:tint val="45000"/>
-                <a:shade val="99000"/>
-                <a:satMod val="350000"/>
-              </a:schemeClr>
-            </a:gs>
-            <a:gs pos="100000">
-              <a:schemeClr val="phClr">
-                <a:shade val="20000"/>
-                <a:satMod val="255000"/>
-              </a:schemeClr>
-            </a:gs>
-          </a:gsLst>
-          <a:path path="circle">
-            <a:fillToRect l="50000" t="-80000" r="50000" b="180000"/>
-          </a:path>
-        </a:gradFill>
-        <a:gradFill rotWithShape="1">
-          <a:gsLst>
-            <a:gs pos="0">
-              <a:schemeClr val="phClr">
-                <a:tint val="80000"/>
-                <a:satMod val="300000"/>
-              </a:schemeClr>
-            </a:gs>
-            <a:gs pos="100000">
-              <a:schemeClr val="phClr">
-                <a:shade val="30000"/>
-                <a:satMod val="200000"/>
-              </a:schemeClr>
-            </a:gs>
-          </a:gsLst>
-          <a:path path="circle">
-            <a:fillToRect l="50000" t="50000" r="50000" b="50000"/>
-          </a:path>
-        </a:gradFill>
-      </a:bgFillStyleLst>
-    </a:fmtScheme>
-  </a:themeElements>
-</a:theme>
 </file>
--- a/ISTQB Foundation Level Preparation.pptx
+++ b/ISTQB Foundation Level Preparation.pptx
@@ -75,21 +75,28 @@
     <p:sldId id="320" r:id="rId71"/>
     <p:sldId id="321" r:id="rId72"/>
     <p:sldId id="322" r:id="rId73"/>
+    <p:sldId id="323" r:id="rId74"/>
+    <p:sldId id="324" r:id="rId75"/>
+    <p:sldId id="325" r:id="rId76"/>
+    <p:sldId id="326" r:id="rId77"/>
+    <p:sldId id="327" r:id="rId78"/>
+    <p:sldId id="328" r:id="rId79"/>
+    <p:sldId id="329" r:id="rId80"/>
   </p:sldIdLst>
   <p:sldSz cy="5143500" cx="9144000"/>
   <p:notesSz cx="6858000" cy="9144000"/>
   <p:embeddedFontLst>
     <p:embeddedFont>
       <p:font typeface="PT Sans Narrow"/>
-      <p:regular r:id="rId74"/>
-      <p:bold r:id="rId75"/>
+      <p:regular r:id="rId81"/>
+      <p:bold r:id="rId82"/>
     </p:embeddedFont>
     <p:embeddedFont>
       <p:font typeface="Open Sans"/>
-      <p:regular r:id="rId76"/>
-      <p:bold r:id="rId77"/>
-      <p:italic r:id="rId78"/>
-      <p:boldItalic r:id="rId79"/>
+      <p:regular r:id="rId83"/>
+      <p:bold r:id="rId84"/>
+      <p:italic r:id="rId85"/>
+      <p:boldItalic r:id="rId86"/>
     </p:embeddedFont>
   </p:embeddedFontLst>
   <p:defaultTextStyle>
@@ -7022,7 +7029,7 @@
       </p:grpSpPr>
       <p:sp>
         <p:nvSpPr>
-          <p:cNvPr id="452" name="Google Shape;452;g2f13a2c1d0d_4_72:notes"/>
+          <p:cNvPr id="452" name="Google Shape;452;g2f1e1d5e8dd_1_44:notes"/>
           <p:cNvSpPr/>
           <p:nvPr>
             <p:ph idx="2" type="sldImg"/>
@@ -7057,7 +7064,205 @@
       </p:sp>
       <p:sp>
         <p:nvSpPr>
-          <p:cNvPr id="453" name="Google Shape;453;g2f13a2c1d0d_4_72:notes"/>
+          <p:cNvPr id="453" name="Google Shape;453;g2f1e1d5e8dd_1_44:notes"/>
+          <p:cNvSpPr txBox="1"/>
+          <p:nvPr>
+            <p:ph idx="1" type="body"/>
+          </p:nvPr>
+        </p:nvSpPr>
+        <p:spPr>
+          <a:xfrm>
+            <a:off x="685800" y="4343400"/>
+            <a:ext cx="5486400" cy="4114800"/>
+          </a:xfrm>
+          <a:prstGeom prst="rect">
+            <a:avLst/>
+          </a:prstGeom>
+        </p:spPr>
+        <p:txBody>
+          <a:bodyPr anchorCtr="0" anchor="t" bIns="91425" lIns="91425" spcFirstLastPara="1" rIns="91425" wrap="square" tIns="91425">
+            <a:noAutofit/>
+          </a:bodyPr>
+          <a:lstStyle/>
+          <a:p>
+            <a:pPr indent="0" lvl="0" marL="0" rtl="0" algn="l">
+              <a:spcBef>
+                <a:spcPts val="0"/>
+              </a:spcBef>
+              <a:spcAft>
+                <a:spcPts val="0"/>
+              </a:spcAft>
+              <a:buNone/>
+            </a:pPr>
+            <a:r>
+              <a:t/>
+            </a:r>
+            <a:endParaRPr/>
+          </a:p>
+        </p:txBody>
+      </p:sp>
+    </p:spTree>
+  </p:cSld>
+  <p:clrMapOvr>
+    <a:masterClrMapping/>
+  </p:clrMapOvr>
+</p:notes>
+</file>
+
+<file path=ppt/notesSlides/notesSlide68.xml><?xml version="1.0" encoding="utf-8"?>
+<p:notes xmlns:a="http://schemas.openxmlformats.org/drawingml/2006/main" xmlns:r="http://schemas.openxmlformats.org/officeDocument/2006/relationships" xmlns:mc="http://schemas.openxmlformats.org/markup-compatibility/2006" xmlns:mv="urn:schemas-microsoft-com:mac:vml" xmlns:p="http://schemas.openxmlformats.org/presentationml/2006/main" xmlns:c="http://schemas.openxmlformats.org/drawingml/2006/chart" xmlns:dgm="http://schemas.openxmlformats.org/drawingml/2006/diagram" xmlns:o="urn:schemas-microsoft-com:office:office" xmlns:v="urn:schemas-microsoft-com:vml" xmlns:pvml="urn:schemas-microsoft-com:office:powerpoint" xmlns:com="http://schemas.openxmlformats.org/drawingml/2006/compatibility" xmlns:p14="http://schemas.microsoft.com/office/powerpoint/2010/main" xmlns:p15="http://schemas.microsoft.com/office/powerpoint/2012/main" xmlns:ahyp="http://schemas.microsoft.com/office/drawing/2018/hyperlinkcolor" showMasterPhAnim="0" showMasterSp="0">
+  <p:cSld>
+    <p:spTree>
+      <p:nvGrpSpPr>
+        <p:cNvPr id="456" name="Shape 456"/>
+        <p:cNvGrpSpPr/>
+        <p:nvPr/>
+      </p:nvGrpSpPr>
+      <p:grpSpPr>
+        <a:xfrm>
+          <a:off x="0" y="0"/>
+          <a:ext cx="0" cy="0"/>
+          <a:chOff x="0" y="0"/>
+          <a:chExt cx="0" cy="0"/>
+        </a:xfrm>
+      </p:grpSpPr>
+      <p:sp>
+        <p:nvSpPr>
+          <p:cNvPr id="457" name="Google Shape;457;g2f1e1d5e8dd_1_0:notes"/>
+          <p:cNvSpPr/>
+          <p:nvPr>
+            <p:ph idx="2" type="sldImg"/>
+          </p:nvPr>
+        </p:nvSpPr>
+        <p:spPr>
+          <a:xfrm>
+            <a:off x="381300" y="685800"/>
+            <a:ext cx="6096000" cy="3429000"/>
+          </a:xfrm>
+          <a:custGeom>
+            <a:rect b="b" l="l" r="r" t="t"/>
+            <a:pathLst>
+              <a:path extrusionOk="0" h="120000" w="120000">
+                <a:moveTo>
+                  <a:pt x="0" y="0"/>
+                </a:moveTo>
+                <a:lnTo>
+                  <a:pt x="120000" y="0"/>
+                </a:lnTo>
+                <a:lnTo>
+                  <a:pt x="120000" y="120000"/>
+                </a:lnTo>
+                <a:lnTo>
+                  <a:pt x="0" y="120000"/>
+                </a:lnTo>
+                <a:close/>
+              </a:path>
+            </a:pathLst>
+          </a:custGeom>
+        </p:spPr>
+      </p:sp>
+      <p:sp>
+        <p:nvSpPr>
+          <p:cNvPr id="458" name="Google Shape;458;g2f1e1d5e8dd_1_0:notes"/>
+          <p:cNvSpPr txBox="1"/>
+          <p:nvPr>
+            <p:ph idx="1" type="body"/>
+          </p:nvPr>
+        </p:nvSpPr>
+        <p:spPr>
+          <a:xfrm>
+            <a:off x="685800" y="4343400"/>
+            <a:ext cx="5486400" cy="4114800"/>
+          </a:xfrm>
+          <a:prstGeom prst="rect">
+            <a:avLst/>
+          </a:prstGeom>
+        </p:spPr>
+        <p:txBody>
+          <a:bodyPr anchorCtr="0" anchor="t" bIns="91425" lIns="91425" spcFirstLastPara="1" rIns="91425" wrap="square" tIns="91425">
+            <a:noAutofit/>
+          </a:bodyPr>
+          <a:lstStyle/>
+          <a:p>
+            <a:pPr indent="0" lvl="0" marL="0" rtl="0" algn="l">
+              <a:spcBef>
+                <a:spcPts val="0"/>
+              </a:spcBef>
+              <a:spcAft>
+                <a:spcPts val="0"/>
+              </a:spcAft>
+              <a:buNone/>
+            </a:pPr>
+            <a:r>
+              <a:t/>
+            </a:r>
+            <a:endParaRPr/>
+          </a:p>
+        </p:txBody>
+      </p:sp>
+    </p:spTree>
+  </p:cSld>
+  <p:clrMapOvr>
+    <a:masterClrMapping/>
+  </p:clrMapOvr>
+</p:notes>
+</file>
+
+<file path=ppt/notesSlides/notesSlide69.xml><?xml version="1.0" encoding="utf-8"?>
+<p:notes xmlns:a="http://schemas.openxmlformats.org/drawingml/2006/main" xmlns:r="http://schemas.openxmlformats.org/officeDocument/2006/relationships" xmlns:mc="http://schemas.openxmlformats.org/markup-compatibility/2006" xmlns:mv="urn:schemas-microsoft-com:mac:vml" xmlns:p="http://schemas.openxmlformats.org/presentationml/2006/main" xmlns:c="http://schemas.openxmlformats.org/drawingml/2006/chart" xmlns:dgm="http://schemas.openxmlformats.org/drawingml/2006/diagram" xmlns:o="urn:schemas-microsoft-com:office:office" xmlns:v="urn:schemas-microsoft-com:vml" xmlns:pvml="urn:schemas-microsoft-com:office:powerpoint" xmlns:com="http://schemas.openxmlformats.org/drawingml/2006/compatibility" xmlns:p14="http://schemas.microsoft.com/office/powerpoint/2010/main" xmlns:p15="http://schemas.microsoft.com/office/powerpoint/2012/main" xmlns:ahyp="http://schemas.microsoft.com/office/drawing/2018/hyperlinkcolor" showMasterPhAnim="0" showMasterSp="0">
+  <p:cSld>
+    <p:spTree>
+      <p:nvGrpSpPr>
+        <p:cNvPr id="461" name="Shape 461"/>
+        <p:cNvGrpSpPr/>
+        <p:nvPr/>
+      </p:nvGrpSpPr>
+      <p:grpSpPr>
+        <a:xfrm>
+          <a:off x="0" y="0"/>
+          <a:ext cx="0" cy="0"/>
+          <a:chOff x="0" y="0"/>
+          <a:chExt cx="0" cy="0"/>
+        </a:xfrm>
+      </p:grpSpPr>
+      <p:sp>
+        <p:nvSpPr>
+          <p:cNvPr id="462" name="Google Shape;462;g2f1e1d5e8dd_1_5:notes"/>
+          <p:cNvSpPr/>
+          <p:nvPr>
+            <p:ph idx="2" type="sldImg"/>
+          </p:nvPr>
+        </p:nvSpPr>
+        <p:spPr>
+          <a:xfrm>
+            <a:off x="381300" y="685800"/>
+            <a:ext cx="6096000" cy="3429000"/>
+          </a:xfrm>
+          <a:custGeom>
+            <a:rect b="b" l="l" r="r" t="t"/>
+            <a:pathLst>
+              <a:path extrusionOk="0" h="120000" w="120000">
+                <a:moveTo>
+                  <a:pt x="0" y="0"/>
+                </a:moveTo>
+                <a:lnTo>
+                  <a:pt x="120000" y="0"/>
+                </a:lnTo>
+                <a:lnTo>
+                  <a:pt x="120000" y="120000"/>
+                </a:lnTo>
+                <a:lnTo>
+                  <a:pt x="0" y="120000"/>
+                </a:lnTo>
+                <a:close/>
+              </a:path>
+            </a:pathLst>
+          </a:custGeom>
+        </p:spPr>
+      </p:sp>
+      <p:sp>
+        <p:nvSpPr>
+          <p:cNvPr id="463" name="Google Shape;463;g2f1e1d5e8dd_1_5:notes"/>
           <p:cNvSpPr txBox="1"/>
           <p:nvPr>
             <p:ph idx="1" type="body"/>
@@ -7157,6 +7362,501 @@
       <p:sp>
         <p:nvSpPr>
           <p:cNvPr id="100" name="Google Shape;100;g29a4c6b8399_0_1312:notes"/>
+          <p:cNvSpPr txBox="1"/>
+          <p:nvPr>
+            <p:ph idx="1" type="body"/>
+          </p:nvPr>
+        </p:nvSpPr>
+        <p:spPr>
+          <a:xfrm>
+            <a:off x="685800" y="4343400"/>
+            <a:ext cx="5486400" cy="4114800"/>
+          </a:xfrm>
+          <a:prstGeom prst="rect">
+            <a:avLst/>
+          </a:prstGeom>
+        </p:spPr>
+        <p:txBody>
+          <a:bodyPr anchorCtr="0" anchor="t" bIns="91425" lIns="91425" spcFirstLastPara="1" rIns="91425" wrap="square" tIns="91425">
+            <a:noAutofit/>
+          </a:bodyPr>
+          <a:lstStyle/>
+          <a:p>
+            <a:pPr indent="0" lvl="0" marL="0" rtl="0" algn="l">
+              <a:spcBef>
+                <a:spcPts val="0"/>
+              </a:spcBef>
+              <a:spcAft>
+                <a:spcPts val="0"/>
+              </a:spcAft>
+              <a:buNone/>
+            </a:pPr>
+            <a:r>
+              <a:t/>
+            </a:r>
+            <a:endParaRPr/>
+          </a:p>
+        </p:txBody>
+      </p:sp>
+    </p:spTree>
+  </p:cSld>
+  <p:clrMapOvr>
+    <a:masterClrMapping/>
+  </p:clrMapOvr>
+</p:notes>
+</file>
+
+<file path=ppt/notesSlides/notesSlide70.xml><?xml version="1.0" encoding="utf-8"?>
+<p:notes xmlns:a="http://schemas.openxmlformats.org/drawingml/2006/main" xmlns:r="http://schemas.openxmlformats.org/officeDocument/2006/relationships" xmlns:mc="http://schemas.openxmlformats.org/markup-compatibility/2006" xmlns:mv="urn:schemas-microsoft-com:mac:vml" xmlns:p="http://schemas.openxmlformats.org/presentationml/2006/main" xmlns:c="http://schemas.openxmlformats.org/drawingml/2006/chart" xmlns:dgm="http://schemas.openxmlformats.org/drawingml/2006/diagram" xmlns:o="urn:schemas-microsoft-com:office:office" xmlns:v="urn:schemas-microsoft-com:vml" xmlns:pvml="urn:schemas-microsoft-com:office:powerpoint" xmlns:com="http://schemas.openxmlformats.org/drawingml/2006/compatibility" xmlns:p14="http://schemas.microsoft.com/office/powerpoint/2010/main" xmlns:p15="http://schemas.microsoft.com/office/powerpoint/2012/main" xmlns:ahyp="http://schemas.microsoft.com/office/drawing/2018/hyperlinkcolor" showMasterPhAnim="0" showMasterSp="0">
+  <p:cSld>
+    <p:spTree>
+      <p:nvGrpSpPr>
+        <p:cNvPr id="467" name="Shape 467"/>
+        <p:cNvGrpSpPr/>
+        <p:nvPr/>
+      </p:nvGrpSpPr>
+      <p:grpSpPr>
+        <a:xfrm>
+          <a:off x="0" y="0"/>
+          <a:ext cx="0" cy="0"/>
+          <a:chOff x="0" y="0"/>
+          <a:chExt cx="0" cy="0"/>
+        </a:xfrm>
+      </p:grpSpPr>
+      <p:sp>
+        <p:nvSpPr>
+          <p:cNvPr id="468" name="Google Shape;468;g2f1e1d5e8dd_1_10:notes"/>
+          <p:cNvSpPr/>
+          <p:nvPr>
+            <p:ph idx="2" type="sldImg"/>
+          </p:nvPr>
+        </p:nvSpPr>
+        <p:spPr>
+          <a:xfrm>
+            <a:off x="381300" y="685800"/>
+            <a:ext cx="6096000" cy="3429000"/>
+          </a:xfrm>
+          <a:custGeom>
+            <a:rect b="b" l="l" r="r" t="t"/>
+            <a:pathLst>
+              <a:path extrusionOk="0" h="120000" w="120000">
+                <a:moveTo>
+                  <a:pt x="0" y="0"/>
+                </a:moveTo>
+                <a:lnTo>
+                  <a:pt x="120000" y="0"/>
+                </a:lnTo>
+                <a:lnTo>
+                  <a:pt x="120000" y="120000"/>
+                </a:lnTo>
+                <a:lnTo>
+                  <a:pt x="0" y="120000"/>
+                </a:lnTo>
+                <a:close/>
+              </a:path>
+            </a:pathLst>
+          </a:custGeom>
+        </p:spPr>
+      </p:sp>
+      <p:sp>
+        <p:nvSpPr>
+          <p:cNvPr id="469" name="Google Shape;469;g2f1e1d5e8dd_1_10:notes"/>
+          <p:cNvSpPr txBox="1"/>
+          <p:nvPr>
+            <p:ph idx="1" type="body"/>
+          </p:nvPr>
+        </p:nvSpPr>
+        <p:spPr>
+          <a:xfrm>
+            <a:off x="685800" y="4343400"/>
+            <a:ext cx="5486400" cy="4114800"/>
+          </a:xfrm>
+          <a:prstGeom prst="rect">
+            <a:avLst/>
+          </a:prstGeom>
+        </p:spPr>
+        <p:txBody>
+          <a:bodyPr anchorCtr="0" anchor="t" bIns="91425" lIns="91425" spcFirstLastPara="1" rIns="91425" wrap="square" tIns="91425">
+            <a:noAutofit/>
+          </a:bodyPr>
+          <a:lstStyle/>
+          <a:p>
+            <a:pPr indent="0" lvl="0" marL="0" rtl="0" algn="l">
+              <a:spcBef>
+                <a:spcPts val="0"/>
+              </a:spcBef>
+              <a:spcAft>
+                <a:spcPts val="0"/>
+              </a:spcAft>
+              <a:buNone/>
+            </a:pPr>
+            <a:r>
+              <a:t/>
+            </a:r>
+            <a:endParaRPr/>
+          </a:p>
+        </p:txBody>
+      </p:sp>
+    </p:spTree>
+  </p:cSld>
+  <p:clrMapOvr>
+    <a:masterClrMapping/>
+  </p:clrMapOvr>
+</p:notes>
+</file>
+
+<file path=ppt/notesSlides/notesSlide71.xml><?xml version="1.0" encoding="utf-8"?>
+<p:notes xmlns:a="http://schemas.openxmlformats.org/drawingml/2006/main" xmlns:r="http://schemas.openxmlformats.org/officeDocument/2006/relationships" xmlns:mc="http://schemas.openxmlformats.org/markup-compatibility/2006" xmlns:mv="urn:schemas-microsoft-com:mac:vml" xmlns:p="http://schemas.openxmlformats.org/presentationml/2006/main" xmlns:c="http://schemas.openxmlformats.org/drawingml/2006/chart" xmlns:dgm="http://schemas.openxmlformats.org/drawingml/2006/diagram" xmlns:o="urn:schemas-microsoft-com:office:office" xmlns:v="urn:schemas-microsoft-com:vml" xmlns:pvml="urn:schemas-microsoft-com:office:powerpoint" xmlns:com="http://schemas.openxmlformats.org/drawingml/2006/compatibility" xmlns:p14="http://schemas.microsoft.com/office/powerpoint/2010/main" xmlns:p15="http://schemas.microsoft.com/office/powerpoint/2012/main" xmlns:ahyp="http://schemas.microsoft.com/office/drawing/2018/hyperlinkcolor" showMasterPhAnim="0" showMasterSp="0">
+  <p:cSld>
+    <p:spTree>
+      <p:nvGrpSpPr>
+        <p:cNvPr id="472" name="Shape 472"/>
+        <p:cNvGrpSpPr/>
+        <p:nvPr/>
+      </p:nvGrpSpPr>
+      <p:grpSpPr>
+        <a:xfrm>
+          <a:off x="0" y="0"/>
+          <a:ext cx="0" cy="0"/>
+          <a:chOff x="0" y="0"/>
+          <a:chExt cx="0" cy="0"/>
+        </a:xfrm>
+      </p:grpSpPr>
+      <p:sp>
+        <p:nvSpPr>
+          <p:cNvPr id="473" name="Google Shape;473;g2f1e1d5e8dd_1_48:notes"/>
+          <p:cNvSpPr/>
+          <p:nvPr>
+            <p:ph idx="2" type="sldImg"/>
+          </p:nvPr>
+        </p:nvSpPr>
+        <p:spPr>
+          <a:xfrm>
+            <a:off x="381300" y="685800"/>
+            <a:ext cx="6096000" cy="3429000"/>
+          </a:xfrm>
+          <a:custGeom>
+            <a:rect b="b" l="l" r="r" t="t"/>
+            <a:pathLst>
+              <a:path extrusionOk="0" h="120000" w="120000">
+                <a:moveTo>
+                  <a:pt x="0" y="0"/>
+                </a:moveTo>
+                <a:lnTo>
+                  <a:pt x="120000" y="0"/>
+                </a:lnTo>
+                <a:lnTo>
+                  <a:pt x="120000" y="120000"/>
+                </a:lnTo>
+                <a:lnTo>
+                  <a:pt x="0" y="120000"/>
+                </a:lnTo>
+                <a:close/>
+              </a:path>
+            </a:pathLst>
+          </a:custGeom>
+        </p:spPr>
+      </p:sp>
+      <p:sp>
+        <p:nvSpPr>
+          <p:cNvPr id="474" name="Google Shape;474;g2f1e1d5e8dd_1_48:notes"/>
+          <p:cNvSpPr txBox="1"/>
+          <p:nvPr>
+            <p:ph idx="1" type="body"/>
+          </p:nvPr>
+        </p:nvSpPr>
+        <p:spPr>
+          <a:xfrm>
+            <a:off x="685800" y="4343400"/>
+            <a:ext cx="5486400" cy="4114800"/>
+          </a:xfrm>
+          <a:prstGeom prst="rect">
+            <a:avLst/>
+          </a:prstGeom>
+        </p:spPr>
+        <p:txBody>
+          <a:bodyPr anchorCtr="0" anchor="t" bIns="91425" lIns="91425" spcFirstLastPara="1" rIns="91425" wrap="square" tIns="91425">
+            <a:noAutofit/>
+          </a:bodyPr>
+          <a:lstStyle/>
+          <a:p>
+            <a:pPr indent="0" lvl="0" marL="0" rtl="0" algn="l">
+              <a:spcBef>
+                <a:spcPts val="0"/>
+              </a:spcBef>
+              <a:spcAft>
+                <a:spcPts val="0"/>
+              </a:spcAft>
+              <a:buNone/>
+            </a:pPr>
+            <a:r>
+              <a:t/>
+            </a:r>
+            <a:endParaRPr/>
+          </a:p>
+        </p:txBody>
+      </p:sp>
+    </p:spTree>
+  </p:cSld>
+  <p:clrMapOvr>
+    <a:masterClrMapping/>
+  </p:clrMapOvr>
+</p:notes>
+</file>
+
+<file path=ppt/notesSlides/notesSlide72.xml><?xml version="1.0" encoding="utf-8"?>
+<p:notes xmlns:a="http://schemas.openxmlformats.org/drawingml/2006/main" xmlns:r="http://schemas.openxmlformats.org/officeDocument/2006/relationships" xmlns:mc="http://schemas.openxmlformats.org/markup-compatibility/2006" xmlns:mv="urn:schemas-microsoft-com:mac:vml" xmlns:p="http://schemas.openxmlformats.org/presentationml/2006/main" xmlns:c="http://schemas.openxmlformats.org/drawingml/2006/chart" xmlns:dgm="http://schemas.openxmlformats.org/drawingml/2006/diagram" xmlns:o="urn:schemas-microsoft-com:office:office" xmlns:v="urn:schemas-microsoft-com:vml" xmlns:pvml="urn:schemas-microsoft-com:office:powerpoint" xmlns:com="http://schemas.openxmlformats.org/drawingml/2006/compatibility" xmlns:p14="http://schemas.microsoft.com/office/powerpoint/2010/main" xmlns:p15="http://schemas.microsoft.com/office/powerpoint/2012/main" xmlns:ahyp="http://schemas.microsoft.com/office/drawing/2018/hyperlinkcolor" showMasterPhAnim="0" showMasterSp="0">
+  <p:cSld>
+    <p:spTree>
+      <p:nvGrpSpPr>
+        <p:cNvPr id="477" name="Shape 477"/>
+        <p:cNvGrpSpPr/>
+        <p:nvPr/>
+      </p:nvGrpSpPr>
+      <p:grpSpPr>
+        <a:xfrm>
+          <a:off x="0" y="0"/>
+          <a:ext cx="0" cy="0"/>
+          <a:chOff x="0" y="0"/>
+          <a:chExt cx="0" cy="0"/>
+        </a:xfrm>
+      </p:grpSpPr>
+      <p:sp>
+        <p:nvSpPr>
+          <p:cNvPr id="478" name="Google Shape;478;g2f1e1d5e8dd_1_15:notes"/>
+          <p:cNvSpPr/>
+          <p:nvPr>
+            <p:ph idx="2" type="sldImg"/>
+          </p:nvPr>
+        </p:nvSpPr>
+        <p:spPr>
+          <a:xfrm>
+            <a:off x="381300" y="685800"/>
+            <a:ext cx="6096000" cy="3429000"/>
+          </a:xfrm>
+          <a:custGeom>
+            <a:rect b="b" l="l" r="r" t="t"/>
+            <a:pathLst>
+              <a:path extrusionOk="0" h="120000" w="120000">
+                <a:moveTo>
+                  <a:pt x="0" y="0"/>
+                </a:moveTo>
+                <a:lnTo>
+                  <a:pt x="120000" y="0"/>
+                </a:lnTo>
+                <a:lnTo>
+                  <a:pt x="120000" y="120000"/>
+                </a:lnTo>
+                <a:lnTo>
+                  <a:pt x="0" y="120000"/>
+                </a:lnTo>
+                <a:close/>
+              </a:path>
+            </a:pathLst>
+          </a:custGeom>
+        </p:spPr>
+      </p:sp>
+      <p:sp>
+        <p:nvSpPr>
+          <p:cNvPr id="479" name="Google Shape;479;g2f1e1d5e8dd_1_15:notes"/>
+          <p:cNvSpPr txBox="1"/>
+          <p:nvPr>
+            <p:ph idx="1" type="body"/>
+          </p:nvPr>
+        </p:nvSpPr>
+        <p:spPr>
+          <a:xfrm>
+            <a:off x="685800" y="4343400"/>
+            <a:ext cx="5486400" cy="4114800"/>
+          </a:xfrm>
+          <a:prstGeom prst="rect">
+            <a:avLst/>
+          </a:prstGeom>
+        </p:spPr>
+        <p:txBody>
+          <a:bodyPr anchorCtr="0" anchor="t" bIns="91425" lIns="91425" spcFirstLastPara="1" rIns="91425" wrap="square" tIns="91425">
+            <a:noAutofit/>
+          </a:bodyPr>
+          <a:lstStyle/>
+          <a:p>
+            <a:pPr indent="0" lvl="0" marL="0" rtl="0" algn="l">
+              <a:spcBef>
+                <a:spcPts val="0"/>
+              </a:spcBef>
+              <a:spcAft>
+                <a:spcPts val="0"/>
+              </a:spcAft>
+              <a:buNone/>
+            </a:pPr>
+            <a:r>
+              <a:t/>
+            </a:r>
+            <a:endParaRPr/>
+          </a:p>
+        </p:txBody>
+      </p:sp>
+    </p:spTree>
+  </p:cSld>
+  <p:clrMapOvr>
+    <a:masterClrMapping/>
+  </p:clrMapOvr>
+</p:notes>
+</file>
+
+<file path=ppt/notesSlides/notesSlide73.xml><?xml version="1.0" encoding="utf-8"?>
+<p:notes xmlns:a="http://schemas.openxmlformats.org/drawingml/2006/main" xmlns:r="http://schemas.openxmlformats.org/officeDocument/2006/relationships" xmlns:mc="http://schemas.openxmlformats.org/markup-compatibility/2006" xmlns:mv="urn:schemas-microsoft-com:mac:vml" xmlns:p="http://schemas.openxmlformats.org/presentationml/2006/main" xmlns:c="http://schemas.openxmlformats.org/drawingml/2006/chart" xmlns:dgm="http://schemas.openxmlformats.org/drawingml/2006/diagram" xmlns:o="urn:schemas-microsoft-com:office:office" xmlns:v="urn:schemas-microsoft-com:vml" xmlns:pvml="urn:schemas-microsoft-com:office:powerpoint" xmlns:com="http://schemas.openxmlformats.org/drawingml/2006/compatibility" xmlns:p14="http://schemas.microsoft.com/office/powerpoint/2010/main" xmlns:p15="http://schemas.microsoft.com/office/powerpoint/2012/main" xmlns:ahyp="http://schemas.microsoft.com/office/drawing/2018/hyperlinkcolor" showMasterPhAnim="0" showMasterSp="0">
+  <p:cSld>
+    <p:spTree>
+      <p:nvGrpSpPr>
+        <p:cNvPr id="483" name="Shape 483"/>
+        <p:cNvGrpSpPr/>
+        <p:nvPr/>
+      </p:nvGrpSpPr>
+      <p:grpSpPr>
+        <a:xfrm>
+          <a:off x="0" y="0"/>
+          <a:ext cx="0" cy="0"/>
+          <a:chOff x="0" y="0"/>
+          <a:chExt cx="0" cy="0"/>
+        </a:xfrm>
+      </p:grpSpPr>
+      <p:sp>
+        <p:nvSpPr>
+          <p:cNvPr id="484" name="Google Shape;484;g2f1e1d5e8dd_1_20:notes"/>
+          <p:cNvSpPr/>
+          <p:nvPr>
+            <p:ph idx="2" type="sldImg"/>
+          </p:nvPr>
+        </p:nvSpPr>
+        <p:spPr>
+          <a:xfrm>
+            <a:off x="381300" y="685800"/>
+            <a:ext cx="6096000" cy="3429000"/>
+          </a:xfrm>
+          <a:custGeom>
+            <a:rect b="b" l="l" r="r" t="t"/>
+            <a:pathLst>
+              <a:path extrusionOk="0" h="120000" w="120000">
+                <a:moveTo>
+                  <a:pt x="0" y="0"/>
+                </a:moveTo>
+                <a:lnTo>
+                  <a:pt x="120000" y="0"/>
+                </a:lnTo>
+                <a:lnTo>
+                  <a:pt x="120000" y="120000"/>
+                </a:lnTo>
+                <a:lnTo>
+                  <a:pt x="0" y="120000"/>
+                </a:lnTo>
+                <a:close/>
+              </a:path>
+            </a:pathLst>
+          </a:custGeom>
+        </p:spPr>
+      </p:sp>
+      <p:sp>
+        <p:nvSpPr>
+          <p:cNvPr id="485" name="Google Shape;485;g2f1e1d5e8dd_1_20:notes"/>
+          <p:cNvSpPr txBox="1"/>
+          <p:nvPr>
+            <p:ph idx="1" type="body"/>
+          </p:nvPr>
+        </p:nvSpPr>
+        <p:spPr>
+          <a:xfrm>
+            <a:off x="685800" y="4343400"/>
+            <a:ext cx="5486400" cy="4114800"/>
+          </a:xfrm>
+          <a:prstGeom prst="rect">
+            <a:avLst/>
+          </a:prstGeom>
+        </p:spPr>
+        <p:txBody>
+          <a:bodyPr anchorCtr="0" anchor="t" bIns="91425" lIns="91425" spcFirstLastPara="1" rIns="91425" wrap="square" tIns="91425">
+            <a:noAutofit/>
+          </a:bodyPr>
+          <a:lstStyle/>
+          <a:p>
+            <a:pPr indent="0" lvl="0" marL="0" rtl="0" algn="l">
+              <a:spcBef>
+                <a:spcPts val="0"/>
+              </a:spcBef>
+              <a:spcAft>
+                <a:spcPts val="0"/>
+              </a:spcAft>
+              <a:buNone/>
+            </a:pPr>
+            <a:r>
+              <a:t/>
+            </a:r>
+            <a:endParaRPr/>
+          </a:p>
+        </p:txBody>
+      </p:sp>
+    </p:spTree>
+  </p:cSld>
+  <p:clrMapOvr>
+    <a:masterClrMapping/>
+  </p:clrMapOvr>
+</p:notes>
+</file>
+
+<file path=ppt/notesSlides/notesSlide74.xml><?xml version="1.0" encoding="utf-8"?>
+<p:notes xmlns:a="http://schemas.openxmlformats.org/drawingml/2006/main" xmlns:r="http://schemas.openxmlformats.org/officeDocument/2006/relationships" xmlns:mc="http://schemas.openxmlformats.org/markup-compatibility/2006" xmlns:mv="urn:schemas-microsoft-com:mac:vml" xmlns:p="http://schemas.openxmlformats.org/presentationml/2006/main" xmlns:c="http://schemas.openxmlformats.org/drawingml/2006/chart" xmlns:dgm="http://schemas.openxmlformats.org/drawingml/2006/diagram" xmlns:o="urn:schemas-microsoft-com:office:office" xmlns:v="urn:schemas-microsoft-com:vml" xmlns:pvml="urn:schemas-microsoft-com:office:powerpoint" xmlns:com="http://schemas.openxmlformats.org/drawingml/2006/compatibility" xmlns:p14="http://schemas.microsoft.com/office/powerpoint/2010/main" xmlns:p15="http://schemas.microsoft.com/office/powerpoint/2012/main" xmlns:ahyp="http://schemas.microsoft.com/office/drawing/2018/hyperlinkcolor" showMasterPhAnim="0" showMasterSp="0">
+  <p:cSld>
+    <p:spTree>
+      <p:nvGrpSpPr>
+        <p:cNvPr id="489" name="Shape 489"/>
+        <p:cNvGrpSpPr/>
+        <p:nvPr/>
+      </p:nvGrpSpPr>
+      <p:grpSpPr>
+        <a:xfrm>
+          <a:off x="0" y="0"/>
+          <a:ext cx="0" cy="0"/>
+          <a:chOff x="0" y="0"/>
+          <a:chExt cx="0" cy="0"/>
+        </a:xfrm>
+      </p:grpSpPr>
+      <p:sp>
+        <p:nvSpPr>
+          <p:cNvPr id="490" name="Google Shape;490;g2f1e1d5e8dd_1_34:notes"/>
+          <p:cNvSpPr/>
+          <p:nvPr>
+            <p:ph idx="2" type="sldImg"/>
+          </p:nvPr>
+        </p:nvSpPr>
+        <p:spPr>
+          <a:xfrm>
+            <a:off x="381300" y="685800"/>
+            <a:ext cx="6096000" cy="3429000"/>
+          </a:xfrm>
+          <a:custGeom>
+            <a:rect b="b" l="l" r="r" t="t"/>
+            <a:pathLst>
+              <a:path extrusionOk="0" h="120000" w="120000">
+                <a:moveTo>
+                  <a:pt x="0" y="0"/>
+                </a:moveTo>
+                <a:lnTo>
+                  <a:pt x="120000" y="0"/>
+                </a:lnTo>
+                <a:lnTo>
+                  <a:pt x="120000" y="120000"/>
+                </a:lnTo>
+                <a:lnTo>
+                  <a:pt x="0" y="120000"/>
+                </a:lnTo>
+                <a:close/>
+              </a:path>
+            </a:pathLst>
+          </a:custGeom>
+        </p:spPr>
+      </p:sp>
+      <p:sp>
+        <p:nvSpPr>
+          <p:cNvPr id="491" name="Google Shape;491;g2f1e1d5e8dd_1_34:notes"/>
           <p:cNvSpPr txBox="1"/>
           <p:nvPr>
             <p:ph idx="1" type="body"/>
@@ -19641,7 +20341,7 @@
             <a:tbl>
               <a:tblPr>
                 <a:noFill/>
-                <a:tableStyleId>{7559F03E-C012-4ECB-87B2-DC20DBBFA527}</a:tableStyleId>
+                <a:tableStyleId>{44A1B72B-49B9-4133-944B-F7B362E0B490}</a:tableStyleId>
               </a:tblPr>
               <a:tblGrid>
                 <a:gridCol w="5713925"/>
@@ -26856,6 +27556,278 @@
 </p:sld>
 </file>
 
+<file path=ppt/slides/slide68.xml><?xml version="1.0" encoding="utf-8"?>
+<p:sld xmlns:a="http://schemas.openxmlformats.org/drawingml/2006/main" xmlns:r="http://schemas.openxmlformats.org/officeDocument/2006/relationships" xmlns:mc="http://schemas.openxmlformats.org/markup-compatibility/2006" xmlns:mv="urn:schemas-microsoft-com:mac:vml" xmlns:p="http://schemas.openxmlformats.org/presentationml/2006/main" xmlns:c="http://schemas.openxmlformats.org/drawingml/2006/chart" xmlns:dgm="http://schemas.openxmlformats.org/drawingml/2006/diagram" xmlns:o="urn:schemas-microsoft-com:office:office" xmlns:v="urn:schemas-microsoft-com:vml" xmlns:pvml="urn:schemas-microsoft-com:office:powerpoint" xmlns:com="http://schemas.openxmlformats.org/drawingml/2006/compatibility" xmlns:p14="http://schemas.microsoft.com/office/powerpoint/2010/main" xmlns:p15="http://schemas.microsoft.com/office/powerpoint/2012/main" xmlns:ahyp="http://schemas.microsoft.com/office/drawing/2018/hyperlinkcolor">
+  <p:cSld>
+    <p:spTree>
+      <p:nvGrpSpPr>
+        <p:cNvPr id="459" name="Shape 459"/>
+        <p:cNvGrpSpPr/>
+        <p:nvPr/>
+      </p:nvGrpSpPr>
+      <p:grpSpPr>
+        <a:xfrm>
+          <a:off x="0" y="0"/>
+          <a:ext cx="0" cy="0"/>
+          <a:chOff x="0" y="0"/>
+          <a:chExt cx="0" cy="0"/>
+        </a:xfrm>
+      </p:grpSpPr>
+      <p:sp>
+        <p:nvSpPr>
+          <p:cNvPr id="460" name="Google Shape;460;p80"/>
+          <p:cNvSpPr txBox="1"/>
+          <p:nvPr>
+            <p:ph idx="1" type="body"/>
+          </p:nvPr>
+        </p:nvSpPr>
+        <p:spPr>
+          <a:xfrm>
+            <a:off x="311700" y="314900"/>
+            <a:ext cx="8520600" cy="4254000"/>
+          </a:xfrm>
+          <a:prstGeom prst="rect">
+            <a:avLst/>
+          </a:prstGeom>
+        </p:spPr>
+        <p:txBody>
+          <a:bodyPr anchorCtr="0" anchor="t" bIns="91425" lIns="91425" spcFirstLastPara="1" rIns="91425" wrap="square" tIns="91425">
+            <a:noAutofit/>
+          </a:bodyPr>
+          <a:lstStyle/>
+          <a:p>
+            <a:pPr indent="0" lvl="0" marL="0" rtl="0" algn="l">
+              <a:lnSpc>
+                <a:spcPct val="95000"/>
+              </a:lnSpc>
+              <a:spcBef>
+                <a:spcPts val="0"/>
+              </a:spcBef>
+              <a:spcAft>
+                <a:spcPts val="0"/>
+              </a:spcAft>
+              <a:buSzPts val="275"/>
+              <a:buNone/>
+            </a:pPr>
+            <a:r>
+              <a:rPr b="1" lang="en" sz="2100"/>
+              <a:t>28. Which of the following BEST describes the way acceptance criteria can be documented?</a:t>
+            </a:r>
+            <a:endParaRPr b="1" sz="2100"/>
+          </a:p>
+          <a:p>
+            <a:pPr indent="0" lvl="0" marL="0" rtl="0" algn="l">
+              <a:lnSpc>
+                <a:spcPct val="95000"/>
+              </a:lnSpc>
+              <a:spcBef>
+                <a:spcPts val="1200"/>
+              </a:spcBef>
+              <a:spcAft>
+                <a:spcPts val="0"/>
+              </a:spcAft>
+              <a:buSzPts val="275"/>
+              <a:buNone/>
+            </a:pPr>
+            <a:r>
+              <a:rPr lang="en" sz="2100"/>
+              <a:t>a) Performing retrospectives to determine the actual needs of the stakeholders regarding a given user story</a:t>
+            </a:r>
+            <a:endParaRPr sz="2100"/>
+          </a:p>
+          <a:p>
+            <a:pPr indent="0" lvl="0" marL="0" rtl="0" algn="l">
+              <a:lnSpc>
+                <a:spcPct val="95000"/>
+              </a:lnSpc>
+              <a:spcBef>
+                <a:spcPts val="1200"/>
+              </a:spcBef>
+              <a:spcAft>
+                <a:spcPts val="0"/>
+              </a:spcAft>
+              <a:buSzPts val="275"/>
+              <a:buNone/>
+            </a:pPr>
+            <a:r>
+              <a:rPr lang="en" sz="2100"/>
+              <a:t>b) Using the given/when/then format to describe an example test condition related to a given user story</a:t>
+            </a:r>
+            <a:endParaRPr sz="2100"/>
+          </a:p>
+          <a:p>
+            <a:pPr indent="0" lvl="0" marL="0" rtl="0" algn="l">
+              <a:lnSpc>
+                <a:spcPct val="95000"/>
+              </a:lnSpc>
+              <a:spcBef>
+                <a:spcPts val="1200"/>
+              </a:spcBef>
+              <a:spcAft>
+                <a:spcPts val="0"/>
+              </a:spcAft>
+              <a:buSzPts val="275"/>
+              <a:buNone/>
+            </a:pPr>
+            <a:r>
+              <a:rPr lang="en" sz="2100"/>
+              <a:t>c) Using verbal communication to reduce the risk of misunderstanding the acceptance criteria by others</a:t>
+            </a:r>
+            <a:endParaRPr sz="2100"/>
+          </a:p>
+          <a:p>
+            <a:pPr indent="0" lvl="0" marL="0" rtl="0" algn="l">
+              <a:lnSpc>
+                <a:spcPct val="95000"/>
+              </a:lnSpc>
+              <a:spcBef>
+                <a:spcPts val="1200"/>
+              </a:spcBef>
+              <a:spcAft>
+                <a:spcPts val="0"/>
+              </a:spcAft>
+              <a:buSzPts val="275"/>
+              <a:buNone/>
+            </a:pPr>
+            <a:r>
+              <a:rPr lang="en" sz="2100"/>
+              <a:t>d) Documenting risks related to a given user story in a test plan to facilitate the risk-based testing of a given user story</a:t>
+            </a:r>
+            <a:endParaRPr sz="2100"/>
+          </a:p>
+          <a:p>
+            <a:pPr indent="0" lvl="0" marL="0" rtl="0" algn="l">
+              <a:lnSpc>
+                <a:spcPct val="95000"/>
+              </a:lnSpc>
+              <a:spcBef>
+                <a:spcPts val="1200"/>
+              </a:spcBef>
+              <a:spcAft>
+                <a:spcPts val="1200"/>
+              </a:spcAft>
+              <a:buSzPts val="275"/>
+              <a:buNone/>
+            </a:pPr>
+            <a:r>
+              <a:rPr lang="en" sz="2100"/>
+              <a:t>Select ONE option.</a:t>
+            </a:r>
+            <a:endParaRPr sz="2100"/>
+          </a:p>
+        </p:txBody>
+      </p:sp>
+    </p:spTree>
+  </p:cSld>
+  <p:clrMapOvr>
+    <a:masterClrMapping/>
+  </p:clrMapOvr>
+</p:sld>
+</file>
+
+<file path=ppt/slides/slide69.xml><?xml version="1.0" encoding="utf-8"?>
+<p:sld xmlns:a="http://schemas.openxmlformats.org/drawingml/2006/main" xmlns:r="http://schemas.openxmlformats.org/officeDocument/2006/relationships" xmlns:mc="http://schemas.openxmlformats.org/markup-compatibility/2006" xmlns:mv="urn:schemas-microsoft-com:mac:vml" xmlns:p="http://schemas.openxmlformats.org/presentationml/2006/main" xmlns:c="http://schemas.openxmlformats.org/drawingml/2006/chart" xmlns:dgm="http://schemas.openxmlformats.org/drawingml/2006/diagram" xmlns:o="urn:schemas-microsoft-com:office:office" xmlns:v="urn:schemas-microsoft-com:vml" xmlns:pvml="urn:schemas-microsoft-com:office:powerpoint" xmlns:com="http://schemas.openxmlformats.org/drawingml/2006/compatibility" xmlns:p14="http://schemas.microsoft.com/office/powerpoint/2010/main" xmlns:p15="http://schemas.microsoft.com/office/powerpoint/2012/main" xmlns:ahyp="http://schemas.microsoft.com/office/drawing/2018/hyperlinkcolor">
+  <p:cSld>
+    <p:spTree>
+      <p:nvGrpSpPr>
+        <p:cNvPr id="464" name="Shape 464"/>
+        <p:cNvGrpSpPr/>
+        <p:nvPr/>
+      </p:nvGrpSpPr>
+      <p:grpSpPr>
+        <a:xfrm>
+          <a:off x="0" y="0"/>
+          <a:ext cx="0" cy="0"/>
+          <a:chOff x="0" y="0"/>
+          <a:chExt cx="0" cy="0"/>
+        </a:xfrm>
+      </p:grpSpPr>
+      <p:sp>
+        <p:nvSpPr>
+          <p:cNvPr id="465" name="Google Shape;465;p81"/>
+          <p:cNvSpPr txBox="1"/>
+          <p:nvPr>
+            <p:ph type="title"/>
+          </p:nvPr>
+        </p:nvSpPr>
+        <p:spPr>
+          <a:xfrm>
+            <a:off x="311700" y="445025"/>
+            <a:ext cx="8520600" cy="707400"/>
+          </a:xfrm>
+          <a:prstGeom prst="rect">
+            <a:avLst/>
+          </a:prstGeom>
+        </p:spPr>
+        <p:txBody>
+          <a:bodyPr anchorCtr="0" anchor="t" bIns="91425" lIns="91425" spcFirstLastPara="1" rIns="91425" wrap="square" tIns="91425">
+            <a:normAutofit fontScale="90000"/>
+          </a:bodyPr>
+          <a:lstStyle/>
+          <a:p>
+            <a:pPr indent="0" lvl="0" marL="0" rtl="0" algn="l">
+              <a:spcBef>
+                <a:spcPts val="0"/>
+              </a:spcBef>
+              <a:spcAft>
+                <a:spcPts val="0"/>
+              </a:spcAft>
+              <a:buNone/>
+            </a:pPr>
+            <a:r>
+              <a:t/>
+            </a:r>
+            <a:endParaRPr/>
+          </a:p>
+        </p:txBody>
+      </p:sp>
+      <p:sp>
+        <p:nvSpPr>
+          <p:cNvPr id="466" name="Google Shape;466;p81"/>
+          <p:cNvSpPr txBox="1"/>
+          <p:nvPr>
+            <p:ph idx="1" type="body"/>
+          </p:nvPr>
+        </p:nvSpPr>
+        <p:spPr>
+          <a:xfrm>
+            <a:off x="311700" y="1266325"/>
+            <a:ext cx="8520600" cy="3302700"/>
+          </a:xfrm>
+          <a:prstGeom prst="rect">
+            <a:avLst/>
+          </a:prstGeom>
+        </p:spPr>
+        <p:txBody>
+          <a:bodyPr anchorCtr="0" anchor="t" bIns="91425" lIns="91425" spcFirstLastPara="1" rIns="91425" wrap="square" tIns="91425">
+            <a:normAutofit/>
+          </a:bodyPr>
+          <a:lstStyle/>
+          <a:p>
+            <a:pPr indent="0" lvl="0" marL="0" rtl="0" algn="l">
+              <a:spcBef>
+                <a:spcPts val="0"/>
+              </a:spcBef>
+              <a:spcAft>
+                <a:spcPts val="1200"/>
+              </a:spcAft>
+              <a:buNone/>
+            </a:pPr>
+            <a:r>
+              <a:t/>
+            </a:r>
+            <a:endParaRPr/>
+          </a:p>
+        </p:txBody>
+      </p:sp>
+    </p:spTree>
+  </p:cSld>
+  <p:clrMapOvr>
+    <a:masterClrMapping/>
+  </p:clrMapOvr>
+</p:sld>
+</file>
+
 <file path=ppt/slides/slide7.xml><?xml version="1.0" encoding="utf-8"?>
 <p:sld xmlns:a="http://schemas.openxmlformats.org/drawingml/2006/main" xmlns:r="http://schemas.openxmlformats.org/officeDocument/2006/relationships" xmlns:mc="http://schemas.openxmlformats.org/markup-compatibility/2006" xmlns:mv="urn:schemas-microsoft-com:mac:vml" xmlns:p="http://schemas.openxmlformats.org/presentationml/2006/main" xmlns:c="http://schemas.openxmlformats.org/drawingml/2006/chart" xmlns:dgm="http://schemas.openxmlformats.org/drawingml/2006/diagram" xmlns:o="urn:schemas-microsoft-com:office:office" xmlns:v="urn:schemas-microsoft-com:vml" xmlns:pvml="urn:schemas-microsoft-com:office:powerpoint" xmlns:com="http://schemas.openxmlformats.org/drawingml/2006/compatibility" xmlns:p14="http://schemas.microsoft.com/office/powerpoint/2010/main" xmlns:p15="http://schemas.microsoft.com/office/powerpoint/2012/main" xmlns:ahyp="http://schemas.microsoft.com/office/drawing/2018/hyperlinkcolor">
   <p:cSld>
@@ -27096,6 +28068,848 @@
               <a:cs typeface="Arial"/>
               <a:sym typeface="Arial"/>
             </a:endParaRPr>
+          </a:p>
+        </p:txBody>
+      </p:sp>
+    </p:spTree>
+  </p:cSld>
+  <p:clrMapOvr>
+    <a:masterClrMapping/>
+  </p:clrMapOvr>
+</p:sld>
+</file>
+
+<file path=ppt/slides/slide70.xml><?xml version="1.0" encoding="utf-8"?>
+<p:sld xmlns:a="http://schemas.openxmlformats.org/drawingml/2006/main" xmlns:r="http://schemas.openxmlformats.org/officeDocument/2006/relationships" xmlns:mc="http://schemas.openxmlformats.org/markup-compatibility/2006" xmlns:mv="urn:schemas-microsoft-com:mac:vml" xmlns:p="http://schemas.openxmlformats.org/presentationml/2006/main" xmlns:c="http://schemas.openxmlformats.org/drawingml/2006/chart" xmlns:dgm="http://schemas.openxmlformats.org/drawingml/2006/diagram" xmlns:o="urn:schemas-microsoft-com:office:office" xmlns:v="urn:schemas-microsoft-com:vml" xmlns:pvml="urn:schemas-microsoft-com:office:powerpoint" xmlns:com="http://schemas.openxmlformats.org/drawingml/2006/compatibility" xmlns:p14="http://schemas.microsoft.com/office/powerpoint/2010/main" xmlns:p15="http://schemas.microsoft.com/office/powerpoint/2012/main" xmlns:ahyp="http://schemas.microsoft.com/office/drawing/2018/hyperlinkcolor">
+  <p:cSld>
+    <p:spTree>
+      <p:nvGrpSpPr>
+        <p:cNvPr id="470" name="Shape 470"/>
+        <p:cNvGrpSpPr/>
+        <p:nvPr/>
+      </p:nvGrpSpPr>
+      <p:grpSpPr>
+        <a:xfrm>
+          <a:off x="0" y="0"/>
+          <a:ext cx="0" cy="0"/>
+          <a:chOff x="0" y="0"/>
+          <a:chExt cx="0" cy="0"/>
+        </a:xfrm>
+      </p:grpSpPr>
+      <p:sp>
+        <p:nvSpPr>
+          <p:cNvPr id="471" name="Google Shape;471;p82"/>
+          <p:cNvSpPr txBox="1"/>
+          <p:nvPr>
+            <p:ph idx="1" type="body"/>
+          </p:nvPr>
+        </p:nvSpPr>
+        <p:spPr>
+          <a:xfrm>
+            <a:off x="311700" y="297425"/>
+            <a:ext cx="8520600" cy="4478700"/>
+          </a:xfrm>
+          <a:prstGeom prst="rect">
+            <a:avLst/>
+          </a:prstGeom>
+        </p:spPr>
+        <p:txBody>
+          <a:bodyPr anchorCtr="0" anchor="t" bIns="91425" lIns="91425" spcFirstLastPara="1" rIns="91425" wrap="square" tIns="91425">
+            <a:noAutofit/>
+          </a:bodyPr>
+          <a:lstStyle/>
+          <a:p>
+            <a:pPr indent="0" lvl="0" marL="0" rtl="0" algn="l">
+              <a:lnSpc>
+                <a:spcPct val="75000"/>
+              </a:lnSpc>
+              <a:spcBef>
+                <a:spcPts val="0"/>
+              </a:spcBef>
+              <a:spcAft>
+                <a:spcPts val="0"/>
+              </a:spcAft>
+              <a:buClr>
+                <a:srgbClr val="000000"/>
+              </a:buClr>
+              <a:buSzPts val="275"/>
+              <a:buFont typeface="Arial"/>
+              <a:buNone/>
+            </a:pPr>
+            <a:r>
+              <a:rPr lang="en" sz="2400"/>
+              <a:t>29. </a:t>
+            </a:r>
+            <a:r>
+              <a:rPr lang="en" sz="2400"/>
+              <a:t>Consider the following user story: </a:t>
+            </a:r>
+            <a:r>
+              <a:rPr b="1" lang="en" sz="2400"/>
+              <a:t>As an Editor</a:t>
+            </a:r>
+            <a:endParaRPr b="1" sz="2400"/>
+          </a:p>
+          <a:p>
+            <a:pPr indent="0" lvl="0" marL="0" rtl="0" algn="l">
+              <a:lnSpc>
+                <a:spcPct val="75000"/>
+              </a:lnSpc>
+              <a:spcBef>
+                <a:spcPts val="1200"/>
+              </a:spcBef>
+              <a:spcAft>
+                <a:spcPts val="0"/>
+              </a:spcAft>
+              <a:buClr>
+                <a:srgbClr val="000000"/>
+              </a:buClr>
+              <a:buSzPts val="275"/>
+              <a:buFont typeface="Arial"/>
+              <a:buNone/>
+            </a:pPr>
+            <a:r>
+              <a:rPr lang="en" sz="2400"/>
+              <a:t>I want to review content before it is published so that I can assure the grammar is correct</a:t>
+            </a:r>
+            <a:endParaRPr sz="2400"/>
+          </a:p>
+          <a:p>
+            <a:pPr indent="0" lvl="0" marL="0" rtl="0" algn="l">
+              <a:lnSpc>
+                <a:spcPct val="75000"/>
+              </a:lnSpc>
+              <a:spcBef>
+                <a:spcPts val="1200"/>
+              </a:spcBef>
+              <a:spcAft>
+                <a:spcPts val="0"/>
+              </a:spcAft>
+              <a:buClr>
+                <a:srgbClr val="000000"/>
+              </a:buClr>
+              <a:buSzPts val="275"/>
+              <a:buFont typeface="Arial"/>
+              <a:buNone/>
+            </a:pPr>
+            <a:r>
+              <a:rPr lang="en" sz="2400"/>
+              <a:t>The user can log in to the content management system with "Editor" role</a:t>
+            </a:r>
+            <a:endParaRPr sz="2400"/>
+          </a:p>
+          <a:p>
+            <a:pPr indent="0" lvl="0" marL="0" rtl="0" algn="l">
+              <a:lnSpc>
+                <a:spcPct val="75000"/>
+              </a:lnSpc>
+              <a:spcBef>
+                <a:spcPts val="1200"/>
+              </a:spcBef>
+              <a:spcAft>
+                <a:spcPts val="0"/>
+              </a:spcAft>
+              <a:buClr>
+                <a:srgbClr val="000000"/>
+              </a:buClr>
+              <a:buSzPts val="275"/>
+              <a:buFont typeface="Arial"/>
+              <a:buNone/>
+            </a:pPr>
+            <a:r>
+              <a:rPr lang="en" sz="2400"/>
+              <a:t>The editor can view existing content pages</a:t>
+            </a:r>
+            <a:endParaRPr sz="2400"/>
+          </a:p>
+          <a:p>
+            <a:pPr indent="0" lvl="0" marL="0" rtl="0" algn="l">
+              <a:lnSpc>
+                <a:spcPct val="75000"/>
+              </a:lnSpc>
+              <a:spcBef>
+                <a:spcPts val="1200"/>
+              </a:spcBef>
+              <a:spcAft>
+                <a:spcPts val="0"/>
+              </a:spcAft>
+              <a:buClr>
+                <a:srgbClr val="000000"/>
+              </a:buClr>
+              <a:buSzPts val="275"/>
+              <a:buFont typeface="Arial"/>
+              <a:buNone/>
+            </a:pPr>
+            <a:r>
+              <a:rPr lang="en" sz="2400"/>
+              <a:t>The editor can edit the page content</a:t>
+            </a:r>
+            <a:endParaRPr sz="2400"/>
+          </a:p>
+          <a:p>
+            <a:pPr indent="0" lvl="0" marL="0" rtl="0" algn="l">
+              <a:lnSpc>
+                <a:spcPct val="75000"/>
+              </a:lnSpc>
+              <a:spcBef>
+                <a:spcPts val="1200"/>
+              </a:spcBef>
+              <a:spcAft>
+                <a:spcPts val="0"/>
+              </a:spcAft>
+              <a:buClr>
+                <a:srgbClr val="000000"/>
+              </a:buClr>
+              <a:buSzPts val="275"/>
+              <a:buFont typeface="Arial"/>
+              <a:buNone/>
+            </a:pPr>
+            <a:r>
+              <a:rPr lang="en" sz="2400"/>
+              <a:t>The editor can add markup comments</a:t>
+            </a:r>
+            <a:endParaRPr sz="2400"/>
+          </a:p>
+          <a:p>
+            <a:pPr indent="0" lvl="0" marL="0" rtl="0" algn="l">
+              <a:lnSpc>
+                <a:spcPct val="75000"/>
+              </a:lnSpc>
+              <a:spcBef>
+                <a:spcPts val="1200"/>
+              </a:spcBef>
+              <a:spcAft>
+                <a:spcPts val="0"/>
+              </a:spcAft>
+              <a:buClr>
+                <a:srgbClr val="000000"/>
+              </a:buClr>
+              <a:buSzPts val="275"/>
+              <a:buFont typeface="Arial"/>
+              <a:buNone/>
+            </a:pPr>
+            <a:r>
+              <a:rPr lang="en" sz="2400"/>
+              <a:t>The editor can save changes</a:t>
+            </a:r>
+            <a:endParaRPr sz="2400"/>
+          </a:p>
+          <a:p>
+            <a:pPr indent="0" lvl="0" marL="0" rtl="0" algn="l">
+              <a:lnSpc>
+                <a:spcPct val="75000"/>
+              </a:lnSpc>
+              <a:spcBef>
+                <a:spcPts val="1200"/>
+              </a:spcBef>
+              <a:spcAft>
+                <a:spcPts val="1200"/>
+              </a:spcAft>
+              <a:buClr>
+                <a:srgbClr val="000000"/>
+              </a:buClr>
+              <a:buSzPts val="275"/>
+              <a:buFont typeface="Arial"/>
+              <a:buNone/>
+            </a:pPr>
+            <a:r>
+              <a:rPr lang="en" sz="2400"/>
+              <a:t>The editor can reassign to the "content owner" role to make updates</a:t>
+            </a:r>
+            <a:endParaRPr sz="2400"/>
+          </a:p>
+        </p:txBody>
+      </p:sp>
+    </p:spTree>
+  </p:cSld>
+  <p:clrMapOvr>
+    <a:masterClrMapping/>
+  </p:clrMapOvr>
+</p:sld>
+</file>
+
+<file path=ppt/slides/slide71.xml><?xml version="1.0" encoding="utf-8"?>
+<p:sld xmlns:a="http://schemas.openxmlformats.org/drawingml/2006/main" xmlns:r="http://schemas.openxmlformats.org/officeDocument/2006/relationships" xmlns:mc="http://schemas.openxmlformats.org/markup-compatibility/2006" xmlns:mv="urn:schemas-microsoft-com:mac:vml" xmlns:p="http://schemas.openxmlformats.org/presentationml/2006/main" xmlns:c="http://schemas.openxmlformats.org/drawingml/2006/chart" xmlns:dgm="http://schemas.openxmlformats.org/drawingml/2006/diagram" xmlns:o="urn:schemas-microsoft-com:office:office" xmlns:v="urn:schemas-microsoft-com:vml" xmlns:pvml="urn:schemas-microsoft-com:office:powerpoint" xmlns:com="http://schemas.openxmlformats.org/drawingml/2006/compatibility" xmlns:p14="http://schemas.microsoft.com/office/powerpoint/2010/main" xmlns:p15="http://schemas.microsoft.com/office/powerpoint/2012/main" xmlns:ahyp="http://schemas.microsoft.com/office/drawing/2018/hyperlinkcolor">
+  <p:cSld>
+    <p:spTree>
+      <p:nvGrpSpPr>
+        <p:cNvPr id="475" name="Shape 475"/>
+        <p:cNvGrpSpPr/>
+        <p:nvPr/>
+      </p:nvGrpSpPr>
+      <p:grpSpPr>
+        <a:xfrm>
+          <a:off x="0" y="0"/>
+          <a:ext cx="0" cy="0"/>
+          <a:chOff x="0" y="0"/>
+          <a:chExt cx="0" cy="0"/>
+        </a:xfrm>
+      </p:grpSpPr>
+      <p:sp>
+        <p:nvSpPr>
+          <p:cNvPr id="476" name="Google Shape;476;p83"/>
+          <p:cNvSpPr txBox="1"/>
+          <p:nvPr>
+            <p:ph idx="1" type="body"/>
+          </p:nvPr>
+        </p:nvSpPr>
+        <p:spPr>
+          <a:xfrm>
+            <a:off x="311700" y="262425"/>
+            <a:ext cx="8520600" cy="4306500"/>
+          </a:xfrm>
+          <a:prstGeom prst="rect">
+            <a:avLst/>
+          </a:prstGeom>
+        </p:spPr>
+        <p:txBody>
+          <a:bodyPr anchorCtr="0" anchor="t" bIns="91425" lIns="91425" spcFirstLastPara="1" rIns="91425" wrap="square" tIns="91425">
+            <a:noAutofit/>
+          </a:bodyPr>
+          <a:lstStyle/>
+          <a:p>
+            <a:pPr indent="0" lvl="0" marL="0" rtl="0" algn="l">
+              <a:lnSpc>
+                <a:spcPct val="75000"/>
+              </a:lnSpc>
+              <a:spcBef>
+                <a:spcPts val="0"/>
+              </a:spcBef>
+              <a:spcAft>
+                <a:spcPts val="0"/>
+              </a:spcAft>
+              <a:buNone/>
+            </a:pPr>
+            <a:r>
+              <a:rPr lang="en" sz="2500"/>
+              <a:t>Which of the following is the BEST example of an ATDD test for this user story?</a:t>
+            </a:r>
+            <a:endParaRPr sz="2500"/>
+          </a:p>
+          <a:p>
+            <a:pPr indent="0" lvl="0" marL="0" rtl="0" algn="l">
+              <a:lnSpc>
+                <a:spcPct val="75000"/>
+              </a:lnSpc>
+              <a:spcBef>
+                <a:spcPts val="1200"/>
+              </a:spcBef>
+              <a:spcAft>
+                <a:spcPts val="0"/>
+              </a:spcAft>
+              <a:buNone/>
+            </a:pPr>
+            <a:r>
+              <a:rPr lang="en" sz="2500"/>
+              <a:t>a) Test if the editor can save the document after deleting the page content</a:t>
+            </a:r>
+            <a:endParaRPr sz="2500"/>
+          </a:p>
+          <a:p>
+            <a:pPr indent="0" lvl="0" marL="0" rtl="0" algn="l">
+              <a:lnSpc>
+                <a:spcPct val="75000"/>
+              </a:lnSpc>
+              <a:spcBef>
+                <a:spcPts val="1200"/>
+              </a:spcBef>
+              <a:spcAft>
+                <a:spcPts val="0"/>
+              </a:spcAft>
+              <a:buNone/>
+            </a:pPr>
+            <a:r>
+              <a:rPr lang="en" sz="2500"/>
+              <a:t>b) Test if the content owner can log in and make updates to the content</a:t>
+            </a:r>
+            <a:endParaRPr sz="2500"/>
+          </a:p>
+          <a:p>
+            <a:pPr indent="0" lvl="0" marL="0" rtl="0" algn="l">
+              <a:lnSpc>
+                <a:spcPct val="75000"/>
+              </a:lnSpc>
+              <a:spcBef>
+                <a:spcPts val="1200"/>
+              </a:spcBef>
+              <a:spcAft>
+                <a:spcPts val="0"/>
+              </a:spcAft>
+              <a:buNone/>
+            </a:pPr>
+            <a:r>
+              <a:rPr lang="en" sz="2500"/>
+              <a:t>c) Test if the editor can schedule the edited content for publication</a:t>
+            </a:r>
+            <a:endParaRPr sz="2500"/>
+          </a:p>
+          <a:p>
+            <a:pPr indent="0" lvl="0" marL="0" rtl="0" algn="l">
+              <a:lnSpc>
+                <a:spcPct val="75000"/>
+              </a:lnSpc>
+              <a:spcBef>
+                <a:spcPts val="1200"/>
+              </a:spcBef>
+              <a:spcAft>
+                <a:spcPts val="0"/>
+              </a:spcAft>
+              <a:buNone/>
+            </a:pPr>
+            <a:r>
+              <a:rPr lang="en" sz="2500"/>
+              <a:t>d) Test if the editor can reassign to another editor to make updates</a:t>
+            </a:r>
+            <a:endParaRPr sz="2500"/>
+          </a:p>
+          <a:p>
+            <a:pPr indent="0" lvl="0" marL="0" rtl="0" algn="l">
+              <a:lnSpc>
+                <a:spcPct val="75000"/>
+              </a:lnSpc>
+              <a:spcBef>
+                <a:spcPts val="1200"/>
+              </a:spcBef>
+              <a:spcAft>
+                <a:spcPts val="0"/>
+              </a:spcAft>
+              <a:buNone/>
+            </a:pPr>
+            <a:r>
+              <a:rPr lang="en" sz="2500"/>
+              <a:t>Select ONE option.</a:t>
+            </a:r>
+            <a:endParaRPr sz="2500"/>
+          </a:p>
+          <a:p>
+            <a:pPr indent="0" lvl="0" marL="0" rtl="0" algn="l">
+              <a:spcBef>
+                <a:spcPts val="1200"/>
+              </a:spcBef>
+              <a:spcAft>
+                <a:spcPts val="1200"/>
+              </a:spcAft>
+              <a:buNone/>
+            </a:pPr>
+            <a:r>
+              <a:t/>
+            </a:r>
+            <a:endParaRPr sz="2500"/>
+          </a:p>
+        </p:txBody>
+      </p:sp>
+    </p:spTree>
+  </p:cSld>
+  <p:clrMapOvr>
+    <a:masterClrMapping/>
+  </p:clrMapOvr>
+</p:sld>
+</file>
+
+<file path=ppt/slides/slide72.xml><?xml version="1.0" encoding="utf-8"?>
+<p:sld xmlns:a="http://schemas.openxmlformats.org/drawingml/2006/main" xmlns:r="http://schemas.openxmlformats.org/officeDocument/2006/relationships" xmlns:mc="http://schemas.openxmlformats.org/markup-compatibility/2006" xmlns:mv="urn:schemas-microsoft-com:mac:vml" xmlns:p="http://schemas.openxmlformats.org/presentationml/2006/main" xmlns:c="http://schemas.openxmlformats.org/drawingml/2006/chart" xmlns:dgm="http://schemas.openxmlformats.org/drawingml/2006/diagram" xmlns:o="urn:schemas-microsoft-com:office:office" xmlns:v="urn:schemas-microsoft-com:vml" xmlns:pvml="urn:schemas-microsoft-com:office:powerpoint" xmlns:com="http://schemas.openxmlformats.org/drawingml/2006/compatibility" xmlns:p14="http://schemas.microsoft.com/office/powerpoint/2010/main" xmlns:p15="http://schemas.microsoft.com/office/powerpoint/2012/main" xmlns:ahyp="http://schemas.microsoft.com/office/drawing/2018/hyperlinkcolor">
+  <p:cSld>
+    <p:spTree>
+      <p:nvGrpSpPr>
+        <p:cNvPr id="480" name="Shape 480"/>
+        <p:cNvGrpSpPr/>
+        <p:nvPr/>
+      </p:nvGrpSpPr>
+      <p:grpSpPr>
+        <a:xfrm>
+          <a:off x="0" y="0"/>
+          <a:ext cx="0" cy="0"/>
+          <a:chOff x="0" y="0"/>
+          <a:chExt cx="0" cy="0"/>
+        </a:xfrm>
+      </p:grpSpPr>
+      <p:sp>
+        <p:nvSpPr>
+          <p:cNvPr id="481" name="Google Shape;481;p84"/>
+          <p:cNvSpPr txBox="1"/>
+          <p:nvPr>
+            <p:ph type="title"/>
+          </p:nvPr>
+        </p:nvSpPr>
+        <p:spPr>
+          <a:xfrm>
+            <a:off x="311700" y="445025"/>
+            <a:ext cx="8520600" cy="707400"/>
+          </a:xfrm>
+          <a:prstGeom prst="rect">
+            <a:avLst/>
+          </a:prstGeom>
+        </p:spPr>
+        <p:txBody>
+          <a:bodyPr anchorCtr="0" anchor="t" bIns="91425" lIns="91425" spcFirstLastPara="1" rIns="91425" wrap="square" tIns="91425">
+            <a:normAutofit fontScale="90000"/>
+          </a:bodyPr>
+          <a:lstStyle/>
+          <a:p>
+            <a:pPr indent="0" lvl="0" marL="0" rtl="0" algn="l">
+              <a:spcBef>
+                <a:spcPts val="0"/>
+              </a:spcBef>
+              <a:spcAft>
+                <a:spcPts val="0"/>
+              </a:spcAft>
+              <a:buNone/>
+            </a:pPr>
+            <a:r>
+              <a:t/>
+            </a:r>
+            <a:endParaRPr/>
+          </a:p>
+        </p:txBody>
+      </p:sp>
+      <p:sp>
+        <p:nvSpPr>
+          <p:cNvPr id="482" name="Google Shape;482;p84"/>
+          <p:cNvSpPr txBox="1"/>
+          <p:nvPr>
+            <p:ph idx="1" type="body"/>
+          </p:nvPr>
+        </p:nvSpPr>
+        <p:spPr>
+          <a:xfrm>
+            <a:off x="311700" y="1266325"/>
+            <a:ext cx="8520600" cy="3302700"/>
+          </a:xfrm>
+          <a:prstGeom prst="rect">
+            <a:avLst/>
+          </a:prstGeom>
+        </p:spPr>
+        <p:txBody>
+          <a:bodyPr anchorCtr="0" anchor="t" bIns="91425" lIns="91425" spcFirstLastPara="1" rIns="91425" wrap="square" tIns="91425">
+            <a:normAutofit/>
+          </a:bodyPr>
+          <a:lstStyle/>
+          <a:p>
+            <a:pPr indent="0" lvl="0" marL="0" rtl="0" algn="l">
+              <a:spcBef>
+                <a:spcPts val="0"/>
+              </a:spcBef>
+              <a:spcAft>
+                <a:spcPts val="1200"/>
+              </a:spcAft>
+              <a:buNone/>
+            </a:pPr>
+            <a:r>
+              <a:t/>
+            </a:r>
+            <a:endParaRPr/>
+          </a:p>
+        </p:txBody>
+      </p:sp>
+    </p:spTree>
+  </p:cSld>
+  <p:clrMapOvr>
+    <a:masterClrMapping/>
+  </p:clrMapOvr>
+</p:sld>
+</file>
+
+<file path=ppt/slides/slide73.xml><?xml version="1.0" encoding="utf-8"?>
+<p:sld xmlns:a="http://schemas.openxmlformats.org/drawingml/2006/main" xmlns:r="http://schemas.openxmlformats.org/officeDocument/2006/relationships" xmlns:mc="http://schemas.openxmlformats.org/markup-compatibility/2006" xmlns:mv="urn:schemas-microsoft-com:mac:vml" xmlns:p="http://schemas.openxmlformats.org/presentationml/2006/main" xmlns:c="http://schemas.openxmlformats.org/drawingml/2006/chart" xmlns:dgm="http://schemas.openxmlformats.org/drawingml/2006/diagram" xmlns:o="urn:schemas-microsoft-com:office:office" xmlns:v="urn:schemas-microsoft-com:vml" xmlns:pvml="urn:schemas-microsoft-com:office:powerpoint" xmlns:com="http://schemas.openxmlformats.org/drawingml/2006/compatibility" xmlns:p14="http://schemas.microsoft.com/office/powerpoint/2010/main" xmlns:p15="http://schemas.microsoft.com/office/powerpoint/2012/main" xmlns:ahyp="http://schemas.microsoft.com/office/drawing/2018/hyperlinkcolor">
+  <p:cSld>
+    <p:spTree>
+      <p:nvGrpSpPr>
+        <p:cNvPr id="486" name="Shape 486"/>
+        <p:cNvGrpSpPr/>
+        <p:nvPr/>
+      </p:nvGrpSpPr>
+      <p:grpSpPr>
+        <a:xfrm>
+          <a:off x="0" y="0"/>
+          <a:ext cx="0" cy="0"/>
+          <a:chOff x="0" y="0"/>
+          <a:chExt cx="0" cy="0"/>
+        </a:xfrm>
+      </p:grpSpPr>
+      <p:sp>
+        <p:nvSpPr>
+          <p:cNvPr id="487" name="Google Shape;487;p85"/>
+          <p:cNvSpPr txBox="1"/>
+          <p:nvPr>
+            <p:ph type="title"/>
+          </p:nvPr>
+        </p:nvSpPr>
+        <p:spPr>
+          <a:xfrm>
+            <a:off x="311700" y="445025"/>
+            <a:ext cx="8520600" cy="707400"/>
+          </a:xfrm>
+          <a:prstGeom prst="rect">
+            <a:avLst/>
+          </a:prstGeom>
+        </p:spPr>
+        <p:txBody>
+          <a:bodyPr anchorCtr="0" anchor="t" bIns="91425" lIns="91425" spcFirstLastPara="1" rIns="91425" wrap="square" tIns="91425">
+            <a:noAutofit/>
+          </a:bodyPr>
+          <a:lstStyle/>
+          <a:p>
+            <a:pPr indent="0" lvl="0" marL="0" rtl="0" algn="l">
+              <a:spcBef>
+                <a:spcPts val="0"/>
+              </a:spcBef>
+              <a:spcAft>
+                <a:spcPts val="0"/>
+              </a:spcAft>
+              <a:buSzPts val="990"/>
+              <a:buNone/>
+            </a:pPr>
+            <a:r>
+              <a:rPr lang="en" sz="3940"/>
+              <a:t>30. </a:t>
+            </a:r>
+            <a:r>
+              <a:rPr lang="en" sz="1971"/>
+              <a:t>How do testers add value to iteration and release planning?</a:t>
+            </a:r>
+            <a:endParaRPr sz="3940"/>
+          </a:p>
+        </p:txBody>
+      </p:sp>
+      <p:sp>
+        <p:nvSpPr>
+          <p:cNvPr id="488" name="Google Shape;488;p85"/>
+          <p:cNvSpPr txBox="1"/>
+          <p:nvPr>
+            <p:ph idx="1" type="body"/>
+          </p:nvPr>
+        </p:nvSpPr>
+        <p:spPr>
+          <a:xfrm>
+            <a:off x="311700" y="1266325"/>
+            <a:ext cx="8520600" cy="3649800"/>
+          </a:xfrm>
+          <a:prstGeom prst="rect">
+            <a:avLst/>
+          </a:prstGeom>
+        </p:spPr>
+        <p:txBody>
+          <a:bodyPr anchorCtr="0" anchor="t" bIns="91425" lIns="91425" spcFirstLastPara="1" rIns="91425" wrap="square" tIns="91425">
+            <a:noAutofit/>
+          </a:bodyPr>
+          <a:lstStyle/>
+          <a:p>
+            <a:pPr indent="0" lvl="0" marL="0" rtl="0" algn="l">
+              <a:lnSpc>
+                <a:spcPct val="75000"/>
+              </a:lnSpc>
+              <a:spcBef>
+                <a:spcPts val="0"/>
+              </a:spcBef>
+              <a:spcAft>
+                <a:spcPts val="0"/>
+              </a:spcAft>
+              <a:buClr>
+                <a:srgbClr val="000000"/>
+              </a:buClr>
+              <a:buSzPts val="275"/>
+              <a:buFont typeface="Arial"/>
+              <a:buNone/>
+            </a:pPr>
+            <a:r>
+              <a:rPr lang="en" sz="2500"/>
+              <a:t>a) Testers determine the priority of the user stories to be developed</a:t>
+            </a:r>
+            <a:endParaRPr sz="2500"/>
+          </a:p>
+          <a:p>
+            <a:pPr indent="0" lvl="0" marL="0" rtl="0" algn="l">
+              <a:lnSpc>
+                <a:spcPct val="75000"/>
+              </a:lnSpc>
+              <a:spcBef>
+                <a:spcPts val="1200"/>
+              </a:spcBef>
+              <a:spcAft>
+                <a:spcPts val="0"/>
+              </a:spcAft>
+              <a:buClr>
+                <a:srgbClr val="000000"/>
+              </a:buClr>
+              <a:buSzPts val="275"/>
+              <a:buFont typeface="Arial"/>
+              <a:buNone/>
+            </a:pPr>
+            <a:r>
+              <a:rPr lang="en" sz="2500"/>
+              <a:t>b) Testers focus only on the functional aspects of the system to be tested</a:t>
+            </a:r>
+            <a:endParaRPr sz="2500"/>
+          </a:p>
+          <a:p>
+            <a:pPr indent="0" lvl="0" marL="0" rtl="0" algn="l">
+              <a:lnSpc>
+                <a:spcPct val="75000"/>
+              </a:lnSpc>
+              <a:spcBef>
+                <a:spcPts val="1200"/>
+              </a:spcBef>
+              <a:spcAft>
+                <a:spcPts val="0"/>
+              </a:spcAft>
+              <a:buClr>
+                <a:srgbClr val="000000"/>
+              </a:buClr>
+              <a:buSzPts val="275"/>
+              <a:buFont typeface="Arial"/>
+              <a:buNone/>
+            </a:pPr>
+            <a:r>
+              <a:rPr lang="en" sz="2500"/>
+              <a:t>c) Testers participate in the detailed risk identification and risk assessment of user stories</a:t>
+            </a:r>
+            <a:endParaRPr sz="2500"/>
+          </a:p>
+          <a:p>
+            <a:pPr indent="0" lvl="0" marL="0" rtl="0" algn="l">
+              <a:lnSpc>
+                <a:spcPct val="75000"/>
+              </a:lnSpc>
+              <a:spcBef>
+                <a:spcPts val="1200"/>
+              </a:spcBef>
+              <a:spcAft>
+                <a:spcPts val="0"/>
+              </a:spcAft>
+              <a:buClr>
+                <a:srgbClr val="000000"/>
+              </a:buClr>
+              <a:buSzPts val="275"/>
+              <a:buFont typeface="Arial"/>
+              <a:buNone/>
+            </a:pPr>
+            <a:r>
+              <a:rPr lang="en" sz="2500"/>
+              <a:t>d) Testers guarantee the release of high-quality software through early test design during the release planning</a:t>
+            </a:r>
+            <a:endParaRPr sz="2500"/>
+          </a:p>
+          <a:p>
+            <a:pPr indent="0" lvl="0" marL="0" rtl="0" algn="l">
+              <a:lnSpc>
+                <a:spcPct val="75000"/>
+              </a:lnSpc>
+              <a:spcBef>
+                <a:spcPts val="1200"/>
+              </a:spcBef>
+              <a:spcAft>
+                <a:spcPts val="1200"/>
+              </a:spcAft>
+              <a:buNone/>
+            </a:pPr>
+            <a:r>
+              <a:rPr lang="en" sz="2500"/>
+              <a:t>Select ONE option.</a:t>
+            </a:r>
+            <a:endParaRPr sz="2500"/>
+          </a:p>
+        </p:txBody>
+      </p:sp>
+    </p:spTree>
+  </p:cSld>
+  <p:clrMapOvr>
+    <a:masterClrMapping/>
+  </p:clrMapOvr>
+</p:sld>
+</file>
+
+<file path=ppt/slides/slide74.xml><?xml version="1.0" encoding="utf-8"?>
+<p:sld xmlns:a="http://schemas.openxmlformats.org/drawingml/2006/main" xmlns:r="http://schemas.openxmlformats.org/officeDocument/2006/relationships" xmlns:mc="http://schemas.openxmlformats.org/markup-compatibility/2006" xmlns:mv="urn:schemas-microsoft-com:mac:vml" xmlns:p="http://schemas.openxmlformats.org/presentationml/2006/main" xmlns:c="http://schemas.openxmlformats.org/drawingml/2006/chart" xmlns:dgm="http://schemas.openxmlformats.org/drawingml/2006/diagram" xmlns:o="urn:schemas-microsoft-com:office:office" xmlns:v="urn:schemas-microsoft-com:vml" xmlns:pvml="urn:schemas-microsoft-com:office:powerpoint" xmlns:com="http://schemas.openxmlformats.org/drawingml/2006/compatibility" xmlns:p14="http://schemas.microsoft.com/office/powerpoint/2010/main" xmlns:p15="http://schemas.microsoft.com/office/powerpoint/2012/main" xmlns:ahyp="http://schemas.microsoft.com/office/drawing/2018/hyperlinkcolor">
+  <p:cSld>
+    <p:spTree>
+      <p:nvGrpSpPr>
+        <p:cNvPr id="492" name="Shape 492"/>
+        <p:cNvGrpSpPr/>
+        <p:nvPr/>
+      </p:nvGrpSpPr>
+      <p:grpSpPr>
+        <a:xfrm>
+          <a:off x="0" y="0"/>
+          <a:ext cx="0" cy="0"/>
+          <a:chOff x="0" y="0"/>
+          <a:chExt cx="0" cy="0"/>
+        </a:xfrm>
+      </p:grpSpPr>
+      <p:sp>
+        <p:nvSpPr>
+          <p:cNvPr id="493" name="Google Shape;493;p86"/>
+          <p:cNvSpPr txBox="1"/>
+          <p:nvPr>
+            <p:ph type="title"/>
+          </p:nvPr>
+        </p:nvSpPr>
+        <p:spPr>
+          <a:xfrm>
+            <a:off x="311700" y="445025"/>
+            <a:ext cx="8520600" cy="707400"/>
+          </a:xfrm>
+          <a:prstGeom prst="rect">
+            <a:avLst/>
+          </a:prstGeom>
+        </p:spPr>
+        <p:txBody>
+          <a:bodyPr anchorCtr="0" anchor="t" bIns="91425" lIns="91425" spcFirstLastPara="1" rIns="91425" wrap="square" tIns="91425">
+            <a:normAutofit fontScale="90000"/>
+          </a:bodyPr>
+          <a:lstStyle/>
+          <a:p>
+            <a:pPr indent="0" lvl="0" marL="0" rtl="0" algn="l">
+              <a:spcBef>
+                <a:spcPts val="0"/>
+              </a:spcBef>
+              <a:spcAft>
+                <a:spcPts val="0"/>
+              </a:spcAft>
+              <a:buNone/>
+            </a:pPr>
+            <a:r>
+              <a:t/>
+            </a:r>
+            <a:endParaRPr/>
+          </a:p>
+        </p:txBody>
+      </p:sp>
+      <p:sp>
+        <p:nvSpPr>
+          <p:cNvPr id="494" name="Google Shape;494;p86"/>
+          <p:cNvSpPr txBox="1"/>
+          <p:nvPr>
+            <p:ph idx="1" type="body"/>
+          </p:nvPr>
+        </p:nvSpPr>
+        <p:spPr>
+          <a:xfrm>
+            <a:off x="311700" y="1266325"/>
+            <a:ext cx="8520600" cy="3302700"/>
+          </a:xfrm>
+          <a:prstGeom prst="rect">
+            <a:avLst/>
+          </a:prstGeom>
+        </p:spPr>
+        <p:txBody>
+          <a:bodyPr anchorCtr="0" anchor="t" bIns="91425" lIns="91425" spcFirstLastPara="1" rIns="91425" wrap="square" tIns="91425">
+            <a:normAutofit/>
+          </a:bodyPr>
+          <a:lstStyle/>
+          <a:p>
+            <a:pPr indent="0" lvl="0" marL="0" rtl="0" algn="l">
+              <a:spcBef>
+                <a:spcPts val="0"/>
+              </a:spcBef>
+              <a:spcAft>
+                <a:spcPts val="1200"/>
+              </a:spcAft>
+              <a:buNone/>
+            </a:pPr>
+            <a:r>
+              <a:t/>
+            </a:r>
+            <a:endParaRPr/>
           </a:p>
         </p:txBody>
       </p:sp>

--- a/ISTQB Foundation Level Preparation.pptx
+++ b/ISTQB Foundation Level Preparation.pptx
@@ -7411,7 +7411,7 @@
   <p:cSld>
     <p:spTree>
       <p:nvGrpSpPr>
-        <p:cNvPr id="467" name="Shape 467"/>
+        <p:cNvPr id="466" name="Shape 466"/>
         <p:cNvGrpSpPr/>
         <p:nvPr/>
       </p:nvGrpSpPr>
@@ -7425,7 +7425,7 @@
       </p:grpSpPr>
       <p:sp>
         <p:nvSpPr>
-          <p:cNvPr id="468" name="Google Shape;468;g2f1e1d5e8dd_1_10:notes"/>
+          <p:cNvPr id="467" name="Google Shape;467;g2f1e1d5e8dd_1_10:notes"/>
           <p:cNvSpPr/>
           <p:nvPr>
             <p:ph idx="2" type="sldImg"/>
@@ -7460,7 +7460,7 @@
       </p:sp>
       <p:sp>
         <p:nvSpPr>
-          <p:cNvPr id="469" name="Google Shape;469;g2f1e1d5e8dd_1_10:notes"/>
+          <p:cNvPr id="468" name="Google Shape;468;g2f1e1d5e8dd_1_10:notes"/>
           <p:cNvSpPr txBox="1"/>
           <p:nvPr>
             <p:ph idx="1" type="body"/>
@@ -7510,7 +7510,7 @@
   <p:cSld>
     <p:spTree>
       <p:nvGrpSpPr>
-        <p:cNvPr id="472" name="Shape 472"/>
+        <p:cNvPr id="471" name="Shape 471"/>
         <p:cNvGrpSpPr/>
         <p:nvPr/>
       </p:nvGrpSpPr>
@@ -7524,7 +7524,7 @@
       </p:grpSpPr>
       <p:sp>
         <p:nvSpPr>
-          <p:cNvPr id="473" name="Google Shape;473;g2f1e1d5e8dd_1_48:notes"/>
+          <p:cNvPr id="472" name="Google Shape;472;g2f1e1d5e8dd_1_48:notes"/>
           <p:cNvSpPr/>
           <p:nvPr>
             <p:ph idx="2" type="sldImg"/>
@@ -7559,7 +7559,7 @@
       </p:sp>
       <p:sp>
         <p:nvSpPr>
-          <p:cNvPr id="474" name="Google Shape;474;g2f1e1d5e8dd_1_48:notes"/>
+          <p:cNvPr id="473" name="Google Shape;473;g2f1e1d5e8dd_1_48:notes"/>
           <p:cNvSpPr txBox="1"/>
           <p:nvPr>
             <p:ph idx="1" type="body"/>
@@ -7609,7 +7609,7 @@
   <p:cSld>
     <p:spTree>
       <p:nvGrpSpPr>
-        <p:cNvPr id="477" name="Shape 477"/>
+        <p:cNvPr id="476" name="Shape 476"/>
         <p:cNvGrpSpPr/>
         <p:nvPr/>
       </p:nvGrpSpPr>
@@ -7623,7 +7623,7 @@
       </p:grpSpPr>
       <p:sp>
         <p:nvSpPr>
-          <p:cNvPr id="478" name="Google Shape;478;g2f1e1d5e8dd_1_15:notes"/>
+          <p:cNvPr id="477" name="Google Shape;477;g2f1e1d5e8dd_1_15:notes"/>
           <p:cNvSpPr/>
           <p:nvPr>
             <p:ph idx="2" type="sldImg"/>
@@ -7658,7 +7658,7 @@
       </p:sp>
       <p:sp>
         <p:nvSpPr>
-          <p:cNvPr id="479" name="Google Shape;479;g2f1e1d5e8dd_1_15:notes"/>
+          <p:cNvPr id="478" name="Google Shape;478;g2f1e1d5e8dd_1_15:notes"/>
           <p:cNvSpPr txBox="1"/>
           <p:nvPr>
             <p:ph idx="1" type="body"/>
@@ -7708,7 +7708,7 @@
   <p:cSld>
     <p:spTree>
       <p:nvGrpSpPr>
-        <p:cNvPr id="483" name="Shape 483"/>
+        <p:cNvPr id="481" name="Shape 481"/>
         <p:cNvGrpSpPr/>
         <p:nvPr/>
       </p:nvGrpSpPr>
@@ -7722,7 +7722,7 @@
       </p:grpSpPr>
       <p:sp>
         <p:nvSpPr>
-          <p:cNvPr id="484" name="Google Shape;484;g2f1e1d5e8dd_1_20:notes"/>
+          <p:cNvPr id="482" name="Google Shape;482;g2f1e1d5e8dd_1_20:notes"/>
           <p:cNvSpPr/>
           <p:nvPr>
             <p:ph idx="2" type="sldImg"/>
@@ -7757,7 +7757,7 @@
       </p:sp>
       <p:sp>
         <p:nvSpPr>
-          <p:cNvPr id="485" name="Google Shape;485;g2f1e1d5e8dd_1_20:notes"/>
+          <p:cNvPr id="483" name="Google Shape;483;g2f1e1d5e8dd_1_20:notes"/>
           <p:cNvSpPr txBox="1"/>
           <p:nvPr>
             <p:ph idx="1" type="body"/>
@@ -7807,7 +7807,7 @@
   <p:cSld>
     <p:spTree>
       <p:nvGrpSpPr>
-        <p:cNvPr id="489" name="Shape 489"/>
+        <p:cNvPr id="487" name="Shape 487"/>
         <p:cNvGrpSpPr/>
         <p:nvPr/>
       </p:nvGrpSpPr>
@@ -7821,7 +7821,7 @@
       </p:grpSpPr>
       <p:sp>
         <p:nvSpPr>
-          <p:cNvPr id="490" name="Google Shape;490;g2f1e1d5e8dd_1_34:notes"/>
+          <p:cNvPr id="488" name="Google Shape;488;g2f1e1d5e8dd_1_34:notes"/>
           <p:cNvSpPr/>
           <p:nvPr>
             <p:ph idx="2" type="sldImg"/>
@@ -7856,7 +7856,7 @@
       </p:sp>
       <p:sp>
         <p:nvSpPr>
-          <p:cNvPr id="491" name="Google Shape;491;g2f1e1d5e8dd_1_34:notes"/>
+          <p:cNvPr id="489" name="Google Shape;489;g2f1e1d5e8dd_1_34:notes"/>
           <p:cNvSpPr txBox="1"/>
           <p:nvPr>
             <p:ph idx="1" type="body"/>
@@ -20341,7 +20341,7 @@
             <a:tbl>
               <a:tblPr>
                 <a:noFill/>
-                <a:tableStyleId>{44A1B72B-49B9-4133-944B-F7B362E0B490}</a:tableStyleId>
+                <a:tableStyleId>{C4480CC5-2E29-4362-8BB5-5E05654FAFB2}</a:tableStyleId>
               </a:tblPr>
               <a:tblGrid>
                 <a:gridCol w="5713925"/>
@@ -27747,13 +27747,13 @@
           <p:cNvPr id="465" name="Google Shape;465;p81"/>
           <p:cNvSpPr txBox="1"/>
           <p:nvPr>
-            <p:ph type="title"/>
-          </p:nvPr>
-        </p:nvSpPr>
-        <p:spPr>
-          <a:xfrm>
-            <a:off x="311700" y="445025"/>
-            <a:ext cx="8520600" cy="707400"/>
+            <p:ph idx="1" type="body"/>
+          </p:nvPr>
+        </p:nvSpPr>
+        <p:spPr>
+          <a:xfrm>
+            <a:off x="311700" y="332400"/>
+            <a:ext cx="8520600" cy="4408800"/>
           </a:xfrm>
           <a:prstGeom prst="rect">
             <a:avLst/>
@@ -27761,7 +27761,7 @@
         </p:spPr>
         <p:txBody>
           <a:bodyPr anchorCtr="0" anchor="t" bIns="91425" lIns="91425" spcFirstLastPara="1" rIns="91425" wrap="square" tIns="91425">
-            <a:normAutofit fontScale="90000"/>
+            <a:noAutofit/>
           </a:bodyPr>
           <a:lstStyle/>
           <a:p>
@@ -27775,48 +27775,66 @@
               <a:buNone/>
             </a:pPr>
             <a:r>
-              <a:t/>
-            </a:r>
-            <a:endParaRPr/>
-          </a:p>
-        </p:txBody>
-      </p:sp>
-      <p:sp>
-        <p:nvSpPr>
-          <p:cNvPr id="466" name="Google Shape;466;p81"/>
-          <p:cNvSpPr txBox="1"/>
-          <p:nvPr>
-            <p:ph idx="1" type="body"/>
-          </p:nvPr>
-        </p:nvSpPr>
-        <p:spPr>
-          <a:xfrm>
-            <a:off x="311700" y="1266325"/>
-            <a:ext cx="8520600" cy="3302700"/>
-          </a:xfrm>
-          <a:prstGeom prst="rect">
-            <a:avLst/>
-          </a:prstGeom>
-        </p:spPr>
-        <p:txBody>
-          <a:bodyPr anchorCtr="0" anchor="t" bIns="91425" lIns="91425" spcFirstLastPara="1" rIns="91425" wrap="square" tIns="91425">
-            <a:normAutofit/>
-          </a:bodyPr>
-          <a:lstStyle/>
-          <a:p>
-            <a:pPr indent="0" lvl="0" marL="0" rtl="0" algn="l">
-              <a:spcBef>
-                <a:spcPts val="0"/>
-              </a:spcBef>
-              <a:spcAft>
-                <a:spcPts val="1200"/>
-              </a:spcAft>
-              <a:buNone/>
-            </a:pPr>
-            <a:r>
-              <a:t/>
-            </a:r>
-            <a:endParaRPr/>
+              <a:rPr lang="en" sz="2000"/>
+              <a:t>a) Is not correct. Retrospectives are used to capture lessons learned and to improve the development and testing process, not to document the acceptance criteria</a:t>
+            </a:r>
+            <a:endParaRPr sz="2000"/>
+          </a:p>
+          <a:p>
+            <a:pPr indent="0" lvl="0" marL="0" rtl="0" algn="l">
+              <a:spcBef>
+                <a:spcPts val="1200"/>
+              </a:spcBef>
+              <a:spcAft>
+                <a:spcPts val="0"/>
+              </a:spcAft>
+              <a:buNone/>
+            </a:pPr>
+            <a:r>
+              <a:rPr lang="en" sz="2000">
+                <a:highlight>
+                  <a:schemeClr val="accent6"/>
+                </a:highlight>
+              </a:rPr>
+              <a:t>b) Is correct. This is the standard way to document acceptance criteria</a:t>
+            </a:r>
+            <a:endParaRPr sz="2000">
+              <a:highlight>
+                <a:schemeClr val="accent6"/>
+              </a:highlight>
+            </a:endParaRPr>
+          </a:p>
+          <a:p>
+            <a:pPr indent="0" lvl="0" marL="0" rtl="0" algn="l">
+              <a:spcBef>
+                <a:spcPts val="1200"/>
+              </a:spcBef>
+              <a:spcAft>
+                <a:spcPts val="0"/>
+              </a:spcAft>
+              <a:buNone/>
+            </a:pPr>
+            <a:r>
+              <a:rPr lang="en" sz="2000"/>
+              <a:t>c) Is not correct. Verbal communication does not allow to physically document the acceptance criteria as part of a user story (”card” aspect in the 3C’s model)</a:t>
+            </a:r>
+            <a:endParaRPr sz="2000"/>
+          </a:p>
+          <a:p>
+            <a:pPr indent="0" lvl="0" marL="0" rtl="0" algn="l">
+              <a:spcBef>
+                <a:spcPts val="1200"/>
+              </a:spcBef>
+              <a:spcAft>
+                <a:spcPts val="1200"/>
+              </a:spcAft>
+              <a:buNone/>
+            </a:pPr>
+            <a:r>
+              <a:rPr lang="en" sz="2000"/>
+              <a:t>d) Is not correct. Acceptance criteria are related to a user story, not a test plan. Also, acceptance criteria are the conditions that have to be fulfilled to decide if the user story is complete. Risks are not such condition.</a:t>
+            </a:r>
+            <a:endParaRPr sz="2000"/>
           </a:p>
         </p:txBody>
       </p:sp>
@@ -28084,7 +28102,7 @@
   <p:cSld>
     <p:spTree>
       <p:nvGrpSpPr>
-        <p:cNvPr id="470" name="Shape 470"/>
+        <p:cNvPr id="469" name="Shape 469"/>
         <p:cNvGrpSpPr/>
         <p:nvPr/>
       </p:nvGrpSpPr>
@@ -28098,7 +28116,7 @@
       </p:grpSpPr>
       <p:sp>
         <p:nvSpPr>
-          <p:cNvPr id="471" name="Google Shape;471;p82"/>
+          <p:cNvPr id="470" name="Google Shape;470;p82"/>
           <p:cNvSpPr txBox="1"/>
           <p:nvPr>
             <p:ph idx="1" type="body"/>
@@ -28333,7 +28351,7 @@
   <p:cSld>
     <p:spTree>
       <p:nvGrpSpPr>
-        <p:cNvPr id="475" name="Shape 475"/>
+        <p:cNvPr id="474" name="Shape 474"/>
         <p:cNvGrpSpPr/>
         <p:nvPr/>
       </p:nvGrpSpPr>
@@ -28347,7 +28365,7 @@
       </p:grpSpPr>
       <p:sp>
         <p:nvSpPr>
-          <p:cNvPr id="476" name="Google Shape;476;p83"/>
+          <p:cNvPr id="475" name="Google Shape;475;p83"/>
           <p:cNvSpPr txBox="1"/>
           <p:nvPr>
             <p:ph idx="1" type="body"/>
@@ -28511,7 +28529,7 @@
   <p:cSld>
     <p:spTree>
       <p:nvGrpSpPr>
-        <p:cNvPr id="480" name="Shape 480"/>
+        <p:cNvPr id="479" name="Shape 479"/>
         <p:cNvGrpSpPr/>
         <p:nvPr/>
       </p:nvGrpSpPr>
@@ -28525,55 +28543,16 @@
       </p:grpSpPr>
       <p:sp>
         <p:nvSpPr>
-          <p:cNvPr id="481" name="Google Shape;481;p84"/>
+          <p:cNvPr id="480" name="Google Shape;480;p84"/>
           <p:cNvSpPr txBox="1"/>
           <p:nvPr>
-            <p:ph type="title"/>
-          </p:nvPr>
-        </p:nvSpPr>
-        <p:spPr>
-          <a:xfrm>
-            <a:off x="311700" y="445025"/>
-            <a:ext cx="8520600" cy="707400"/>
-          </a:xfrm>
-          <a:prstGeom prst="rect">
-            <a:avLst/>
-          </a:prstGeom>
-        </p:spPr>
-        <p:txBody>
-          <a:bodyPr anchorCtr="0" anchor="t" bIns="91425" lIns="91425" spcFirstLastPara="1" rIns="91425" wrap="square" tIns="91425">
-            <a:normAutofit fontScale="90000"/>
-          </a:bodyPr>
-          <a:lstStyle/>
-          <a:p>
-            <a:pPr indent="0" lvl="0" marL="0" rtl="0" algn="l">
-              <a:spcBef>
-                <a:spcPts val="0"/>
-              </a:spcBef>
-              <a:spcAft>
-                <a:spcPts val="0"/>
-              </a:spcAft>
-              <a:buNone/>
-            </a:pPr>
-            <a:r>
-              <a:t/>
-            </a:r>
-            <a:endParaRPr/>
-          </a:p>
-        </p:txBody>
-      </p:sp>
-      <p:sp>
-        <p:nvSpPr>
-          <p:cNvPr id="482" name="Google Shape;482;p84"/>
-          <p:cNvSpPr txBox="1"/>
-          <p:nvPr>
             <p:ph idx="1" type="body"/>
           </p:nvPr>
         </p:nvSpPr>
         <p:spPr>
           <a:xfrm>
-            <a:off x="311700" y="1266325"/>
-            <a:ext cx="8520600" cy="3302700"/>
+            <a:off x="311700" y="297425"/>
+            <a:ext cx="8520600" cy="4271700"/>
           </a:xfrm>
           <a:prstGeom prst="rect">
             <a:avLst/>
@@ -28590,14 +28569,71 @@
                 <a:spcPts val="0"/>
               </a:spcBef>
               <a:spcAft>
-                <a:spcPts val="1200"/>
-              </a:spcAft>
-              <a:buNone/>
-            </a:pPr>
-            <a:r>
-              <a:t/>
-            </a:r>
-            <a:endParaRPr/>
+                <a:spcPts val="0"/>
+              </a:spcAft>
+              <a:buNone/>
+            </a:pPr>
+            <a:r>
+              <a:rPr lang="en" sz="2200">
+                <a:highlight>
+                  <a:schemeClr val="accent6"/>
+                </a:highlight>
+              </a:rPr>
+              <a:t>a) Is correct. This test covers two acceptance criteria: one about editing the document and one about saving changes</a:t>
+            </a:r>
+            <a:endParaRPr sz="2200">
+              <a:highlight>
+                <a:schemeClr val="accent6"/>
+              </a:highlight>
+            </a:endParaRPr>
+          </a:p>
+          <a:p>
+            <a:pPr indent="0" lvl="0" marL="0" rtl="0" algn="l">
+              <a:spcBef>
+                <a:spcPts val="1200"/>
+              </a:spcBef>
+              <a:spcAft>
+                <a:spcPts val="0"/>
+              </a:spcAft>
+              <a:buNone/>
+            </a:pPr>
+            <a:r>
+              <a:rPr lang="en" sz="2200"/>
+              <a:t>b) Is not correct. Acceptance criteria cover the editor activities, not the content owner activities</a:t>
+            </a:r>
+            <a:endParaRPr sz="2200"/>
+          </a:p>
+          <a:p>
+            <a:pPr indent="0" lvl="0" marL="0" rtl="0" algn="l">
+              <a:spcBef>
+                <a:spcPts val="1200"/>
+              </a:spcBef>
+              <a:spcAft>
+                <a:spcPts val="0"/>
+              </a:spcAft>
+              <a:buNone/>
+            </a:pPr>
+            <a:r>
+              <a:rPr lang="en" sz="2200"/>
+              <a:t>c) Is not correct. Scheduling the edited content for publication may be a nice feature, but it is not covered by the acceptance criteria</a:t>
+            </a:r>
+            <a:endParaRPr sz="2200"/>
+          </a:p>
+          <a:p>
+            <a:pPr indent="0" lvl="0" marL="0" rtl="0" algn="l">
+              <a:spcBef>
+                <a:spcPts val="1200"/>
+              </a:spcBef>
+              <a:spcAft>
+                <a:spcPts val="1200"/>
+              </a:spcAft>
+              <a:buNone/>
+            </a:pPr>
+            <a:r>
+              <a:rPr lang="en" sz="2200"/>
+              <a:t>d) Is not correct. Acceptance criteria state about reassigning from an editor to the content owner, not to another editor.</a:t>
+            </a:r>
+            <a:endParaRPr sz="2200"/>
           </a:p>
         </p:txBody>
       </p:sp>
@@ -28614,7 +28650,7 @@
   <p:cSld>
     <p:spTree>
       <p:nvGrpSpPr>
-        <p:cNvPr id="486" name="Shape 486"/>
+        <p:cNvPr id="484" name="Shape 484"/>
         <p:cNvGrpSpPr/>
         <p:nvPr/>
       </p:nvGrpSpPr>
@@ -28628,7 +28664,7 @@
       </p:grpSpPr>
       <p:sp>
         <p:nvSpPr>
-          <p:cNvPr id="487" name="Google Shape;487;p85"/>
+          <p:cNvPr id="485" name="Google Shape;485;p85"/>
           <p:cNvSpPr txBox="1"/>
           <p:nvPr>
             <p:ph type="title"/>
@@ -28673,7 +28709,7 @@
       </p:sp>
       <p:sp>
         <p:nvSpPr>
-          <p:cNvPr id="488" name="Google Shape;488;p85"/>
+          <p:cNvPr id="486" name="Google Shape;486;p85"/>
           <p:cNvSpPr txBox="1"/>
           <p:nvPr>
             <p:ph idx="1" type="body"/>
@@ -28823,7 +28859,7 @@
   <p:cSld>
     <p:spTree>
       <p:nvGrpSpPr>
-        <p:cNvPr id="492" name="Shape 492"/>
+        <p:cNvPr id="490" name="Shape 490"/>
         <p:cNvGrpSpPr/>
         <p:nvPr/>
       </p:nvGrpSpPr>
@@ -28837,16 +28873,16 @@
       </p:grpSpPr>
       <p:sp>
         <p:nvSpPr>
-          <p:cNvPr id="493" name="Google Shape;493;p86"/>
+          <p:cNvPr id="491" name="Google Shape;491;p86"/>
           <p:cNvSpPr txBox="1"/>
           <p:nvPr>
-            <p:ph type="title"/>
-          </p:nvPr>
-        </p:nvSpPr>
-        <p:spPr>
-          <a:xfrm>
-            <a:off x="311700" y="445025"/>
-            <a:ext cx="8520600" cy="707400"/>
+            <p:ph idx="1" type="body"/>
+          </p:nvPr>
+        </p:nvSpPr>
+        <p:spPr>
+          <a:xfrm>
+            <a:off x="311700" y="227425"/>
+            <a:ext cx="8520600" cy="4566300"/>
           </a:xfrm>
           <a:prstGeom prst="rect">
             <a:avLst/>
@@ -28854,7 +28890,7 @@
         </p:spPr>
         <p:txBody>
           <a:bodyPr anchorCtr="0" anchor="t" bIns="91425" lIns="91425" spcFirstLastPara="1" rIns="91425" wrap="square" tIns="91425">
-            <a:normAutofit fontScale="90000"/>
+            <a:noAutofit/>
           </a:bodyPr>
           <a:lstStyle/>
           <a:p>
@@ -28868,48 +28904,66 @@
               <a:buNone/>
             </a:pPr>
             <a:r>
-              <a:t/>
-            </a:r>
-            <a:endParaRPr/>
-          </a:p>
-        </p:txBody>
-      </p:sp>
-      <p:sp>
-        <p:nvSpPr>
-          <p:cNvPr id="494" name="Google Shape;494;p86"/>
-          <p:cNvSpPr txBox="1"/>
-          <p:nvPr>
-            <p:ph idx="1" type="body"/>
-          </p:nvPr>
-        </p:nvSpPr>
-        <p:spPr>
-          <a:xfrm>
-            <a:off x="311700" y="1266325"/>
-            <a:ext cx="8520600" cy="3302700"/>
-          </a:xfrm>
-          <a:prstGeom prst="rect">
-            <a:avLst/>
-          </a:prstGeom>
-        </p:spPr>
-        <p:txBody>
-          <a:bodyPr anchorCtr="0" anchor="t" bIns="91425" lIns="91425" spcFirstLastPara="1" rIns="91425" wrap="square" tIns="91425">
-            <a:normAutofit/>
-          </a:bodyPr>
-          <a:lstStyle/>
-          <a:p>
-            <a:pPr indent="0" lvl="0" marL="0" rtl="0" algn="l">
-              <a:spcBef>
-                <a:spcPts val="0"/>
-              </a:spcBef>
-              <a:spcAft>
-                <a:spcPts val="1200"/>
-              </a:spcAft>
-              <a:buNone/>
-            </a:pPr>
-            <a:r>
-              <a:t/>
-            </a:r>
-            <a:endParaRPr/>
+              <a:rPr lang="en" sz="2200"/>
+              <a:t>a) Is not correct. Priorities for user stories are determined by the business representative together with the development team</a:t>
+            </a:r>
+            <a:endParaRPr sz="2200"/>
+          </a:p>
+          <a:p>
+            <a:pPr indent="0" lvl="0" marL="0" rtl="0" algn="l">
+              <a:spcBef>
+                <a:spcPts val="1200"/>
+              </a:spcBef>
+              <a:spcAft>
+                <a:spcPts val="0"/>
+              </a:spcAft>
+              <a:buNone/>
+            </a:pPr>
+            <a:r>
+              <a:rPr lang="en" sz="2200"/>
+              <a:t>b) Is not correct. Testers focus on both functional and non-functional aspects of the system to be tested</a:t>
+            </a:r>
+            <a:endParaRPr sz="2200"/>
+          </a:p>
+          <a:p>
+            <a:pPr indent="0" lvl="0" marL="0" rtl="0" algn="l">
+              <a:spcBef>
+                <a:spcPts val="1200"/>
+              </a:spcBef>
+              <a:spcAft>
+                <a:spcPts val="0"/>
+              </a:spcAft>
+              <a:buNone/>
+            </a:pPr>
+            <a:r>
+              <a:rPr lang="en" sz="2200">
+                <a:highlight>
+                  <a:schemeClr val="accent6"/>
+                </a:highlight>
+              </a:rPr>
+              <a:t>c) Is correct. According to the syllabus, this is one of the ways testers add value to iteration and release planning</a:t>
+            </a:r>
+            <a:endParaRPr sz="2200">
+              <a:highlight>
+                <a:schemeClr val="accent6"/>
+              </a:highlight>
+            </a:endParaRPr>
+          </a:p>
+          <a:p>
+            <a:pPr indent="0" lvl="0" marL="0" rtl="0" algn="l">
+              <a:spcBef>
+                <a:spcPts val="1200"/>
+              </a:spcBef>
+              <a:spcAft>
+                <a:spcPts val="1200"/>
+              </a:spcAft>
+              <a:buNone/>
+            </a:pPr>
+            <a:r>
+              <a:rPr lang="en" sz="2200"/>
+              <a:t>d) Is not correct. Early test design is not part of release planning. Early test design does not automatically guarantee the release of quality software</a:t>
+            </a:r>
+            <a:endParaRPr sz="2200"/>
           </a:p>
         </p:txBody>
       </p:sp>
@@ -29337,6 +29391,285 @@
 </file>
 
 <file path=ppt/theme/theme1.xml><?xml version="1.0" encoding="utf-8"?>
+<a:theme xmlns:a="http://schemas.openxmlformats.org/drawingml/2006/main" xmlns:r="http://schemas.openxmlformats.org/officeDocument/2006/relationships">
+  <a:themeElements>
+    <a:clrScheme name="Default">
+      <a:dk1>
+        <a:srgbClr val="000000"/>
+      </a:dk1>
+      <a:lt1>
+        <a:srgbClr val="FFFFFF"/>
+      </a:lt1>
+      <a:dk2>
+        <a:srgbClr val="158158"/>
+      </a:dk2>
+      <a:lt2>
+        <a:srgbClr val="F3F3F3"/>
+      </a:lt2>
+      <a:accent1>
+        <a:srgbClr val="058DC7"/>
+      </a:accent1>
+      <a:accent2>
+        <a:srgbClr val="50B432"/>
+      </a:accent2>
+      <a:accent3>
+        <a:srgbClr val="ED561B"/>
+      </a:accent3>
+      <a:accent4>
+        <a:srgbClr val="EDEF00"/>
+      </a:accent4>
+      <a:accent5>
+        <a:srgbClr val="24CBE5"/>
+      </a:accent5>
+      <a:accent6>
+        <a:srgbClr val="64E572"/>
+      </a:accent6>
+      <a:hlink>
+        <a:srgbClr val="2200CC"/>
+      </a:hlink>
+      <a:folHlink>
+        <a:srgbClr val="551A8B"/>
+      </a:folHlink>
+    </a:clrScheme>
+    <a:fontScheme name="Office">
+      <a:majorFont>
+        <a:latin typeface="Arial"/>
+        <a:ea typeface=""/>
+        <a:cs typeface=""/>
+        <a:font script="Jpan" typeface="ＭＳ Ｐゴシック"/>
+        <a:font script="Hang" typeface="맑은 고딕"/>
+        <a:font script="Hans" typeface="宋体"/>
+        <a:font script="Hant" typeface="新細明體"/>
+        <a:font script="Arab" typeface="Times New Roman"/>
+        <a:font script="Hebr" typeface="Times New Roman"/>
+        <a:font script="Thai" typeface="Angsana New"/>
+        <a:font script="Ethi" typeface="Nyala"/>
+        <a:font script="Beng" typeface="Vrinda"/>
+        <a:font script="Gujr" typeface="Shruti"/>
+        <a:font script="Khmr" typeface="MoolBoran"/>
+        <a:font script="Knda" typeface="Tunga"/>
+        <a:font script="Guru" typeface="Raavi"/>
+        <a:font script="Cans" typeface="Euphemia"/>
+        <a:font script="Cher" typeface="Plantagenet Cherokee"/>
+        <a:font script="Yiii" typeface="Microsoft Yi Baiti"/>
+        <a:font script="Tibt" typeface="Microsoft Himalaya"/>
+        <a:font script="Thaa" typeface="MV Boli"/>
+        <a:font script="Deva" typeface="Mangal"/>
+        <a:font script="Telu" typeface="Gautami"/>
+        <a:font script="Taml" typeface="Latha"/>
+        <a:font script="Syrc" typeface="Estrangelo Edessa"/>
+        <a:font script="Orya" typeface="Kalinga"/>
+        <a:font script="Mlym" typeface="Kartika"/>
+        <a:font script="Laoo" typeface="DokChampa"/>
+        <a:font script="Sinh" typeface="Iskoola Pota"/>
+        <a:font script="Mong" typeface="Mongolian Baiti"/>
+        <a:font script="Viet" typeface="Times New Roman"/>
+        <a:font script="Uigh" typeface="Microsoft Uighur"/>
+        <a:font script="Geor" typeface="Sylfaen"/>
+      </a:majorFont>
+      <a:minorFont>
+        <a:latin typeface="Arial"/>
+        <a:ea typeface=""/>
+        <a:cs typeface=""/>
+        <a:font script="Jpan" typeface="ＭＳ Ｐゴシック"/>
+        <a:font script="Hang" typeface="맑은 고딕"/>
+        <a:font script="Hans" typeface="宋体"/>
+        <a:font script="Hant" typeface="新細明體"/>
+        <a:font script="Arab" typeface="Arial"/>
+        <a:font script="Hebr" typeface="Arial"/>
+        <a:font script="Thai" typeface="Cordia New"/>
+        <a:font script="Ethi" typeface="Nyala"/>
+        <a:font script="Beng" typeface="Vrinda"/>
+        <a:font script="Gujr" typeface="Shruti"/>
+        <a:font script="Khmr" typeface="DaunPenh"/>
+        <a:font script="Knda" typeface="Tunga"/>
+        <a:font script="Guru" typeface="Raavi"/>
+        <a:font script="Cans" typeface="Euphemia"/>
+        <a:font script="Cher" typeface="Plantagenet Cherokee"/>
+        <a:font script="Yiii" typeface="Microsoft Yi Baiti"/>
+        <a:font script="Tibt" typeface="Microsoft Himalaya"/>
+        <a:font script="Thaa" typeface="MV Boli"/>
+        <a:font script="Deva" typeface="Mangal"/>
+        <a:font script="Telu" typeface="Gautami"/>
+        <a:font script="Taml" typeface="Latha"/>
+        <a:font script="Syrc" typeface="Estrangelo Edessa"/>
+        <a:font script="Orya" typeface="Kalinga"/>
+        <a:font script="Mlym" typeface="Kartika"/>
+        <a:font script="Laoo" typeface="DokChampa"/>
+        <a:font script="Sinh" typeface="Iskoola Pota"/>
+        <a:font script="Mong" typeface="Mongolian Baiti"/>
+        <a:font script="Viet" typeface="Arial"/>
+        <a:font script="Uigh" typeface="Microsoft Uighur"/>
+        <a:font script="Geor" typeface="Sylfaen"/>
+      </a:minorFont>
+    </a:fontScheme>
+    <a:fmtScheme name="Office">
+      <a:fillStyleLst>
+        <a:solidFill>
+          <a:schemeClr val="phClr"/>
+        </a:solidFill>
+        <a:gradFill rotWithShape="1">
+          <a:gsLst>
+            <a:gs pos="0">
+              <a:schemeClr val="phClr">
+                <a:tint val="50000"/>
+                <a:satMod val="300000"/>
+              </a:schemeClr>
+            </a:gs>
+            <a:gs pos="35000">
+              <a:schemeClr val="phClr">
+                <a:tint val="37000"/>
+                <a:satMod val="300000"/>
+              </a:schemeClr>
+            </a:gs>
+            <a:gs pos="100000">
+              <a:schemeClr val="phClr">
+                <a:tint val="15000"/>
+                <a:satMod val="350000"/>
+              </a:schemeClr>
+            </a:gs>
+          </a:gsLst>
+          <a:lin ang="16200000" scaled="1"/>
+        </a:gradFill>
+        <a:gradFill rotWithShape="1">
+          <a:gsLst>
+            <a:gs pos="0">
+              <a:schemeClr val="phClr">
+                <a:tint val="100000"/>
+                <a:shade val="100000"/>
+                <a:satMod val="130000"/>
+              </a:schemeClr>
+            </a:gs>
+            <a:gs pos="100000">
+              <a:schemeClr val="phClr">
+                <a:tint val="50000"/>
+                <a:shade val="100000"/>
+                <a:satMod val="350000"/>
+              </a:schemeClr>
+            </a:gs>
+          </a:gsLst>
+          <a:lin ang="16200000" scaled="0"/>
+        </a:gradFill>
+      </a:fillStyleLst>
+      <a:lnStyleLst>
+        <a:ln w="9525" cap="flat" cmpd="sng" algn="ctr">
+          <a:solidFill>
+            <a:schemeClr val="phClr">
+              <a:shade val="95000"/>
+              <a:satMod val="105000"/>
+            </a:schemeClr>
+          </a:solidFill>
+          <a:prstDash val="solid"/>
+        </a:ln>
+        <a:ln w="25400" cap="flat" cmpd="sng" algn="ctr">
+          <a:solidFill>
+            <a:schemeClr val="phClr"/>
+          </a:solidFill>
+          <a:prstDash val="solid"/>
+        </a:ln>
+        <a:ln w="38100" cap="flat" cmpd="sng" algn="ctr">
+          <a:solidFill>
+            <a:schemeClr val="phClr"/>
+          </a:solidFill>
+          <a:prstDash val="solid"/>
+        </a:ln>
+      </a:lnStyleLst>
+      <a:effectStyleLst>
+        <a:effectStyle>
+          <a:effectLst>
+            <a:outerShdw blurRad="40000" dist="20000" dir="5400000" rotWithShape="0">
+              <a:srgbClr val="000000">
+                <a:alpha val="38000"/>
+              </a:srgbClr>
+            </a:outerShdw>
+          </a:effectLst>
+        </a:effectStyle>
+        <a:effectStyle>
+          <a:effectLst>
+            <a:outerShdw blurRad="40000" dist="23000" dir="5400000" rotWithShape="0">
+              <a:srgbClr val="000000">
+                <a:alpha val="35000"/>
+              </a:srgbClr>
+            </a:outerShdw>
+          </a:effectLst>
+        </a:effectStyle>
+        <a:effectStyle>
+          <a:effectLst>
+            <a:outerShdw blurRad="40000" dist="23000" dir="5400000" rotWithShape="0">
+              <a:srgbClr val="000000">
+                <a:alpha val="35000"/>
+              </a:srgbClr>
+            </a:outerShdw>
+          </a:effectLst>
+          <a:scene3d>
+            <a:camera prst="orthographicFront">
+              <a:rot lat="0" lon="0" rev="0"/>
+            </a:camera>
+            <a:lightRig rig="threePt" dir="t">
+              <a:rot lat="0" lon="0" rev="1200000"/>
+            </a:lightRig>
+          </a:scene3d>
+          <a:sp3d>
+            <a:bevelT w="63500" h="25400"/>
+          </a:sp3d>
+        </a:effectStyle>
+      </a:effectStyleLst>
+      <a:bgFillStyleLst>
+        <a:solidFill>
+          <a:schemeClr val="phClr"/>
+        </a:solidFill>
+        <a:gradFill rotWithShape="1">
+          <a:gsLst>
+            <a:gs pos="0">
+              <a:schemeClr val="phClr">
+                <a:tint val="40000"/>
+                <a:satMod val="350000"/>
+              </a:schemeClr>
+            </a:gs>
+            <a:gs pos="40000">
+              <a:schemeClr val="phClr">
+                <a:tint val="45000"/>
+                <a:shade val="99000"/>
+                <a:satMod val="350000"/>
+              </a:schemeClr>
+            </a:gs>
+            <a:gs pos="100000">
+              <a:schemeClr val="phClr">
+                <a:shade val="20000"/>
+                <a:satMod val="255000"/>
+              </a:schemeClr>
+            </a:gs>
+          </a:gsLst>
+          <a:path path="circle">
+            <a:fillToRect l="50000" t="-80000" r="50000" b="180000"/>
+          </a:path>
+        </a:gradFill>
+        <a:gradFill rotWithShape="1">
+          <a:gsLst>
+            <a:gs pos="0">
+              <a:schemeClr val="phClr">
+                <a:tint val="80000"/>
+                <a:satMod val="300000"/>
+              </a:schemeClr>
+            </a:gs>
+            <a:gs pos="100000">
+              <a:schemeClr val="phClr">
+                <a:shade val="30000"/>
+                <a:satMod val="200000"/>
+              </a:schemeClr>
+            </a:gs>
+          </a:gsLst>
+          <a:path path="circle">
+            <a:fillToRect l="50000" t="50000" r="50000" b="50000"/>
+          </a:path>
+        </a:gradFill>
+      </a:bgFillStyleLst>
+    </a:fmtScheme>
+  </a:themeElements>
+</a:theme>
+</file>
+
+<file path=ppt/theme/theme2.xml><?xml version="1.0" encoding="utf-8"?>
 <a:theme xmlns:a="http://schemas.openxmlformats.org/drawingml/2006/main" xmlns:r="http://schemas.openxmlformats.org/officeDocument/2006/relationships" name="Tropic">
   <a:themeElements>
     <a:clrScheme name="Tropic">
@@ -29613,283 +29946,4 @@
     </a:fmtScheme>
   </a:themeElements>
 </a:theme>
-</file>
-
-<file path=ppt/theme/theme2.xml><?xml version="1.0" encoding="utf-8"?>
-<a:theme xmlns:a="http://schemas.openxmlformats.org/drawingml/2006/main" xmlns:r="http://schemas.openxmlformats.org/officeDocument/2006/relationships">
-  <a:themeElements>
-    <a:clrScheme name="Default">
-      <a:dk1>
-        <a:srgbClr val="000000"/>
-      </a:dk1>
-      <a:lt1>
-        <a:srgbClr val="FFFFFF"/>
-      </a:lt1>
-      <a:dk2>
-        <a:srgbClr val="158158"/>
-      </a:dk2>
-      <a:lt2>
-        <a:srgbClr val="F3F3F3"/>
-      </a:lt2>
-      <a:accent1>
-        <a:srgbClr val="058DC7"/>
-      </a:accent1>
-      <a:accent2>
-        <a:srgbClr val="50B432"/>
-      </a:accent2>
-      <a:accent3>
-        <a:srgbClr val="ED561B"/>
-      </a:accent3>
-      <a:accent4>
-        <a:srgbClr val="EDEF00"/>
-      </a:accent4>
-      <a:accent5>
-        <a:srgbClr val="24CBE5"/>
-      </a:accent5>
-      <a:accent6>
-        <a:srgbClr val="64E572"/>
-      </a:accent6>
-      <a:hlink>
-        <a:srgbClr val="2200CC"/>
-      </a:hlink>
-      <a:folHlink>
-        <a:srgbClr val="551A8B"/>
-      </a:folHlink>
-    </a:clrScheme>
-    <a:fontScheme name="Office">
-      <a:majorFont>
-        <a:latin typeface="Arial"/>
-        <a:ea typeface=""/>
-        <a:cs typeface=""/>
-        <a:font script="Jpan" typeface="ＭＳ Ｐゴシック"/>
-        <a:font script="Hang" typeface="맑은 고딕"/>
-        <a:font script="Hans" typeface="宋体"/>
-        <a:font script="Hant" typeface="新細明體"/>
-        <a:font script="Arab" typeface="Times New Roman"/>
-        <a:font script="Hebr" typeface="Times New Roman"/>
-        <a:font script="Thai" typeface="Angsana New"/>
-        <a:font script="Ethi" typeface="Nyala"/>
-        <a:font script="Beng" typeface="Vrinda"/>
-        <a:font script="Gujr" typeface="Shruti"/>
-        <a:font script="Khmr" typeface="MoolBoran"/>
-        <a:font script="Knda" typeface="Tunga"/>
-        <a:font script="Guru" typeface="Raavi"/>
-        <a:font script="Cans" typeface="Euphemia"/>
-        <a:font script="Cher" typeface="Plantagenet Cherokee"/>
-        <a:font script="Yiii" typeface="Microsoft Yi Baiti"/>
-        <a:font script="Tibt" typeface="Microsoft Himalaya"/>
-        <a:font script="Thaa" typeface="MV Boli"/>
-        <a:font script="Deva" typeface="Mangal"/>
-        <a:font script="Telu" typeface="Gautami"/>
-        <a:font script="Taml" typeface="Latha"/>
-        <a:font script="Syrc" typeface="Estrangelo Edessa"/>
-        <a:font script="Orya" typeface="Kalinga"/>
-        <a:font script="Mlym" typeface="Kartika"/>
-        <a:font script="Laoo" typeface="DokChampa"/>
-        <a:font script="Sinh" typeface="Iskoola Pota"/>
-        <a:font script="Mong" typeface="Mongolian Baiti"/>
-        <a:font script="Viet" typeface="Times New Roman"/>
-        <a:font script="Uigh" typeface="Microsoft Uighur"/>
-        <a:font script="Geor" typeface="Sylfaen"/>
-      </a:majorFont>
-      <a:minorFont>
-        <a:latin typeface="Arial"/>
-        <a:ea typeface=""/>
-        <a:cs typeface=""/>
-        <a:font script="Jpan" typeface="ＭＳ Ｐゴシック"/>
-        <a:font script="Hang" typeface="맑은 고딕"/>
-        <a:font script="Hans" typeface="宋体"/>
-        <a:font script="Hant" typeface="新細明體"/>
-        <a:font script="Arab" typeface="Arial"/>
-        <a:font script="Hebr" typeface="Arial"/>
-        <a:font script="Thai" typeface="Cordia New"/>
-        <a:font script="Ethi" typeface="Nyala"/>
-        <a:font script="Beng" typeface="Vrinda"/>
-        <a:font script="Gujr" typeface="Shruti"/>
-        <a:font script="Khmr" typeface="DaunPenh"/>
-        <a:font script="Knda" typeface="Tunga"/>
-        <a:font script="Guru" typeface="Raavi"/>
-        <a:font script="Cans" typeface="Euphemia"/>
-        <a:font script="Cher" typeface="Plantagenet Cherokee"/>
-        <a:font script="Yiii" typeface="Microsoft Yi Baiti"/>
-        <a:font script="Tibt" typeface="Microsoft Himalaya"/>
-        <a:font script="Thaa" typeface="MV Boli"/>
-        <a:font script="Deva" typeface="Mangal"/>
-        <a:font script="Telu" typeface="Gautami"/>
-        <a:font script="Taml" typeface="Latha"/>
-        <a:font script="Syrc" typeface="Estrangelo Edessa"/>
-        <a:font script="Orya" typeface="Kalinga"/>
-        <a:font script="Mlym" typeface="Kartika"/>
-        <a:font script="Laoo" typeface="DokChampa"/>
-        <a:font script="Sinh" typeface="Iskoola Pota"/>
-        <a:font script="Mong" typeface="Mongolian Baiti"/>
-        <a:font script="Viet" typeface="Arial"/>
-        <a:font script="Uigh" typeface="Microsoft Uighur"/>
-        <a:font script="Geor" typeface="Sylfaen"/>
-      </a:minorFont>
-    </a:fontScheme>
-    <a:fmtScheme name="Office">
-      <a:fillStyleLst>
-        <a:solidFill>
-          <a:schemeClr val="phClr"/>
-        </a:solidFill>
-        <a:gradFill rotWithShape="1">
-          <a:gsLst>
-            <a:gs pos="0">
-              <a:schemeClr val="phClr">
-                <a:tint val="50000"/>
-                <a:satMod val="300000"/>
-              </a:schemeClr>
-            </a:gs>
-            <a:gs pos="35000">
-              <a:schemeClr val="phClr">
-                <a:tint val="37000"/>
-                <a:satMod val="300000"/>
-              </a:schemeClr>
-            </a:gs>
-            <a:gs pos="100000">
-              <a:schemeClr val="phClr">
-                <a:tint val="15000"/>
-                <a:satMod val="350000"/>
-              </a:schemeClr>
-            </a:gs>
-          </a:gsLst>
-          <a:lin ang="16200000" scaled="1"/>
-        </a:gradFill>
-        <a:gradFill rotWithShape="1">
-          <a:gsLst>
-            <a:gs pos="0">
-              <a:schemeClr val="phClr">
-                <a:tint val="100000"/>
-                <a:shade val="100000"/>
-                <a:satMod val="130000"/>
-              </a:schemeClr>
-            </a:gs>
-            <a:gs pos="100000">
-              <a:schemeClr val="phClr">
-                <a:tint val="50000"/>
-                <a:shade val="100000"/>
-                <a:satMod val="350000"/>
-              </a:schemeClr>
-            </a:gs>
-          </a:gsLst>
-          <a:lin ang="16200000" scaled="0"/>
-        </a:gradFill>
-      </a:fillStyleLst>
-      <a:lnStyleLst>
-        <a:ln w="9525" cap="flat" cmpd="sng" algn="ctr">
-          <a:solidFill>
-            <a:schemeClr val="phClr">
-              <a:shade val="95000"/>
-              <a:satMod val="105000"/>
-            </a:schemeClr>
-          </a:solidFill>
-          <a:prstDash val="solid"/>
-        </a:ln>
-        <a:ln w="25400" cap="flat" cmpd="sng" algn="ctr">
-          <a:solidFill>
-            <a:schemeClr val="phClr"/>
-          </a:solidFill>
-          <a:prstDash val="solid"/>
-        </a:ln>
-        <a:ln w="38100" cap="flat" cmpd="sng" algn="ctr">
-          <a:solidFill>
-            <a:schemeClr val="phClr"/>
-          </a:solidFill>
-          <a:prstDash val="solid"/>
-        </a:ln>
-      </a:lnStyleLst>
-      <a:effectStyleLst>
-        <a:effectStyle>
-          <a:effectLst>
-            <a:outerShdw blurRad="40000" dist="20000" dir="5400000" rotWithShape="0">
-              <a:srgbClr val="000000">
-                <a:alpha val="38000"/>
-              </a:srgbClr>
-            </a:outerShdw>
-          </a:effectLst>
-        </a:effectStyle>
-        <a:effectStyle>
-          <a:effectLst>
-            <a:outerShdw blurRad="40000" dist="23000" dir="5400000" rotWithShape="0">
-              <a:srgbClr val="000000">
-                <a:alpha val="35000"/>
-              </a:srgbClr>
-            </a:outerShdw>
-          </a:effectLst>
-        </a:effectStyle>
-        <a:effectStyle>
-          <a:effectLst>
-            <a:outerShdw blurRad="40000" dist="23000" dir="5400000" rotWithShape="0">
-              <a:srgbClr val="000000">
-                <a:alpha val="35000"/>
-              </a:srgbClr>
-            </a:outerShdw>
-          </a:effectLst>
-          <a:scene3d>
-            <a:camera prst="orthographicFront">
-              <a:rot lat="0" lon="0" rev="0"/>
-            </a:camera>
-            <a:lightRig rig="threePt" dir="t">
-              <a:rot lat="0" lon="0" rev="1200000"/>
-            </a:lightRig>
-          </a:scene3d>
-          <a:sp3d>
-            <a:bevelT w="63500" h="25400"/>
-          </a:sp3d>
-        </a:effectStyle>
-      </a:effectStyleLst>
-      <a:bgFillStyleLst>
-        <a:solidFill>
-          <a:schemeClr val="phClr"/>
-        </a:solidFill>
-        <a:gradFill rotWithShape="1">
-          <a:gsLst>
-            <a:gs pos="0">
-              <a:schemeClr val="phClr">
-                <a:tint val="40000"/>
-                <a:satMod val="350000"/>
-              </a:schemeClr>
-            </a:gs>
-            <a:gs pos="40000">
-              <a:schemeClr val="phClr">
-                <a:tint val="45000"/>
-                <a:shade val="99000"/>
-                <a:satMod val="350000"/>
-              </a:schemeClr>
-            </a:gs>
-            <a:gs pos="100000">
-              <a:schemeClr val="phClr">
-                <a:shade val="20000"/>
-                <a:satMod val="255000"/>
-              </a:schemeClr>
-            </a:gs>
-          </a:gsLst>
-          <a:path path="circle">
-            <a:fillToRect l="50000" t="-80000" r="50000" b="180000"/>
-          </a:path>
-        </a:gradFill>
-        <a:gradFill rotWithShape="1">
-          <a:gsLst>
-            <a:gs pos="0">
-              <a:schemeClr val="phClr">
-                <a:tint val="80000"/>
-                <a:satMod val="300000"/>
-              </a:schemeClr>
-            </a:gs>
-            <a:gs pos="100000">
-              <a:schemeClr val="phClr">
-                <a:shade val="30000"/>
-                <a:satMod val="200000"/>
-              </a:schemeClr>
-            </a:gs>
-          </a:gsLst>
-          <a:path path="circle">
-            <a:fillToRect l="50000" t="50000" r="50000" b="50000"/>
-          </a:path>
-        </a:gradFill>
-      </a:bgFillStyleLst>
-    </a:fmtScheme>
-  </a:themeElements>
-</a:theme>
 </file>
--- a/ISTQB Foundation Level Preparation.pptx
+++ b/ISTQB Foundation Level Preparation.pptx
@@ -82,21 +82,28 @@
     <p:sldId id="327" r:id="rId78"/>
     <p:sldId id="328" r:id="rId79"/>
     <p:sldId id="329" r:id="rId80"/>
+    <p:sldId id="330" r:id="rId81"/>
+    <p:sldId id="331" r:id="rId82"/>
+    <p:sldId id="332" r:id="rId83"/>
+    <p:sldId id="333" r:id="rId84"/>
+    <p:sldId id="334" r:id="rId85"/>
+    <p:sldId id="335" r:id="rId86"/>
+    <p:sldId id="336" r:id="rId87"/>
   </p:sldIdLst>
   <p:sldSz cy="5143500" cx="9144000"/>
   <p:notesSz cx="6858000" cy="9144000"/>
   <p:embeddedFontLst>
     <p:embeddedFont>
       <p:font typeface="PT Sans Narrow"/>
-      <p:regular r:id="rId81"/>
-      <p:bold r:id="rId82"/>
+      <p:regular r:id="rId88"/>
+      <p:bold r:id="rId89"/>
     </p:embeddedFont>
     <p:embeddedFont>
       <p:font typeface="Open Sans"/>
-      <p:regular r:id="rId83"/>
-      <p:bold r:id="rId84"/>
-      <p:italic r:id="rId85"/>
-      <p:boldItalic r:id="rId86"/>
+      <p:regular r:id="rId90"/>
+      <p:bold r:id="rId91"/>
+      <p:italic r:id="rId92"/>
+      <p:boldItalic r:id="rId93"/>
     </p:embeddedFont>
   </p:embeddedFontLst>
   <p:defaultTextStyle>
@@ -7901,12 +7908,12 @@
 </p:notes>
 </file>
 
-<file path=ppt/notesSlides/notesSlide8.xml><?xml version="1.0" encoding="utf-8"?>
+<file path=ppt/notesSlides/notesSlide75.xml><?xml version="1.0" encoding="utf-8"?>
 <p:notes xmlns:a="http://schemas.openxmlformats.org/drawingml/2006/main" xmlns:r="http://schemas.openxmlformats.org/officeDocument/2006/relationships" xmlns:mc="http://schemas.openxmlformats.org/markup-compatibility/2006" xmlns:mv="urn:schemas-microsoft-com:mac:vml" xmlns:p="http://schemas.openxmlformats.org/presentationml/2006/main" xmlns:c="http://schemas.openxmlformats.org/drawingml/2006/chart" xmlns:dgm="http://schemas.openxmlformats.org/drawingml/2006/diagram" xmlns:o="urn:schemas-microsoft-com:office:office" xmlns:v="urn:schemas-microsoft-com:vml" xmlns:pvml="urn:schemas-microsoft-com:office:powerpoint" xmlns:com="http://schemas.openxmlformats.org/drawingml/2006/compatibility" xmlns:p14="http://schemas.microsoft.com/office/powerpoint/2010/main" xmlns:p15="http://schemas.microsoft.com/office/powerpoint/2012/main" xmlns:ahyp="http://schemas.microsoft.com/office/drawing/2018/hyperlinkcolor" showMasterPhAnim="0" showMasterSp="0">
   <p:cSld>
     <p:spTree>
       <p:nvGrpSpPr>
-        <p:cNvPr id="104" name="Shape 104"/>
+        <p:cNvPr id="492" name="Shape 492"/>
         <p:cNvGrpSpPr/>
         <p:nvPr/>
       </p:nvGrpSpPr>
@@ -7920,7 +7927,7 @@
       </p:grpSpPr>
       <p:sp>
         <p:nvSpPr>
-          <p:cNvPr id="105" name="Google Shape;105;g29a4c6b8399_0_1319:notes"/>
+          <p:cNvPr id="493" name="Google Shape;493;g2f1e1d5e8dd_1_55:notes"/>
           <p:cNvSpPr/>
           <p:nvPr>
             <p:ph idx="2" type="sldImg"/>
@@ -7955,7 +7962,700 @@
       </p:sp>
       <p:sp>
         <p:nvSpPr>
+          <p:cNvPr id="494" name="Google Shape;494;g2f1e1d5e8dd_1_55:notes"/>
+          <p:cNvSpPr txBox="1"/>
+          <p:nvPr>
+            <p:ph idx="1" type="body"/>
+          </p:nvPr>
+        </p:nvSpPr>
+        <p:spPr>
+          <a:xfrm>
+            <a:off x="685800" y="4343400"/>
+            <a:ext cx="5486400" cy="4114800"/>
+          </a:xfrm>
+          <a:prstGeom prst="rect">
+            <a:avLst/>
+          </a:prstGeom>
+        </p:spPr>
+        <p:txBody>
+          <a:bodyPr anchorCtr="0" anchor="t" bIns="91425" lIns="91425" spcFirstLastPara="1" rIns="91425" wrap="square" tIns="91425">
+            <a:noAutofit/>
+          </a:bodyPr>
+          <a:lstStyle/>
+          <a:p>
+            <a:pPr indent="0" lvl="0" marL="0" rtl="0" algn="l">
+              <a:spcBef>
+                <a:spcPts val="0"/>
+              </a:spcBef>
+              <a:spcAft>
+                <a:spcPts val="0"/>
+              </a:spcAft>
+              <a:buNone/>
+            </a:pPr>
+            <a:r>
+              <a:t/>
+            </a:r>
+            <a:endParaRPr/>
+          </a:p>
+        </p:txBody>
+      </p:sp>
+    </p:spTree>
+  </p:cSld>
+  <p:clrMapOvr>
+    <a:masterClrMapping/>
+  </p:clrMapOvr>
+</p:notes>
+</file>
+
+<file path=ppt/notesSlides/notesSlide76.xml><?xml version="1.0" encoding="utf-8"?>
+<p:notes xmlns:a="http://schemas.openxmlformats.org/drawingml/2006/main" xmlns:r="http://schemas.openxmlformats.org/officeDocument/2006/relationships" xmlns:mc="http://schemas.openxmlformats.org/markup-compatibility/2006" xmlns:mv="urn:schemas-microsoft-com:mac:vml" xmlns:p="http://schemas.openxmlformats.org/presentationml/2006/main" xmlns:c="http://schemas.openxmlformats.org/drawingml/2006/chart" xmlns:dgm="http://schemas.openxmlformats.org/drawingml/2006/diagram" xmlns:o="urn:schemas-microsoft-com:office:office" xmlns:v="urn:schemas-microsoft-com:vml" xmlns:pvml="urn:schemas-microsoft-com:office:powerpoint" xmlns:com="http://schemas.openxmlformats.org/drawingml/2006/compatibility" xmlns:p14="http://schemas.microsoft.com/office/powerpoint/2010/main" xmlns:p15="http://schemas.microsoft.com/office/powerpoint/2012/main" xmlns:ahyp="http://schemas.microsoft.com/office/drawing/2018/hyperlinkcolor" showMasterPhAnim="0" showMasterSp="0">
+  <p:cSld>
+    <p:spTree>
+      <p:nvGrpSpPr>
+        <p:cNvPr id="498" name="Shape 498"/>
+        <p:cNvGrpSpPr/>
+        <p:nvPr/>
+      </p:nvGrpSpPr>
+      <p:grpSpPr>
+        <a:xfrm>
+          <a:off x="0" y="0"/>
+          <a:ext cx="0" cy="0"/>
+          <a:chOff x="0" y="0"/>
+          <a:chExt cx="0" cy="0"/>
+        </a:xfrm>
+      </p:grpSpPr>
+      <p:sp>
+        <p:nvSpPr>
+          <p:cNvPr id="499" name="Google Shape;499;g2f1e1d5e8dd_1_61:notes"/>
+          <p:cNvSpPr/>
+          <p:nvPr>
+            <p:ph idx="2" type="sldImg"/>
+          </p:nvPr>
+        </p:nvSpPr>
+        <p:spPr>
+          <a:xfrm>
+            <a:off x="381300" y="685800"/>
+            <a:ext cx="6096000" cy="3429000"/>
+          </a:xfrm>
+          <a:custGeom>
+            <a:rect b="b" l="l" r="r" t="t"/>
+            <a:pathLst>
+              <a:path extrusionOk="0" h="120000" w="120000">
+                <a:moveTo>
+                  <a:pt x="0" y="0"/>
+                </a:moveTo>
+                <a:lnTo>
+                  <a:pt x="120000" y="0"/>
+                </a:lnTo>
+                <a:lnTo>
+                  <a:pt x="120000" y="120000"/>
+                </a:lnTo>
+                <a:lnTo>
+                  <a:pt x="0" y="120000"/>
+                </a:lnTo>
+                <a:close/>
+              </a:path>
+            </a:pathLst>
+          </a:custGeom>
+        </p:spPr>
+      </p:sp>
+      <p:sp>
+        <p:nvSpPr>
+          <p:cNvPr id="500" name="Google Shape;500;g2f1e1d5e8dd_1_61:notes"/>
+          <p:cNvSpPr txBox="1"/>
+          <p:nvPr>
+            <p:ph idx="1" type="body"/>
+          </p:nvPr>
+        </p:nvSpPr>
+        <p:spPr>
+          <a:xfrm>
+            <a:off x="685800" y="4343400"/>
+            <a:ext cx="5486400" cy="4114800"/>
+          </a:xfrm>
+          <a:prstGeom prst="rect">
+            <a:avLst/>
+          </a:prstGeom>
+        </p:spPr>
+        <p:txBody>
+          <a:bodyPr anchorCtr="0" anchor="t" bIns="91425" lIns="91425" spcFirstLastPara="1" rIns="91425" wrap="square" tIns="91425">
+            <a:noAutofit/>
+          </a:bodyPr>
+          <a:lstStyle/>
+          <a:p>
+            <a:pPr indent="0" lvl="0" marL="0" rtl="0" algn="l">
+              <a:spcBef>
+                <a:spcPts val="0"/>
+              </a:spcBef>
+              <a:spcAft>
+                <a:spcPts val="0"/>
+              </a:spcAft>
+              <a:buNone/>
+            </a:pPr>
+            <a:r>
+              <a:t/>
+            </a:r>
+            <a:endParaRPr/>
+          </a:p>
+        </p:txBody>
+      </p:sp>
+    </p:spTree>
+  </p:cSld>
+  <p:clrMapOvr>
+    <a:masterClrMapping/>
+  </p:clrMapOvr>
+</p:notes>
+</file>
+
+<file path=ppt/notesSlides/notesSlide77.xml><?xml version="1.0" encoding="utf-8"?>
+<p:notes xmlns:a="http://schemas.openxmlformats.org/drawingml/2006/main" xmlns:r="http://schemas.openxmlformats.org/officeDocument/2006/relationships" xmlns:mc="http://schemas.openxmlformats.org/markup-compatibility/2006" xmlns:mv="urn:schemas-microsoft-com:mac:vml" xmlns:p="http://schemas.openxmlformats.org/presentationml/2006/main" xmlns:c="http://schemas.openxmlformats.org/drawingml/2006/chart" xmlns:dgm="http://schemas.openxmlformats.org/drawingml/2006/diagram" xmlns:o="urn:schemas-microsoft-com:office:office" xmlns:v="urn:schemas-microsoft-com:vml" xmlns:pvml="urn:schemas-microsoft-com:office:powerpoint" xmlns:com="http://schemas.openxmlformats.org/drawingml/2006/compatibility" xmlns:p14="http://schemas.microsoft.com/office/powerpoint/2010/main" xmlns:p15="http://schemas.microsoft.com/office/powerpoint/2012/main" xmlns:ahyp="http://schemas.microsoft.com/office/drawing/2018/hyperlinkcolor" showMasterPhAnim="0" showMasterSp="0">
+  <p:cSld>
+    <p:spTree>
+      <p:nvGrpSpPr>
+        <p:cNvPr id="503" name="Shape 503"/>
+        <p:cNvGrpSpPr/>
+        <p:nvPr/>
+      </p:nvGrpSpPr>
+      <p:grpSpPr>
+        <a:xfrm>
+          <a:off x="0" y="0"/>
+          <a:ext cx="0" cy="0"/>
+          <a:chOff x="0" y="0"/>
+          <a:chExt cx="0" cy="0"/>
+        </a:xfrm>
+      </p:grpSpPr>
+      <p:sp>
+        <p:nvSpPr>
+          <p:cNvPr id="504" name="Google Shape;504;g2f1e1d5e8dd_1_67:notes"/>
+          <p:cNvSpPr/>
+          <p:nvPr>
+            <p:ph idx="2" type="sldImg"/>
+          </p:nvPr>
+        </p:nvSpPr>
+        <p:spPr>
+          <a:xfrm>
+            <a:off x="381300" y="685800"/>
+            <a:ext cx="6096000" cy="3429000"/>
+          </a:xfrm>
+          <a:custGeom>
+            <a:rect b="b" l="l" r="r" t="t"/>
+            <a:pathLst>
+              <a:path extrusionOk="0" h="120000" w="120000">
+                <a:moveTo>
+                  <a:pt x="0" y="0"/>
+                </a:moveTo>
+                <a:lnTo>
+                  <a:pt x="120000" y="0"/>
+                </a:lnTo>
+                <a:lnTo>
+                  <a:pt x="120000" y="120000"/>
+                </a:lnTo>
+                <a:lnTo>
+                  <a:pt x="0" y="120000"/>
+                </a:lnTo>
+                <a:close/>
+              </a:path>
+            </a:pathLst>
+          </a:custGeom>
+        </p:spPr>
+      </p:sp>
+      <p:sp>
+        <p:nvSpPr>
+          <p:cNvPr id="505" name="Google Shape;505;g2f1e1d5e8dd_1_67:notes"/>
+          <p:cNvSpPr txBox="1"/>
+          <p:nvPr>
+            <p:ph idx="1" type="body"/>
+          </p:nvPr>
+        </p:nvSpPr>
+        <p:spPr>
+          <a:xfrm>
+            <a:off x="685800" y="4343400"/>
+            <a:ext cx="5486400" cy="4114800"/>
+          </a:xfrm>
+          <a:prstGeom prst="rect">
+            <a:avLst/>
+          </a:prstGeom>
+        </p:spPr>
+        <p:txBody>
+          <a:bodyPr anchorCtr="0" anchor="t" bIns="91425" lIns="91425" spcFirstLastPara="1" rIns="91425" wrap="square" tIns="91425">
+            <a:noAutofit/>
+          </a:bodyPr>
+          <a:lstStyle/>
+          <a:p>
+            <a:pPr indent="0" lvl="0" marL="0" rtl="0" algn="l">
+              <a:spcBef>
+                <a:spcPts val="0"/>
+              </a:spcBef>
+              <a:spcAft>
+                <a:spcPts val="0"/>
+              </a:spcAft>
+              <a:buNone/>
+            </a:pPr>
+            <a:r>
+              <a:t/>
+            </a:r>
+            <a:endParaRPr/>
+          </a:p>
+        </p:txBody>
+      </p:sp>
+    </p:spTree>
+  </p:cSld>
+  <p:clrMapOvr>
+    <a:masterClrMapping/>
+  </p:clrMapOvr>
+</p:notes>
+</file>
+
+<file path=ppt/notesSlides/notesSlide78.xml><?xml version="1.0" encoding="utf-8"?>
+<p:notes xmlns:a="http://schemas.openxmlformats.org/drawingml/2006/main" xmlns:r="http://schemas.openxmlformats.org/officeDocument/2006/relationships" xmlns:mc="http://schemas.openxmlformats.org/markup-compatibility/2006" xmlns:mv="urn:schemas-microsoft-com:mac:vml" xmlns:p="http://schemas.openxmlformats.org/presentationml/2006/main" xmlns:c="http://schemas.openxmlformats.org/drawingml/2006/chart" xmlns:dgm="http://schemas.openxmlformats.org/drawingml/2006/diagram" xmlns:o="urn:schemas-microsoft-com:office:office" xmlns:v="urn:schemas-microsoft-com:vml" xmlns:pvml="urn:schemas-microsoft-com:office:powerpoint" xmlns:com="http://schemas.openxmlformats.org/drawingml/2006/compatibility" xmlns:p14="http://schemas.microsoft.com/office/powerpoint/2010/main" xmlns:p15="http://schemas.microsoft.com/office/powerpoint/2012/main" xmlns:ahyp="http://schemas.microsoft.com/office/drawing/2018/hyperlinkcolor" showMasterPhAnim="0" showMasterSp="0">
+  <p:cSld>
+    <p:spTree>
+      <p:nvGrpSpPr>
+        <p:cNvPr id="509" name="Shape 509"/>
+        <p:cNvGrpSpPr/>
+        <p:nvPr/>
+      </p:nvGrpSpPr>
+      <p:grpSpPr>
+        <a:xfrm>
+          <a:off x="0" y="0"/>
+          <a:ext cx="0" cy="0"/>
+          <a:chOff x="0" y="0"/>
+          <a:chExt cx="0" cy="0"/>
+        </a:xfrm>
+      </p:grpSpPr>
+      <p:sp>
+        <p:nvSpPr>
+          <p:cNvPr id="510" name="Google Shape;510;g2f1e1d5e8dd_1_90:notes"/>
+          <p:cNvSpPr/>
+          <p:nvPr>
+            <p:ph idx="2" type="sldImg"/>
+          </p:nvPr>
+        </p:nvSpPr>
+        <p:spPr>
+          <a:xfrm>
+            <a:off x="381300" y="685800"/>
+            <a:ext cx="6096000" cy="3429000"/>
+          </a:xfrm>
+          <a:custGeom>
+            <a:rect b="b" l="l" r="r" t="t"/>
+            <a:pathLst>
+              <a:path extrusionOk="0" h="120000" w="120000">
+                <a:moveTo>
+                  <a:pt x="0" y="0"/>
+                </a:moveTo>
+                <a:lnTo>
+                  <a:pt x="120000" y="0"/>
+                </a:lnTo>
+                <a:lnTo>
+                  <a:pt x="120000" y="120000"/>
+                </a:lnTo>
+                <a:lnTo>
+                  <a:pt x="0" y="120000"/>
+                </a:lnTo>
+                <a:close/>
+              </a:path>
+            </a:pathLst>
+          </a:custGeom>
+        </p:spPr>
+      </p:sp>
+      <p:sp>
+        <p:nvSpPr>
+          <p:cNvPr id="511" name="Google Shape;511;g2f1e1d5e8dd_1_90:notes"/>
+          <p:cNvSpPr txBox="1"/>
+          <p:nvPr>
+            <p:ph idx="1" type="body"/>
+          </p:nvPr>
+        </p:nvSpPr>
+        <p:spPr>
+          <a:xfrm>
+            <a:off x="685800" y="4343400"/>
+            <a:ext cx="5486400" cy="4114800"/>
+          </a:xfrm>
+          <a:prstGeom prst="rect">
+            <a:avLst/>
+          </a:prstGeom>
+        </p:spPr>
+        <p:txBody>
+          <a:bodyPr anchorCtr="0" anchor="t" bIns="91425" lIns="91425" spcFirstLastPara="1" rIns="91425" wrap="square" tIns="91425">
+            <a:noAutofit/>
+          </a:bodyPr>
+          <a:lstStyle/>
+          <a:p>
+            <a:pPr indent="0" lvl="0" marL="0" rtl="0" algn="l">
+              <a:spcBef>
+                <a:spcPts val="0"/>
+              </a:spcBef>
+              <a:spcAft>
+                <a:spcPts val="0"/>
+              </a:spcAft>
+              <a:buNone/>
+            </a:pPr>
+            <a:r>
+              <a:t/>
+            </a:r>
+            <a:endParaRPr/>
+          </a:p>
+        </p:txBody>
+      </p:sp>
+    </p:spTree>
+  </p:cSld>
+  <p:clrMapOvr>
+    <a:masterClrMapping/>
+  </p:clrMapOvr>
+</p:notes>
+</file>
+
+<file path=ppt/notesSlides/notesSlide79.xml><?xml version="1.0" encoding="utf-8"?>
+<p:notes xmlns:a="http://schemas.openxmlformats.org/drawingml/2006/main" xmlns:r="http://schemas.openxmlformats.org/officeDocument/2006/relationships" xmlns:mc="http://schemas.openxmlformats.org/markup-compatibility/2006" xmlns:mv="urn:schemas-microsoft-com:mac:vml" xmlns:p="http://schemas.openxmlformats.org/presentationml/2006/main" xmlns:c="http://schemas.openxmlformats.org/drawingml/2006/chart" xmlns:dgm="http://schemas.openxmlformats.org/drawingml/2006/diagram" xmlns:o="urn:schemas-microsoft-com:office:office" xmlns:v="urn:schemas-microsoft-com:vml" xmlns:pvml="urn:schemas-microsoft-com:office:powerpoint" xmlns:com="http://schemas.openxmlformats.org/drawingml/2006/compatibility" xmlns:p14="http://schemas.microsoft.com/office/powerpoint/2010/main" xmlns:p15="http://schemas.microsoft.com/office/powerpoint/2012/main" xmlns:ahyp="http://schemas.microsoft.com/office/drawing/2018/hyperlinkcolor" showMasterPhAnim="0" showMasterSp="0">
+  <p:cSld>
+    <p:spTree>
+      <p:nvGrpSpPr>
+        <p:cNvPr id="514" name="Shape 514"/>
+        <p:cNvGrpSpPr/>
+        <p:nvPr/>
+      </p:nvGrpSpPr>
+      <p:grpSpPr>
+        <a:xfrm>
+          <a:off x="0" y="0"/>
+          <a:ext cx="0" cy="0"/>
+          <a:chOff x="0" y="0"/>
+          <a:chExt cx="0" cy="0"/>
+        </a:xfrm>
+      </p:grpSpPr>
+      <p:sp>
+        <p:nvSpPr>
+          <p:cNvPr id="515" name="Google Shape;515;g2f1e1d5e8dd_1_73:notes"/>
+          <p:cNvSpPr/>
+          <p:nvPr>
+            <p:ph idx="2" type="sldImg"/>
+          </p:nvPr>
+        </p:nvSpPr>
+        <p:spPr>
+          <a:xfrm>
+            <a:off x="381300" y="685800"/>
+            <a:ext cx="6096000" cy="3429000"/>
+          </a:xfrm>
+          <a:custGeom>
+            <a:rect b="b" l="l" r="r" t="t"/>
+            <a:pathLst>
+              <a:path extrusionOk="0" h="120000" w="120000">
+                <a:moveTo>
+                  <a:pt x="0" y="0"/>
+                </a:moveTo>
+                <a:lnTo>
+                  <a:pt x="120000" y="0"/>
+                </a:lnTo>
+                <a:lnTo>
+                  <a:pt x="120000" y="120000"/>
+                </a:lnTo>
+                <a:lnTo>
+                  <a:pt x="0" y="120000"/>
+                </a:lnTo>
+                <a:close/>
+              </a:path>
+            </a:pathLst>
+          </a:custGeom>
+        </p:spPr>
+      </p:sp>
+      <p:sp>
+        <p:nvSpPr>
+          <p:cNvPr id="516" name="Google Shape;516;g2f1e1d5e8dd_1_73:notes"/>
+          <p:cNvSpPr txBox="1"/>
+          <p:nvPr>
+            <p:ph idx="1" type="body"/>
+          </p:nvPr>
+        </p:nvSpPr>
+        <p:spPr>
+          <a:xfrm>
+            <a:off x="685800" y="4343400"/>
+            <a:ext cx="5486400" cy="4114800"/>
+          </a:xfrm>
+          <a:prstGeom prst="rect">
+            <a:avLst/>
+          </a:prstGeom>
+        </p:spPr>
+        <p:txBody>
+          <a:bodyPr anchorCtr="0" anchor="t" bIns="91425" lIns="91425" spcFirstLastPara="1" rIns="91425" wrap="square" tIns="91425">
+            <a:noAutofit/>
+          </a:bodyPr>
+          <a:lstStyle/>
+          <a:p>
+            <a:pPr indent="0" lvl="0" marL="0" rtl="0" algn="l">
+              <a:spcBef>
+                <a:spcPts val="0"/>
+              </a:spcBef>
+              <a:spcAft>
+                <a:spcPts val="0"/>
+              </a:spcAft>
+              <a:buNone/>
+            </a:pPr>
+            <a:r>
+              <a:t/>
+            </a:r>
+            <a:endParaRPr/>
+          </a:p>
+        </p:txBody>
+      </p:sp>
+    </p:spTree>
+  </p:cSld>
+  <p:clrMapOvr>
+    <a:masterClrMapping/>
+  </p:clrMapOvr>
+</p:notes>
+</file>
+
+<file path=ppt/notesSlides/notesSlide8.xml><?xml version="1.0" encoding="utf-8"?>
+<p:notes xmlns:a="http://schemas.openxmlformats.org/drawingml/2006/main" xmlns:r="http://schemas.openxmlformats.org/officeDocument/2006/relationships" xmlns:mc="http://schemas.openxmlformats.org/markup-compatibility/2006" xmlns:mv="urn:schemas-microsoft-com:mac:vml" xmlns:p="http://schemas.openxmlformats.org/presentationml/2006/main" xmlns:c="http://schemas.openxmlformats.org/drawingml/2006/chart" xmlns:dgm="http://schemas.openxmlformats.org/drawingml/2006/diagram" xmlns:o="urn:schemas-microsoft-com:office:office" xmlns:v="urn:schemas-microsoft-com:vml" xmlns:pvml="urn:schemas-microsoft-com:office:powerpoint" xmlns:com="http://schemas.openxmlformats.org/drawingml/2006/compatibility" xmlns:p14="http://schemas.microsoft.com/office/powerpoint/2010/main" xmlns:p15="http://schemas.microsoft.com/office/powerpoint/2012/main" xmlns:ahyp="http://schemas.microsoft.com/office/drawing/2018/hyperlinkcolor" showMasterPhAnim="0" showMasterSp="0">
+  <p:cSld>
+    <p:spTree>
+      <p:nvGrpSpPr>
+        <p:cNvPr id="104" name="Shape 104"/>
+        <p:cNvGrpSpPr/>
+        <p:nvPr/>
+      </p:nvGrpSpPr>
+      <p:grpSpPr>
+        <a:xfrm>
+          <a:off x="0" y="0"/>
+          <a:ext cx="0" cy="0"/>
+          <a:chOff x="0" y="0"/>
+          <a:chExt cx="0" cy="0"/>
+        </a:xfrm>
+      </p:grpSpPr>
+      <p:sp>
+        <p:nvSpPr>
+          <p:cNvPr id="105" name="Google Shape;105;g29a4c6b8399_0_1319:notes"/>
+          <p:cNvSpPr/>
+          <p:nvPr>
+            <p:ph idx="2" type="sldImg"/>
+          </p:nvPr>
+        </p:nvSpPr>
+        <p:spPr>
+          <a:xfrm>
+            <a:off x="381300" y="685800"/>
+            <a:ext cx="6096000" cy="3429000"/>
+          </a:xfrm>
+          <a:custGeom>
+            <a:rect b="b" l="l" r="r" t="t"/>
+            <a:pathLst>
+              <a:path extrusionOk="0" h="120000" w="120000">
+                <a:moveTo>
+                  <a:pt x="0" y="0"/>
+                </a:moveTo>
+                <a:lnTo>
+                  <a:pt x="120000" y="0"/>
+                </a:lnTo>
+                <a:lnTo>
+                  <a:pt x="120000" y="120000"/>
+                </a:lnTo>
+                <a:lnTo>
+                  <a:pt x="0" y="120000"/>
+                </a:lnTo>
+                <a:close/>
+              </a:path>
+            </a:pathLst>
+          </a:custGeom>
+        </p:spPr>
+      </p:sp>
+      <p:sp>
+        <p:nvSpPr>
           <p:cNvPr id="106" name="Google Shape;106;g29a4c6b8399_0_1319:notes"/>
+          <p:cNvSpPr txBox="1"/>
+          <p:nvPr>
+            <p:ph idx="1" type="body"/>
+          </p:nvPr>
+        </p:nvSpPr>
+        <p:spPr>
+          <a:xfrm>
+            <a:off x="685800" y="4343400"/>
+            <a:ext cx="5486400" cy="4114800"/>
+          </a:xfrm>
+          <a:prstGeom prst="rect">
+            <a:avLst/>
+          </a:prstGeom>
+        </p:spPr>
+        <p:txBody>
+          <a:bodyPr anchorCtr="0" anchor="t" bIns="91425" lIns="91425" spcFirstLastPara="1" rIns="91425" wrap="square" tIns="91425">
+            <a:noAutofit/>
+          </a:bodyPr>
+          <a:lstStyle/>
+          <a:p>
+            <a:pPr indent="0" lvl="0" marL="0" rtl="0" algn="l">
+              <a:spcBef>
+                <a:spcPts val="0"/>
+              </a:spcBef>
+              <a:spcAft>
+                <a:spcPts val="0"/>
+              </a:spcAft>
+              <a:buNone/>
+            </a:pPr>
+            <a:r>
+              <a:t/>
+            </a:r>
+            <a:endParaRPr/>
+          </a:p>
+        </p:txBody>
+      </p:sp>
+    </p:spTree>
+  </p:cSld>
+  <p:clrMapOvr>
+    <a:masterClrMapping/>
+  </p:clrMapOvr>
+</p:notes>
+</file>
+
+<file path=ppt/notesSlides/notesSlide80.xml><?xml version="1.0" encoding="utf-8"?>
+<p:notes xmlns:a="http://schemas.openxmlformats.org/drawingml/2006/main" xmlns:r="http://schemas.openxmlformats.org/officeDocument/2006/relationships" xmlns:mc="http://schemas.openxmlformats.org/markup-compatibility/2006" xmlns:mv="urn:schemas-microsoft-com:mac:vml" xmlns:p="http://schemas.openxmlformats.org/presentationml/2006/main" xmlns:c="http://schemas.openxmlformats.org/drawingml/2006/chart" xmlns:dgm="http://schemas.openxmlformats.org/drawingml/2006/diagram" xmlns:o="urn:schemas-microsoft-com:office:office" xmlns:v="urn:schemas-microsoft-com:vml" xmlns:pvml="urn:schemas-microsoft-com:office:powerpoint" xmlns:com="http://schemas.openxmlformats.org/drawingml/2006/compatibility" xmlns:p14="http://schemas.microsoft.com/office/powerpoint/2010/main" xmlns:p15="http://schemas.microsoft.com/office/powerpoint/2012/main" xmlns:ahyp="http://schemas.microsoft.com/office/drawing/2018/hyperlinkcolor" showMasterPhAnim="0" showMasterSp="0">
+  <p:cSld>
+    <p:spTree>
+      <p:nvGrpSpPr>
+        <p:cNvPr id="519" name="Shape 519"/>
+        <p:cNvGrpSpPr/>
+        <p:nvPr/>
+      </p:nvGrpSpPr>
+      <p:grpSpPr>
+        <a:xfrm>
+          <a:off x="0" y="0"/>
+          <a:ext cx="0" cy="0"/>
+          <a:chOff x="0" y="0"/>
+          <a:chExt cx="0" cy="0"/>
+        </a:xfrm>
+      </p:grpSpPr>
+      <p:sp>
+        <p:nvSpPr>
+          <p:cNvPr id="520" name="Google Shape;520;g2f1e1d5e8dd_1_79:notes"/>
+          <p:cNvSpPr/>
+          <p:nvPr>
+            <p:ph idx="2" type="sldImg"/>
+          </p:nvPr>
+        </p:nvSpPr>
+        <p:spPr>
+          <a:xfrm>
+            <a:off x="381300" y="685800"/>
+            <a:ext cx="6096000" cy="3429000"/>
+          </a:xfrm>
+          <a:custGeom>
+            <a:rect b="b" l="l" r="r" t="t"/>
+            <a:pathLst>
+              <a:path extrusionOk="0" h="120000" w="120000">
+                <a:moveTo>
+                  <a:pt x="0" y="0"/>
+                </a:moveTo>
+                <a:lnTo>
+                  <a:pt x="120000" y="0"/>
+                </a:lnTo>
+                <a:lnTo>
+                  <a:pt x="120000" y="120000"/>
+                </a:lnTo>
+                <a:lnTo>
+                  <a:pt x="0" y="120000"/>
+                </a:lnTo>
+                <a:close/>
+              </a:path>
+            </a:pathLst>
+          </a:custGeom>
+        </p:spPr>
+      </p:sp>
+      <p:sp>
+        <p:nvSpPr>
+          <p:cNvPr id="521" name="Google Shape;521;g2f1e1d5e8dd_1_79:notes"/>
+          <p:cNvSpPr txBox="1"/>
+          <p:nvPr>
+            <p:ph idx="1" type="body"/>
+          </p:nvPr>
+        </p:nvSpPr>
+        <p:spPr>
+          <a:xfrm>
+            <a:off x="685800" y="4343400"/>
+            <a:ext cx="5486400" cy="4114800"/>
+          </a:xfrm>
+          <a:prstGeom prst="rect">
+            <a:avLst/>
+          </a:prstGeom>
+        </p:spPr>
+        <p:txBody>
+          <a:bodyPr anchorCtr="0" anchor="t" bIns="91425" lIns="91425" spcFirstLastPara="1" rIns="91425" wrap="square" tIns="91425">
+            <a:noAutofit/>
+          </a:bodyPr>
+          <a:lstStyle/>
+          <a:p>
+            <a:pPr indent="0" lvl="0" marL="0" rtl="0" algn="l">
+              <a:spcBef>
+                <a:spcPts val="0"/>
+              </a:spcBef>
+              <a:spcAft>
+                <a:spcPts val="0"/>
+              </a:spcAft>
+              <a:buNone/>
+            </a:pPr>
+            <a:r>
+              <a:t/>
+            </a:r>
+            <a:endParaRPr/>
+          </a:p>
+        </p:txBody>
+      </p:sp>
+    </p:spTree>
+  </p:cSld>
+  <p:clrMapOvr>
+    <a:masterClrMapping/>
+  </p:clrMapOvr>
+</p:notes>
+</file>
+
+<file path=ppt/notesSlides/notesSlide81.xml><?xml version="1.0" encoding="utf-8"?>
+<p:notes xmlns:a="http://schemas.openxmlformats.org/drawingml/2006/main" xmlns:r="http://schemas.openxmlformats.org/officeDocument/2006/relationships" xmlns:mc="http://schemas.openxmlformats.org/markup-compatibility/2006" xmlns:mv="urn:schemas-microsoft-com:mac:vml" xmlns:p="http://schemas.openxmlformats.org/presentationml/2006/main" xmlns:c="http://schemas.openxmlformats.org/drawingml/2006/chart" xmlns:dgm="http://schemas.openxmlformats.org/drawingml/2006/diagram" xmlns:o="urn:schemas-microsoft-com:office:office" xmlns:v="urn:schemas-microsoft-com:vml" xmlns:pvml="urn:schemas-microsoft-com:office:powerpoint" xmlns:com="http://schemas.openxmlformats.org/drawingml/2006/compatibility" xmlns:p14="http://schemas.microsoft.com/office/powerpoint/2010/main" xmlns:p15="http://schemas.microsoft.com/office/powerpoint/2012/main" xmlns:ahyp="http://schemas.microsoft.com/office/drawing/2018/hyperlinkcolor" showMasterPhAnim="0" showMasterSp="0">
+  <p:cSld>
+    <p:spTree>
+      <p:nvGrpSpPr>
+        <p:cNvPr id="525" name="Shape 525"/>
+        <p:cNvGrpSpPr/>
+        <p:nvPr/>
+      </p:nvGrpSpPr>
+      <p:grpSpPr>
+        <a:xfrm>
+          <a:off x="0" y="0"/>
+          <a:ext cx="0" cy="0"/>
+          <a:chOff x="0" y="0"/>
+          <a:chExt cx="0" cy="0"/>
+        </a:xfrm>
+      </p:grpSpPr>
+      <p:sp>
+        <p:nvSpPr>
+          <p:cNvPr id="526" name="Google Shape;526;g2f1e1d5e8dd_1_84:notes"/>
+          <p:cNvSpPr/>
+          <p:nvPr>
+            <p:ph idx="2" type="sldImg"/>
+          </p:nvPr>
+        </p:nvSpPr>
+        <p:spPr>
+          <a:xfrm>
+            <a:off x="381300" y="685800"/>
+            <a:ext cx="6096000" cy="3429000"/>
+          </a:xfrm>
+          <a:custGeom>
+            <a:rect b="b" l="l" r="r" t="t"/>
+            <a:pathLst>
+              <a:path extrusionOk="0" h="120000" w="120000">
+                <a:moveTo>
+                  <a:pt x="0" y="0"/>
+                </a:moveTo>
+                <a:lnTo>
+                  <a:pt x="120000" y="0"/>
+                </a:lnTo>
+                <a:lnTo>
+                  <a:pt x="120000" y="120000"/>
+                </a:lnTo>
+                <a:lnTo>
+                  <a:pt x="0" y="120000"/>
+                </a:lnTo>
+                <a:close/>
+              </a:path>
+            </a:pathLst>
+          </a:custGeom>
+        </p:spPr>
+      </p:sp>
+      <p:sp>
+        <p:nvSpPr>
+          <p:cNvPr id="527" name="Google Shape;527;g2f1e1d5e8dd_1_84:notes"/>
           <p:cNvSpPr txBox="1"/>
           <p:nvPr>
             <p:ph idx="1" type="body"/>
@@ -20341,7 +21041,7 @@
             <a:tbl>
               <a:tblPr>
                 <a:noFill/>
-                <a:tableStyleId>{C4480CC5-2E29-4362-8BB5-5E05654FAFB2}</a:tableStyleId>
+                <a:tableStyleId>{8DDDA086-17E0-4925-8A85-B426547AD317}</a:tableStyleId>
               </a:tblPr>
               <a:tblGrid>
                 <a:gridCol w="5713925"/>
@@ -28975,6 +29675,844 @@
 </p:sld>
 </file>
 
+<file path=ppt/slides/slide75.xml><?xml version="1.0" encoding="utf-8"?>
+<p:sld xmlns:a="http://schemas.openxmlformats.org/drawingml/2006/main" xmlns:r="http://schemas.openxmlformats.org/officeDocument/2006/relationships" xmlns:mc="http://schemas.openxmlformats.org/markup-compatibility/2006" xmlns:mv="urn:schemas-microsoft-com:mac:vml" xmlns:p="http://schemas.openxmlformats.org/presentationml/2006/main" xmlns:c="http://schemas.openxmlformats.org/drawingml/2006/chart" xmlns:dgm="http://schemas.openxmlformats.org/drawingml/2006/diagram" xmlns:o="urn:schemas-microsoft-com:office:office" xmlns:v="urn:schemas-microsoft-com:vml" xmlns:pvml="urn:schemas-microsoft-com:office:powerpoint" xmlns:com="http://schemas.openxmlformats.org/drawingml/2006/compatibility" xmlns:p14="http://schemas.microsoft.com/office/powerpoint/2010/main" xmlns:p15="http://schemas.microsoft.com/office/powerpoint/2012/main" xmlns:ahyp="http://schemas.microsoft.com/office/drawing/2018/hyperlinkcolor">
+  <p:cSld>
+    <p:spTree>
+      <p:nvGrpSpPr>
+        <p:cNvPr id="495" name="Shape 495"/>
+        <p:cNvGrpSpPr/>
+        <p:nvPr/>
+      </p:nvGrpSpPr>
+      <p:grpSpPr>
+        <a:xfrm>
+          <a:off x="0" y="0"/>
+          <a:ext cx="0" cy="0"/>
+          <a:chOff x="0" y="0"/>
+          <a:chExt cx="0" cy="0"/>
+        </a:xfrm>
+      </p:grpSpPr>
+      <p:sp>
+        <p:nvSpPr>
+          <p:cNvPr id="496" name="Google Shape;496;p87"/>
+          <p:cNvSpPr txBox="1"/>
+          <p:nvPr>
+            <p:ph type="title"/>
+          </p:nvPr>
+        </p:nvSpPr>
+        <p:spPr>
+          <a:xfrm>
+            <a:off x="311700" y="445025"/>
+            <a:ext cx="8520600" cy="707400"/>
+          </a:xfrm>
+          <a:prstGeom prst="rect">
+            <a:avLst/>
+          </a:prstGeom>
+        </p:spPr>
+        <p:txBody>
+          <a:bodyPr anchorCtr="0" anchor="t" bIns="91425" lIns="91425" spcFirstLastPara="1" rIns="91425" wrap="square" tIns="91425">
+            <a:noAutofit/>
+          </a:bodyPr>
+          <a:lstStyle/>
+          <a:p>
+            <a:pPr indent="0" lvl="0" marL="0" rtl="0" algn="l">
+              <a:spcBef>
+                <a:spcPts val="0"/>
+              </a:spcBef>
+              <a:spcAft>
+                <a:spcPts val="0"/>
+              </a:spcAft>
+              <a:buSzPts val="990"/>
+              <a:buNone/>
+            </a:pPr>
+            <a:r>
+              <a:rPr lang="en" sz="2440"/>
+              <a:t>31. Which TWO of the given options are exit criteria for testing a system?</a:t>
+            </a:r>
+            <a:endParaRPr sz="2440"/>
+          </a:p>
+        </p:txBody>
+      </p:sp>
+      <p:sp>
+        <p:nvSpPr>
+          <p:cNvPr id="497" name="Google Shape;497;p87"/>
+          <p:cNvSpPr txBox="1"/>
+          <p:nvPr>
+            <p:ph idx="1" type="body"/>
+          </p:nvPr>
+        </p:nvSpPr>
+        <p:spPr>
+          <a:xfrm>
+            <a:off x="311700" y="1266325"/>
+            <a:ext cx="8520600" cy="3302700"/>
+          </a:xfrm>
+          <a:prstGeom prst="rect">
+            <a:avLst/>
+          </a:prstGeom>
+        </p:spPr>
+        <p:txBody>
+          <a:bodyPr anchorCtr="0" anchor="t" bIns="91425" lIns="91425" spcFirstLastPara="1" rIns="91425" wrap="square" tIns="91425">
+            <a:normAutofit/>
+          </a:bodyPr>
+          <a:lstStyle/>
+          <a:p>
+            <a:pPr indent="0" lvl="0" marL="0" rtl="0" algn="l">
+              <a:spcBef>
+                <a:spcPts val="0"/>
+              </a:spcBef>
+              <a:spcAft>
+                <a:spcPts val="0"/>
+              </a:spcAft>
+              <a:buNone/>
+            </a:pPr>
+            <a:r>
+              <a:rPr lang="en"/>
+              <a:t>a) Test environment readiness</a:t>
+            </a:r>
+            <a:endParaRPr/>
+          </a:p>
+          <a:p>
+            <a:pPr indent="0" lvl="0" marL="0" rtl="0" algn="l">
+              <a:spcBef>
+                <a:spcPts val="1200"/>
+              </a:spcBef>
+              <a:spcAft>
+                <a:spcPts val="0"/>
+              </a:spcAft>
+              <a:buNone/>
+            </a:pPr>
+            <a:r>
+              <a:rPr lang="en"/>
+              <a:t>b) The ability to log in to the test object by the tester</a:t>
+            </a:r>
+            <a:endParaRPr/>
+          </a:p>
+          <a:p>
+            <a:pPr indent="0" lvl="0" marL="0" rtl="0" algn="l">
+              <a:spcBef>
+                <a:spcPts val="1200"/>
+              </a:spcBef>
+              <a:spcAft>
+                <a:spcPts val="0"/>
+              </a:spcAft>
+              <a:buNone/>
+            </a:pPr>
+            <a:r>
+              <a:rPr lang="en"/>
+              <a:t>c) Estimated defect density is reached</a:t>
+            </a:r>
+            <a:endParaRPr/>
+          </a:p>
+          <a:p>
+            <a:pPr indent="0" lvl="0" marL="0" rtl="0" algn="l">
+              <a:spcBef>
+                <a:spcPts val="1200"/>
+              </a:spcBef>
+              <a:spcAft>
+                <a:spcPts val="0"/>
+              </a:spcAft>
+              <a:buNone/>
+            </a:pPr>
+            <a:r>
+              <a:rPr lang="en"/>
+              <a:t>d) Requirements are translated into given/when/then format</a:t>
+            </a:r>
+            <a:endParaRPr/>
+          </a:p>
+          <a:p>
+            <a:pPr indent="0" lvl="0" marL="0" rtl="0" algn="l">
+              <a:spcBef>
+                <a:spcPts val="1200"/>
+              </a:spcBef>
+              <a:spcAft>
+                <a:spcPts val="0"/>
+              </a:spcAft>
+              <a:buNone/>
+            </a:pPr>
+            <a:r>
+              <a:rPr lang="en"/>
+              <a:t>e) Regression tests are automated</a:t>
+            </a:r>
+            <a:endParaRPr/>
+          </a:p>
+          <a:p>
+            <a:pPr indent="0" lvl="0" marL="0" rtl="0" algn="l">
+              <a:spcBef>
+                <a:spcPts val="1200"/>
+              </a:spcBef>
+              <a:spcAft>
+                <a:spcPts val="0"/>
+              </a:spcAft>
+              <a:buNone/>
+            </a:pPr>
+            <a:r>
+              <a:rPr lang="en"/>
+              <a:t>Select TWO options.</a:t>
+            </a:r>
+            <a:endParaRPr/>
+          </a:p>
+          <a:p>
+            <a:pPr indent="0" lvl="0" marL="0" rtl="0" algn="l">
+              <a:spcBef>
+                <a:spcPts val="1200"/>
+              </a:spcBef>
+              <a:spcAft>
+                <a:spcPts val="1200"/>
+              </a:spcAft>
+              <a:buNone/>
+            </a:pPr>
+            <a:r>
+              <a:t/>
+            </a:r>
+            <a:endParaRPr/>
+          </a:p>
+        </p:txBody>
+      </p:sp>
+    </p:spTree>
+  </p:cSld>
+  <p:clrMapOvr>
+    <a:masterClrMapping/>
+  </p:clrMapOvr>
+</p:sld>
+</file>
+
+<file path=ppt/slides/slide76.xml><?xml version="1.0" encoding="utf-8"?>
+<p:sld xmlns:a="http://schemas.openxmlformats.org/drawingml/2006/main" xmlns:r="http://schemas.openxmlformats.org/officeDocument/2006/relationships" xmlns:mc="http://schemas.openxmlformats.org/markup-compatibility/2006" xmlns:mv="urn:schemas-microsoft-com:mac:vml" xmlns:p="http://schemas.openxmlformats.org/presentationml/2006/main" xmlns:c="http://schemas.openxmlformats.org/drawingml/2006/chart" xmlns:dgm="http://schemas.openxmlformats.org/drawingml/2006/diagram" xmlns:o="urn:schemas-microsoft-com:office:office" xmlns:v="urn:schemas-microsoft-com:vml" xmlns:pvml="urn:schemas-microsoft-com:office:powerpoint" xmlns:com="http://schemas.openxmlformats.org/drawingml/2006/compatibility" xmlns:p14="http://schemas.microsoft.com/office/powerpoint/2010/main" xmlns:p15="http://schemas.microsoft.com/office/powerpoint/2012/main" xmlns:ahyp="http://schemas.microsoft.com/office/drawing/2018/hyperlinkcolor">
+  <p:cSld>
+    <p:spTree>
+      <p:nvGrpSpPr>
+        <p:cNvPr id="501" name="Shape 501"/>
+        <p:cNvGrpSpPr/>
+        <p:nvPr/>
+      </p:nvGrpSpPr>
+      <p:grpSpPr>
+        <a:xfrm>
+          <a:off x="0" y="0"/>
+          <a:ext cx="0" cy="0"/>
+          <a:chOff x="0" y="0"/>
+          <a:chExt cx="0" cy="0"/>
+        </a:xfrm>
+      </p:grpSpPr>
+      <p:sp>
+        <p:nvSpPr>
+          <p:cNvPr id="502" name="Google Shape;502;p88"/>
+          <p:cNvSpPr txBox="1"/>
+          <p:nvPr>
+            <p:ph idx="1" type="body"/>
+          </p:nvPr>
+        </p:nvSpPr>
+        <p:spPr>
+          <a:xfrm>
+            <a:off x="311700" y="192450"/>
+            <a:ext cx="8520600" cy="4636200"/>
+          </a:xfrm>
+          <a:prstGeom prst="rect">
+            <a:avLst/>
+          </a:prstGeom>
+        </p:spPr>
+        <p:txBody>
+          <a:bodyPr anchorCtr="0" anchor="t" bIns="91425" lIns="91425" spcFirstLastPara="1" rIns="91425" wrap="square" tIns="91425">
+            <a:normAutofit/>
+          </a:bodyPr>
+          <a:lstStyle/>
+          <a:p>
+            <a:pPr indent="0" lvl="0" marL="0" rtl="0" algn="l">
+              <a:spcBef>
+                <a:spcPts val="0"/>
+              </a:spcBef>
+              <a:spcAft>
+                <a:spcPts val="0"/>
+              </a:spcAft>
+              <a:buNone/>
+            </a:pPr>
+            <a:r>
+              <a:rPr lang="en"/>
+              <a:t>a) Is not correct. Test environment readiness is a resource availability criterion; hence it belongs to the entry criteria</a:t>
+            </a:r>
+            <a:endParaRPr/>
+          </a:p>
+          <a:p>
+            <a:pPr indent="0" lvl="0" marL="0" rtl="0" algn="l">
+              <a:spcBef>
+                <a:spcPts val="1200"/>
+              </a:spcBef>
+              <a:spcAft>
+                <a:spcPts val="0"/>
+              </a:spcAft>
+              <a:buNone/>
+            </a:pPr>
+            <a:r>
+              <a:rPr lang="en"/>
+              <a:t>b) Is not correct. This is a resource availability criterion; hence it belongs to the entry criteria</a:t>
+            </a:r>
+            <a:endParaRPr/>
+          </a:p>
+          <a:p>
+            <a:pPr indent="0" lvl="0" marL="0" rtl="0" algn="l">
+              <a:spcBef>
+                <a:spcPts val="1200"/>
+              </a:spcBef>
+              <a:spcAft>
+                <a:spcPts val="0"/>
+              </a:spcAft>
+              <a:buNone/>
+            </a:pPr>
+            <a:r>
+              <a:rPr lang="en">
+                <a:highlight>
+                  <a:schemeClr val="accent6"/>
+                </a:highlight>
+              </a:rPr>
+              <a:t>c) Is correct. Estimated defect density is a measure of diligence; hence it belongs to the exit criteria.</a:t>
+            </a:r>
+            <a:endParaRPr>
+              <a:highlight>
+                <a:schemeClr val="accent6"/>
+              </a:highlight>
+            </a:endParaRPr>
+          </a:p>
+          <a:p>
+            <a:pPr indent="0" lvl="0" marL="0" rtl="0" algn="l">
+              <a:spcBef>
+                <a:spcPts val="1200"/>
+              </a:spcBef>
+              <a:spcAft>
+                <a:spcPts val="0"/>
+              </a:spcAft>
+              <a:buNone/>
+            </a:pPr>
+            <a:r>
+              <a:rPr lang="en"/>
+              <a:t>d) Is not correct. Requirements translated into a given format result in testable requirements; hence it belongs to the entry criteria</a:t>
+            </a:r>
+            <a:endParaRPr/>
+          </a:p>
+          <a:p>
+            <a:pPr indent="0" lvl="0" marL="0" rtl="0" algn="l">
+              <a:spcBef>
+                <a:spcPts val="1200"/>
+              </a:spcBef>
+              <a:spcAft>
+                <a:spcPts val="1200"/>
+              </a:spcAft>
+              <a:buNone/>
+            </a:pPr>
+            <a:r>
+              <a:rPr lang="en">
+                <a:highlight>
+                  <a:schemeClr val="accent6"/>
+                </a:highlight>
+              </a:rPr>
+              <a:t>e) Is correct. Automation of regression</a:t>
+            </a:r>
+            <a:endParaRPr>
+              <a:highlight>
+                <a:schemeClr val="accent6"/>
+              </a:highlight>
+            </a:endParaRPr>
+          </a:p>
+        </p:txBody>
+      </p:sp>
+    </p:spTree>
+  </p:cSld>
+  <p:clrMapOvr>
+    <a:masterClrMapping/>
+  </p:clrMapOvr>
+</p:sld>
+</file>
+
+<file path=ppt/slides/slide77.xml><?xml version="1.0" encoding="utf-8"?>
+<p:sld xmlns:a="http://schemas.openxmlformats.org/drawingml/2006/main" xmlns:r="http://schemas.openxmlformats.org/officeDocument/2006/relationships" xmlns:mc="http://schemas.openxmlformats.org/markup-compatibility/2006" xmlns:mv="urn:schemas-microsoft-com:mac:vml" xmlns:p="http://schemas.openxmlformats.org/presentationml/2006/main" xmlns:c="http://schemas.openxmlformats.org/drawingml/2006/chart" xmlns:dgm="http://schemas.openxmlformats.org/drawingml/2006/diagram" xmlns:o="urn:schemas-microsoft-com:office:office" xmlns:v="urn:schemas-microsoft-com:vml" xmlns:pvml="urn:schemas-microsoft-com:office:powerpoint" xmlns:com="http://schemas.openxmlformats.org/drawingml/2006/compatibility" xmlns:p14="http://schemas.microsoft.com/office/powerpoint/2010/main" xmlns:p15="http://schemas.microsoft.com/office/powerpoint/2012/main" xmlns:ahyp="http://schemas.microsoft.com/office/drawing/2018/hyperlinkcolor">
+  <p:cSld>
+    <p:spTree>
+      <p:nvGrpSpPr>
+        <p:cNvPr id="506" name="Shape 506"/>
+        <p:cNvGrpSpPr/>
+        <p:nvPr/>
+      </p:nvGrpSpPr>
+      <p:grpSpPr>
+        <a:xfrm>
+          <a:off x="0" y="0"/>
+          <a:ext cx="0" cy="0"/>
+          <a:chOff x="0" y="0"/>
+          <a:chExt cx="0" cy="0"/>
+        </a:xfrm>
+      </p:grpSpPr>
+      <p:sp>
+        <p:nvSpPr>
+          <p:cNvPr id="507" name="Google Shape;507;p89"/>
+          <p:cNvSpPr txBox="1"/>
+          <p:nvPr>
+            <p:ph type="title"/>
+          </p:nvPr>
+        </p:nvSpPr>
+        <p:spPr>
+          <a:xfrm>
+            <a:off x="311700" y="445025"/>
+            <a:ext cx="8520600" cy="1251900"/>
+          </a:xfrm>
+          <a:prstGeom prst="rect">
+            <a:avLst/>
+          </a:prstGeom>
+        </p:spPr>
+        <p:txBody>
+          <a:bodyPr anchorCtr="0" anchor="t" bIns="91425" lIns="91425" spcFirstLastPara="1" rIns="91425" wrap="square" tIns="91425">
+            <a:noAutofit/>
+          </a:bodyPr>
+          <a:lstStyle/>
+          <a:p>
+            <a:pPr indent="0" lvl="0" marL="0" rtl="0" algn="l">
+              <a:spcBef>
+                <a:spcPts val="0"/>
+              </a:spcBef>
+              <a:spcAft>
+                <a:spcPts val="0"/>
+              </a:spcAft>
+              <a:buNone/>
+            </a:pPr>
+            <a:r>
+              <a:rPr lang="en" sz="2400"/>
+              <a:t>32.</a:t>
+            </a:r>
+            <a:r>
+              <a:rPr b="0" lang="en" sz="2400">
+                <a:latin typeface="Open Sans"/>
+                <a:ea typeface="Open Sans"/>
+                <a:cs typeface="Open Sans"/>
+                <a:sym typeface="Open Sans"/>
+              </a:rPr>
+              <a:t>Your team uses the three-point estimation technique to estimate the test effort for a new high-risk feature. The following estimates were made:</a:t>
+            </a:r>
+            <a:endParaRPr sz="2400"/>
+          </a:p>
+        </p:txBody>
+      </p:sp>
+      <p:sp>
+        <p:nvSpPr>
+          <p:cNvPr id="508" name="Google Shape;508;p89"/>
+          <p:cNvSpPr txBox="1"/>
+          <p:nvPr>
+            <p:ph idx="1" type="body"/>
+          </p:nvPr>
+        </p:nvSpPr>
+        <p:spPr>
+          <a:xfrm>
+            <a:off x="311700" y="1784475"/>
+            <a:ext cx="8520600" cy="3009000"/>
+          </a:xfrm>
+          <a:prstGeom prst="rect">
+            <a:avLst/>
+          </a:prstGeom>
+        </p:spPr>
+        <p:txBody>
+          <a:bodyPr anchorCtr="0" anchor="t" bIns="91425" lIns="91425" spcFirstLastPara="1" rIns="91425" wrap="square" tIns="91425">
+            <a:noAutofit/>
+          </a:bodyPr>
+          <a:lstStyle/>
+          <a:p>
+            <a:pPr indent="0" lvl="0" marL="0" rtl="0" algn="l">
+              <a:spcBef>
+                <a:spcPts val="0"/>
+              </a:spcBef>
+              <a:spcAft>
+                <a:spcPts val="0"/>
+              </a:spcAft>
+              <a:buNone/>
+            </a:pPr>
+            <a:r>
+              <a:rPr lang="en" sz="2200"/>
+              <a:t>Your team uses the three-point estimation technique to estimate the test effort for a new high-risk feature. The following estimates were made:</a:t>
+            </a:r>
+            <a:endParaRPr sz="2200"/>
+          </a:p>
+          <a:p>
+            <a:pPr indent="0" lvl="0" marL="0" rtl="0" algn="l">
+              <a:spcBef>
+                <a:spcPts val="1200"/>
+              </a:spcBef>
+              <a:spcAft>
+                <a:spcPts val="0"/>
+              </a:spcAft>
+              <a:buNone/>
+            </a:pPr>
+            <a:r>
+              <a:rPr lang="en" sz="2200"/>
+              <a:t>Most optimistic estimation: 2 person-hours</a:t>
+            </a:r>
+            <a:endParaRPr sz="2200"/>
+          </a:p>
+          <a:p>
+            <a:pPr indent="0" lvl="0" marL="0" rtl="0" algn="l">
+              <a:spcBef>
+                <a:spcPts val="1200"/>
+              </a:spcBef>
+              <a:spcAft>
+                <a:spcPts val="0"/>
+              </a:spcAft>
+              <a:buNone/>
+            </a:pPr>
+            <a:r>
+              <a:rPr lang="en" sz="2200"/>
+              <a:t>Most likely estimation: 11 person-hours</a:t>
+            </a:r>
+            <a:endParaRPr sz="2200"/>
+          </a:p>
+          <a:p>
+            <a:pPr indent="0" lvl="0" marL="0" rtl="0" algn="l">
+              <a:spcBef>
+                <a:spcPts val="1200"/>
+              </a:spcBef>
+              <a:spcAft>
+                <a:spcPts val="1200"/>
+              </a:spcAft>
+              <a:buNone/>
+            </a:pPr>
+            <a:r>
+              <a:rPr lang="en" sz="2200"/>
+              <a:t>Most pessimistic estimation: 14 person-hours</a:t>
+            </a:r>
+            <a:endParaRPr sz="2200"/>
+          </a:p>
+        </p:txBody>
+      </p:sp>
+    </p:spTree>
+  </p:cSld>
+  <p:clrMapOvr>
+    <a:masterClrMapping/>
+  </p:clrMapOvr>
+</p:sld>
+</file>
+
+<file path=ppt/slides/slide78.xml><?xml version="1.0" encoding="utf-8"?>
+<p:sld xmlns:a="http://schemas.openxmlformats.org/drawingml/2006/main" xmlns:r="http://schemas.openxmlformats.org/officeDocument/2006/relationships" xmlns:mc="http://schemas.openxmlformats.org/markup-compatibility/2006" xmlns:mv="urn:schemas-microsoft-com:mac:vml" xmlns:p="http://schemas.openxmlformats.org/presentationml/2006/main" xmlns:c="http://schemas.openxmlformats.org/drawingml/2006/chart" xmlns:dgm="http://schemas.openxmlformats.org/drawingml/2006/diagram" xmlns:o="urn:schemas-microsoft-com:office:office" xmlns:v="urn:schemas-microsoft-com:vml" xmlns:pvml="urn:schemas-microsoft-com:office:powerpoint" xmlns:com="http://schemas.openxmlformats.org/drawingml/2006/compatibility" xmlns:p14="http://schemas.microsoft.com/office/powerpoint/2010/main" xmlns:p15="http://schemas.microsoft.com/office/powerpoint/2012/main" xmlns:ahyp="http://schemas.microsoft.com/office/drawing/2018/hyperlinkcolor">
+  <p:cSld>
+    <p:spTree>
+      <p:nvGrpSpPr>
+        <p:cNvPr id="512" name="Shape 512"/>
+        <p:cNvGrpSpPr/>
+        <p:nvPr/>
+      </p:nvGrpSpPr>
+      <p:grpSpPr>
+        <a:xfrm>
+          <a:off x="0" y="0"/>
+          <a:ext cx="0" cy="0"/>
+          <a:chOff x="0" y="0"/>
+          <a:chExt cx="0" cy="0"/>
+        </a:xfrm>
+      </p:grpSpPr>
+      <p:sp>
+        <p:nvSpPr>
+          <p:cNvPr id="513" name="Google Shape;513;p90"/>
+          <p:cNvSpPr txBox="1"/>
+          <p:nvPr>
+            <p:ph idx="1" type="body"/>
+          </p:nvPr>
+        </p:nvSpPr>
+        <p:spPr>
+          <a:xfrm>
+            <a:off x="311700" y="349900"/>
+            <a:ext cx="8520600" cy="4219200"/>
+          </a:xfrm>
+          <a:prstGeom prst="rect">
+            <a:avLst/>
+          </a:prstGeom>
+        </p:spPr>
+        <p:txBody>
+          <a:bodyPr anchorCtr="0" anchor="t" bIns="91425" lIns="91425" spcFirstLastPara="1" rIns="91425" wrap="square" tIns="91425">
+            <a:normAutofit/>
+          </a:bodyPr>
+          <a:lstStyle/>
+          <a:p>
+            <a:pPr indent="0" lvl="0" marL="0" rtl="0" algn="l">
+              <a:spcBef>
+                <a:spcPts val="0"/>
+              </a:spcBef>
+              <a:spcAft>
+                <a:spcPts val="0"/>
+              </a:spcAft>
+              <a:buNone/>
+            </a:pPr>
+            <a:r>
+              <a:rPr lang="en" sz="2500"/>
+              <a:t>What is the final estimate?</a:t>
+            </a:r>
+            <a:endParaRPr sz="2500"/>
+          </a:p>
+          <a:p>
+            <a:pPr indent="0" lvl="0" marL="0" rtl="0" algn="l">
+              <a:spcBef>
+                <a:spcPts val="1200"/>
+              </a:spcBef>
+              <a:spcAft>
+                <a:spcPts val="0"/>
+              </a:spcAft>
+              <a:buNone/>
+            </a:pPr>
+            <a:r>
+              <a:rPr lang="en" sz="2500"/>
+              <a:t>a) 9 person-hours</a:t>
+            </a:r>
+            <a:endParaRPr sz="2500"/>
+          </a:p>
+          <a:p>
+            <a:pPr indent="0" lvl="0" marL="0" rtl="0" algn="l">
+              <a:spcBef>
+                <a:spcPts val="1200"/>
+              </a:spcBef>
+              <a:spcAft>
+                <a:spcPts val="0"/>
+              </a:spcAft>
+              <a:buNone/>
+            </a:pPr>
+            <a:r>
+              <a:rPr lang="en" sz="2500"/>
+              <a:t>b) 14 person-hours</a:t>
+            </a:r>
+            <a:endParaRPr sz="2500"/>
+          </a:p>
+          <a:p>
+            <a:pPr indent="0" lvl="0" marL="0" rtl="0" algn="l">
+              <a:spcBef>
+                <a:spcPts val="1200"/>
+              </a:spcBef>
+              <a:spcAft>
+                <a:spcPts val="0"/>
+              </a:spcAft>
+              <a:buNone/>
+            </a:pPr>
+            <a:r>
+              <a:rPr lang="en" sz="2500"/>
+              <a:t>c) 11 person-hours</a:t>
+            </a:r>
+            <a:endParaRPr sz="2500"/>
+          </a:p>
+          <a:p>
+            <a:pPr indent="0" lvl="0" marL="0" rtl="0" algn="l">
+              <a:spcBef>
+                <a:spcPts val="1200"/>
+              </a:spcBef>
+              <a:spcAft>
+                <a:spcPts val="0"/>
+              </a:spcAft>
+              <a:buNone/>
+            </a:pPr>
+            <a:r>
+              <a:rPr lang="en" sz="2500"/>
+              <a:t>d) 10 person-hours</a:t>
+            </a:r>
+            <a:endParaRPr sz="2500"/>
+          </a:p>
+          <a:p>
+            <a:pPr indent="0" lvl="0" marL="0" rtl="0" algn="l">
+              <a:spcBef>
+                <a:spcPts val="1200"/>
+              </a:spcBef>
+              <a:spcAft>
+                <a:spcPts val="1200"/>
+              </a:spcAft>
+              <a:buNone/>
+            </a:pPr>
+            <a:r>
+              <a:rPr lang="en" sz="2500"/>
+              <a:t>Select ONE option.</a:t>
+            </a:r>
+            <a:endParaRPr sz="2500"/>
+          </a:p>
+        </p:txBody>
+      </p:sp>
+    </p:spTree>
+  </p:cSld>
+  <p:clrMapOvr>
+    <a:masterClrMapping/>
+  </p:clrMapOvr>
+</p:sld>
+</file>
+
+<file path=ppt/slides/slide79.xml><?xml version="1.0" encoding="utf-8"?>
+<p:sld xmlns:a="http://schemas.openxmlformats.org/drawingml/2006/main" xmlns:r="http://schemas.openxmlformats.org/officeDocument/2006/relationships" xmlns:mc="http://schemas.openxmlformats.org/markup-compatibility/2006" xmlns:mv="urn:schemas-microsoft-com:mac:vml" xmlns:p="http://schemas.openxmlformats.org/presentationml/2006/main" xmlns:c="http://schemas.openxmlformats.org/drawingml/2006/chart" xmlns:dgm="http://schemas.openxmlformats.org/drawingml/2006/diagram" xmlns:o="urn:schemas-microsoft-com:office:office" xmlns:v="urn:schemas-microsoft-com:vml" xmlns:pvml="urn:schemas-microsoft-com:office:powerpoint" xmlns:com="http://schemas.openxmlformats.org/drawingml/2006/compatibility" xmlns:p14="http://schemas.microsoft.com/office/powerpoint/2010/main" xmlns:p15="http://schemas.microsoft.com/office/powerpoint/2012/main" xmlns:ahyp="http://schemas.microsoft.com/office/drawing/2018/hyperlinkcolor">
+  <p:cSld>
+    <p:spTree>
+      <p:nvGrpSpPr>
+        <p:cNvPr id="517" name="Shape 517"/>
+        <p:cNvGrpSpPr/>
+        <p:nvPr/>
+      </p:nvGrpSpPr>
+      <p:grpSpPr>
+        <a:xfrm>
+          <a:off x="0" y="0"/>
+          <a:ext cx="0" cy="0"/>
+          <a:chOff x="0" y="0"/>
+          <a:chExt cx="0" cy="0"/>
+        </a:xfrm>
+      </p:grpSpPr>
+      <p:sp>
+        <p:nvSpPr>
+          <p:cNvPr id="518" name="Google Shape;518;p91"/>
+          <p:cNvSpPr txBox="1"/>
+          <p:nvPr>
+            <p:ph idx="1" type="body"/>
+          </p:nvPr>
+        </p:nvSpPr>
+        <p:spPr>
+          <a:xfrm>
+            <a:off x="311700" y="209950"/>
+            <a:ext cx="8520600" cy="4583700"/>
+          </a:xfrm>
+          <a:prstGeom prst="rect">
+            <a:avLst/>
+          </a:prstGeom>
+        </p:spPr>
+        <p:txBody>
+          <a:bodyPr anchorCtr="0" anchor="t" bIns="91425" lIns="91425" spcFirstLastPara="1" rIns="91425" wrap="square" tIns="91425">
+            <a:normAutofit/>
+          </a:bodyPr>
+          <a:lstStyle/>
+          <a:p>
+            <a:pPr indent="0" lvl="0" marL="0" rtl="0" algn="l">
+              <a:spcBef>
+                <a:spcPts val="0"/>
+              </a:spcBef>
+              <a:spcAft>
+                <a:spcPts val="0"/>
+              </a:spcAft>
+              <a:buNone/>
+            </a:pPr>
+            <a:r>
+              <a:rPr lang="en" sz="2400"/>
+              <a:t>In the three-point estimation technique:</a:t>
+            </a:r>
+            <a:endParaRPr sz="2400"/>
+          </a:p>
+          <a:p>
+            <a:pPr indent="0" lvl="0" marL="0" rtl="0" algn="l">
+              <a:spcBef>
+                <a:spcPts val="1200"/>
+              </a:spcBef>
+              <a:spcAft>
+                <a:spcPts val="0"/>
+              </a:spcAft>
+              <a:buNone/>
+            </a:pPr>
+            <a:r>
+              <a:rPr lang="en" sz="2400"/>
+              <a:t>E = (optimistic + 4*most likely + pessimistic)/6</a:t>
+            </a:r>
+            <a:endParaRPr sz="2400"/>
+          </a:p>
+          <a:p>
+            <a:pPr indent="0" lvl="0" marL="0" rtl="0" algn="l">
+              <a:spcBef>
+                <a:spcPts val="1200"/>
+              </a:spcBef>
+              <a:spcAft>
+                <a:spcPts val="0"/>
+              </a:spcAft>
+              <a:buNone/>
+            </a:pPr>
+            <a:r>
+              <a:rPr lang="en" sz="2400"/>
+              <a:t>E = (2+(4*11)+14)/6 = 10</a:t>
+            </a:r>
+            <a:endParaRPr sz="2400"/>
+          </a:p>
+          <a:p>
+            <a:pPr indent="0" lvl="0" marL="0" rtl="0" algn="l">
+              <a:spcBef>
+                <a:spcPts val="1200"/>
+              </a:spcBef>
+              <a:spcAft>
+                <a:spcPts val="0"/>
+              </a:spcAft>
+              <a:buNone/>
+            </a:pPr>
+            <a:r>
+              <a:rPr lang="en" sz="2400"/>
+              <a:t>Thus:</a:t>
+            </a:r>
+            <a:endParaRPr sz="2400"/>
+          </a:p>
+          <a:p>
+            <a:pPr indent="0" lvl="0" marL="0" rtl="0" algn="l">
+              <a:spcBef>
+                <a:spcPts val="1200"/>
+              </a:spcBef>
+              <a:spcAft>
+                <a:spcPts val="0"/>
+              </a:spcAft>
+              <a:buNone/>
+            </a:pPr>
+            <a:r>
+              <a:rPr lang="en" sz="2400"/>
+              <a:t>a) Is not correct</a:t>
+            </a:r>
+            <a:endParaRPr sz="2400"/>
+          </a:p>
+          <a:p>
+            <a:pPr indent="0" lvl="0" marL="0" rtl="0" algn="l">
+              <a:spcBef>
+                <a:spcPts val="1200"/>
+              </a:spcBef>
+              <a:spcAft>
+                <a:spcPts val="0"/>
+              </a:spcAft>
+              <a:buNone/>
+            </a:pPr>
+            <a:r>
+              <a:rPr lang="en" sz="2400"/>
+              <a:t>b) Is not correct</a:t>
+            </a:r>
+            <a:endParaRPr sz="2400"/>
+          </a:p>
+          <a:p>
+            <a:pPr indent="0" lvl="0" marL="0" rtl="0" algn="l">
+              <a:spcBef>
+                <a:spcPts val="1200"/>
+              </a:spcBef>
+              <a:spcAft>
+                <a:spcPts val="0"/>
+              </a:spcAft>
+              <a:buNone/>
+            </a:pPr>
+            <a:r>
+              <a:rPr lang="en" sz="2400"/>
+              <a:t>c) Is not correct</a:t>
+            </a:r>
+            <a:endParaRPr sz="2400"/>
+          </a:p>
+          <a:p>
+            <a:pPr indent="0" lvl="0" marL="0" rtl="0" algn="l">
+              <a:spcBef>
+                <a:spcPts val="1200"/>
+              </a:spcBef>
+              <a:spcAft>
+                <a:spcPts val="1200"/>
+              </a:spcAft>
+              <a:buNone/>
+            </a:pPr>
+            <a:r>
+              <a:rPr lang="en" sz="2400">
+                <a:highlight>
+                  <a:schemeClr val="accent6"/>
+                </a:highlight>
+              </a:rPr>
+              <a:t>d) Is correct</a:t>
+            </a:r>
+            <a:endParaRPr sz="2400">
+              <a:highlight>
+                <a:schemeClr val="accent6"/>
+              </a:highlight>
+            </a:endParaRPr>
+          </a:p>
+        </p:txBody>
+      </p:sp>
+    </p:spTree>
+  </p:cSld>
+  <p:clrMapOvr>
+    <a:masterClrMapping/>
+  </p:clrMapOvr>
+</p:sld>
+</file>
+
 <file path=ppt/slides/slide8.xml><?xml version="1.0" encoding="utf-8"?>
 <p:sld xmlns:a="http://schemas.openxmlformats.org/drawingml/2006/main" xmlns:r="http://schemas.openxmlformats.org/officeDocument/2006/relationships" xmlns:mc="http://schemas.openxmlformats.org/markup-compatibility/2006" xmlns:mv="urn:schemas-microsoft-com:mac:vml" xmlns:p="http://schemas.openxmlformats.org/presentationml/2006/main" xmlns:c="http://schemas.openxmlformats.org/drawingml/2006/chart" xmlns:dgm="http://schemas.openxmlformats.org/drawingml/2006/diagram" xmlns:o="urn:schemas-microsoft-com:office:office" xmlns:v="urn:schemas-microsoft-com:vml" xmlns:pvml="urn:schemas-microsoft-com:office:powerpoint" xmlns:com="http://schemas.openxmlformats.org/drawingml/2006/compatibility" xmlns:p14="http://schemas.microsoft.com/office/powerpoint/2010/main" xmlns:p15="http://schemas.microsoft.com/office/powerpoint/2012/main" xmlns:ahyp="http://schemas.microsoft.com/office/drawing/2018/hyperlinkcolor">
   <p:cSld>
@@ -29195,6 +30733,392 @@
               <a:cs typeface="Arial"/>
               <a:sym typeface="Arial"/>
             </a:endParaRPr>
+          </a:p>
+        </p:txBody>
+      </p:sp>
+    </p:spTree>
+  </p:cSld>
+  <p:clrMapOvr>
+    <a:masterClrMapping/>
+  </p:clrMapOvr>
+</p:sld>
+</file>
+
+<file path=ppt/slides/slide80.xml><?xml version="1.0" encoding="utf-8"?>
+<p:sld xmlns:a="http://schemas.openxmlformats.org/drawingml/2006/main" xmlns:r="http://schemas.openxmlformats.org/officeDocument/2006/relationships" xmlns:mc="http://schemas.openxmlformats.org/markup-compatibility/2006" xmlns:mv="urn:schemas-microsoft-com:mac:vml" xmlns:p="http://schemas.openxmlformats.org/presentationml/2006/main" xmlns:c="http://schemas.openxmlformats.org/drawingml/2006/chart" xmlns:dgm="http://schemas.openxmlformats.org/drawingml/2006/diagram" xmlns:o="urn:schemas-microsoft-com:office:office" xmlns:v="urn:schemas-microsoft-com:vml" xmlns:pvml="urn:schemas-microsoft-com:office:powerpoint" xmlns:com="http://schemas.openxmlformats.org/drawingml/2006/compatibility" xmlns:p14="http://schemas.microsoft.com/office/powerpoint/2010/main" xmlns:p15="http://schemas.microsoft.com/office/powerpoint/2012/main" xmlns:ahyp="http://schemas.microsoft.com/office/drawing/2018/hyperlinkcolor">
+  <p:cSld>
+    <p:spTree>
+      <p:nvGrpSpPr>
+        <p:cNvPr id="522" name="Shape 522"/>
+        <p:cNvGrpSpPr/>
+        <p:nvPr/>
+      </p:nvGrpSpPr>
+      <p:grpSpPr>
+        <a:xfrm>
+          <a:off x="0" y="0"/>
+          <a:ext cx="0" cy="0"/>
+          <a:chOff x="0" y="0"/>
+          <a:chExt cx="0" cy="0"/>
+        </a:xfrm>
+      </p:grpSpPr>
+      <p:sp>
+        <p:nvSpPr>
+          <p:cNvPr id="523" name="Google Shape;523;p92"/>
+          <p:cNvSpPr txBox="1"/>
+          <p:nvPr>
+            <p:ph idx="1" type="body"/>
+          </p:nvPr>
+        </p:nvSpPr>
+        <p:spPr>
+          <a:xfrm>
+            <a:off x="311700" y="314900"/>
+            <a:ext cx="8520600" cy="4548600"/>
+          </a:xfrm>
+          <a:prstGeom prst="rect">
+            <a:avLst/>
+          </a:prstGeom>
+        </p:spPr>
+        <p:txBody>
+          <a:bodyPr anchorCtr="0" anchor="t" bIns="91425" lIns="91425" spcFirstLastPara="1" rIns="91425" wrap="square" tIns="91425">
+            <a:noAutofit/>
+          </a:bodyPr>
+          <a:lstStyle/>
+          <a:p>
+            <a:pPr indent="0" lvl="0" marL="0" rtl="0" algn="l">
+              <a:lnSpc>
+                <a:spcPct val="95000"/>
+              </a:lnSpc>
+              <a:spcBef>
+                <a:spcPts val="0"/>
+              </a:spcBef>
+              <a:spcAft>
+                <a:spcPts val="0"/>
+              </a:spcAft>
+              <a:buNone/>
+            </a:pPr>
+            <a:r>
+              <a:rPr b="1" lang="en" sz="2600">
+                <a:solidFill>
+                  <a:schemeClr val="accent1"/>
+                </a:solidFill>
+              </a:rPr>
+              <a:t>33. </a:t>
+            </a:r>
+            <a:r>
+              <a:rPr b="1" lang="en" sz="2600">
+                <a:solidFill>
+                  <a:schemeClr val="accent1"/>
+                </a:solidFill>
+              </a:rPr>
+              <a:t>You are testing a mobile application that allows users to find a nearby </a:t>
+            </a:r>
+            <a:r>
+              <a:rPr lang="en" sz="2600"/>
+              <a:t>restaurant based on the type of food they want to eat. Consider the following list of test cases, priorities (i.e., a smaller number means a higher priority), and dependencies: Which of the following test cases should be executed as the third one? </a:t>
+            </a:r>
+            <a:r>
+              <a:rPr lang="en" sz="2600"/>
+              <a:t>Select ONE option.</a:t>
+            </a:r>
+            <a:endParaRPr sz="2600"/>
+          </a:p>
+          <a:p>
+            <a:pPr indent="0" lvl="0" marL="0" rtl="0" algn="l">
+              <a:lnSpc>
+                <a:spcPct val="95000"/>
+              </a:lnSpc>
+              <a:spcBef>
+                <a:spcPts val="1200"/>
+              </a:spcBef>
+              <a:spcAft>
+                <a:spcPts val="0"/>
+              </a:spcAft>
+              <a:buNone/>
+            </a:pPr>
+            <a:r>
+              <a:rPr lang="en" sz="2000"/>
+              <a:t>a) TC 003</a:t>
+            </a:r>
+            <a:endParaRPr sz="2000"/>
+          </a:p>
+          <a:p>
+            <a:pPr indent="0" lvl="0" marL="0" rtl="0" algn="l">
+              <a:lnSpc>
+                <a:spcPct val="95000"/>
+              </a:lnSpc>
+              <a:spcBef>
+                <a:spcPts val="1200"/>
+              </a:spcBef>
+              <a:spcAft>
+                <a:spcPts val="0"/>
+              </a:spcAft>
+              <a:buNone/>
+            </a:pPr>
+            <a:r>
+              <a:rPr lang="en" sz="2000"/>
+              <a:t>b) TC 005</a:t>
+            </a:r>
+            <a:endParaRPr sz="2000"/>
+          </a:p>
+          <a:p>
+            <a:pPr indent="0" lvl="0" marL="0" rtl="0" algn="l">
+              <a:lnSpc>
+                <a:spcPct val="95000"/>
+              </a:lnSpc>
+              <a:spcBef>
+                <a:spcPts val="1200"/>
+              </a:spcBef>
+              <a:spcAft>
+                <a:spcPts val="0"/>
+              </a:spcAft>
+              <a:buNone/>
+            </a:pPr>
+            <a:r>
+              <a:rPr lang="en" sz="2000"/>
+              <a:t>c) TC 002</a:t>
+            </a:r>
+            <a:endParaRPr sz="2000"/>
+          </a:p>
+          <a:p>
+            <a:pPr indent="0" lvl="0" marL="0" rtl="0" algn="l">
+              <a:lnSpc>
+                <a:spcPct val="95000"/>
+              </a:lnSpc>
+              <a:spcBef>
+                <a:spcPts val="1200"/>
+              </a:spcBef>
+              <a:spcAft>
+                <a:spcPts val="1200"/>
+              </a:spcAft>
+              <a:buNone/>
+            </a:pPr>
+            <a:r>
+              <a:rPr lang="en" sz="2000"/>
+              <a:t>d) TC 001</a:t>
+            </a:r>
+            <a:endParaRPr sz="2000"/>
+          </a:p>
+        </p:txBody>
+      </p:sp>
+      <p:pic>
+        <p:nvPicPr>
+          <p:cNvPr id="524" name="Google Shape;524;p92"/>
+          <p:cNvPicPr preferRelativeResize="0"/>
+          <p:nvPr/>
+        </p:nvPicPr>
+        <p:blipFill>
+          <a:blip r:embed="rId3">
+            <a:alphaModFix/>
+          </a:blip>
+          <a:stretch>
+            <a:fillRect/>
+          </a:stretch>
+        </p:blipFill>
+        <p:spPr>
+          <a:xfrm>
+            <a:off x="3162574" y="3333549"/>
+            <a:ext cx="5823976" cy="1529950"/>
+          </a:xfrm>
+          <a:prstGeom prst="rect">
+            <a:avLst/>
+          </a:prstGeom>
+          <a:noFill/>
+          <a:ln>
+            <a:noFill/>
+          </a:ln>
+        </p:spPr>
+      </p:pic>
+    </p:spTree>
+  </p:cSld>
+  <p:clrMapOvr>
+    <a:masterClrMapping/>
+  </p:clrMapOvr>
+</p:sld>
+</file>
+
+<file path=ppt/slides/slide81.xml><?xml version="1.0" encoding="utf-8"?>
+<p:sld xmlns:a="http://schemas.openxmlformats.org/drawingml/2006/main" xmlns:r="http://schemas.openxmlformats.org/officeDocument/2006/relationships" xmlns:mc="http://schemas.openxmlformats.org/markup-compatibility/2006" xmlns:mv="urn:schemas-microsoft-com:mac:vml" xmlns:p="http://schemas.openxmlformats.org/presentationml/2006/main" xmlns:c="http://schemas.openxmlformats.org/drawingml/2006/chart" xmlns:dgm="http://schemas.openxmlformats.org/drawingml/2006/diagram" xmlns:o="urn:schemas-microsoft-com:office:office" xmlns:v="urn:schemas-microsoft-com:vml" xmlns:pvml="urn:schemas-microsoft-com:office:powerpoint" xmlns:com="http://schemas.openxmlformats.org/drawingml/2006/compatibility" xmlns:p14="http://schemas.microsoft.com/office/powerpoint/2010/main" xmlns:p15="http://schemas.microsoft.com/office/powerpoint/2012/main" xmlns:ahyp="http://schemas.microsoft.com/office/drawing/2018/hyperlinkcolor">
+  <p:cSld>
+    <p:spTree>
+      <p:nvGrpSpPr>
+        <p:cNvPr id="528" name="Shape 528"/>
+        <p:cNvGrpSpPr/>
+        <p:nvPr/>
+      </p:nvGrpSpPr>
+      <p:grpSpPr>
+        <a:xfrm>
+          <a:off x="0" y="0"/>
+          <a:ext cx="0" cy="0"/>
+          <a:chOff x="0" y="0"/>
+          <a:chExt cx="0" cy="0"/>
+        </a:xfrm>
+      </p:grpSpPr>
+      <p:sp>
+        <p:nvSpPr>
+          <p:cNvPr id="529" name="Google Shape;529;p93"/>
+          <p:cNvSpPr txBox="1"/>
+          <p:nvPr>
+            <p:ph type="title"/>
+          </p:nvPr>
+        </p:nvSpPr>
+        <p:spPr>
+          <a:xfrm>
+            <a:off x="311700" y="445025"/>
+            <a:ext cx="8520600" cy="707400"/>
+          </a:xfrm>
+          <a:prstGeom prst="rect">
+            <a:avLst/>
+          </a:prstGeom>
+        </p:spPr>
+        <p:txBody>
+          <a:bodyPr anchorCtr="0" anchor="t" bIns="91425" lIns="91425" spcFirstLastPara="1" rIns="91425" wrap="square" tIns="91425">
+            <a:normAutofit fontScale="90000"/>
+          </a:bodyPr>
+          <a:lstStyle/>
+          <a:p>
+            <a:pPr indent="-434340" lvl="0" marL="457200" rtl="0" algn="l">
+              <a:spcBef>
+                <a:spcPts val="0"/>
+              </a:spcBef>
+              <a:spcAft>
+                <a:spcPts val="0"/>
+              </a:spcAft>
+              <a:buSzPct val="100000"/>
+              <a:buAutoNum type="alphaLcParenR"/>
+            </a:pPr>
+            <a:r>
+              <a:rPr lang="en"/>
+              <a:t>Is correct</a:t>
+            </a:r>
+            <a:endParaRPr/>
+          </a:p>
+        </p:txBody>
+      </p:sp>
+      <p:sp>
+        <p:nvSpPr>
+          <p:cNvPr id="530" name="Google Shape;530;p93"/>
+          <p:cNvSpPr txBox="1"/>
+          <p:nvPr>
+            <p:ph idx="1" type="body"/>
+          </p:nvPr>
+        </p:nvSpPr>
+        <p:spPr>
+          <a:xfrm>
+            <a:off x="311700" y="1266325"/>
+            <a:ext cx="8520600" cy="3302700"/>
+          </a:xfrm>
+          <a:prstGeom prst="rect">
+            <a:avLst/>
+          </a:prstGeom>
+        </p:spPr>
+        <p:txBody>
+          <a:bodyPr anchorCtr="0" anchor="t" bIns="91425" lIns="91425" spcFirstLastPara="1" rIns="91425" wrap="square" tIns="91425">
+            <a:normAutofit/>
+          </a:bodyPr>
+          <a:lstStyle/>
+          <a:p>
+            <a:pPr indent="0" lvl="0" marL="0" rtl="0" algn="l">
+              <a:spcBef>
+                <a:spcPts val="0"/>
+              </a:spcBef>
+              <a:spcAft>
+                <a:spcPts val="0"/>
+              </a:spcAft>
+              <a:buNone/>
+            </a:pPr>
+            <a:r>
+              <a:rPr lang="en"/>
+              <a:t>Test TC 001 must come first, followed by TC 002, to satisfy dependencies. Afterwards, TC 003 to satisfy priority and then TC 004, followed by TC 005.</a:t>
+            </a:r>
+            <a:endParaRPr/>
+          </a:p>
+          <a:p>
+            <a:pPr indent="0" lvl="0" marL="0" rtl="0" algn="l">
+              <a:spcBef>
+                <a:spcPts val="1200"/>
+              </a:spcBef>
+              <a:spcAft>
+                <a:spcPts val="0"/>
+              </a:spcAft>
+              <a:buNone/>
+            </a:pPr>
+            <a:r>
+              <a:rPr lang="en"/>
+              <a:t>Thus:</a:t>
+            </a:r>
+            <a:endParaRPr/>
+          </a:p>
+          <a:p>
+            <a:pPr indent="0" lvl="0" marL="0" rtl="0" algn="l">
+              <a:spcBef>
+                <a:spcPts val="1200"/>
+              </a:spcBef>
+              <a:spcAft>
+                <a:spcPts val="0"/>
+              </a:spcAft>
+              <a:buNone/>
+            </a:pPr>
+            <a:r>
+              <a:rPr lang="en">
+                <a:highlight>
+                  <a:schemeClr val="accent6"/>
+                </a:highlight>
+              </a:rPr>
+              <a:t>a) Is correct</a:t>
+            </a:r>
+            <a:endParaRPr>
+              <a:highlight>
+                <a:schemeClr val="accent6"/>
+              </a:highlight>
+            </a:endParaRPr>
+          </a:p>
+          <a:p>
+            <a:pPr indent="0" lvl="0" marL="0" rtl="0" algn="l">
+              <a:spcBef>
+                <a:spcPts val="1200"/>
+              </a:spcBef>
+              <a:spcAft>
+                <a:spcPts val="0"/>
+              </a:spcAft>
+              <a:buNone/>
+            </a:pPr>
+            <a:r>
+              <a:rPr lang="en"/>
+              <a:t>b) Is not correct</a:t>
+            </a:r>
+            <a:endParaRPr/>
+          </a:p>
+          <a:p>
+            <a:pPr indent="0" lvl="0" marL="0" rtl="0" algn="l">
+              <a:spcBef>
+                <a:spcPts val="1200"/>
+              </a:spcBef>
+              <a:spcAft>
+                <a:spcPts val="0"/>
+              </a:spcAft>
+              <a:buNone/>
+            </a:pPr>
+            <a:r>
+              <a:rPr lang="en"/>
+              <a:t>c) Is not correct</a:t>
+            </a:r>
+            <a:endParaRPr/>
+          </a:p>
+          <a:p>
+            <a:pPr indent="0" lvl="0" marL="0" rtl="0" algn="l">
+              <a:spcBef>
+                <a:spcPts val="1200"/>
+              </a:spcBef>
+              <a:spcAft>
+                <a:spcPts val="1200"/>
+              </a:spcAft>
+              <a:buNone/>
+            </a:pPr>
+            <a:r>
+              <a:rPr lang="en"/>
+              <a:t>d) Is not correct</a:t>
+            </a:r>
+            <a:endParaRPr/>
           </a:p>
         </p:txBody>
       </p:sp>
@@ -29391,6 +31315,285 @@
 </file>
 
 <file path=ppt/theme/theme1.xml><?xml version="1.0" encoding="utf-8"?>
+<a:theme xmlns:a="http://schemas.openxmlformats.org/drawingml/2006/main" xmlns:r="http://schemas.openxmlformats.org/officeDocument/2006/relationships" name="Tropic">
+  <a:themeElements>
+    <a:clrScheme name="Tropic">
+      <a:dk1>
+        <a:srgbClr val="A1E8D9"/>
+      </a:dk1>
+      <a:lt1>
+        <a:srgbClr val="FFFFFF"/>
+      </a:lt1>
+      <a:dk2>
+        <a:srgbClr val="695D46"/>
+      </a:dk2>
+      <a:lt2>
+        <a:srgbClr val="B3A77D"/>
+      </a:lt2>
+      <a:accent1>
+        <a:srgbClr val="EF6C00"/>
+      </a:accent1>
+      <a:accent2>
+        <a:srgbClr val="CE93D8"/>
+      </a:accent2>
+      <a:accent3>
+        <a:srgbClr val="4DB6AC"/>
+      </a:accent3>
+      <a:accent4>
+        <a:srgbClr val="FF9800"/>
+      </a:accent4>
+      <a:accent5>
+        <a:srgbClr val="009668"/>
+      </a:accent5>
+      <a:accent6>
+        <a:srgbClr val="EEFF41"/>
+      </a:accent6>
+      <a:hlink>
+        <a:srgbClr val="009668"/>
+      </a:hlink>
+      <a:folHlink>
+        <a:srgbClr val="009668"/>
+      </a:folHlink>
+    </a:clrScheme>
+    <a:fontScheme name="Office">
+      <a:majorFont>
+        <a:latin typeface="Arial"/>
+        <a:ea typeface=""/>
+        <a:cs typeface=""/>
+        <a:font script="Jpan" typeface="ＭＳ Ｐゴシック"/>
+        <a:font script="Hang" typeface="맑은 고딕"/>
+        <a:font script="Hans" typeface="宋体"/>
+        <a:font script="Hant" typeface="新細明體"/>
+        <a:font script="Arab" typeface="Times New Roman"/>
+        <a:font script="Hebr" typeface="Times New Roman"/>
+        <a:font script="Thai" typeface="Angsana New"/>
+        <a:font script="Ethi" typeface="Nyala"/>
+        <a:font script="Beng" typeface="Vrinda"/>
+        <a:font script="Gujr" typeface="Shruti"/>
+        <a:font script="Khmr" typeface="MoolBoran"/>
+        <a:font script="Knda" typeface="Tunga"/>
+        <a:font script="Guru" typeface="Raavi"/>
+        <a:font script="Cans" typeface="Euphemia"/>
+        <a:font script="Cher" typeface="Plantagenet Cherokee"/>
+        <a:font script="Yiii" typeface="Microsoft Yi Baiti"/>
+        <a:font script="Tibt" typeface="Microsoft Himalaya"/>
+        <a:font script="Thaa" typeface="MV Boli"/>
+        <a:font script="Deva" typeface="Mangal"/>
+        <a:font script="Telu" typeface="Gautami"/>
+        <a:font script="Taml" typeface="Latha"/>
+        <a:font script="Syrc" typeface="Estrangelo Edessa"/>
+        <a:font script="Orya" typeface="Kalinga"/>
+        <a:font script="Mlym" typeface="Kartika"/>
+        <a:font script="Laoo" typeface="DokChampa"/>
+        <a:font script="Sinh" typeface="Iskoola Pota"/>
+        <a:font script="Mong" typeface="Mongolian Baiti"/>
+        <a:font script="Viet" typeface="Times New Roman"/>
+        <a:font script="Uigh" typeface="Microsoft Uighur"/>
+        <a:font script="Geor" typeface="Sylfaen"/>
+      </a:majorFont>
+      <a:minorFont>
+        <a:latin typeface="Arial"/>
+        <a:ea typeface=""/>
+        <a:cs typeface=""/>
+        <a:font script="Jpan" typeface="ＭＳ Ｐゴシック"/>
+        <a:font script="Hang" typeface="맑은 고딕"/>
+        <a:font script="Hans" typeface="宋体"/>
+        <a:font script="Hant" typeface="新細明體"/>
+        <a:font script="Arab" typeface="Arial"/>
+        <a:font script="Hebr" typeface="Arial"/>
+        <a:font script="Thai" typeface="Cordia New"/>
+        <a:font script="Ethi" typeface="Nyala"/>
+        <a:font script="Beng" typeface="Vrinda"/>
+        <a:font script="Gujr" typeface="Shruti"/>
+        <a:font script="Khmr" typeface="DaunPenh"/>
+        <a:font script="Knda" typeface="Tunga"/>
+        <a:font script="Guru" typeface="Raavi"/>
+        <a:font script="Cans" typeface="Euphemia"/>
+        <a:font script="Cher" typeface="Plantagenet Cherokee"/>
+        <a:font script="Yiii" typeface="Microsoft Yi Baiti"/>
+        <a:font script="Tibt" typeface="Microsoft Himalaya"/>
+        <a:font script="Thaa" typeface="MV Boli"/>
+        <a:font script="Deva" typeface="Mangal"/>
+        <a:font script="Telu" typeface="Gautami"/>
+        <a:font script="Taml" typeface="Latha"/>
+        <a:font script="Syrc" typeface="Estrangelo Edessa"/>
+        <a:font script="Orya" typeface="Kalinga"/>
+        <a:font script="Mlym" typeface="Kartika"/>
+        <a:font script="Laoo" typeface="DokChampa"/>
+        <a:font script="Sinh" typeface="Iskoola Pota"/>
+        <a:font script="Mong" typeface="Mongolian Baiti"/>
+        <a:font script="Viet" typeface="Arial"/>
+        <a:font script="Uigh" typeface="Microsoft Uighur"/>
+        <a:font script="Geor" typeface="Sylfaen"/>
+      </a:minorFont>
+    </a:fontScheme>
+    <a:fmtScheme name="Office">
+      <a:fillStyleLst>
+        <a:solidFill>
+          <a:schemeClr val="phClr"/>
+        </a:solidFill>
+        <a:gradFill rotWithShape="1">
+          <a:gsLst>
+            <a:gs pos="0">
+              <a:schemeClr val="phClr">
+                <a:tint val="50000"/>
+                <a:satMod val="300000"/>
+              </a:schemeClr>
+            </a:gs>
+            <a:gs pos="35000">
+              <a:schemeClr val="phClr">
+                <a:tint val="37000"/>
+                <a:satMod val="300000"/>
+              </a:schemeClr>
+            </a:gs>
+            <a:gs pos="100000">
+              <a:schemeClr val="phClr">
+                <a:tint val="15000"/>
+                <a:satMod val="350000"/>
+              </a:schemeClr>
+            </a:gs>
+          </a:gsLst>
+          <a:lin ang="16200000" scaled="1"/>
+        </a:gradFill>
+        <a:gradFill rotWithShape="1">
+          <a:gsLst>
+            <a:gs pos="0">
+              <a:schemeClr val="phClr">
+                <a:tint val="100000"/>
+                <a:shade val="100000"/>
+                <a:satMod val="130000"/>
+              </a:schemeClr>
+            </a:gs>
+            <a:gs pos="100000">
+              <a:schemeClr val="phClr">
+                <a:tint val="50000"/>
+                <a:shade val="100000"/>
+                <a:satMod val="350000"/>
+              </a:schemeClr>
+            </a:gs>
+          </a:gsLst>
+          <a:lin ang="16200000" scaled="0"/>
+        </a:gradFill>
+      </a:fillStyleLst>
+      <a:lnStyleLst>
+        <a:ln w="9525" cap="flat" cmpd="sng" algn="ctr">
+          <a:solidFill>
+            <a:schemeClr val="phClr">
+              <a:shade val="95000"/>
+              <a:satMod val="105000"/>
+            </a:schemeClr>
+          </a:solidFill>
+          <a:prstDash val="solid"/>
+        </a:ln>
+        <a:ln w="25400" cap="flat" cmpd="sng" algn="ctr">
+          <a:solidFill>
+            <a:schemeClr val="phClr"/>
+          </a:solidFill>
+          <a:prstDash val="solid"/>
+        </a:ln>
+        <a:ln w="38100" cap="flat" cmpd="sng" algn="ctr">
+          <a:solidFill>
+            <a:schemeClr val="phClr"/>
+          </a:solidFill>
+          <a:prstDash val="solid"/>
+        </a:ln>
+      </a:lnStyleLst>
+      <a:effectStyleLst>
+        <a:effectStyle>
+          <a:effectLst>
+            <a:outerShdw blurRad="40000" dist="20000" dir="5400000" rotWithShape="0">
+              <a:srgbClr val="000000">
+                <a:alpha val="38000"/>
+              </a:srgbClr>
+            </a:outerShdw>
+          </a:effectLst>
+        </a:effectStyle>
+        <a:effectStyle>
+          <a:effectLst>
+            <a:outerShdw blurRad="40000" dist="23000" dir="5400000" rotWithShape="0">
+              <a:srgbClr val="000000">
+                <a:alpha val="35000"/>
+              </a:srgbClr>
+            </a:outerShdw>
+          </a:effectLst>
+        </a:effectStyle>
+        <a:effectStyle>
+          <a:effectLst>
+            <a:outerShdw blurRad="40000" dist="23000" dir="5400000" rotWithShape="0">
+              <a:srgbClr val="000000">
+                <a:alpha val="35000"/>
+              </a:srgbClr>
+            </a:outerShdw>
+          </a:effectLst>
+          <a:scene3d>
+            <a:camera prst="orthographicFront">
+              <a:rot lat="0" lon="0" rev="0"/>
+            </a:camera>
+            <a:lightRig rig="threePt" dir="t">
+              <a:rot lat="0" lon="0" rev="1200000"/>
+            </a:lightRig>
+          </a:scene3d>
+          <a:sp3d>
+            <a:bevelT w="63500" h="25400"/>
+          </a:sp3d>
+        </a:effectStyle>
+      </a:effectStyleLst>
+      <a:bgFillStyleLst>
+        <a:solidFill>
+          <a:schemeClr val="phClr"/>
+        </a:solidFill>
+        <a:gradFill rotWithShape="1">
+          <a:gsLst>
+            <a:gs pos="0">
+              <a:schemeClr val="phClr">
+                <a:tint val="40000"/>
+                <a:satMod val="350000"/>
+              </a:schemeClr>
+            </a:gs>
+            <a:gs pos="40000">
+              <a:schemeClr val="phClr">
+                <a:tint val="45000"/>
+                <a:shade val="99000"/>
+                <a:satMod val="350000"/>
+              </a:schemeClr>
+            </a:gs>
+            <a:gs pos="100000">
+              <a:schemeClr val="phClr">
+                <a:shade val="20000"/>
+                <a:satMod val="255000"/>
+              </a:schemeClr>
+            </a:gs>
+          </a:gsLst>
+          <a:path path="circle">
+            <a:fillToRect l="50000" t="-80000" r="50000" b="180000"/>
+          </a:path>
+        </a:gradFill>
+        <a:gradFill rotWithShape="1">
+          <a:gsLst>
+            <a:gs pos="0">
+              <a:schemeClr val="phClr">
+                <a:tint val="80000"/>
+                <a:satMod val="300000"/>
+              </a:schemeClr>
+            </a:gs>
+            <a:gs pos="100000">
+              <a:schemeClr val="phClr">
+                <a:shade val="30000"/>
+                <a:satMod val="200000"/>
+              </a:schemeClr>
+            </a:gs>
+          </a:gsLst>
+          <a:path path="circle">
+            <a:fillToRect l="50000" t="50000" r="50000" b="50000"/>
+          </a:path>
+        </a:gradFill>
+      </a:bgFillStyleLst>
+    </a:fmtScheme>
+  </a:themeElements>
+</a:theme>
+</file>
+
+<file path=ppt/theme/theme2.xml><?xml version="1.0" encoding="utf-8"?>
 <a:theme xmlns:a="http://schemas.openxmlformats.org/drawingml/2006/main" xmlns:r="http://schemas.openxmlformats.org/officeDocument/2006/relationships">
   <a:themeElements>
     <a:clrScheme name="Default">
@@ -29667,283 +31870,4 @@
     </a:fmtScheme>
   </a:themeElements>
 </a:theme>
-</file>
-
-<file path=ppt/theme/theme2.xml><?xml version="1.0" encoding="utf-8"?>
-<a:theme xmlns:a="http://schemas.openxmlformats.org/drawingml/2006/main" xmlns:r="http://schemas.openxmlformats.org/officeDocument/2006/relationships" name="Tropic">
-  <a:themeElements>
-    <a:clrScheme name="Tropic">
-      <a:dk1>
-        <a:srgbClr val="A1E8D9"/>
-      </a:dk1>
-      <a:lt1>
-        <a:srgbClr val="FFFFFF"/>
-      </a:lt1>
-      <a:dk2>
-        <a:srgbClr val="695D46"/>
-      </a:dk2>
-      <a:lt2>
-        <a:srgbClr val="B3A77D"/>
-      </a:lt2>
-      <a:accent1>
-        <a:srgbClr val="EF6C00"/>
-      </a:accent1>
-      <a:accent2>
-        <a:srgbClr val="CE93D8"/>
-      </a:accent2>
-      <a:accent3>
-        <a:srgbClr val="4DB6AC"/>
-      </a:accent3>
-      <a:accent4>
-        <a:srgbClr val="FF9800"/>
-      </a:accent4>
-      <a:accent5>
-        <a:srgbClr val="009668"/>
-      </a:accent5>
-      <a:accent6>
-        <a:srgbClr val="EEFF41"/>
-      </a:accent6>
-      <a:hlink>
-        <a:srgbClr val="009668"/>
-      </a:hlink>
-      <a:folHlink>
-        <a:srgbClr val="009668"/>
-      </a:folHlink>
-    </a:clrScheme>
-    <a:fontScheme name="Office">
-      <a:majorFont>
-        <a:latin typeface="Arial"/>
-        <a:ea typeface=""/>
-        <a:cs typeface=""/>
-        <a:font script="Jpan" typeface="ＭＳ Ｐゴシック"/>
-        <a:font script="Hang" typeface="맑은 고딕"/>
-        <a:font script="Hans" typeface="宋体"/>
-        <a:font script="Hant" typeface="新細明體"/>
-        <a:font script="Arab" typeface="Times New Roman"/>
-        <a:font script="Hebr" typeface="Times New Roman"/>
-        <a:font script="Thai" typeface="Angsana New"/>
-        <a:font script="Ethi" typeface="Nyala"/>
-        <a:font script="Beng" typeface="Vrinda"/>
-        <a:font script="Gujr" typeface="Shruti"/>
-        <a:font script="Khmr" typeface="MoolBoran"/>
-        <a:font script="Knda" typeface="Tunga"/>
-        <a:font script="Guru" typeface="Raavi"/>
-        <a:font script="Cans" typeface="Euphemia"/>
-        <a:font script="Cher" typeface="Plantagenet Cherokee"/>
-        <a:font script="Yiii" typeface="Microsoft Yi Baiti"/>
-        <a:font script="Tibt" typeface="Microsoft Himalaya"/>
-        <a:font script="Thaa" typeface="MV Boli"/>
-        <a:font script="Deva" typeface="Mangal"/>
-        <a:font script="Telu" typeface="Gautami"/>
-        <a:font script="Taml" typeface="Latha"/>
-        <a:font script="Syrc" typeface="Estrangelo Edessa"/>
-        <a:font script="Orya" typeface="Kalinga"/>
-        <a:font script="Mlym" typeface="Kartika"/>
-        <a:font script="Laoo" typeface="DokChampa"/>
-        <a:font script="Sinh" typeface="Iskoola Pota"/>
-        <a:font script="Mong" typeface="Mongolian Baiti"/>
-        <a:font script="Viet" typeface="Times New Roman"/>
-        <a:font script="Uigh" typeface="Microsoft Uighur"/>
-        <a:font script="Geor" typeface="Sylfaen"/>
-      </a:majorFont>
-      <a:minorFont>
-        <a:latin typeface="Arial"/>
-        <a:ea typeface=""/>
-        <a:cs typeface=""/>
-        <a:font script="Jpan" typeface="ＭＳ Ｐゴシック"/>
-        <a:font script="Hang" typeface="맑은 고딕"/>
-        <a:font script="Hans" typeface="宋体"/>
-        <a:font script="Hant" typeface="新細明體"/>
-        <a:font script="Arab" typeface="Arial"/>
-        <a:font script="Hebr" typeface="Arial"/>
-        <a:font script="Thai" typeface="Cordia New"/>
-        <a:font script="Ethi" typeface="Nyala"/>
-        <a:font script="Beng" typeface="Vrinda"/>
-        <a:font script="Gujr" typeface="Shruti"/>
-        <a:font script="Khmr" typeface="DaunPenh"/>
-        <a:font script="Knda" typeface="Tunga"/>
-        <a:font script="Guru" typeface="Raavi"/>
-        <a:font script="Cans" typeface="Euphemia"/>
-        <a:font script="Cher" typeface="Plantagenet Cherokee"/>
-        <a:font script="Yiii" typeface="Microsoft Yi Baiti"/>
-        <a:font script="Tibt" typeface="Microsoft Himalaya"/>
-        <a:font script="Thaa" typeface="MV Boli"/>
-        <a:font script="Deva" typeface="Mangal"/>
-        <a:font script="Telu" typeface="Gautami"/>
-        <a:font script="Taml" typeface="Latha"/>
-        <a:font script="Syrc" typeface="Estrangelo Edessa"/>
-        <a:font script="Orya" typeface="Kalinga"/>
-        <a:font script="Mlym" typeface="Kartika"/>
-        <a:font script="Laoo" typeface="DokChampa"/>
-        <a:font script="Sinh" typeface="Iskoola Pota"/>
-        <a:font script="Mong" typeface="Mongolian Baiti"/>
-        <a:font script="Viet" typeface="Arial"/>
-        <a:font script="Uigh" typeface="Microsoft Uighur"/>
-        <a:font script="Geor" typeface="Sylfaen"/>
-      </a:minorFont>
-    </a:fontScheme>
-    <a:fmtScheme name="Office">
-      <a:fillStyleLst>
-        <a:solidFill>
-          <a:schemeClr val="phClr"/>
-        </a:solidFill>
-        <a:gradFill rotWithShape="1">
-          <a:gsLst>
-            <a:gs pos="0">
-              <a:schemeClr val="phClr">
-                <a:tint val="50000"/>
-                <a:satMod val="300000"/>
-              </a:schemeClr>
-            </a:gs>
-            <a:gs pos="35000">
-              <a:schemeClr val="phClr">
-                <a:tint val="37000"/>
-                <a:satMod val="300000"/>
-              </a:schemeClr>
-            </a:gs>
-            <a:gs pos="100000">
-              <a:schemeClr val="phClr">
-                <a:tint val="15000"/>
-                <a:satMod val="350000"/>
-              </a:schemeClr>
-            </a:gs>
-          </a:gsLst>
-          <a:lin ang="16200000" scaled="1"/>
-        </a:gradFill>
-        <a:gradFill rotWithShape="1">
-          <a:gsLst>
-            <a:gs pos="0">
-              <a:schemeClr val="phClr">
-                <a:tint val="100000"/>
-                <a:shade val="100000"/>
-                <a:satMod val="130000"/>
-              </a:schemeClr>
-            </a:gs>
-            <a:gs pos="100000">
-              <a:schemeClr val="phClr">
-                <a:tint val="50000"/>
-                <a:shade val="100000"/>
-                <a:satMod val="350000"/>
-              </a:schemeClr>
-            </a:gs>
-          </a:gsLst>
-          <a:lin ang="16200000" scaled="0"/>
-        </a:gradFill>
-      </a:fillStyleLst>
-      <a:lnStyleLst>
-        <a:ln w="9525" cap="flat" cmpd="sng" algn="ctr">
-          <a:solidFill>
-            <a:schemeClr val="phClr">
-              <a:shade val="95000"/>
-              <a:satMod val="105000"/>
-            </a:schemeClr>
-          </a:solidFill>
-          <a:prstDash val="solid"/>
-        </a:ln>
-        <a:ln w="25400" cap="flat" cmpd="sng" algn="ctr">
-          <a:solidFill>
-            <a:schemeClr val="phClr"/>
-          </a:solidFill>
-          <a:prstDash val="solid"/>
-        </a:ln>
-        <a:ln w="38100" cap="flat" cmpd="sng" algn="ctr">
-          <a:solidFill>
-            <a:schemeClr val="phClr"/>
-          </a:solidFill>
-          <a:prstDash val="solid"/>
-        </a:ln>
-      </a:lnStyleLst>
-      <a:effectStyleLst>
-        <a:effectStyle>
-          <a:effectLst>
-            <a:outerShdw blurRad="40000" dist="20000" dir="5400000" rotWithShape="0">
-              <a:srgbClr val="000000">
-                <a:alpha val="38000"/>
-              </a:srgbClr>
-            </a:outerShdw>
-          </a:effectLst>
-        </a:effectStyle>
-        <a:effectStyle>
-          <a:effectLst>
-            <a:outerShdw blurRad="40000" dist="23000" dir="5400000" rotWithShape="0">
-              <a:srgbClr val="000000">
-                <a:alpha val="35000"/>
-              </a:srgbClr>
-            </a:outerShdw>
-          </a:effectLst>
-        </a:effectStyle>
-        <a:effectStyle>
-          <a:effectLst>
-            <a:outerShdw blurRad="40000" dist="23000" dir="5400000" rotWithShape="0">
-              <a:srgbClr val="000000">
-                <a:alpha val="35000"/>
-              </a:srgbClr>
-            </a:outerShdw>
-          </a:effectLst>
-          <a:scene3d>
-            <a:camera prst="orthographicFront">
-              <a:rot lat="0" lon="0" rev="0"/>
-            </a:camera>
-            <a:lightRig rig="threePt" dir="t">
-              <a:rot lat="0" lon="0" rev="1200000"/>
-            </a:lightRig>
-          </a:scene3d>
-          <a:sp3d>
-            <a:bevelT w="63500" h="25400"/>
-          </a:sp3d>
-        </a:effectStyle>
-      </a:effectStyleLst>
-      <a:bgFillStyleLst>
-        <a:solidFill>
-          <a:schemeClr val="phClr"/>
-        </a:solidFill>
-        <a:gradFill rotWithShape="1">
-          <a:gsLst>
-            <a:gs pos="0">
-              <a:schemeClr val="phClr">
-                <a:tint val="40000"/>
-                <a:satMod val="350000"/>
-              </a:schemeClr>
-            </a:gs>
-            <a:gs pos="40000">
-              <a:schemeClr val="phClr">
-                <a:tint val="45000"/>
-                <a:shade val="99000"/>
-                <a:satMod val="350000"/>
-              </a:schemeClr>
-            </a:gs>
-            <a:gs pos="100000">
-              <a:schemeClr val="phClr">
-                <a:shade val="20000"/>
-                <a:satMod val="255000"/>
-              </a:schemeClr>
-            </a:gs>
-          </a:gsLst>
-          <a:path path="circle">
-            <a:fillToRect l="50000" t="-80000" r="50000" b="180000"/>
-          </a:path>
-        </a:gradFill>
-        <a:gradFill rotWithShape="1">
-          <a:gsLst>
-            <a:gs pos="0">
-              <a:schemeClr val="phClr">
-                <a:tint val="80000"/>
-                <a:satMod val="300000"/>
-              </a:schemeClr>
-            </a:gs>
-            <a:gs pos="100000">
-              <a:schemeClr val="phClr">
-                <a:shade val="30000"/>
-                <a:satMod val="200000"/>
-              </a:schemeClr>
-            </a:gs>
-          </a:gsLst>
-          <a:path path="circle">
-            <a:fillToRect l="50000" t="50000" r="50000" b="50000"/>
-          </a:path>
-        </a:gradFill>
-      </a:bgFillStyleLst>
-    </a:fmtScheme>
-  </a:themeElements>
-</a:theme>
 </file>
--- a/ISTQB Foundation Level Preparation.pptx
+++ b/ISTQB Foundation Level Preparation.pptx
@@ -92,21 +92,26 @@
     <p:sldId id="337" r:id="rId88"/>
     <p:sldId id="338" r:id="rId89"/>
     <p:sldId id="339" r:id="rId90"/>
+    <p:sldId id="340" r:id="rId91"/>
+    <p:sldId id="341" r:id="rId92"/>
+    <p:sldId id="342" r:id="rId93"/>
+    <p:sldId id="343" r:id="rId94"/>
+    <p:sldId id="344" r:id="rId95"/>
   </p:sldIdLst>
   <p:sldSz cy="5143500" cx="9144000"/>
   <p:notesSz cx="6858000" cy="9144000"/>
   <p:embeddedFontLst>
     <p:embeddedFont>
       <p:font typeface="PT Sans Narrow"/>
-      <p:regular r:id="rId91"/>
-      <p:bold r:id="rId92"/>
+      <p:regular r:id="rId96"/>
+      <p:bold r:id="rId97"/>
     </p:embeddedFont>
     <p:embeddedFont>
       <p:font typeface="Open Sans"/>
-      <p:regular r:id="rId93"/>
-      <p:bold r:id="rId94"/>
-      <p:italic r:id="rId95"/>
-      <p:boldItalic r:id="rId96"/>
+      <p:regular r:id="rId98"/>
+      <p:bold r:id="rId99"/>
+      <p:italic r:id="rId100"/>
+      <p:boldItalic r:id="rId101"/>
     </p:embeddedFont>
   </p:embeddedFontLst>
   <p:defaultTextStyle>
@@ -354,7 +359,7 @@
       </p15:sldGuideLst>
     </p:ext>
     <p:ext uri="GoogleSlidesCustomDataVersion2">
-      <go:slidesCustomData xmlns:go="http://customooxmlschemas.google.com/" r:id="rId97" roundtripDataSignature="AMtx7mjZ2mnNNoDvCtVQS30uEGx/cN6k/A=="/>
+      <go:slidesCustomData xmlns:go="http://customooxmlschemas.google.com/" r:id="rId102" roundtripDataSignature="AMtx7mgAv2wB+cl/0DAe6bc+8HlZYOvdgQ=="/>
     </p:ext>
   </p:extLst>
 </p:presentation>
@@ -10534,6 +10539,501 @@
       <p:sp>
         <p:nvSpPr>
           <p:cNvPr id="544" name="Google Shape;544;g2f3140a8ad5_0_11:notes"/>
+          <p:cNvSpPr txBox="1"/>
+          <p:nvPr>
+            <p:ph idx="1" type="body"/>
+          </p:nvPr>
+        </p:nvSpPr>
+        <p:spPr>
+          <a:xfrm>
+            <a:off x="685800" y="4343400"/>
+            <a:ext cx="5486400" cy="4114800"/>
+          </a:xfrm>
+          <a:prstGeom prst="rect">
+            <a:avLst/>
+          </a:prstGeom>
+        </p:spPr>
+        <p:txBody>
+          <a:bodyPr anchorCtr="0" anchor="t" bIns="91425" lIns="91425" spcFirstLastPara="1" rIns="91425" wrap="square" tIns="91425">
+            <a:noAutofit/>
+          </a:bodyPr>
+          <a:lstStyle/>
+          <a:p>
+            <a:pPr indent="0" lvl="0" marL="0" rtl="0" algn="l">
+              <a:spcBef>
+                <a:spcPts val="0"/>
+              </a:spcBef>
+              <a:spcAft>
+                <a:spcPts val="0"/>
+              </a:spcAft>
+              <a:buNone/>
+            </a:pPr>
+            <a:r>
+              <a:t/>
+            </a:r>
+            <a:endParaRPr/>
+          </a:p>
+        </p:txBody>
+      </p:sp>
+    </p:spTree>
+  </p:cSld>
+  <p:clrMapOvr>
+    <a:masterClrMapping/>
+  </p:clrMapOvr>
+</p:notes>
+</file>
+
+<file path=ppt/notesSlides/notesSlide85.xml><?xml version="1.0" encoding="utf-8"?>
+<p:notes xmlns:a="http://schemas.openxmlformats.org/drawingml/2006/main" xmlns:r="http://schemas.openxmlformats.org/officeDocument/2006/relationships" xmlns:mc="http://schemas.openxmlformats.org/markup-compatibility/2006" xmlns:mv="urn:schemas-microsoft-com:mac:vml" xmlns:p="http://schemas.openxmlformats.org/presentationml/2006/main" xmlns:c="http://schemas.openxmlformats.org/drawingml/2006/chart" xmlns:dgm="http://schemas.openxmlformats.org/drawingml/2006/diagram" xmlns:o="urn:schemas-microsoft-com:office:office" xmlns:v="urn:schemas-microsoft-com:vml" xmlns:pvml="urn:schemas-microsoft-com:office:powerpoint" xmlns:com="http://schemas.openxmlformats.org/drawingml/2006/compatibility" xmlns:p14="http://schemas.microsoft.com/office/powerpoint/2010/main" xmlns:p15="http://schemas.microsoft.com/office/powerpoint/2012/main" xmlns:ahyp="http://schemas.microsoft.com/office/drawing/2018/hyperlinkcolor" showMasterPhAnim="0" showMasterSp="0">
+  <p:cSld>
+    <p:spTree>
+      <p:nvGrpSpPr>
+        <p:cNvPr id="547" name="Shape 547"/>
+        <p:cNvGrpSpPr/>
+        <p:nvPr/>
+      </p:nvGrpSpPr>
+      <p:grpSpPr>
+        <a:xfrm>
+          <a:off x="0" y="0"/>
+          <a:ext cx="0" cy="0"/>
+          <a:chOff x="0" y="0"/>
+          <a:chExt cx="0" cy="0"/>
+        </a:xfrm>
+      </p:grpSpPr>
+      <p:sp>
+        <p:nvSpPr>
+          <p:cNvPr id="548" name="Google Shape;548;g2f3140a8ad5_0_17:notes"/>
+          <p:cNvSpPr/>
+          <p:nvPr>
+            <p:ph idx="2" type="sldImg"/>
+          </p:nvPr>
+        </p:nvSpPr>
+        <p:spPr>
+          <a:xfrm>
+            <a:off x="381300" y="685800"/>
+            <a:ext cx="6096000" cy="3429000"/>
+          </a:xfrm>
+          <a:custGeom>
+            <a:rect b="b" l="l" r="r" t="t"/>
+            <a:pathLst>
+              <a:path extrusionOk="0" h="120000" w="120000">
+                <a:moveTo>
+                  <a:pt x="0" y="0"/>
+                </a:moveTo>
+                <a:lnTo>
+                  <a:pt x="120000" y="0"/>
+                </a:lnTo>
+                <a:lnTo>
+                  <a:pt x="120000" y="120000"/>
+                </a:lnTo>
+                <a:lnTo>
+                  <a:pt x="0" y="120000"/>
+                </a:lnTo>
+                <a:close/>
+              </a:path>
+            </a:pathLst>
+          </a:custGeom>
+        </p:spPr>
+      </p:sp>
+      <p:sp>
+        <p:nvSpPr>
+          <p:cNvPr id="549" name="Google Shape;549;g2f3140a8ad5_0_17:notes"/>
+          <p:cNvSpPr txBox="1"/>
+          <p:nvPr>
+            <p:ph idx="1" type="body"/>
+          </p:nvPr>
+        </p:nvSpPr>
+        <p:spPr>
+          <a:xfrm>
+            <a:off x="685800" y="4343400"/>
+            <a:ext cx="5486400" cy="4114800"/>
+          </a:xfrm>
+          <a:prstGeom prst="rect">
+            <a:avLst/>
+          </a:prstGeom>
+        </p:spPr>
+        <p:txBody>
+          <a:bodyPr anchorCtr="0" anchor="t" bIns="91425" lIns="91425" spcFirstLastPara="1" rIns="91425" wrap="square" tIns="91425">
+            <a:noAutofit/>
+          </a:bodyPr>
+          <a:lstStyle/>
+          <a:p>
+            <a:pPr indent="0" lvl="0" marL="0" rtl="0" algn="l">
+              <a:spcBef>
+                <a:spcPts val="0"/>
+              </a:spcBef>
+              <a:spcAft>
+                <a:spcPts val="0"/>
+              </a:spcAft>
+              <a:buNone/>
+            </a:pPr>
+            <a:r>
+              <a:t/>
+            </a:r>
+            <a:endParaRPr/>
+          </a:p>
+        </p:txBody>
+      </p:sp>
+    </p:spTree>
+  </p:cSld>
+  <p:clrMapOvr>
+    <a:masterClrMapping/>
+  </p:clrMapOvr>
+</p:notes>
+</file>
+
+<file path=ppt/notesSlides/notesSlide86.xml><?xml version="1.0" encoding="utf-8"?>
+<p:notes xmlns:a="http://schemas.openxmlformats.org/drawingml/2006/main" xmlns:r="http://schemas.openxmlformats.org/officeDocument/2006/relationships" xmlns:mc="http://schemas.openxmlformats.org/markup-compatibility/2006" xmlns:mv="urn:schemas-microsoft-com:mac:vml" xmlns:p="http://schemas.openxmlformats.org/presentationml/2006/main" xmlns:c="http://schemas.openxmlformats.org/drawingml/2006/chart" xmlns:dgm="http://schemas.openxmlformats.org/drawingml/2006/diagram" xmlns:o="urn:schemas-microsoft-com:office:office" xmlns:v="urn:schemas-microsoft-com:vml" xmlns:pvml="urn:schemas-microsoft-com:office:powerpoint" xmlns:com="http://schemas.openxmlformats.org/drawingml/2006/compatibility" xmlns:p14="http://schemas.microsoft.com/office/powerpoint/2010/main" xmlns:p15="http://schemas.microsoft.com/office/powerpoint/2012/main" xmlns:ahyp="http://schemas.microsoft.com/office/drawing/2018/hyperlinkcolor" showMasterPhAnim="0" showMasterSp="0">
+  <p:cSld>
+    <p:spTree>
+      <p:nvGrpSpPr>
+        <p:cNvPr id="552" name="Shape 552"/>
+        <p:cNvGrpSpPr/>
+        <p:nvPr/>
+      </p:nvGrpSpPr>
+      <p:grpSpPr>
+        <a:xfrm>
+          <a:off x="0" y="0"/>
+          <a:ext cx="0" cy="0"/>
+          <a:chOff x="0" y="0"/>
+          <a:chExt cx="0" cy="0"/>
+        </a:xfrm>
+      </p:grpSpPr>
+      <p:sp>
+        <p:nvSpPr>
+          <p:cNvPr id="553" name="Google Shape;553;g2f3140a8ad5_0_29:notes"/>
+          <p:cNvSpPr/>
+          <p:nvPr>
+            <p:ph idx="2" type="sldImg"/>
+          </p:nvPr>
+        </p:nvSpPr>
+        <p:spPr>
+          <a:xfrm>
+            <a:off x="381300" y="685800"/>
+            <a:ext cx="6096000" cy="3429000"/>
+          </a:xfrm>
+          <a:custGeom>
+            <a:rect b="b" l="l" r="r" t="t"/>
+            <a:pathLst>
+              <a:path extrusionOk="0" h="120000" w="120000">
+                <a:moveTo>
+                  <a:pt x="0" y="0"/>
+                </a:moveTo>
+                <a:lnTo>
+                  <a:pt x="120000" y="0"/>
+                </a:lnTo>
+                <a:lnTo>
+                  <a:pt x="120000" y="120000"/>
+                </a:lnTo>
+                <a:lnTo>
+                  <a:pt x="0" y="120000"/>
+                </a:lnTo>
+                <a:close/>
+              </a:path>
+            </a:pathLst>
+          </a:custGeom>
+        </p:spPr>
+      </p:sp>
+      <p:sp>
+        <p:nvSpPr>
+          <p:cNvPr id="554" name="Google Shape;554;g2f3140a8ad5_0_29:notes"/>
+          <p:cNvSpPr txBox="1"/>
+          <p:nvPr>
+            <p:ph idx="1" type="body"/>
+          </p:nvPr>
+        </p:nvSpPr>
+        <p:spPr>
+          <a:xfrm>
+            <a:off x="685800" y="4343400"/>
+            <a:ext cx="5486400" cy="4114800"/>
+          </a:xfrm>
+          <a:prstGeom prst="rect">
+            <a:avLst/>
+          </a:prstGeom>
+        </p:spPr>
+        <p:txBody>
+          <a:bodyPr anchorCtr="0" anchor="t" bIns="91425" lIns="91425" spcFirstLastPara="1" rIns="91425" wrap="square" tIns="91425">
+            <a:noAutofit/>
+          </a:bodyPr>
+          <a:lstStyle/>
+          <a:p>
+            <a:pPr indent="0" lvl="0" marL="0" rtl="0" algn="l">
+              <a:spcBef>
+                <a:spcPts val="0"/>
+              </a:spcBef>
+              <a:spcAft>
+                <a:spcPts val="0"/>
+              </a:spcAft>
+              <a:buNone/>
+            </a:pPr>
+            <a:r>
+              <a:t/>
+            </a:r>
+            <a:endParaRPr/>
+          </a:p>
+        </p:txBody>
+      </p:sp>
+    </p:spTree>
+  </p:cSld>
+  <p:clrMapOvr>
+    <a:masterClrMapping/>
+  </p:clrMapOvr>
+</p:notes>
+</file>
+
+<file path=ppt/notesSlides/notesSlide87.xml><?xml version="1.0" encoding="utf-8"?>
+<p:notes xmlns:a="http://schemas.openxmlformats.org/drawingml/2006/main" xmlns:r="http://schemas.openxmlformats.org/officeDocument/2006/relationships" xmlns:mc="http://schemas.openxmlformats.org/markup-compatibility/2006" xmlns:mv="urn:schemas-microsoft-com:mac:vml" xmlns:p="http://schemas.openxmlformats.org/presentationml/2006/main" xmlns:c="http://schemas.openxmlformats.org/drawingml/2006/chart" xmlns:dgm="http://schemas.openxmlformats.org/drawingml/2006/diagram" xmlns:o="urn:schemas-microsoft-com:office:office" xmlns:v="urn:schemas-microsoft-com:vml" xmlns:pvml="urn:schemas-microsoft-com:office:powerpoint" xmlns:com="http://schemas.openxmlformats.org/drawingml/2006/compatibility" xmlns:p14="http://schemas.microsoft.com/office/powerpoint/2010/main" xmlns:p15="http://schemas.microsoft.com/office/powerpoint/2012/main" xmlns:ahyp="http://schemas.microsoft.com/office/drawing/2018/hyperlinkcolor" showMasterPhAnim="0" showMasterSp="0">
+  <p:cSld>
+    <p:spTree>
+      <p:nvGrpSpPr>
+        <p:cNvPr id="557" name="Shape 557"/>
+        <p:cNvGrpSpPr/>
+        <p:nvPr/>
+      </p:nvGrpSpPr>
+      <p:grpSpPr>
+        <a:xfrm>
+          <a:off x="0" y="0"/>
+          <a:ext cx="0" cy="0"/>
+          <a:chOff x="0" y="0"/>
+          <a:chExt cx="0" cy="0"/>
+        </a:xfrm>
+      </p:grpSpPr>
+      <p:sp>
+        <p:nvSpPr>
+          <p:cNvPr id="558" name="Google Shape;558;g2f3140a8ad5_0_22:notes"/>
+          <p:cNvSpPr/>
+          <p:nvPr>
+            <p:ph idx="2" type="sldImg"/>
+          </p:nvPr>
+        </p:nvSpPr>
+        <p:spPr>
+          <a:xfrm>
+            <a:off x="381300" y="685800"/>
+            <a:ext cx="6096000" cy="3429000"/>
+          </a:xfrm>
+          <a:custGeom>
+            <a:rect b="b" l="l" r="r" t="t"/>
+            <a:pathLst>
+              <a:path extrusionOk="0" h="120000" w="120000">
+                <a:moveTo>
+                  <a:pt x="0" y="0"/>
+                </a:moveTo>
+                <a:lnTo>
+                  <a:pt x="120000" y="0"/>
+                </a:lnTo>
+                <a:lnTo>
+                  <a:pt x="120000" y="120000"/>
+                </a:lnTo>
+                <a:lnTo>
+                  <a:pt x="0" y="120000"/>
+                </a:lnTo>
+                <a:close/>
+              </a:path>
+            </a:pathLst>
+          </a:custGeom>
+        </p:spPr>
+      </p:sp>
+      <p:sp>
+        <p:nvSpPr>
+          <p:cNvPr id="559" name="Google Shape;559;g2f3140a8ad5_0_22:notes"/>
+          <p:cNvSpPr txBox="1"/>
+          <p:nvPr>
+            <p:ph idx="1" type="body"/>
+          </p:nvPr>
+        </p:nvSpPr>
+        <p:spPr>
+          <a:xfrm>
+            <a:off x="685800" y="4343400"/>
+            <a:ext cx="5486400" cy="4114800"/>
+          </a:xfrm>
+          <a:prstGeom prst="rect">
+            <a:avLst/>
+          </a:prstGeom>
+        </p:spPr>
+        <p:txBody>
+          <a:bodyPr anchorCtr="0" anchor="t" bIns="91425" lIns="91425" spcFirstLastPara="1" rIns="91425" wrap="square" tIns="91425">
+            <a:noAutofit/>
+          </a:bodyPr>
+          <a:lstStyle/>
+          <a:p>
+            <a:pPr indent="0" lvl="0" marL="0" rtl="0" algn="l">
+              <a:spcBef>
+                <a:spcPts val="0"/>
+              </a:spcBef>
+              <a:spcAft>
+                <a:spcPts val="0"/>
+              </a:spcAft>
+              <a:buNone/>
+            </a:pPr>
+            <a:r>
+              <a:t/>
+            </a:r>
+            <a:endParaRPr/>
+          </a:p>
+        </p:txBody>
+      </p:sp>
+    </p:spTree>
+  </p:cSld>
+  <p:clrMapOvr>
+    <a:masterClrMapping/>
+  </p:clrMapOvr>
+</p:notes>
+</file>
+
+<file path=ppt/notesSlides/notesSlide88.xml><?xml version="1.0" encoding="utf-8"?>
+<p:notes xmlns:a="http://schemas.openxmlformats.org/drawingml/2006/main" xmlns:r="http://schemas.openxmlformats.org/officeDocument/2006/relationships" xmlns:mc="http://schemas.openxmlformats.org/markup-compatibility/2006" xmlns:mv="urn:schemas-microsoft-com:mac:vml" xmlns:p="http://schemas.openxmlformats.org/presentationml/2006/main" xmlns:c="http://schemas.openxmlformats.org/drawingml/2006/chart" xmlns:dgm="http://schemas.openxmlformats.org/drawingml/2006/diagram" xmlns:o="urn:schemas-microsoft-com:office:office" xmlns:v="urn:schemas-microsoft-com:vml" xmlns:pvml="urn:schemas-microsoft-com:office:powerpoint" xmlns:com="http://schemas.openxmlformats.org/drawingml/2006/compatibility" xmlns:p14="http://schemas.microsoft.com/office/powerpoint/2010/main" xmlns:p15="http://schemas.microsoft.com/office/powerpoint/2012/main" xmlns:ahyp="http://schemas.microsoft.com/office/drawing/2018/hyperlinkcolor" showMasterPhAnim="0" showMasterSp="0">
+  <p:cSld>
+    <p:spTree>
+      <p:nvGrpSpPr>
+        <p:cNvPr id="563" name="Shape 563"/>
+        <p:cNvGrpSpPr/>
+        <p:nvPr/>
+      </p:nvGrpSpPr>
+      <p:grpSpPr>
+        <a:xfrm>
+          <a:off x="0" y="0"/>
+          <a:ext cx="0" cy="0"/>
+          <a:chOff x="0" y="0"/>
+          <a:chExt cx="0" cy="0"/>
+        </a:xfrm>
+      </p:grpSpPr>
+      <p:sp>
+        <p:nvSpPr>
+          <p:cNvPr id="564" name="Google Shape;564;g2f3140a8ad5_1_0:notes"/>
+          <p:cNvSpPr/>
+          <p:nvPr>
+            <p:ph idx="2" type="sldImg"/>
+          </p:nvPr>
+        </p:nvSpPr>
+        <p:spPr>
+          <a:xfrm>
+            <a:off x="381300" y="685800"/>
+            <a:ext cx="6096000" cy="3429000"/>
+          </a:xfrm>
+          <a:custGeom>
+            <a:rect b="b" l="l" r="r" t="t"/>
+            <a:pathLst>
+              <a:path extrusionOk="0" h="120000" w="120000">
+                <a:moveTo>
+                  <a:pt x="0" y="0"/>
+                </a:moveTo>
+                <a:lnTo>
+                  <a:pt x="120000" y="0"/>
+                </a:lnTo>
+                <a:lnTo>
+                  <a:pt x="120000" y="120000"/>
+                </a:lnTo>
+                <a:lnTo>
+                  <a:pt x="0" y="120000"/>
+                </a:lnTo>
+                <a:close/>
+              </a:path>
+            </a:pathLst>
+          </a:custGeom>
+        </p:spPr>
+      </p:sp>
+      <p:sp>
+        <p:nvSpPr>
+          <p:cNvPr id="565" name="Google Shape;565;g2f3140a8ad5_1_0:notes"/>
+          <p:cNvSpPr txBox="1"/>
+          <p:nvPr>
+            <p:ph idx="1" type="body"/>
+          </p:nvPr>
+        </p:nvSpPr>
+        <p:spPr>
+          <a:xfrm>
+            <a:off x="685800" y="4343400"/>
+            <a:ext cx="5486400" cy="4114800"/>
+          </a:xfrm>
+          <a:prstGeom prst="rect">
+            <a:avLst/>
+          </a:prstGeom>
+        </p:spPr>
+        <p:txBody>
+          <a:bodyPr anchorCtr="0" anchor="t" bIns="91425" lIns="91425" spcFirstLastPara="1" rIns="91425" wrap="square" tIns="91425">
+            <a:noAutofit/>
+          </a:bodyPr>
+          <a:lstStyle/>
+          <a:p>
+            <a:pPr indent="0" lvl="0" marL="0" rtl="0" algn="l">
+              <a:spcBef>
+                <a:spcPts val="0"/>
+              </a:spcBef>
+              <a:spcAft>
+                <a:spcPts val="0"/>
+              </a:spcAft>
+              <a:buNone/>
+            </a:pPr>
+            <a:r>
+              <a:t/>
+            </a:r>
+            <a:endParaRPr/>
+          </a:p>
+        </p:txBody>
+      </p:sp>
+    </p:spTree>
+  </p:cSld>
+  <p:clrMapOvr>
+    <a:masterClrMapping/>
+  </p:clrMapOvr>
+</p:notes>
+</file>
+
+<file path=ppt/notesSlides/notesSlide89.xml><?xml version="1.0" encoding="utf-8"?>
+<p:notes xmlns:a="http://schemas.openxmlformats.org/drawingml/2006/main" xmlns:r="http://schemas.openxmlformats.org/officeDocument/2006/relationships" xmlns:mc="http://schemas.openxmlformats.org/markup-compatibility/2006" xmlns:mv="urn:schemas-microsoft-com:mac:vml" xmlns:p="http://schemas.openxmlformats.org/presentationml/2006/main" xmlns:c="http://schemas.openxmlformats.org/drawingml/2006/chart" xmlns:dgm="http://schemas.openxmlformats.org/drawingml/2006/diagram" xmlns:o="urn:schemas-microsoft-com:office:office" xmlns:v="urn:schemas-microsoft-com:vml" xmlns:pvml="urn:schemas-microsoft-com:office:powerpoint" xmlns:com="http://schemas.openxmlformats.org/drawingml/2006/compatibility" xmlns:p14="http://schemas.microsoft.com/office/powerpoint/2010/main" xmlns:p15="http://schemas.microsoft.com/office/powerpoint/2012/main" xmlns:ahyp="http://schemas.microsoft.com/office/drawing/2018/hyperlinkcolor" showMasterPhAnim="0" showMasterSp="0">
+  <p:cSld>
+    <p:spTree>
+      <p:nvGrpSpPr>
+        <p:cNvPr id="568" name="Shape 568"/>
+        <p:cNvGrpSpPr/>
+        <p:nvPr/>
+      </p:nvGrpSpPr>
+      <p:grpSpPr>
+        <a:xfrm>
+          <a:off x="0" y="0"/>
+          <a:ext cx="0" cy="0"/>
+          <a:chOff x="0" y="0"/>
+          <a:chExt cx="0" cy="0"/>
+        </a:xfrm>
+      </p:grpSpPr>
+      <p:sp>
+        <p:nvSpPr>
+          <p:cNvPr id="569" name="Google Shape;569;g2f3140a8ad5_1_10:notes"/>
+          <p:cNvSpPr/>
+          <p:nvPr>
+            <p:ph idx="2" type="sldImg"/>
+          </p:nvPr>
+        </p:nvSpPr>
+        <p:spPr>
+          <a:xfrm>
+            <a:off x="381300" y="685800"/>
+            <a:ext cx="6096000" cy="3429000"/>
+          </a:xfrm>
+          <a:custGeom>
+            <a:rect b="b" l="l" r="r" t="t"/>
+            <a:pathLst>
+              <a:path extrusionOk="0" h="120000" w="120000">
+                <a:moveTo>
+                  <a:pt x="0" y="0"/>
+                </a:moveTo>
+                <a:lnTo>
+                  <a:pt x="120000" y="0"/>
+                </a:lnTo>
+                <a:lnTo>
+                  <a:pt x="120000" y="120000"/>
+                </a:lnTo>
+                <a:lnTo>
+                  <a:pt x="0" y="120000"/>
+                </a:lnTo>
+                <a:close/>
+              </a:path>
+            </a:pathLst>
+          </a:custGeom>
+        </p:spPr>
+      </p:sp>
+      <p:sp>
+        <p:nvSpPr>
+          <p:cNvPr id="570" name="Google Shape;570;g2f3140a8ad5_1_10:notes"/>
           <p:cNvSpPr txBox="1"/>
           <p:nvPr>
             <p:ph idx="1" type="body"/>
@@ -26530,7 +27030,7 @@
             <a:tbl>
               <a:tblPr>
                 <a:noFill/>
-                <a:tableStyleId>{F8F9AC88-772D-421D-BCFE-075DD3F900A5}</a:tableStyleId>
+                <a:tableStyleId>{A616CF05-D83A-48F4-BAC7-683060D5DAA6}</a:tableStyleId>
               </a:tblPr>
               <a:tblGrid>
                 <a:gridCol w="5713925"/>
@@ -37846,14 +38346,26 @@
               <a:buNone/>
             </a:pPr>
             <a:r>
-              <a:rPr b="1" lang="en" sz="2000"/>
+              <a:rPr b="1" lang="en" sz="2000">
+                <a:solidFill>
+                  <a:schemeClr val="accent1"/>
+                </a:solidFill>
+              </a:rPr>
               <a:t>34. </a:t>
             </a:r>
             <a:r>
-              <a:rPr b="1" lang="en" sz="2000"/>
+              <a:rPr b="1" lang="en" sz="2000">
+                <a:solidFill>
+                  <a:schemeClr val="accent1"/>
+                </a:solidFill>
+              </a:rPr>
               <a:t>Consider the following test categories (1-4) and agile testing quadrants (A-D):</a:t>
             </a:r>
-            <a:endParaRPr b="1" sz="2000"/>
+            <a:endParaRPr b="1" sz="2000">
+              <a:solidFill>
+                <a:schemeClr val="accent1"/>
+              </a:solidFill>
+            </a:endParaRPr>
           </a:p>
           <a:p>
             <a:pPr indent="0" lvl="0" marL="457200" rtl="0" algn="l">
@@ -38383,6 +38895,870 @@
               <a:t>d) Is not correct</a:t>
             </a:r>
             <a:endParaRPr sz="2400"/>
+          </a:p>
+        </p:txBody>
+      </p:sp>
+    </p:spTree>
+  </p:cSld>
+  <p:clrMapOvr>
+    <a:masterClrMapping/>
+  </p:clrMapOvr>
+</p:sld>
+</file>
+
+<file path=ppt/slides/slide85.xml><?xml version="1.0" encoding="utf-8"?>
+<p:sld xmlns:a="http://schemas.openxmlformats.org/drawingml/2006/main" xmlns:r="http://schemas.openxmlformats.org/officeDocument/2006/relationships" xmlns:mc="http://schemas.openxmlformats.org/markup-compatibility/2006" xmlns:mv="urn:schemas-microsoft-com:mac:vml" xmlns:p="http://schemas.openxmlformats.org/presentationml/2006/main" xmlns:c="http://schemas.openxmlformats.org/drawingml/2006/chart" xmlns:dgm="http://schemas.openxmlformats.org/drawingml/2006/diagram" xmlns:o="urn:schemas-microsoft-com:office:office" xmlns:v="urn:schemas-microsoft-com:vml" xmlns:pvml="urn:schemas-microsoft-com:office:powerpoint" xmlns:com="http://schemas.openxmlformats.org/drawingml/2006/compatibility" xmlns:p14="http://schemas.microsoft.com/office/powerpoint/2010/main" xmlns:p15="http://schemas.microsoft.com/office/powerpoint/2012/main" xmlns:ahyp="http://schemas.microsoft.com/office/drawing/2018/hyperlinkcolor">
+  <p:cSld>
+    <p:spTree>
+      <p:nvGrpSpPr>
+        <p:cNvPr id="550" name="Shape 550"/>
+        <p:cNvGrpSpPr/>
+        <p:nvPr/>
+      </p:nvGrpSpPr>
+      <p:grpSpPr>
+        <a:xfrm>
+          <a:off x="0" y="0"/>
+          <a:ext cx="0" cy="0"/>
+          <a:chOff x="0" y="0"/>
+          <a:chExt cx="0" cy="0"/>
+        </a:xfrm>
+      </p:grpSpPr>
+      <p:sp>
+        <p:nvSpPr>
+          <p:cNvPr id="551" name="Google Shape;551;g2f3140a8ad5_0_17"/>
+          <p:cNvSpPr txBox="1"/>
+          <p:nvPr>
+            <p:ph idx="1" type="body"/>
+          </p:nvPr>
+        </p:nvSpPr>
+        <p:spPr>
+          <a:xfrm>
+            <a:off x="311700" y="349900"/>
+            <a:ext cx="8520600" cy="4443600"/>
+          </a:xfrm>
+          <a:prstGeom prst="rect">
+            <a:avLst/>
+          </a:prstGeom>
+        </p:spPr>
+        <p:txBody>
+          <a:bodyPr anchorCtr="0" anchor="t" bIns="91425" lIns="91425" spcFirstLastPara="1" rIns="91425" wrap="square" tIns="91425">
+            <a:normAutofit lnSpcReduction="20000"/>
+          </a:bodyPr>
+          <a:lstStyle/>
+          <a:p>
+            <a:pPr indent="0" lvl="0" marL="0" rtl="0" algn="l">
+              <a:spcBef>
+                <a:spcPts val="0"/>
+              </a:spcBef>
+              <a:spcAft>
+                <a:spcPts val="0"/>
+              </a:spcAft>
+              <a:buNone/>
+            </a:pPr>
+            <a:r>
+              <a:rPr lang="en" sz="3000">
+                <a:solidFill>
+                  <a:schemeClr val="accent1"/>
+                </a:solidFill>
+                <a:latin typeface="PT Sans Narrow"/>
+                <a:ea typeface="PT Sans Narrow"/>
+                <a:cs typeface="PT Sans Narrow"/>
+                <a:sym typeface="PT Sans Narrow"/>
+              </a:rPr>
+              <a:t>35. </a:t>
+            </a:r>
+            <a:r>
+              <a:rPr lang="en" sz="3000">
+                <a:solidFill>
+                  <a:schemeClr val="accent1"/>
+                </a:solidFill>
+                <a:latin typeface="PT Sans Narrow"/>
+                <a:ea typeface="PT Sans Narrow"/>
+                <a:cs typeface="PT Sans Narrow"/>
+                <a:sym typeface="PT Sans Narrow"/>
+              </a:rPr>
+              <a:t>During a risk analysis the following risk was identified and assessed:</a:t>
+            </a:r>
+            <a:endParaRPr sz="3000">
+              <a:solidFill>
+                <a:schemeClr val="accent1"/>
+              </a:solidFill>
+              <a:latin typeface="PT Sans Narrow"/>
+              <a:ea typeface="PT Sans Narrow"/>
+              <a:cs typeface="PT Sans Narrow"/>
+              <a:sym typeface="PT Sans Narrow"/>
+            </a:endParaRPr>
+          </a:p>
+          <a:p>
+            <a:pPr indent="0" lvl="0" marL="0" rtl="0" algn="l">
+              <a:spcBef>
+                <a:spcPts val="0"/>
+              </a:spcBef>
+              <a:spcAft>
+                <a:spcPts val="0"/>
+              </a:spcAft>
+              <a:buNone/>
+            </a:pPr>
+            <a:r>
+              <a:rPr b="1" lang="en" sz="2600"/>
+              <a:t>Risk</a:t>
+            </a:r>
+            <a:r>
+              <a:rPr lang="en" sz="2600"/>
+              <a:t>: Response time is too long to generate a report</a:t>
+            </a:r>
+            <a:endParaRPr sz="2600"/>
+          </a:p>
+          <a:p>
+            <a:pPr indent="0" lvl="0" marL="0" rtl="0" algn="l">
+              <a:spcBef>
+                <a:spcPts val="0"/>
+              </a:spcBef>
+              <a:spcAft>
+                <a:spcPts val="0"/>
+              </a:spcAft>
+              <a:buNone/>
+            </a:pPr>
+            <a:r>
+              <a:rPr b="1" lang="en" sz="2600"/>
+              <a:t>Risk likelihood</a:t>
+            </a:r>
+            <a:r>
+              <a:rPr lang="en" sz="2600"/>
+              <a:t>: medium; risk impact: high</a:t>
+            </a:r>
+            <a:endParaRPr sz="2600"/>
+          </a:p>
+          <a:p>
+            <a:pPr indent="0" lvl="0" marL="0" rtl="0" algn="l">
+              <a:spcBef>
+                <a:spcPts val="0"/>
+              </a:spcBef>
+              <a:spcAft>
+                <a:spcPts val="0"/>
+              </a:spcAft>
+              <a:buNone/>
+            </a:pPr>
+            <a:r>
+              <a:rPr lang="en" sz="2600"/>
+              <a:t>Response to risk:</a:t>
+            </a:r>
+            <a:endParaRPr sz="2600"/>
+          </a:p>
+          <a:p>
+            <a:pPr indent="0" lvl="0" marL="0" rtl="0" algn="l">
+              <a:spcBef>
+                <a:spcPts val="0"/>
+              </a:spcBef>
+              <a:spcAft>
+                <a:spcPts val="0"/>
+              </a:spcAft>
+              <a:buNone/>
+            </a:pPr>
+            <a:r>
+              <a:rPr lang="en" sz="2600"/>
+              <a:t>o An independent test team performs performance testing during system testing</a:t>
+            </a:r>
+            <a:endParaRPr sz="2600"/>
+          </a:p>
+          <a:p>
+            <a:pPr indent="0" lvl="0" marL="0" rtl="0" algn="l">
+              <a:spcBef>
+                <a:spcPts val="0"/>
+              </a:spcBef>
+              <a:spcAft>
+                <a:spcPts val="0"/>
+              </a:spcAft>
+              <a:buNone/>
+            </a:pPr>
+            <a:r>
+              <a:rPr lang="en" sz="2600"/>
+              <a:t>o A selected sample of end users performs alpha and beta acceptance testing before the release</a:t>
+            </a:r>
+            <a:endParaRPr sz="2600"/>
+          </a:p>
+          <a:p>
+            <a:pPr indent="0" lvl="0" marL="0" rtl="0" algn="l">
+              <a:spcBef>
+                <a:spcPts val="0"/>
+              </a:spcBef>
+              <a:spcAft>
+                <a:spcPts val="0"/>
+              </a:spcAft>
+              <a:buNone/>
+            </a:pPr>
+            <a:r>
+              <a:t/>
+            </a:r>
+            <a:endParaRPr/>
+          </a:p>
+          <a:p>
+            <a:pPr indent="0" lvl="0" marL="0" rtl="0" algn="l">
+              <a:spcBef>
+                <a:spcPts val="0"/>
+              </a:spcBef>
+              <a:spcAft>
+                <a:spcPts val="0"/>
+              </a:spcAft>
+              <a:buNone/>
+            </a:pPr>
+            <a:r>
+              <a:t/>
+            </a:r>
+            <a:endParaRPr/>
+          </a:p>
+        </p:txBody>
+      </p:sp>
+    </p:spTree>
+  </p:cSld>
+  <p:clrMapOvr>
+    <a:masterClrMapping/>
+  </p:clrMapOvr>
+</p:sld>
+</file>
+
+<file path=ppt/slides/slide86.xml><?xml version="1.0" encoding="utf-8"?>
+<p:sld xmlns:a="http://schemas.openxmlformats.org/drawingml/2006/main" xmlns:r="http://schemas.openxmlformats.org/officeDocument/2006/relationships" xmlns:mc="http://schemas.openxmlformats.org/markup-compatibility/2006" xmlns:mv="urn:schemas-microsoft-com:mac:vml" xmlns:p="http://schemas.openxmlformats.org/presentationml/2006/main" xmlns:c="http://schemas.openxmlformats.org/drawingml/2006/chart" xmlns:dgm="http://schemas.openxmlformats.org/drawingml/2006/diagram" xmlns:o="urn:schemas-microsoft-com:office:office" xmlns:v="urn:schemas-microsoft-com:vml" xmlns:pvml="urn:schemas-microsoft-com:office:powerpoint" xmlns:com="http://schemas.openxmlformats.org/drawingml/2006/compatibility" xmlns:p14="http://schemas.microsoft.com/office/powerpoint/2010/main" xmlns:p15="http://schemas.microsoft.com/office/powerpoint/2012/main" xmlns:ahyp="http://schemas.microsoft.com/office/drawing/2018/hyperlinkcolor">
+  <p:cSld>
+    <p:spTree>
+      <p:nvGrpSpPr>
+        <p:cNvPr id="555" name="Shape 555"/>
+        <p:cNvGrpSpPr/>
+        <p:nvPr/>
+      </p:nvGrpSpPr>
+      <p:grpSpPr>
+        <a:xfrm>
+          <a:off x="0" y="0"/>
+          <a:ext cx="0" cy="0"/>
+          <a:chOff x="0" y="0"/>
+          <a:chExt cx="0" cy="0"/>
+        </a:xfrm>
+      </p:grpSpPr>
+      <p:sp>
+        <p:nvSpPr>
+          <p:cNvPr id="556" name="Google Shape;556;g2f3140a8ad5_0_29"/>
+          <p:cNvSpPr txBox="1"/>
+          <p:nvPr>
+            <p:ph idx="1" type="body"/>
+          </p:nvPr>
+        </p:nvSpPr>
+        <p:spPr>
+          <a:xfrm>
+            <a:off x="311700" y="332400"/>
+            <a:ext cx="8520600" cy="4236600"/>
+          </a:xfrm>
+          <a:prstGeom prst="rect">
+            <a:avLst/>
+          </a:prstGeom>
+        </p:spPr>
+        <p:txBody>
+          <a:bodyPr anchorCtr="0" anchor="t" bIns="91425" lIns="91425" spcFirstLastPara="1" rIns="91425" wrap="square" tIns="91425">
+            <a:normAutofit/>
+          </a:bodyPr>
+          <a:lstStyle/>
+          <a:p>
+            <a:pPr indent="0" lvl="0" marL="0" rtl="0" algn="l">
+              <a:spcBef>
+                <a:spcPts val="0"/>
+              </a:spcBef>
+              <a:spcAft>
+                <a:spcPts val="0"/>
+              </a:spcAft>
+              <a:buNone/>
+            </a:pPr>
+            <a:r>
+              <a:rPr lang="en" sz="2500"/>
+              <a:t>What measure is proposed to be taken in response to this analyzed risk?</a:t>
+            </a:r>
+            <a:endParaRPr sz="2500"/>
+          </a:p>
+          <a:p>
+            <a:pPr indent="0" lvl="0" marL="0" rtl="0" algn="l">
+              <a:spcBef>
+                <a:spcPts val="0"/>
+              </a:spcBef>
+              <a:spcAft>
+                <a:spcPts val="0"/>
+              </a:spcAft>
+              <a:buNone/>
+            </a:pPr>
+            <a:r>
+              <a:rPr lang="en" sz="2500"/>
+              <a:t>a) Risk acceptance</a:t>
+            </a:r>
+            <a:endParaRPr sz="2500"/>
+          </a:p>
+          <a:p>
+            <a:pPr indent="0" lvl="0" marL="0" rtl="0" algn="l">
+              <a:spcBef>
+                <a:spcPts val="0"/>
+              </a:spcBef>
+              <a:spcAft>
+                <a:spcPts val="0"/>
+              </a:spcAft>
+              <a:buNone/>
+            </a:pPr>
+            <a:r>
+              <a:rPr lang="en" sz="2500"/>
+              <a:t>b) Contingency plan</a:t>
+            </a:r>
+            <a:endParaRPr sz="2500"/>
+          </a:p>
+          <a:p>
+            <a:pPr indent="0" lvl="0" marL="0" rtl="0" algn="l">
+              <a:spcBef>
+                <a:spcPts val="0"/>
+              </a:spcBef>
+              <a:spcAft>
+                <a:spcPts val="0"/>
+              </a:spcAft>
+              <a:buNone/>
+            </a:pPr>
+            <a:r>
+              <a:rPr lang="en" sz="2500"/>
+              <a:t>c) Risk mitigation</a:t>
+            </a:r>
+            <a:endParaRPr sz="2500"/>
+          </a:p>
+          <a:p>
+            <a:pPr indent="0" lvl="0" marL="0" rtl="0" algn="l">
+              <a:spcBef>
+                <a:spcPts val="0"/>
+              </a:spcBef>
+              <a:spcAft>
+                <a:spcPts val="0"/>
+              </a:spcAft>
+              <a:buNone/>
+            </a:pPr>
+            <a:r>
+              <a:rPr lang="en" sz="2500"/>
+              <a:t>d) Risk transfer</a:t>
+            </a:r>
+            <a:endParaRPr sz="2500"/>
+          </a:p>
+          <a:p>
+            <a:pPr indent="0" lvl="0" marL="0" rtl="0" algn="l">
+              <a:spcBef>
+                <a:spcPts val="0"/>
+              </a:spcBef>
+              <a:spcAft>
+                <a:spcPts val="0"/>
+              </a:spcAft>
+              <a:buNone/>
+            </a:pPr>
+            <a:r>
+              <a:t/>
+            </a:r>
+            <a:endParaRPr sz="2500"/>
+          </a:p>
+          <a:p>
+            <a:pPr indent="0" lvl="0" marL="0" rtl="0" algn="l">
+              <a:spcBef>
+                <a:spcPts val="0"/>
+              </a:spcBef>
+              <a:spcAft>
+                <a:spcPts val="0"/>
+              </a:spcAft>
+              <a:buNone/>
+            </a:pPr>
+            <a:r>
+              <a:rPr lang="en" sz="2500"/>
+              <a:t>Select ONE option</a:t>
+            </a:r>
+            <a:endParaRPr sz="2500"/>
+          </a:p>
+        </p:txBody>
+      </p:sp>
+    </p:spTree>
+  </p:cSld>
+  <p:clrMapOvr>
+    <a:masterClrMapping/>
+  </p:clrMapOvr>
+</p:sld>
+</file>
+
+<file path=ppt/slides/slide87.xml><?xml version="1.0" encoding="utf-8"?>
+<p:sld xmlns:a="http://schemas.openxmlformats.org/drawingml/2006/main" xmlns:r="http://schemas.openxmlformats.org/officeDocument/2006/relationships" xmlns:mc="http://schemas.openxmlformats.org/markup-compatibility/2006" xmlns:mv="urn:schemas-microsoft-com:mac:vml" xmlns:p="http://schemas.openxmlformats.org/presentationml/2006/main" xmlns:c="http://schemas.openxmlformats.org/drawingml/2006/chart" xmlns:dgm="http://schemas.openxmlformats.org/drawingml/2006/diagram" xmlns:o="urn:schemas-microsoft-com:office:office" xmlns:v="urn:schemas-microsoft-com:vml" xmlns:pvml="urn:schemas-microsoft-com:office:powerpoint" xmlns:com="http://schemas.openxmlformats.org/drawingml/2006/compatibility" xmlns:p14="http://schemas.microsoft.com/office/powerpoint/2010/main" xmlns:p15="http://schemas.microsoft.com/office/powerpoint/2012/main" xmlns:ahyp="http://schemas.microsoft.com/office/drawing/2018/hyperlinkcolor">
+  <p:cSld>
+    <p:spTree>
+      <p:nvGrpSpPr>
+        <p:cNvPr id="560" name="Shape 560"/>
+        <p:cNvGrpSpPr/>
+        <p:nvPr/>
+      </p:nvGrpSpPr>
+      <p:grpSpPr>
+        <a:xfrm>
+          <a:off x="0" y="0"/>
+          <a:ext cx="0" cy="0"/>
+          <a:chOff x="0" y="0"/>
+          <a:chExt cx="0" cy="0"/>
+        </a:xfrm>
+      </p:grpSpPr>
+      <p:sp>
+        <p:nvSpPr>
+          <p:cNvPr id="561" name="Google Shape;561;g2f3140a8ad5_0_22"/>
+          <p:cNvSpPr txBox="1"/>
+          <p:nvPr>
+            <p:ph type="title"/>
+          </p:nvPr>
+        </p:nvSpPr>
+        <p:spPr>
+          <a:xfrm>
+            <a:off x="311700" y="445025"/>
+            <a:ext cx="8520600" cy="707400"/>
+          </a:xfrm>
+          <a:prstGeom prst="rect">
+            <a:avLst/>
+          </a:prstGeom>
+        </p:spPr>
+        <p:txBody>
+          <a:bodyPr anchorCtr="0" anchor="t" bIns="91425" lIns="91425" spcFirstLastPara="1" rIns="91425" wrap="square" tIns="91425">
+            <a:normAutofit fontScale="90000"/>
+          </a:bodyPr>
+          <a:lstStyle/>
+          <a:p>
+            <a:pPr indent="0" lvl="0" marL="0" rtl="0" algn="l">
+              <a:spcBef>
+                <a:spcPts val="0"/>
+              </a:spcBef>
+              <a:spcAft>
+                <a:spcPts val="0"/>
+              </a:spcAft>
+              <a:buNone/>
+            </a:pPr>
+            <a:r>
+              <a:rPr lang="en"/>
+              <a:t>c. is correct</a:t>
+            </a:r>
+            <a:endParaRPr/>
+          </a:p>
+        </p:txBody>
+      </p:sp>
+      <p:sp>
+        <p:nvSpPr>
+          <p:cNvPr id="562" name="Google Shape;562;g2f3140a8ad5_0_22"/>
+          <p:cNvSpPr txBox="1"/>
+          <p:nvPr>
+            <p:ph idx="1" type="body"/>
+          </p:nvPr>
+        </p:nvSpPr>
+        <p:spPr>
+          <a:xfrm>
+            <a:off x="311700" y="1266325"/>
+            <a:ext cx="8520600" cy="3302700"/>
+          </a:xfrm>
+          <a:prstGeom prst="rect">
+            <a:avLst/>
+          </a:prstGeom>
+        </p:spPr>
+        <p:txBody>
+          <a:bodyPr anchorCtr="0" anchor="t" bIns="91425" lIns="91425" spcFirstLastPara="1" rIns="91425" wrap="square" tIns="91425">
+            <a:normAutofit/>
+          </a:bodyPr>
+          <a:lstStyle/>
+          <a:p>
+            <a:pPr indent="0" lvl="0" marL="0" rtl="0" algn="l">
+              <a:spcBef>
+                <a:spcPts val="0"/>
+              </a:spcBef>
+              <a:spcAft>
+                <a:spcPts val="0"/>
+              </a:spcAft>
+              <a:buNone/>
+            </a:pPr>
+            <a:r>
+              <a:rPr lang="en" sz="2500"/>
+              <a:t>a) Is not correct. We do not accept the risk; concrete actions are proposed</a:t>
+            </a:r>
+            <a:endParaRPr sz="2500"/>
+          </a:p>
+          <a:p>
+            <a:pPr indent="0" lvl="0" marL="0" rtl="0" algn="l">
+              <a:spcBef>
+                <a:spcPts val="0"/>
+              </a:spcBef>
+              <a:spcAft>
+                <a:spcPts val="0"/>
+              </a:spcAft>
+              <a:buNone/>
+            </a:pPr>
+            <a:r>
+              <a:rPr lang="en" sz="2500"/>
+              <a:t>b) Is not correct. No contingency plans are proposed</a:t>
+            </a:r>
+            <a:endParaRPr sz="2500"/>
+          </a:p>
+          <a:p>
+            <a:pPr indent="0" lvl="0" marL="0" rtl="0" algn="l">
+              <a:spcBef>
+                <a:spcPts val="0"/>
+              </a:spcBef>
+              <a:spcAft>
+                <a:spcPts val="0"/>
+              </a:spcAft>
+              <a:buNone/>
+            </a:pPr>
+            <a:r>
+              <a:rPr lang="en" sz="2500">
+                <a:highlight>
+                  <a:schemeClr val="accent6"/>
+                </a:highlight>
+              </a:rPr>
+              <a:t>c) Is correct. The proposed actions are related to testing, which is a form of risk mitigation</a:t>
+            </a:r>
+            <a:endParaRPr sz="2500">
+              <a:highlight>
+                <a:schemeClr val="accent6"/>
+              </a:highlight>
+            </a:endParaRPr>
+          </a:p>
+          <a:p>
+            <a:pPr indent="0" lvl="0" marL="0" rtl="0" algn="l">
+              <a:spcBef>
+                <a:spcPts val="0"/>
+              </a:spcBef>
+              <a:spcAft>
+                <a:spcPts val="0"/>
+              </a:spcAft>
+              <a:buNone/>
+            </a:pPr>
+            <a:r>
+              <a:rPr lang="en" sz="2500"/>
+              <a:t>d) Is not correct. Risk is not transferred but mitigated</a:t>
+            </a:r>
+            <a:endParaRPr sz="2500"/>
+          </a:p>
+        </p:txBody>
+      </p:sp>
+    </p:spTree>
+  </p:cSld>
+  <p:clrMapOvr>
+    <a:masterClrMapping/>
+  </p:clrMapOvr>
+</p:sld>
+</file>
+
+<file path=ppt/slides/slide88.xml><?xml version="1.0" encoding="utf-8"?>
+<p:sld xmlns:a="http://schemas.openxmlformats.org/drawingml/2006/main" xmlns:r="http://schemas.openxmlformats.org/officeDocument/2006/relationships" xmlns:mc="http://schemas.openxmlformats.org/markup-compatibility/2006" xmlns:mv="urn:schemas-microsoft-com:mac:vml" xmlns:p="http://schemas.openxmlformats.org/presentationml/2006/main" xmlns:c="http://schemas.openxmlformats.org/drawingml/2006/chart" xmlns:dgm="http://schemas.openxmlformats.org/drawingml/2006/diagram" xmlns:o="urn:schemas-microsoft-com:office:office" xmlns:v="urn:schemas-microsoft-com:vml" xmlns:pvml="urn:schemas-microsoft-com:office:powerpoint" xmlns:com="http://schemas.openxmlformats.org/drawingml/2006/compatibility" xmlns:p14="http://schemas.microsoft.com/office/powerpoint/2010/main" xmlns:p15="http://schemas.microsoft.com/office/powerpoint/2012/main" xmlns:ahyp="http://schemas.microsoft.com/office/drawing/2018/hyperlinkcolor">
+  <p:cSld>
+    <p:spTree>
+      <p:nvGrpSpPr>
+        <p:cNvPr id="566" name="Shape 566"/>
+        <p:cNvGrpSpPr/>
+        <p:nvPr/>
+      </p:nvGrpSpPr>
+      <p:grpSpPr>
+        <a:xfrm>
+          <a:off x="0" y="0"/>
+          <a:ext cx="0" cy="0"/>
+          <a:chOff x="0" y="0"/>
+          <a:chExt cx="0" cy="0"/>
+        </a:xfrm>
+      </p:grpSpPr>
+      <p:sp>
+        <p:nvSpPr>
+          <p:cNvPr id="567" name="Google Shape;567;g2f3140a8ad5_1_0"/>
+          <p:cNvSpPr txBox="1"/>
+          <p:nvPr>
+            <p:ph idx="1" type="body"/>
+          </p:nvPr>
+        </p:nvSpPr>
+        <p:spPr>
+          <a:xfrm>
+            <a:off x="311700" y="297425"/>
+            <a:ext cx="8520600" cy="4496100"/>
+          </a:xfrm>
+          <a:prstGeom prst="rect">
+            <a:avLst/>
+          </a:prstGeom>
+        </p:spPr>
+        <p:txBody>
+          <a:bodyPr anchorCtr="0" anchor="t" bIns="91425" lIns="91425" spcFirstLastPara="1" rIns="91425" wrap="square" tIns="91425">
+            <a:normAutofit lnSpcReduction="10000"/>
+          </a:bodyPr>
+          <a:lstStyle/>
+          <a:p>
+            <a:pPr indent="0" lvl="0" marL="0" rtl="0" algn="l">
+              <a:spcBef>
+                <a:spcPts val="0"/>
+              </a:spcBef>
+              <a:spcAft>
+                <a:spcPts val="0"/>
+              </a:spcAft>
+              <a:buNone/>
+            </a:pPr>
+            <a:r>
+              <a:rPr lang="en" sz="2700">
+                <a:solidFill>
+                  <a:schemeClr val="accent1"/>
+                </a:solidFill>
+                <a:latin typeface="PT Sans Narrow"/>
+                <a:ea typeface="PT Sans Narrow"/>
+                <a:cs typeface="PT Sans Narrow"/>
+                <a:sym typeface="PT Sans Narrow"/>
+              </a:rPr>
+              <a:t>36. Which tool can be used by an agile team to show the amount of work that has been completed and the amount of total work remaining for a given iteration?</a:t>
+            </a:r>
+            <a:endParaRPr sz="2700">
+              <a:solidFill>
+                <a:schemeClr val="accent1"/>
+              </a:solidFill>
+              <a:latin typeface="PT Sans Narrow"/>
+              <a:ea typeface="PT Sans Narrow"/>
+              <a:cs typeface="PT Sans Narrow"/>
+              <a:sym typeface="PT Sans Narrow"/>
+            </a:endParaRPr>
+          </a:p>
+          <a:p>
+            <a:pPr indent="0" lvl="0" marL="0" rtl="0" algn="l">
+              <a:spcBef>
+                <a:spcPts val="0"/>
+              </a:spcBef>
+              <a:spcAft>
+                <a:spcPts val="0"/>
+              </a:spcAft>
+              <a:buNone/>
+            </a:pPr>
+            <a:r>
+              <a:rPr lang="en" sz="2700"/>
+              <a:t>a) Acceptance criteria</a:t>
+            </a:r>
+            <a:endParaRPr sz="2700"/>
+          </a:p>
+          <a:p>
+            <a:pPr indent="0" lvl="0" marL="0" rtl="0" algn="l">
+              <a:spcBef>
+                <a:spcPts val="0"/>
+              </a:spcBef>
+              <a:spcAft>
+                <a:spcPts val="0"/>
+              </a:spcAft>
+              <a:buNone/>
+            </a:pPr>
+            <a:r>
+              <a:rPr lang="en" sz="2700"/>
+              <a:t>b) Defect report</a:t>
+            </a:r>
+            <a:endParaRPr sz="2700"/>
+          </a:p>
+          <a:p>
+            <a:pPr indent="0" lvl="0" marL="0" rtl="0" algn="l">
+              <a:spcBef>
+                <a:spcPts val="0"/>
+              </a:spcBef>
+              <a:spcAft>
+                <a:spcPts val="0"/>
+              </a:spcAft>
+              <a:buNone/>
+            </a:pPr>
+            <a:r>
+              <a:rPr lang="en" sz="2700"/>
+              <a:t>c) Test completion report</a:t>
+            </a:r>
+            <a:endParaRPr sz="2700"/>
+          </a:p>
+          <a:p>
+            <a:pPr indent="0" lvl="0" marL="0" rtl="0" algn="l">
+              <a:spcBef>
+                <a:spcPts val="0"/>
+              </a:spcBef>
+              <a:spcAft>
+                <a:spcPts val="0"/>
+              </a:spcAft>
+              <a:buNone/>
+            </a:pPr>
+            <a:r>
+              <a:rPr lang="en" sz="2700"/>
+              <a:t>d) Burndown chart</a:t>
+            </a:r>
+            <a:endParaRPr sz="2700"/>
+          </a:p>
+          <a:p>
+            <a:pPr indent="0" lvl="0" marL="0" rtl="0" algn="l">
+              <a:spcBef>
+                <a:spcPts val="0"/>
+              </a:spcBef>
+              <a:spcAft>
+                <a:spcPts val="0"/>
+              </a:spcAft>
+              <a:buNone/>
+            </a:pPr>
+            <a:r>
+              <a:t/>
+            </a:r>
+            <a:endParaRPr sz="2700"/>
+          </a:p>
+          <a:p>
+            <a:pPr indent="0" lvl="0" marL="0" rtl="0" algn="l">
+              <a:spcBef>
+                <a:spcPts val="0"/>
+              </a:spcBef>
+              <a:spcAft>
+                <a:spcPts val="0"/>
+              </a:spcAft>
+              <a:buNone/>
+            </a:pPr>
+            <a:r>
+              <a:rPr lang="en" sz="2700"/>
+              <a:t>Select ONE option.</a:t>
+            </a:r>
+            <a:endParaRPr sz="2700"/>
+          </a:p>
+          <a:p>
+            <a:pPr indent="0" lvl="0" marL="0" rtl="0" algn="l">
+              <a:spcBef>
+                <a:spcPts val="0"/>
+              </a:spcBef>
+              <a:spcAft>
+                <a:spcPts val="0"/>
+              </a:spcAft>
+              <a:buNone/>
+            </a:pPr>
+            <a:r>
+              <a:t/>
+            </a:r>
+            <a:endParaRPr/>
+          </a:p>
+        </p:txBody>
+      </p:sp>
+    </p:spTree>
+  </p:cSld>
+  <p:clrMapOvr>
+    <a:masterClrMapping/>
+  </p:clrMapOvr>
+</p:sld>
+</file>
+
+<file path=ppt/slides/slide89.xml><?xml version="1.0" encoding="utf-8"?>
+<p:sld xmlns:a="http://schemas.openxmlformats.org/drawingml/2006/main" xmlns:r="http://schemas.openxmlformats.org/officeDocument/2006/relationships" xmlns:mc="http://schemas.openxmlformats.org/markup-compatibility/2006" xmlns:mv="urn:schemas-microsoft-com:mac:vml" xmlns:p="http://schemas.openxmlformats.org/presentationml/2006/main" xmlns:c="http://schemas.openxmlformats.org/drawingml/2006/chart" xmlns:dgm="http://schemas.openxmlformats.org/drawingml/2006/diagram" xmlns:o="urn:schemas-microsoft-com:office:office" xmlns:v="urn:schemas-microsoft-com:vml" xmlns:pvml="urn:schemas-microsoft-com:office:powerpoint" xmlns:com="http://schemas.openxmlformats.org/drawingml/2006/compatibility" xmlns:p14="http://schemas.microsoft.com/office/powerpoint/2010/main" xmlns:p15="http://schemas.microsoft.com/office/powerpoint/2012/main" xmlns:ahyp="http://schemas.microsoft.com/office/drawing/2018/hyperlinkcolor">
+  <p:cSld>
+    <p:spTree>
+      <p:nvGrpSpPr>
+        <p:cNvPr id="571" name="Shape 571"/>
+        <p:cNvGrpSpPr/>
+        <p:nvPr/>
+      </p:nvGrpSpPr>
+      <p:grpSpPr>
+        <a:xfrm>
+          <a:off x="0" y="0"/>
+          <a:ext cx="0" cy="0"/>
+          <a:chOff x="0" y="0"/>
+          <a:chExt cx="0" cy="0"/>
+        </a:xfrm>
+      </p:grpSpPr>
+      <p:sp>
+        <p:nvSpPr>
+          <p:cNvPr id="572" name="Google Shape;572;g2f3140a8ad5_1_10"/>
+          <p:cNvSpPr txBox="1"/>
+          <p:nvPr>
+            <p:ph idx="1" type="body"/>
+          </p:nvPr>
+        </p:nvSpPr>
+        <p:spPr>
+          <a:xfrm>
+            <a:off x="311700" y="244925"/>
+            <a:ext cx="8520600" cy="4548600"/>
+          </a:xfrm>
+          <a:prstGeom prst="rect">
+            <a:avLst/>
+          </a:prstGeom>
+        </p:spPr>
+        <p:txBody>
+          <a:bodyPr anchorCtr="0" anchor="t" bIns="91425" lIns="91425" spcFirstLastPara="1" rIns="91425" wrap="square" tIns="91425">
+            <a:noAutofit/>
+          </a:bodyPr>
+          <a:lstStyle/>
+          <a:p>
+            <a:pPr indent="0" lvl="0" marL="0" rtl="0" algn="l">
+              <a:spcBef>
+                <a:spcPts val="0"/>
+              </a:spcBef>
+              <a:spcAft>
+                <a:spcPts val="0"/>
+              </a:spcAft>
+              <a:buNone/>
+            </a:pPr>
+            <a:r>
+              <a:rPr b="1" lang="en" sz="2300"/>
+              <a:t>a) </a:t>
+            </a:r>
+            <a:r>
+              <a:rPr lang="en" sz="2300"/>
+              <a:t>Is not correct. Acceptance criteria are the conditions used to decide whether the user story is ready. They cannot show work progress</a:t>
+            </a:r>
+            <a:endParaRPr sz="2300"/>
+          </a:p>
+          <a:p>
+            <a:pPr indent="0" lvl="0" marL="0" rtl="0" algn="l">
+              <a:spcBef>
+                <a:spcPts val="0"/>
+              </a:spcBef>
+              <a:spcAft>
+                <a:spcPts val="0"/>
+              </a:spcAft>
+              <a:buNone/>
+            </a:pPr>
+            <a:r>
+              <a:rPr b="1" lang="en" sz="2300"/>
+              <a:t>b)</a:t>
+            </a:r>
+            <a:r>
+              <a:rPr lang="en" sz="2300"/>
+              <a:t> Is not correct. Defect reports inform about the defects. They do not show work progress</a:t>
+            </a:r>
+            <a:endParaRPr sz="2300"/>
+          </a:p>
+          <a:p>
+            <a:pPr indent="0" lvl="0" marL="0" rtl="0" algn="l">
+              <a:spcBef>
+                <a:spcPts val="0"/>
+              </a:spcBef>
+              <a:spcAft>
+                <a:spcPts val="0"/>
+              </a:spcAft>
+              <a:buNone/>
+            </a:pPr>
+            <a:r>
+              <a:rPr b="1" lang="en" sz="2300"/>
+              <a:t>c)</a:t>
+            </a:r>
+            <a:r>
+              <a:rPr lang="en" sz="2300"/>
+              <a:t> Is not correct. Test completion report can be created after the iteration is finished, so it will not show the progress continuously within an iteration</a:t>
+            </a:r>
+            <a:endParaRPr sz="2300"/>
+          </a:p>
+          <a:p>
+            <a:pPr indent="0" lvl="0" marL="0" rtl="0" algn="l">
+              <a:spcBef>
+                <a:spcPts val="0"/>
+              </a:spcBef>
+              <a:spcAft>
+                <a:spcPts val="0"/>
+              </a:spcAft>
+              <a:buNone/>
+            </a:pPr>
+            <a:r>
+              <a:rPr b="1" lang="en" sz="2300">
+                <a:highlight>
+                  <a:schemeClr val="accent6"/>
+                </a:highlight>
+              </a:rPr>
+              <a:t>d) </a:t>
+            </a:r>
+            <a:r>
+              <a:rPr lang="en" sz="2300">
+                <a:highlight>
+                  <a:schemeClr val="accent6"/>
+                </a:highlight>
+              </a:rPr>
+              <a:t>Is correct. Burndown charts are a graphical representation of work left to do versus time remaining. They are updated daily, so they can continuously show the work progress</a:t>
+            </a:r>
+            <a:endParaRPr sz="2300">
+              <a:highlight>
+                <a:schemeClr val="accent6"/>
+              </a:highlight>
+            </a:endParaRPr>
           </a:p>
         </p:txBody>
       </p:sp>
@@ -38592,6 +39968,285 @@
 </file>
 
 <file path=ppt/theme/theme1.xml><?xml version="1.0" encoding="utf-8"?>
+<a:theme xmlns:a="http://schemas.openxmlformats.org/drawingml/2006/main" xmlns:r="http://schemas.openxmlformats.org/officeDocument/2006/relationships" name="Tropic">
+  <a:themeElements>
+    <a:clrScheme name="Tropic">
+      <a:dk1>
+        <a:srgbClr val="A1E8D9"/>
+      </a:dk1>
+      <a:lt1>
+        <a:srgbClr val="FFFFFF"/>
+      </a:lt1>
+      <a:dk2>
+        <a:srgbClr val="695D46"/>
+      </a:dk2>
+      <a:lt2>
+        <a:srgbClr val="B3A77D"/>
+      </a:lt2>
+      <a:accent1>
+        <a:srgbClr val="EF6C00"/>
+      </a:accent1>
+      <a:accent2>
+        <a:srgbClr val="CE93D8"/>
+      </a:accent2>
+      <a:accent3>
+        <a:srgbClr val="4DB6AC"/>
+      </a:accent3>
+      <a:accent4>
+        <a:srgbClr val="FF9800"/>
+      </a:accent4>
+      <a:accent5>
+        <a:srgbClr val="009668"/>
+      </a:accent5>
+      <a:accent6>
+        <a:srgbClr val="EEFF41"/>
+      </a:accent6>
+      <a:hlink>
+        <a:srgbClr val="009668"/>
+      </a:hlink>
+      <a:folHlink>
+        <a:srgbClr val="009668"/>
+      </a:folHlink>
+    </a:clrScheme>
+    <a:fontScheme name="Office">
+      <a:majorFont>
+        <a:latin typeface="Arial"/>
+        <a:ea typeface=""/>
+        <a:cs typeface=""/>
+        <a:font script="Jpan" typeface="ＭＳ Ｐゴシック"/>
+        <a:font script="Hang" typeface="맑은 고딕"/>
+        <a:font script="Hans" typeface="宋体"/>
+        <a:font script="Hant" typeface="新細明體"/>
+        <a:font script="Arab" typeface="Times New Roman"/>
+        <a:font script="Hebr" typeface="Times New Roman"/>
+        <a:font script="Thai" typeface="Angsana New"/>
+        <a:font script="Ethi" typeface="Nyala"/>
+        <a:font script="Beng" typeface="Vrinda"/>
+        <a:font script="Gujr" typeface="Shruti"/>
+        <a:font script="Khmr" typeface="MoolBoran"/>
+        <a:font script="Knda" typeface="Tunga"/>
+        <a:font script="Guru" typeface="Raavi"/>
+        <a:font script="Cans" typeface="Euphemia"/>
+        <a:font script="Cher" typeface="Plantagenet Cherokee"/>
+        <a:font script="Yiii" typeface="Microsoft Yi Baiti"/>
+        <a:font script="Tibt" typeface="Microsoft Himalaya"/>
+        <a:font script="Thaa" typeface="MV Boli"/>
+        <a:font script="Deva" typeface="Mangal"/>
+        <a:font script="Telu" typeface="Gautami"/>
+        <a:font script="Taml" typeface="Latha"/>
+        <a:font script="Syrc" typeface="Estrangelo Edessa"/>
+        <a:font script="Orya" typeface="Kalinga"/>
+        <a:font script="Mlym" typeface="Kartika"/>
+        <a:font script="Laoo" typeface="DokChampa"/>
+        <a:font script="Sinh" typeface="Iskoola Pota"/>
+        <a:font script="Mong" typeface="Mongolian Baiti"/>
+        <a:font script="Viet" typeface="Times New Roman"/>
+        <a:font script="Uigh" typeface="Microsoft Uighur"/>
+        <a:font script="Geor" typeface="Sylfaen"/>
+      </a:majorFont>
+      <a:minorFont>
+        <a:latin typeface="Arial"/>
+        <a:ea typeface=""/>
+        <a:cs typeface=""/>
+        <a:font script="Jpan" typeface="ＭＳ Ｐゴシック"/>
+        <a:font script="Hang" typeface="맑은 고딕"/>
+        <a:font script="Hans" typeface="宋体"/>
+        <a:font script="Hant" typeface="新細明體"/>
+        <a:font script="Arab" typeface="Arial"/>
+        <a:font script="Hebr" typeface="Arial"/>
+        <a:font script="Thai" typeface="Cordia New"/>
+        <a:font script="Ethi" typeface="Nyala"/>
+        <a:font script="Beng" typeface="Vrinda"/>
+        <a:font script="Gujr" typeface="Shruti"/>
+        <a:font script="Khmr" typeface="DaunPenh"/>
+        <a:font script="Knda" typeface="Tunga"/>
+        <a:font script="Guru" typeface="Raavi"/>
+        <a:font script="Cans" typeface="Euphemia"/>
+        <a:font script="Cher" typeface="Plantagenet Cherokee"/>
+        <a:font script="Yiii" typeface="Microsoft Yi Baiti"/>
+        <a:font script="Tibt" typeface="Microsoft Himalaya"/>
+        <a:font script="Thaa" typeface="MV Boli"/>
+        <a:font script="Deva" typeface="Mangal"/>
+        <a:font script="Telu" typeface="Gautami"/>
+        <a:font script="Taml" typeface="Latha"/>
+        <a:font script="Syrc" typeface="Estrangelo Edessa"/>
+        <a:font script="Orya" typeface="Kalinga"/>
+        <a:font script="Mlym" typeface="Kartika"/>
+        <a:font script="Laoo" typeface="DokChampa"/>
+        <a:font script="Sinh" typeface="Iskoola Pota"/>
+        <a:font script="Mong" typeface="Mongolian Baiti"/>
+        <a:font script="Viet" typeface="Arial"/>
+        <a:font script="Uigh" typeface="Microsoft Uighur"/>
+        <a:font script="Geor" typeface="Sylfaen"/>
+      </a:minorFont>
+    </a:fontScheme>
+    <a:fmtScheme name="Office">
+      <a:fillStyleLst>
+        <a:solidFill>
+          <a:schemeClr val="phClr"/>
+        </a:solidFill>
+        <a:gradFill rotWithShape="1">
+          <a:gsLst>
+            <a:gs pos="0">
+              <a:schemeClr val="phClr">
+                <a:tint val="50000"/>
+                <a:satMod val="300000"/>
+              </a:schemeClr>
+            </a:gs>
+            <a:gs pos="35000">
+              <a:schemeClr val="phClr">
+                <a:tint val="37000"/>
+                <a:satMod val="300000"/>
+              </a:schemeClr>
+            </a:gs>
+            <a:gs pos="100000">
+              <a:schemeClr val="phClr">
+                <a:tint val="15000"/>
+                <a:satMod val="350000"/>
+              </a:schemeClr>
+            </a:gs>
+          </a:gsLst>
+          <a:lin ang="16200000" scaled="1"/>
+        </a:gradFill>
+        <a:gradFill rotWithShape="1">
+          <a:gsLst>
+            <a:gs pos="0">
+              <a:schemeClr val="phClr">
+                <a:tint val="100000"/>
+                <a:shade val="100000"/>
+                <a:satMod val="130000"/>
+              </a:schemeClr>
+            </a:gs>
+            <a:gs pos="100000">
+              <a:schemeClr val="phClr">
+                <a:tint val="50000"/>
+                <a:shade val="100000"/>
+                <a:satMod val="350000"/>
+              </a:schemeClr>
+            </a:gs>
+          </a:gsLst>
+          <a:lin ang="16200000" scaled="0"/>
+        </a:gradFill>
+      </a:fillStyleLst>
+      <a:lnStyleLst>
+        <a:ln w="9525" cap="flat" cmpd="sng" algn="ctr">
+          <a:solidFill>
+            <a:schemeClr val="phClr">
+              <a:shade val="95000"/>
+              <a:satMod val="105000"/>
+            </a:schemeClr>
+          </a:solidFill>
+          <a:prstDash val="solid"/>
+        </a:ln>
+        <a:ln w="25400" cap="flat" cmpd="sng" algn="ctr">
+          <a:solidFill>
+            <a:schemeClr val="phClr"/>
+          </a:solidFill>
+          <a:prstDash val="solid"/>
+        </a:ln>
+        <a:ln w="38100" cap="flat" cmpd="sng" algn="ctr">
+          <a:solidFill>
+            <a:schemeClr val="phClr"/>
+          </a:solidFill>
+          <a:prstDash val="solid"/>
+        </a:ln>
+      </a:lnStyleLst>
+      <a:effectStyleLst>
+        <a:effectStyle>
+          <a:effectLst>
+            <a:outerShdw blurRad="40000" dist="20000" dir="5400000" rotWithShape="0">
+              <a:srgbClr val="000000">
+                <a:alpha val="38000"/>
+              </a:srgbClr>
+            </a:outerShdw>
+          </a:effectLst>
+        </a:effectStyle>
+        <a:effectStyle>
+          <a:effectLst>
+            <a:outerShdw blurRad="40000" dist="23000" dir="5400000" rotWithShape="0">
+              <a:srgbClr val="000000">
+                <a:alpha val="35000"/>
+              </a:srgbClr>
+            </a:outerShdw>
+          </a:effectLst>
+        </a:effectStyle>
+        <a:effectStyle>
+          <a:effectLst>
+            <a:outerShdw blurRad="40000" dist="23000" dir="5400000" rotWithShape="0">
+              <a:srgbClr val="000000">
+                <a:alpha val="35000"/>
+              </a:srgbClr>
+            </a:outerShdw>
+          </a:effectLst>
+          <a:scene3d>
+            <a:camera prst="orthographicFront">
+              <a:rot lat="0" lon="0" rev="0"/>
+            </a:camera>
+            <a:lightRig rig="threePt" dir="t">
+              <a:rot lat="0" lon="0" rev="1200000"/>
+            </a:lightRig>
+          </a:scene3d>
+          <a:sp3d>
+            <a:bevelT w="63500" h="25400"/>
+          </a:sp3d>
+        </a:effectStyle>
+      </a:effectStyleLst>
+      <a:bgFillStyleLst>
+        <a:solidFill>
+          <a:schemeClr val="phClr"/>
+        </a:solidFill>
+        <a:gradFill rotWithShape="1">
+          <a:gsLst>
+            <a:gs pos="0">
+              <a:schemeClr val="phClr">
+                <a:tint val="40000"/>
+                <a:satMod val="350000"/>
+              </a:schemeClr>
+            </a:gs>
+            <a:gs pos="40000">
+              <a:schemeClr val="phClr">
+                <a:tint val="45000"/>
+                <a:shade val="99000"/>
+                <a:satMod val="350000"/>
+              </a:schemeClr>
+            </a:gs>
+            <a:gs pos="100000">
+              <a:schemeClr val="phClr">
+                <a:shade val="20000"/>
+                <a:satMod val="255000"/>
+              </a:schemeClr>
+            </a:gs>
+          </a:gsLst>
+          <a:path path="circle">
+            <a:fillToRect l="50000" t="-80000" r="50000" b="180000"/>
+          </a:path>
+        </a:gradFill>
+        <a:gradFill rotWithShape="1">
+          <a:gsLst>
+            <a:gs pos="0">
+              <a:schemeClr val="phClr">
+                <a:tint val="80000"/>
+                <a:satMod val="300000"/>
+              </a:schemeClr>
+            </a:gs>
+            <a:gs pos="100000">
+              <a:schemeClr val="phClr">
+                <a:shade val="30000"/>
+                <a:satMod val="200000"/>
+              </a:schemeClr>
+            </a:gs>
+          </a:gsLst>
+          <a:path path="circle">
+            <a:fillToRect l="50000" t="50000" r="50000" b="50000"/>
+          </a:path>
+        </a:gradFill>
+      </a:bgFillStyleLst>
+    </a:fmtScheme>
+  </a:themeElements>
+</a:theme>
+</file>
+
+<file path=ppt/theme/theme2.xml><?xml version="1.0" encoding="utf-8"?>
 <a:theme xmlns:a="http://schemas.openxmlformats.org/drawingml/2006/main" xmlns:r="http://schemas.openxmlformats.org/officeDocument/2006/relationships">
   <a:themeElements>
     <a:clrScheme name="Default">
@@ -38868,283 +40523,4 @@
     </a:fmtScheme>
   </a:themeElements>
 </a:theme>
-</file>
-
-<file path=ppt/theme/theme2.xml><?xml version="1.0" encoding="utf-8"?>
-<a:theme xmlns:a="http://schemas.openxmlformats.org/drawingml/2006/main" xmlns:r="http://schemas.openxmlformats.org/officeDocument/2006/relationships" name="Tropic">
-  <a:themeElements>
-    <a:clrScheme name="Tropic">
-      <a:dk1>
-        <a:srgbClr val="A1E8D9"/>
-      </a:dk1>
-      <a:lt1>
-        <a:srgbClr val="FFFFFF"/>
-      </a:lt1>
-      <a:dk2>
-        <a:srgbClr val="695D46"/>
-      </a:dk2>
-      <a:lt2>
-        <a:srgbClr val="B3A77D"/>
-      </a:lt2>
-      <a:accent1>
-        <a:srgbClr val="EF6C00"/>
-      </a:accent1>
-      <a:accent2>
-        <a:srgbClr val="CE93D8"/>
-      </a:accent2>
-      <a:accent3>
-        <a:srgbClr val="4DB6AC"/>
-      </a:accent3>
-      <a:accent4>
-        <a:srgbClr val="FF9800"/>
-      </a:accent4>
-      <a:accent5>
-        <a:srgbClr val="009668"/>
-      </a:accent5>
-      <a:accent6>
-        <a:srgbClr val="EEFF41"/>
-      </a:accent6>
-      <a:hlink>
-        <a:srgbClr val="009668"/>
-      </a:hlink>
-      <a:folHlink>
-        <a:srgbClr val="009668"/>
-      </a:folHlink>
-    </a:clrScheme>
-    <a:fontScheme name="Office">
-      <a:majorFont>
-        <a:latin typeface="Arial"/>
-        <a:ea typeface=""/>
-        <a:cs typeface=""/>
-        <a:font script="Jpan" typeface="ＭＳ Ｐゴシック"/>
-        <a:font script="Hang" typeface="맑은 고딕"/>
-        <a:font script="Hans" typeface="宋体"/>
-        <a:font script="Hant" typeface="新細明體"/>
-        <a:font script="Arab" typeface="Times New Roman"/>
-        <a:font script="Hebr" typeface="Times New Roman"/>
-        <a:font script="Thai" typeface="Angsana New"/>
-        <a:font script="Ethi" typeface="Nyala"/>
-        <a:font script="Beng" typeface="Vrinda"/>
-        <a:font script="Gujr" typeface="Shruti"/>
-        <a:font script="Khmr" typeface="MoolBoran"/>
-        <a:font script="Knda" typeface="Tunga"/>
-        <a:font script="Guru" typeface="Raavi"/>
-        <a:font script="Cans" typeface="Euphemia"/>
-        <a:font script="Cher" typeface="Plantagenet Cherokee"/>
-        <a:font script="Yiii" typeface="Microsoft Yi Baiti"/>
-        <a:font script="Tibt" typeface="Microsoft Himalaya"/>
-        <a:font script="Thaa" typeface="MV Boli"/>
-        <a:font script="Deva" typeface="Mangal"/>
-        <a:font script="Telu" typeface="Gautami"/>
-        <a:font script="Taml" typeface="Latha"/>
-        <a:font script="Syrc" typeface="Estrangelo Edessa"/>
-        <a:font script="Orya" typeface="Kalinga"/>
-        <a:font script="Mlym" typeface="Kartika"/>
-        <a:font script="Laoo" typeface="DokChampa"/>
-        <a:font script="Sinh" typeface="Iskoola Pota"/>
-        <a:font script="Mong" typeface="Mongolian Baiti"/>
-        <a:font script="Viet" typeface="Times New Roman"/>
-        <a:font script="Uigh" typeface="Microsoft Uighur"/>
-        <a:font script="Geor" typeface="Sylfaen"/>
-      </a:majorFont>
-      <a:minorFont>
-        <a:latin typeface="Arial"/>
-        <a:ea typeface=""/>
-        <a:cs typeface=""/>
-        <a:font script="Jpan" typeface="ＭＳ Ｐゴシック"/>
-        <a:font script="Hang" typeface="맑은 고딕"/>
-        <a:font script="Hans" typeface="宋体"/>
-        <a:font script="Hant" typeface="新細明體"/>
-        <a:font script="Arab" typeface="Arial"/>
-        <a:font script="Hebr" typeface="Arial"/>
-        <a:font script="Thai" typeface="Cordia New"/>
-        <a:font script="Ethi" typeface="Nyala"/>
-        <a:font script="Beng" typeface="Vrinda"/>
-        <a:font script="Gujr" typeface="Shruti"/>
-        <a:font script="Khmr" typeface="DaunPenh"/>
-        <a:font script="Knda" typeface="Tunga"/>
-        <a:font script="Guru" typeface="Raavi"/>
-        <a:font script="Cans" typeface="Euphemia"/>
-        <a:font script="Cher" typeface="Plantagenet Cherokee"/>
-        <a:font script="Yiii" typeface="Microsoft Yi Baiti"/>
-        <a:font script="Tibt" typeface="Microsoft Himalaya"/>
-        <a:font script="Thaa" typeface="MV Boli"/>
-        <a:font script="Deva" typeface="Mangal"/>
-        <a:font script="Telu" typeface="Gautami"/>
-        <a:font script="Taml" typeface="Latha"/>
-        <a:font script="Syrc" typeface="Estrangelo Edessa"/>
-        <a:font script="Orya" typeface="Kalinga"/>
-        <a:font script="Mlym" typeface="Kartika"/>
-        <a:font script="Laoo" typeface="DokChampa"/>
-        <a:font script="Sinh" typeface="Iskoola Pota"/>
-        <a:font script="Mong" typeface="Mongolian Baiti"/>
-        <a:font script="Viet" typeface="Arial"/>
-        <a:font script="Uigh" typeface="Microsoft Uighur"/>
-        <a:font script="Geor" typeface="Sylfaen"/>
-      </a:minorFont>
-    </a:fontScheme>
-    <a:fmtScheme name="Office">
-      <a:fillStyleLst>
-        <a:solidFill>
-          <a:schemeClr val="phClr"/>
-        </a:solidFill>
-        <a:gradFill rotWithShape="1">
-          <a:gsLst>
-            <a:gs pos="0">
-              <a:schemeClr val="phClr">
-                <a:tint val="50000"/>
-                <a:satMod val="300000"/>
-              </a:schemeClr>
-            </a:gs>
-            <a:gs pos="35000">
-              <a:schemeClr val="phClr">
-                <a:tint val="37000"/>
-                <a:satMod val="300000"/>
-              </a:schemeClr>
-            </a:gs>
-            <a:gs pos="100000">
-              <a:schemeClr val="phClr">
-                <a:tint val="15000"/>
-                <a:satMod val="350000"/>
-              </a:schemeClr>
-            </a:gs>
-          </a:gsLst>
-          <a:lin ang="16200000" scaled="1"/>
-        </a:gradFill>
-        <a:gradFill rotWithShape="1">
-          <a:gsLst>
-            <a:gs pos="0">
-              <a:schemeClr val="phClr">
-                <a:tint val="100000"/>
-                <a:shade val="100000"/>
-                <a:satMod val="130000"/>
-              </a:schemeClr>
-            </a:gs>
-            <a:gs pos="100000">
-              <a:schemeClr val="phClr">
-                <a:tint val="50000"/>
-                <a:shade val="100000"/>
-                <a:satMod val="350000"/>
-              </a:schemeClr>
-            </a:gs>
-          </a:gsLst>
-          <a:lin ang="16200000" scaled="0"/>
-        </a:gradFill>
-      </a:fillStyleLst>
-      <a:lnStyleLst>
-        <a:ln w="9525" cap="flat" cmpd="sng" algn="ctr">
-          <a:solidFill>
-            <a:schemeClr val="phClr">
-              <a:shade val="95000"/>
-              <a:satMod val="105000"/>
-            </a:schemeClr>
-          </a:solidFill>
-          <a:prstDash val="solid"/>
-        </a:ln>
-        <a:ln w="25400" cap="flat" cmpd="sng" algn="ctr">
-          <a:solidFill>
-            <a:schemeClr val="phClr"/>
-          </a:solidFill>
-          <a:prstDash val="solid"/>
-        </a:ln>
-        <a:ln w="38100" cap="flat" cmpd="sng" algn="ctr">
-          <a:solidFill>
-            <a:schemeClr val="phClr"/>
-          </a:solidFill>
-          <a:prstDash val="solid"/>
-        </a:ln>
-      </a:lnStyleLst>
-      <a:effectStyleLst>
-        <a:effectStyle>
-          <a:effectLst>
-            <a:outerShdw blurRad="40000" dist="20000" dir="5400000" rotWithShape="0">
-              <a:srgbClr val="000000">
-                <a:alpha val="38000"/>
-              </a:srgbClr>
-            </a:outerShdw>
-          </a:effectLst>
-        </a:effectStyle>
-        <a:effectStyle>
-          <a:effectLst>
-            <a:outerShdw blurRad="40000" dist="23000" dir="5400000" rotWithShape="0">
-              <a:srgbClr val="000000">
-                <a:alpha val="35000"/>
-              </a:srgbClr>
-            </a:outerShdw>
-          </a:effectLst>
-        </a:effectStyle>
-        <a:effectStyle>
-          <a:effectLst>
-            <a:outerShdw blurRad="40000" dist="23000" dir="5400000" rotWithShape="0">
-              <a:srgbClr val="000000">
-                <a:alpha val="35000"/>
-              </a:srgbClr>
-            </a:outerShdw>
-          </a:effectLst>
-          <a:scene3d>
-            <a:camera prst="orthographicFront">
-              <a:rot lat="0" lon="0" rev="0"/>
-            </a:camera>
-            <a:lightRig rig="threePt" dir="t">
-              <a:rot lat="0" lon="0" rev="1200000"/>
-            </a:lightRig>
-          </a:scene3d>
-          <a:sp3d>
-            <a:bevelT w="63500" h="25400"/>
-          </a:sp3d>
-        </a:effectStyle>
-      </a:effectStyleLst>
-      <a:bgFillStyleLst>
-        <a:solidFill>
-          <a:schemeClr val="phClr"/>
-        </a:solidFill>
-        <a:gradFill rotWithShape="1">
-          <a:gsLst>
-            <a:gs pos="0">
-              <a:schemeClr val="phClr">
-                <a:tint val="40000"/>
-                <a:satMod val="350000"/>
-              </a:schemeClr>
-            </a:gs>
-            <a:gs pos="40000">
-              <a:schemeClr val="phClr">
-                <a:tint val="45000"/>
-                <a:shade val="99000"/>
-                <a:satMod val="350000"/>
-              </a:schemeClr>
-            </a:gs>
-            <a:gs pos="100000">
-              <a:schemeClr val="phClr">
-                <a:shade val="20000"/>
-                <a:satMod val="255000"/>
-              </a:schemeClr>
-            </a:gs>
-          </a:gsLst>
-          <a:path path="circle">
-            <a:fillToRect l="50000" t="-80000" r="50000" b="180000"/>
-          </a:path>
-        </a:gradFill>
-        <a:gradFill rotWithShape="1">
-          <a:gsLst>
-            <a:gs pos="0">
-              <a:schemeClr val="phClr">
-                <a:tint val="80000"/>
-                <a:satMod val="300000"/>
-              </a:schemeClr>
-            </a:gs>
-            <a:gs pos="100000">
-              <a:schemeClr val="phClr">
-                <a:shade val="30000"/>
-                <a:satMod val="200000"/>
-              </a:schemeClr>
-            </a:gs>
-          </a:gsLst>
-          <a:path path="circle">
-            <a:fillToRect l="50000" t="50000" r="50000" b="50000"/>
-          </a:path>
-        </a:gradFill>
-      </a:bgFillStyleLst>
-    </a:fmtScheme>
-  </a:themeElements>
-</a:theme>
 </file>
--- a/ISTQB Foundation Level Preparation.pptx
+++ b/ISTQB Foundation Level Preparation.pptx
@@ -97,21 +97,23 @@
     <p:sldId id="342" r:id="rId93"/>
     <p:sldId id="343" r:id="rId94"/>
     <p:sldId id="344" r:id="rId95"/>
+    <p:sldId id="345" r:id="rId96"/>
+    <p:sldId id="346" r:id="rId97"/>
   </p:sldIdLst>
   <p:sldSz cy="5143500" cx="9144000"/>
   <p:notesSz cx="6858000" cy="9144000"/>
   <p:embeddedFontLst>
     <p:embeddedFont>
       <p:font typeface="PT Sans Narrow"/>
-      <p:regular r:id="rId96"/>
-      <p:bold r:id="rId97"/>
+      <p:regular r:id="rId98"/>
+      <p:bold r:id="rId99"/>
     </p:embeddedFont>
     <p:embeddedFont>
       <p:font typeface="Open Sans"/>
-      <p:regular r:id="rId98"/>
-      <p:bold r:id="rId99"/>
-      <p:italic r:id="rId100"/>
-      <p:boldItalic r:id="rId101"/>
+      <p:regular r:id="rId100"/>
+      <p:bold r:id="rId101"/>
+      <p:italic r:id="rId102"/>
+      <p:boldItalic r:id="rId103"/>
     </p:embeddedFont>
   </p:embeddedFontLst>
   <p:defaultTextStyle>
@@ -359,7 +361,7 @@
       </p15:sldGuideLst>
     </p:ext>
     <p:ext uri="GoogleSlidesCustomDataVersion2">
-      <go:slidesCustomData xmlns:go="http://customooxmlschemas.google.com/" r:id="rId102" roundtripDataSignature="AMtx7mgAv2wB+cl/0DAe6bc+8HlZYOvdgQ=="/>
+      <go:slidesCustomData xmlns:go="http://customooxmlschemas.google.com/" r:id="rId104" roundtripDataSignature="AMtx7mhoMSMThigeVKpZPK3qQ6l/5hG6wg=="/>
     </p:ext>
   </p:extLst>
 </p:presentation>
@@ -11178,6 +11180,204 @@
                 <a:spcPts val="0"/>
               </a:spcAft>
               <a:buSzPts val="1100"/>
+              <a:buNone/>
+            </a:pPr>
+            <a:r>
+              <a:t/>
+            </a:r>
+            <a:endParaRPr/>
+          </a:p>
+        </p:txBody>
+      </p:sp>
+    </p:spTree>
+  </p:cSld>
+  <p:clrMapOvr>
+    <a:masterClrMapping/>
+  </p:clrMapOvr>
+</p:notes>
+</file>
+
+<file path=ppt/notesSlides/notesSlide90.xml><?xml version="1.0" encoding="utf-8"?>
+<p:notes xmlns:a="http://schemas.openxmlformats.org/drawingml/2006/main" xmlns:r="http://schemas.openxmlformats.org/officeDocument/2006/relationships" xmlns:mc="http://schemas.openxmlformats.org/markup-compatibility/2006" xmlns:mv="urn:schemas-microsoft-com:mac:vml" xmlns:p="http://schemas.openxmlformats.org/presentationml/2006/main" xmlns:c="http://schemas.openxmlformats.org/drawingml/2006/chart" xmlns:dgm="http://schemas.openxmlformats.org/drawingml/2006/diagram" xmlns:o="urn:schemas-microsoft-com:office:office" xmlns:v="urn:schemas-microsoft-com:vml" xmlns:pvml="urn:schemas-microsoft-com:office:powerpoint" xmlns:com="http://schemas.openxmlformats.org/drawingml/2006/compatibility" xmlns:p14="http://schemas.microsoft.com/office/powerpoint/2010/main" xmlns:p15="http://schemas.microsoft.com/office/powerpoint/2012/main" xmlns:ahyp="http://schemas.microsoft.com/office/drawing/2018/hyperlinkcolor" showMasterPhAnim="0" showMasterSp="0">
+  <p:cSld>
+    <p:spTree>
+      <p:nvGrpSpPr>
+        <p:cNvPr id="573" name="Shape 573"/>
+        <p:cNvGrpSpPr/>
+        <p:nvPr/>
+      </p:nvGrpSpPr>
+      <p:grpSpPr>
+        <a:xfrm>
+          <a:off x="0" y="0"/>
+          <a:ext cx="0" cy="0"/>
+          <a:chOff x="0" y="0"/>
+          <a:chExt cx="0" cy="0"/>
+        </a:xfrm>
+      </p:grpSpPr>
+      <p:sp>
+        <p:nvSpPr>
+          <p:cNvPr id="574" name="Google Shape;574;g2f3140a8ad5_1_27:notes"/>
+          <p:cNvSpPr/>
+          <p:nvPr>
+            <p:ph idx="2" type="sldImg"/>
+          </p:nvPr>
+        </p:nvSpPr>
+        <p:spPr>
+          <a:xfrm>
+            <a:off x="381300" y="685800"/>
+            <a:ext cx="6096000" cy="3429000"/>
+          </a:xfrm>
+          <a:custGeom>
+            <a:rect b="b" l="l" r="r" t="t"/>
+            <a:pathLst>
+              <a:path extrusionOk="0" h="120000" w="120000">
+                <a:moveTo>
+                  <a:pt x="0" y="0"/>
+                </a:moveTo>
+                <a:lnTo>
+                  <a:pt x="120000" y="0"/>
+                </a:lnTo>
+                <a:lnTo>
+                  <a:pt x="120000" y="120000"/>
+                </a:lnTo>
+                <a:lnTo>
+                  <a:pt x="0" y="120000"/>
+                </a:lnTo>
+                <a:close/>
+              </a:path>
+            </a:pathLst>
+          </a:custGeom>
+        </p:spPr>
+      </p:sp>
+      <p:sp>
+        <p:nvSpPr>
+          <p:cNvPr id="575" name="Google Shape;575;g2f3140a8ad5_1_27:notes"/>
+          <p:cNvSpPr txBox="1"/>
+          <p:nvPr>
+            <p:ph idx="1" type="body"/>
+          </p:nvPr>
+        </p:nvSpPr>
+        <p:spPr>
+          <a:xfrm>
+            <a:off x="685800" y="4343400"/>
+            <a:ext cx="5486400" cy="4114800"/>
+          </a:xfrm>
+          <a:prstGeom prst="rect">
+            <a:avLst/>
+          </a:prstGeom>
+        </p:spPr>
+        <p:txBody>
+          <a:bodyPr anchorCtr="0" anchor="t" bIns="91425" lIns="91425" spcFirstLastPara="1" rIns="91425" wrap="square" tIns="91425">
+            <a:noAutofit/>
+          </a:bodyPr>
+          <a:lstStyle/>
+          <a:p>
+            <a:pPr indent="0" lvl="0" marL="0" rtl="0" algn="l">
+              <a:spcBef>
+                <a:spcPts val="0"/>
+              </a:spcBef>
+              <a:spcAft>
+                <a:spcPts val="0"/>
+              </a:spcAft>
+              <a:buNone/>
+            </a:pPr>
+            <a:r>
+              <a:t/>
+            </a:r>
+            <a:endParaRPr/>
+          </a:p>
+        </p:txBody>
+      </p:sp>
+    </p:spTree>
+  </p:cSld>
+  <p:clrMapOvr>
+    <a:masterClrMapping/>
+  </p:clrMapOvr>
+</p:notes>
+</file>
+
+<file path=ppt/notesSlides/notesSlide91.xml><?xml version="1.0" encoding="utf-8"?>
+<p:notes xmlns:a="http://schemas.openxmlformats.org/drawingml/2006/main" xmlns:r="http://schemas.openxmlformats.org/officeDocument/2006/relationships" xmlns:mc="http://schemas.openxmlformats.org/markup-compatibility/2006" xmlns:mv="urn:schemas-microsoft-com:mac:vml" xmlns:p="http://schemas.openxmlformats.org/presentationml/2006/main" xmlns:c="http://schemas.openxmlformats.org/drawingml/2006/chart" xmlns:dgm="http://schemas.openxmlformats.org/drawingml/2006/diagram" xmlns:o="urn:schemas-microsoft-com:office:office" xmlns:v="urn:schemas-microsoft-com:vml" xmlns:pvml="urn:schemas-microsoft-com:office:powerpoint" xmlns:com="http://schemas.openxmlformats.org/drawingml/2006/compatibility" xmlns:p14="http://schemas.microsoft.com/office/powerpoint/2010/main" xmlns:p15="http://schemas.microsoft.com/office/powerpoint/2012/main" xmlns:ahyp="http://schemas.microsoft.com/office/drawing/2018/hyperlinkcolor" showMasterPhAnim="0" showMasterSp="0">
+  <p:cSld>
+    <p:spTree>
+      <p:nvGrpSpPr>
+        <p:cNvPr id="579" name="Shape 579"/>
+        <p:cNvGrpSpPr/>
+        <p:nvPr/>
+      </p:nvGrpSpPr>
+      <p:grpSpPr>
+        <a:xfrm>
+          <a:off x="0" y="0"/>
+          <a:ext cx="0" cy="0"/>
+          <a:chOff x="0" y="0"/>
+          <a:chExt cx="0" cy="0"/>
+        </a:xfrm>
+      </p:grpSpPr>
+      <p:sp>
+        <p:nvSpPr>
+          <p:cNvPr id="580" name="Google Shape;580;g2f3140a8ad5_1_21:notes"/>
+          <p:cNvSpPr/>
+          <p:nvPr>
+            <p:ph idx="2" type="sldImg"/>
+          </p:nvPr>
+        </p:nvSpPr>
+        <p:spPr>
+          <a:xfrm>
+            <a:off x="381300" y="685800"/>
+            <a:ext cx="6096000" cy="3429000"/>
+          </a:xfrm>
+          <a:custGeom>
+            <a:rect b="b" l="l" r="r" t="t"/>
+            <a:pathLst>
+              <a:path extrusionOk="0" h="120000" w="120000">
+                <a:moveTo>
+                  <a:pt x="0" y="0"/>
+                </a:moveTo>
+                <a:lnTo>
+                  <a:pt x="120000" y="0"/>
+                </a:lnTo>
+                <a:lnTo>
+                  <a:pt x="120000" y="120000"/>
+                </a:lnTo>
+                <a:lnTo>
+                  <a:pt x="0" y="120000"/>
+                </a:lnTo>
+                <a:close/>
+              </a:path>
+            </a:pathLst>
+          </a:custGeom>
+        </p:spPr>
+      </p:sp>
+      <p:sp>
+        <p:nvSpPr>
+          <p:cNvPr id="581" name="Google Shape;581;g2f3140a8ad5_1_21:notes"/>
+          <p:cNvSpPr txBox="1"/>
+          <p:nvPr>
+            <p:ph idx="1" type="body"/>
+          </p:nvPr>
+        </p:nvSpPr>
+        <p:spPr>
+          <a:xfrm>
+            <a:off x="685800" y="4343400"/>
+            <a:ext cx="5486400" cy="4114800"/>
+          </a:xfrm>
+          <a:prstGeom prst="rect">
+            <a:avLst/>
+          </a:prstGeom>
+        </p:spPr>
+        <p:txBody>
+          <a:bodyPr anchorCtr="0" anchor="t" bIns="91425" lIns="91425" spcFirstLastPara="1" rIns="91425" wrap="square" tIns="91425">
+            <a:noAutofit/>
+          </a:bodyPr>
+          <a:lstStyle/>
+          <a:p>
+            <a:pPr indent="0" lvl="0" marL="0" rtl="0" algn="l">
+              <a:spcBef>
+                <a:spcPts val="0"/>
+              </a:spcBef>
+              <a:spcAft>
+                <a:spcPts val="0"/>
+              </a:spcAft>
               <a:buNone/>
             </a:pPr>
             <a:r>
@@ -27030,7 +27230,7 @@
             <a:tbl>
               <a:tblPr>
                 <a:noFill/>
-                <a:tableStyleId>{A616CF05-D83A-48F4-BAC7-683060D5DAA6}</a:tableStyleId>
+                <a:tableStyleId>{9B2BD14A-FF83-492A-807A-8444DE86ACF9}</a:tableStyleId>
               </a:tblPr>
               <a:tblGrid>
                 <a:gridCol w="5713925"/>
@@ -39474,7 +39674,7 @@
         </p:spPr>
         <p:txBody>
           <a:bodyPr anchorCtr="0" anchor="t" bIns="91425" lIns="91425" spcFirstLastPara="1" rIns="91425" wrap="square" tIns="91425">
-            <a:normAutofit lnSpcReduction="10000"/>
+            <a:normAutofit lnSpcReduction="20000"/>
           </a:bodyPr>
           <a:lstStyle/>
           <a:p>
@@ -39488,7 +39688,7 @@
               <a:buNone/>
             </a:pPr>
             <a:r>
-              <a:rPr lang="en" sz="2700">
+              <a:rPr lang="en" sz="2900">
                 <a:solidFill>
                   <a:schemeClr val="accent1"/>
                 </a:solidFill>
@@ -39499,7 +39699,7 @@
               </a:rPr>
               <a:t>36. Which tool can be used by an agile team to show the amount of work that has been completed and the amount of total work remaining for a given iteration?</a:t>
             </a:r>
-            <a:endParaRPr sz="2700">
+            <a:endParaRPr sz="2900">
               <a:solidFill>
                 <a:schemeClr val="accent1"/>
               </a:solidFill>
@@ -39520,6 +39720,21 @@
               <a:buNone/>
             </a:pPr>
             <a:r>
+              <a:t/>
+            </a:r>
+            <a:endParaRPr sz="2700"/>
+          </a:p>
+          <a:p>
+            <a:pPr indent="0" lvl="0" marL="0" rtl="0" algn="l">
+              <a:spcBef>
+                <a:spcPts val="0"/>
+              </a:spcBef>
+              <a:spcAft>
+                <a:spcPts val="0"/>
+              </a:spcAft>
+              <a:buNone/>
+            </a:pPr>
+            <a:r>
               <a:rPr lang="en" sz="2700"/>
               <a:t>a) Acceptance criteria</a:t>
             </a:r>
@@ -39601,21 +39816,6 @@
             <a:r>
               <a:rPr lang="en" sz="2700"/>
               <a:t>Select ONE option.</a:t>
-            </a:r>
-            <a:endParaRPr sz="2700"/>
-          </a:p>
-          <a:p>
-            <a:pPr indent="0" lvl="0" marL="0" rtl="0" algn="l">
-              <a:spcBef>
-                <a:spcPts val="0"/>
-              </a:spcBef>
-              <a:spcAft>
-                <a:spcPts val="0"/>
-              </a:spcAft>
-              <a:buNone/>
-            </a:pPr>
-            <a:r>
-              <a:t/>
             </a:r>
             <a:endParaRPr/>
           </a:p>
@@ -39967,7 +40167,598 @@
 </p:sld>
 </file>
 
+<file path=ppt/slides/slide90.xml><?xml version="1.0" encoding="utf-8"?>
+<p:sld xmlns:a="http://schemas.openxmlformats.org/drawingml/2006/main" xmlns:r="http://schemas.openxmlformats.org/officeDocument/2006/relationships" xmlns:mc="http://schemas.openxmlformats.org/markup-compatibility/2006" xmlns:mv="urn:schemas-microsoft-com:mac:vml" xmlns:p="http://schemas.openxmlformats.org/presentationml/2006/main" xmlns:c="http://schemas.openxmlformats.org/drawingml/2006/chart" xmlns:dgm="http://schemas.openxmlformats.org/drawingml/2006/diagram" xmlns:o="urn:schemas-microsoft-com:office:office" xmlns:v="urn:schemas-microsoft-com:vml" xmlns:pvml="urn:schemas-microsoft-com:office:powerpoint" xmlns:com="http://schemas.openxmlformats.org/drawingml/2006/compatibility" xmlns:p14="http://schemas.microsoft.com/office/powerpoint/2010/main" xmlns:p15="http://schemas.microsoft.com/office/powerpoint/2012/main" xmlns:ahyp="http://schemas.microsoft.com/office/drawing/2018/hyperlinkcolor">
+  <p:cSld>
+    <p:spTree>
+      <p:nvGrpSpPr>
+        <p:cNvPr id="576" name="Shape 576"/>
+        <p:cNvGrpSpPr/>
+        <p:nvPr/>
+      </p:nvGrpSpPr>
+      <p:grpSpPr>
+        <a:xfrm>
+          <a:off x="0" y="0"/>
+          <a:ext cx="0" cy="0"/>
+          <a:chOff x="0" y="0"/>
+          <a:chExt cx="0" cy="0"/>
+        </a:xfrm>
+      </p:grpSpPr>
+      <p:sp>
+        <p:nvSpPr>
+          <p:cNvPr id="577" name="Google Shape;577;g2f3140a8ad5_1_27"/>
+          <p:cNvSpPr txBox="1"/>
+          <p:nvPr>
+            <p:ph type="title"/>
+          </p:nvPr>
+        </p:nvSpPr>
+        <p:spPr>
+          <a:xfrm>
+            <a:off x="311700" y="314900"/>
+            <a:ext cx="8520600" cy="1522200"/>
+          </a:xfrm>
+          <a:prstGeom prst="rect">
+            <a:avLst/>
+          </a:prstGeom>
+        </p:spPr>
+        <p:txBody>
+          <a:bodyPr anchorCtr="0" anchor="t" bIns="91425" lIns="91425" spcFirstLastPara="1" rIns="91425" wrap="square" tIns="91425">
+            <a:noAutofit/>
+          </a:bodyPr>
+          <a:lstStyle/>
+          <a:p>
+            <a:pPr indent="0" lvl="0" marL="0" rtl="0" algn="l">
+              <a:lnSpc>
+                <a:spcPct val="115000"/>
+              </a:lnSpc>
+              <a:spcBef>
+                <a:spcPts val="0"/>
+              </a:spcBef>
+              <a:spcAft>
+                <a:spcPts val="0"/>
+              </a:spcAft>
+              <a:buNone/>
+            </a:pPr>
+            <a:r>
+              <a:rPr b="0" lang="en" sz="2800"/>
+              <a:t>37. </a:t>
+            </a:r>
+            <a:r>
+              <a:rPr b="0" lang="en" sz="2800"/>
+              <a:t>You need to update one of the automated test scripts to be in line with a new requirement. Which process indicates that you create a new version of the test script in the test repository?</a:t>
+            </a:r>
+            <a:endParaRPr sz="2800"/>
+          </a:p>
+        </p:txBody>
+      </p:sp>
+      <p:sp>
+        <p:nvSpPr>
+          <p:cNvPr id="578" name="Google Shape;578;g2f3140a8ad5_1_27"/>
+          <p:cNvSpPr txBox="1"/>
+          <p:nvPr>
+            <p:ph idx="1" type="body"/>
+          </p:nvPr>
+        </p:nvSpPr>
+        <p:spPr>
+          <a:xfrm>
+            <a:off x="311700" y="1837025"/>
+            <a:ext cx="8520600" cy="2732100"/>
+          </a:xfrm>
+          <a:prstGeom prst="rect">
+            <a:avLst/>
+          </a:prstGeom>
+        </p:spPr>
+        <p:txBody>
+          <a:bodyPr anchorCtr="0" anchor="t" bIns="91425" lIns="91425" spcFirstLastPara="1" rIns="91425" wrap="square" tIns="91425">
+            <a:normAutofit lnSpcReduction="10000"/>
+          </a:bodyPr>
+          <a:lstStyle/>
+          <a:p>
+            <a:pPr indent="0" lvl="0" marL="0" rtl="0" algn="l">
+              <a:spcBef>
+                <a:spcPts val="0"/>
+              </a:spcBef>
+              <a:spcAft>
+                <a:spcPts val="0"/>
+              </a:spcAft>
+              <a:buNone/>
+            </a:pPr>
+            <a:r>
+              <a:rPr lang="en" sz="2500"/>
+              <a:t>a) Traceability management</a:t>
+            </a:r>
+            <a:endParaRPr sz="2500"/>
+          </a:p>
+          <a:p>
+            <a:pPr indent="0" lvl="0" marL="0" rtl="0" algn="l">
+              <a:spcBef>
+                <a:spcPts val="0"/>
+              </a:spcBef>
+              <a:spcAft>
+                <a:spcPts val="0"/>
+              </a:spcAft>
+              <a:buNone/>
+            </a:pPr>
+            <a:r>
+              <a:rPr lang="en" sz="2500"/>
+              <a:t>b) Maintenance testing</a:t>
+            </a:r>
+            <a:endParaRPr sz="2500"/>
+          </a:p>
+          <a:p>
+            <a:pPr indent="0" lvl="0" marL="0" rtl="0" algn="l">
+              <a:spcBef>
+                <a:spcPts val="0"/>
+              </a:spcBef>
+              <a:spcAft>
+                <a:spcPts val="0"/>
+              </a:spcAft>
+              <a:buNone/>
+            </a:pPr>
+            <a:r>
+              <a:rPr lang="en" sz="2500"/>
+              <a:t>c) Configuration management</a:t>
+            </a:r>
+            <a:endParaRPr sz="2500"/>
+          </a:p>
+          <a:p>
+            <a:pPr indent="0" lvl="0" marL="0" rtl="0" algn="l">
+              <a:spcBef>
+                <a:spcPts val="0"/>
+              </a:spcBef>
+              <a:spcAft>
+                <a:spcPts val="0"/>
+              </a:spcAft>
+              <a:buNone/>
+            </a:pPr>
+            <a:r>
+              <a:rPr lang="en" sz="2500"/>
+              <a:t>d) Requirements engineering</a:t>
+            </a:r>
+            <a:endParaRPr sz="2500"/>
+          </a:p>
+          <a:p>
+            <a:pPr indent="0" lvl="0" marL="0" rtl="0" algn="l">
+              <a:spcBef>
+                <a:spcPts val="0"/>
+              </a:spcBef>
+              <a:spcAft>
+                <a:spcPts val="0"/>
+              </a:spcAft>
+              <a:buNone/>
+            </a:pPr>
+            <a:r>
+              <a:t/>
+            </a:r>
+            <a:endParaRPr sz="2500"/>
+          </a:p>
+          <a:p>
+            <a:pPr indent="0" lvl="0" marL="0" rtl="0" algn="l">
+              <a:spcBef>
+                <a:spcPts val="0"/>
+              </a:spcBef>
+              <a:spcAft>
+                <a:spcPts val="0"/>
+              </a:spcAft>
+              <a:buNone/>
+            </a:pPr>
+            <a:r>
+              <a:rPr lang="en" sz="2500"/>
+              <a:t>Select ONE option.</a:t>
+            </a:r>
+            <a:endParaRPr sz="2500"/>
+          </a:p>
+        </p:txBody>
+      </p:sp>
+    </p:spTree>
+  </p:cSld>
+  <p:clrMapOvr>
+    <a:masterClrMapping/>
+  </p:clrMapOvr>
+</p:sld>
+</file>
+
+<file path=ppt/slides/slide91.xml><?xml version="1.0" encoding="utf-8"?>
+<p:sld xmlns:a="http://schemas.openxmlformats.org/drawingml/2006/main" xmlns:r="http://schemas.openxmlformats.org/officeDocument/2006/relationships" xmlns:mc="http://schemas.openxmlformats.org/markup-compatibility/2006" xmlns:mv="urn:schemas-microsoft-com:mac:vml" xmlns:p="http://schemas.openxmlformats.org/presentationml/2006/main" xmlns:c="http://schemas.openxmlformats.org/drawingml/2006/chart" xmlns:dgm="http://schemas.openxmlformats.org/drawingml/2006/diagram" xmlns:o="urn:schemas-microsoft-com:office:office" xmlns:v="urn:schemas-microsoft-com:vml" xmlns:pvml="urn:schemas-microsoft-com:office:powerpoint" xmlns:com="http://schemas.openxmlformats.org/drawingml/2006/compatibility" xmlns:p14="http://schemas.microsoft.com/office/powerpoint/2010/main" xmlns:p15="http://schemas.microsoft.com/office/powerpoint/2012/main" xmlns:ahyp="http://schemas.microsoft.com/office/drawing/2018/hyperlinkcolor">
+  <p:cSld>
+    <p:spTree>
+      <p:nvGrpSpPr>
+        <p:cNvPr id="582" name="Shape 582"/>
+        <p:cNvGrpSpPr/>
+        <p:nvPr/>
+      </p:nvGrpSpPr>
+      <p:grpSpPr>
+        <a:xfrm>
+          <a:off x="0" y="0"/>
+          <a:ext cx="0" cy="0"/>
+          <a:chOff x="0" y="0"/>
+          <a:chExt cx="0" cy="0"/>
+        </a:xfrm>
+      </p:grpSpPr>
+      <p:sp>
+        <p:nvSpPr>
+          <p:cNvPr id="583" name="Google Shape;583;g2f3140a8ad5_1_21"/>
+          <p:cNvSpPr txBox="1"/>
+          <p:nvPr>
+            <p:ph idx="1" type="body"/>
+          </p:nvPr>
+        </p:nvSpPr>
+        <p:spPr>
+          <a:xfrm>
+            <a:off x="311700" y="349900"/>
+            <a:ext cx="8520600" cy="4219200"/>
+          </a:xfrm>
+          <a:prstGeom prst="rect">
+            <a:avLst/>
+          </a:prstGeom>
+        </p:spPr>
+        <p:txBody>
+          <a:bodyPr anchorCtr="0" anchor="t" bIns="91425" lIns="91425" spcFirstLastPara="1" rIns="91425" wrap="square" tIns="91425">
+            <a:noAutofit/>
+          </a:bodyPr>
+          <a:lstStyle/>
+          <a:p>
+            <a:pPr indent="0" lvl="0" marL="0" rtl="0" algn="l">
+              <a:spcBef>
+                <a:spcPts val="0"/>
+              </a:spcBef>
+              <a:spcAft>
+                <a:spcPts val="0"/>
+              </a:spcAft>
+              <a:buNone/>
+            </a:pPr>
+            <a:r>
+              <a:rPr lang="en" sz="2300"/>
+              <a:t>a) Is not correct. Traceability is the relationship between two or more work products, not between different versions of the same work product</a:t>
+            </a:r>
+            <a:endParaRPr sz="2300"/>
+          </a:p>
+          <a:p>
+            <a:pPr indent="0" lvl="0" marL="0" rtl="0" algn="l">
+              <a:spcBef>
+                <a:spcPts val="0"/>
+              </a:spcBef>
+              <a:spcAft>
+                <a:spcPts val="0"/>
+              </a:spcAft>
+              <a:buNone/>
+            </a:pPr>
+            <a:r>
+              <a:rPr lang="en" sz="2300"/>
+              <a:t>b) Is not correct. Maintenance testing is about testing changes; it is not related closely to versioning</a:t>
+            </a:r>
+            <a:endParaRPr sz="2300"/>
+          </a:p>
+          <a:p>
+            <a:pPr indent="0" lvl="0" marL="0" rtl="0" algn="l">
+              <a:spcBef>
+                <a:spcPts val="0"/>
+              </a:spcBef>
+              <a:spcAft>
+                <a:spcPts val="0"/>
+              </a:spcAft>
+              <a:buNone/>
+            </a:pPr>
+            <a:r>
+              <a:rPr lang="en" sz="2300">
+                <a:highlight>
+                  <a:schemeClr val="accent6"/>
+                </a:highlight>
+              </a:rPr>
+              <a:t>c) Is correct. To support testing, configuration management may involve the version control of all test items</a:t>
+            </a:r>
+            <a:endParaRPr sz="2300">
+              <a:highlight>
+                <a:schemeClr val="accent6"/>
+              </a:highlight>
+            </a:endParaRPr>
+          </a:p>
+          <a:p>
+            <a:pPr indent="0" lvl="0" marL="0" rtl="0" algn="l">
+              <a:spcBef>
+                <a:spcPts val="0"/>
+              </a:spcBef>
+              <a:spcAft>
+                <a:spcPts val="0"/>
+              </a:spcAft>
+              <a:buNone/>
+            </a:pPr>
+            <a:r>
+              <a:rPr lang="en" sz="2300"/>
+              <a:t>d) Is not correct. Requirements engineering is the elicitation, documentation, and management of requirements; it is not closely related to test script versioning</a:t>
+            </a:r>
+            <a:endParaRPr sz="2300"/>
+          </a:p>
+        </p:txBody>
+      </p:sp>
+    </p:spTree>
+  </p:cSld>
+  <p:clrMapOvr>
+    <a:masterClrMapping/>
+  </p:clrMapOvr>
+</p:sld>
+</file>
+
 <file path=ppt/theme/theme1.xml><?xml version="1.0" encoding="utf-8"?>
+<a:theme xmlns:a="http://schemas.openxmlformats.org/drawingml/2006/main" xmlns:r="http://schemas.openxmlformats.org/officeDocument/2006/relationships">
+  <a:themeElements>
+    <a:clrScheme name="Default">
+      <a:dk1>
+        <a:srgbClr val="000000"/>
+      </a:dk1>
+      <a:lt1>
+        <a:srgbClr val="FFFFFF"/>
+      </a:lt1>
+      <a:dk2>
+        <a:srgbClr val="158158"/>
+      </a:dk2>
+      <a:lt2>
+        <a:srgbClr val="F3F3F3"/>
+      </a:lt2>
+      <a:accent1>
+        <a:srgbClr val="058DC7"/>
+      </a:accent1>
+      <a:accent2>
+        <a:srgbClr val="50B432"/>
+      </a:accent2>
+      <a:accent3>
+        <a:srgbClr val="ED561B"/>
+      </a:accent3>
+      <a:accent4>
+        <a:srgbClr val="EDEF00"/>
+      </a:accent4>
+      <a:accent5>
+        <a:srgbClr val="24CBE5"/>
+      </a:accent5>
+      <a:accent6>
+        <a:srgbClr val="64E572"/>
+      </a:accent6>
+      <a:hlink>
+        <a:srgbClr val="2200CC"/>
+      </a:hlink>
+      <a:folHlink>
+        <a:srgbClr val="551A8B"/>
+      </a:folHlink>
+    </a:clrScheme>
+    <a:fontScheme name="Office">
+      <a:majorFont>
+        <a:latin typeface="Arial"/>
+        <a:ea typeface=""/>
+        <a:cs typeface=""/>
+        <a:font script="Jpan" typeface="ＭＳ Ｐゴシック"/>
+        <a:font script="Hang" typeface="맑은 고딕"/>
+        <a:font script="Hans" typeface="宋体"/>
+        <a:font script="Hant" typeface="新細明體"/>
+        <a:font script="Arab" typeface="Times New Roman"/>
+        <a:font script="Hebr" typeface="Times New Roman"/>
+        <a:font script="Thai" typeface="Angsana New"/>
+        <a:font script="Ethi" typeface="Nyala"/>
+        <a:font script="Beng" typeface="Vrinda"/>
+        <a:font script="Gujr" typeface="Shruti"/>
+        <a:font script="Khmr" typeface="MoolBoran"/>
+        <a:font script="Knda" typeface="Tunga"/>
+        <a:font script="Guru" typeface="Raavi"/>
+        <a:font script="Cans" typeface="Euphemia"/>
+        <a:font script="Cher" typeface="Plantagenet Cherokee"/>
+        <a:font script="Yiii" typeface="Microsoft Yi Baiti"/>
+        <a:font script="Tibt" typeface="Microsoft Himalaya"/>
+        <a:font script="Thaa" typeface="MV Boli"/>
+        <a:font script="Deva" typeface="Mangal"/>
+        <a:font script="Telu" typeface="Gautami"/>
+        <a:font script="Taml" typeface="Latha"/>
+        <a:font script="Syrc" typeface="Estrangelo Edessa"/>
+        <a:font script="Orya" typeface="Kalinga"/>
+        <a:font script="Mlym" typeface="Kartika"/>
+        <a:font script="Laoo" typeface="DokChampa"/>
+        <a:font script="Sinh" typeface="Iskoola Pota"/>
+        <a:font script="Mong" typeface="Mongolian Baiti"/>
+        <a:font script="Viet" typeface="Times New Roman"/>
+        <a:font script="Uigh" typeface="Microsoft Uighur"/>
+        <a:font script="Geor" typeface="Sylfaen"/>
+      </a:majorFont>
+      <a:minorFont>
+        <a:latin typeface="Arial"/>
+        <a:ea typeface=""/>
+        <a:cs typeface=""/>
+        <a:font script="Jpan" typeface="ＭＳ Ｐゴシック"/>
+        <a:font script="Hang" typeface="맑은 고딕"/>
+        <a:font script="Hans" typeface="宋体"/>
+        <a:font script="Hant" typeface="新細明體"/>
+        <a:font script="Arab" typeface="Arial"/>
+        <a:font script="Hebr" typeface="Arial"/>
+        <a:font script="Thai" typeface="Cordia New"/>
+        <a:font script="Ethi" typeface="Nyala"/>
+        <a:font script="Beng" typeface="Vrinda"/>
+        <a:font script="Gujr" typeface="Shruti"/>
+        <a:font script="Khmr" typeface="DaunPenh"/>
+        <a:font script="Knda" typeface="Tunga"/>
+        <a:font script="Guru" typeface="Raavi"/>
+        <a:font script="Cans" typeface="Euphemia"/>
+        <a:font script="Cher" typeface="Plantagenet Cherokee"/>
+        <a:font script="Yiii" typeface="Microsoft Yi Baiti"/>
+        <a:font script="Tibt" typeface="Microsoft Himalaya"/>
+        <a:font script="Thaa" typeface="MV Boli"/>
+        <a:font script="Deva" typeface="Mangal"/>
+        <a:font script="Telu" typeface="Gautami"/>
+        <a:font script="Taml" typeface="Latha"/>
+        <a:font script="Syrc" typeface="Estrangelo Edessa"/>
+        <a:font script="Orya" typeface="Kalinga"/>
+        <a:font script="Mlym" typeface="Kartika"/>
+        <a:font script="Laoo" typeface="DokChampa"/>
+        <a:font script="Sinh" typeface="Iskoola Pota"/>
+        <a:font script="Mong" typeface="Mongolian Baiti"/>
+        <a:font script="Viet" typeface="Arial"/>
+        <a:font script="Uigh" typeface="Microsoft Uighur"/>
+        <a:font script="Geor" typeface="Sylfaen"/>
+      </a:minorFont>
+    </a:fontScheme>
+    <a:fmtScheme name="Office">
+      <a:fillStyleLst>
+        <a:solidFill>
+          <a:schemeClr val="phClr"/>
+        </a:solidFill>
+        <a:gradFill rotWithShape="1">
+          <a:gsLst>
+            <a:gs pos="0">
+              <a:schemeClr val="phClr">
+                <a:tint val="50000"/>
+                <a:satMod val="300000"/>
+              </a:schemeClr>
+            </a:gs>
+            <a:gs pos="35000">
+              <a:schemeClr val="phClr">
+                <a:tint val="37000"/>
+                <a:satMod val="300000"/>
+              </a:schemeClr>
+            </a:gs>
+            <a:gs pos="100000">
+              <a:schemeClr val="phClr">
+                <a:tint val="15000"/>
+                <a:satMod val="350000"/>
+              </a:schemeClr>
+            </a:gs>
+          </a:gsLst>
+          <a:lin ang="16200000" scaled="1"/>
+        </a:gradFill>
+        <a:gradFill rotWithShape="1">
+          <a:gsLst>
+            <a:gs pos="0">
+              <a:schemeClr val="phClr">
+                <a:tint val="100000"/>
+                <a:shade val="100000"/>
+                <a:satMod val="130000"/>
+              </a:schemeClr>
+            </a:gs>
+            <a:gs pos="100000">
+              <a:schemeClr val="phClr">
+                <a:tint val="50000"/>
+                <a:shade val="100000"/>
+                <a:satMod val="350000"/>
+              </a:schemeClr>
+            </a:gs>
+          </a:gsLst>
+          <a:lin ang="16200000" scaled="0"/>
+        </a:gradFill>
+      </a:fillStyleLst>
+      <a:lnStyleLst>
+        <a:ln w="9525" cap="flat" cmpd="sng" algn="ctr">
+          <a:solidFill>
+            <a:schemeClr val="phClr">
+              <a:shade val="95000"/>
+              <a:satMod val="105000"/>
+            </a:schemeClr>
+          </a:solidFill>
+          <a:prstDash val="solid"/>
+        </a:ln>
+        <a:ln w="25400" cap="flat" cmpd="sng" algn="ctr">
+          <a:solidFill>
+            <a:schemeClr val="phClr"/>
+          </a:solidFill>
+          <a:prstDash val="solid"/>
+        </a:ln>
+        <a:ln w="38100" cap="flat" cmpd="sng" algn="ctr">
+          <a:solidFill>
+            <a:schemeClr val="phClr"/>
+          </a:solidFill>
+          <a:prstDash val="solid"/>
+        </a:ln>
+      </a:lnStyleLst>
+      <a:effectStyleLst>
+        <a:effectStyle>
+          <a:effectLst>
+            <a:outerShdw blurRad="40000" dist="20000" dir="5400000" rotWithShape="0">
+              <a:srgbClr val="000000">
+                <a:alpha val="38000"/>
+              </a:srgbClr>
+            </a:outerShdw>
+          </a:effectLst>
+        </a:effectStyle>
+        <a:effectStyle>
+          <a:effectLst>
+            <a:outerShdw blurRad="40000" dist="23000" dir="5400000" rotWithShape="0">
+              <a:srgbClr val="000000">
+                <a:alpha val="35000"/>
+              </a:srgbClr>
+            </a:outerShdw>
+          </a:effectLst>
+        </a:effectStyle>
+        <a:effectStyle>
+          <a:effectLst>
+            <a:outerShdw blurRad="40000" dist="23000" dir="5400000" rotWithShape="0">
+              <a:srgbClr val="000000">
+                <a:alpha val="35000"/>
+              </a:srgbClr>
+            </a:outerShdw>
+          </a:effectLst>
+          <a:scene3d>
+            <a:camera prst="orthographicFront">
+              <a:rot lat="0" lon="0" rev="0"/>
+            </a:camera>
+            <a:lightRig rig="threePt" dir="t">
+              <a:rot lat="0" lon="0" rev="1200000"/>
+            </a:lightRig>
+          </a:scene3d>
+          <a:sp3d>
+            <a:bevelT w="63500" h="25400"/>
+          </a:sp3d>
+        </a:effectStyle>
+      </a:effectStyleLst>
+      <a:bgFillStyleLst>
+        <a:solidFill>
+          <a:schemeClr val="phClr"/>
+        </a:solidFill>
+        <a:gradFill rotWithShape="1">
+          <a:gsLst>
+            <a:gs pos="0">
+              <a:schemeClr val="phClr">
+                <a:tint val="40000"/>
+                <a:satMod val="350000"/>
+              </a:schemeClr>
+            </a:gs>
+            <a:gs pos="40000">
+              <a:schemeClr val="phClr">
+                <a:tint val="45000"/>
+                <a:shade val="99000"/>
+                <a:satMod val="350000"/>
+              </a:schemeClr>
+            </a:gs>
+            <a:gs pos="100000">
+              <a:schemeClr val="phClr">
+                <a:shade val="20000"/>
+                <a:satMod val="255000"/>
+              </a:schemeClr>
+            </a:gs>
+          </a:gsLst>
+          <a:path path="circle">
+            <a:fillToRect l="50000" t="-80000" r="50000" b="180000"/>
+          </a:path>
+        </a:gradFill>
+        <a:gradFill rotWithShape="1">
+          <a:gsLst>
+            <a:gs pos="0">
+              <a:schemeClr val="phClr">
+                <a:tint val="80000"/>
+                <a:satMod val="300000"/>
+              </a:schemeClr>
+            </a:gs>
+            <a:gs pos="100000">
+              <a:schemeClr val="phClr">
+                <a:shade val="30000"/>
+                <a:satMod val="200000"/>
+              </a:schemeClr>
+            </a:gs>
+          </a:gsLst>
+          <a:path path="circle">
+            <a:fillToRect l="50000" t="50000" r="50000" b="50000"/>
+          </a:path>
+        </a:gradFill>
+      </a:bgFillStyleLst>
+    </a:fmtScheme>
+  </a:themeElements>
+</a:theme>
+</file>
+
+<file path=ppt/theme/theme2.xml><?xml version="1.0" encoding="utf-8"?>
 <a:theme xmlns:a="http://schemas.openxmlformats.org/drawingml/2006/main" xmlns:r="http://schemas.openxmlformats.org/officeDocument/2006/relationships" name="Tropic">
   <a:themeElements>
     <a:clrScheme name="Tropic">
@@ -40244,283 +41035,4 @@
     </a:fmtScheme>
   </a:themeElements>
 </a:theme>
-</file>
-
-<file path=ppt/theme/theme2.xml><?xml version="1.0" encoding="utf-8"?>
-<a:theme xmlns:a="http://schemas.openxmlformats.org/drawingml/2006/main" xmlns:r="http://schemas.openxmlformats.org/officeDocument/2006/relationships">
-  <a:themeElements>
-    <a:clrScheme name="Default">
-      <a:dk1>
-        <a:srgbClr val="000000"/>
-      </a:dk1>
-      <a:lt1>
-        <a:srgbClr val="FFFFFF"/>
-      </a:lt1>
-      <a:dk2>
-        <a:srgbClr val="158158"/>
-      </a:dk2>
-      <a:lt2>
-        <a:srgbClr val="F3F3F3"/>
-      </a:lt2>
-      <a:accent1>
-        <a:srgbClr val="058DC7"/>
-      </a:accent1>
-      <a:accent2>
-        <a:srgbClr val="50B432"/>
-      </a:accent2>
-      <a:accent3>
-        <a:srgbClr val="ED561B"/>
-      </a:accent3>
-      <a:accent4>
-        <a:srgbClr val="EDEF00"/>
-      </a:accent4>
-      <a:accent5>
-        <a:srgbClr val="24CBE5"/>
-      </a:accent5>
-      <a:accent6>
-        <a:srgbClr val="64E572"/>
-      </a:accent6>
-      <a:hlink>
-        <a:srgbClr val="2200CC"/>
-      </a:hlink>
-      <a:folHlink>
-        <a:srgbClr val="551A8B"/>
-      </a:folHlink>
-    </a:clrScheme>
-    <a:fontScheme name="Office">
-      <a:majorFont>
-        <a:latin typeface="Arial"/>
-        <a:ea typeface=""/>
-        <a:cs typeface=""/>
-        <a:font script="Jpan" typeface="ＭＳ Ｐゴシック"/>
-        <a:font script="Hang" typeface="맑은 고딕"/>
-        <a:font script="Hans" typeface="宋体"/>
-        <a:font script="Hant" typeface="新細明體"/>
-        <a:font script="Arab" typeface="Times New Roman"/>
-        <a:font script="Hebr" typeface="Times New Roman"/>
-        <a:font script="Thai" typeface="Angsana New"/>
-        <a:font script="Ethi" typeface="Nyala"/>
-        <a:font script="Beng" typeface="Vrinda"/>
-        <a:font script="Gujr" typeface="Shruti"/>
-        <a:font script="Khmr" typeface="MoolBoran"/>
-        <a:font script="Knda" typeface="Tunga"/>
-        <a:font script="Guru" typeface="Raavi"/>
-        <a:font script="Cans" typeface="Euphemia"/>
-        <a:font script="Cher" typeface="Plantagenet Cherokee"/>
-        <a:font script="Yiii" typeface="Microsoft Yi Baiti"/>
-        <a:font script="Tibt" typeface="Microsoft Himalaya"/>
-        <a:font script="Thaa" typeface="MV Boli"/>
-        <a:font script="Deva" typeface="Mangal"/>
-        <a:font script="Telu" typeface="Gautami"/>
-        <a:font script="Taml" typeface="Latha"/>
-        <a:font script="Syrc" typeface="Estrangelo Edessa"/>
-        <a:font script="Orya" typeface="Kalinga"/>
-        <a:font script="Mlym" typeface="Kartika"/>
-        <a:font script="Laoo" typeface="DokChampa"/>
-        <a:font script="Sinh" typeface="Iskoola Pota"/>
-        <a:font script="Mong" typeface="Mongolian Baiti"/>
-        <a:font script="Viet" typeface="Times New Roman"/>
-        <a:font script="Uigh" typeface="Microsoft Uighur"/>
-        <a:font script="Geor" typeface="Sylfaen"/>
-      </a:majorFont>
-      <a:minorFont>
-        <a:latin typeface="Arial"/>
-        <a:ea typeface=""/>
-        <a:cs typeface=""/>
-        <a:font script="Jpan" typeface="ＭＳ Ｐゴシック"/>
-        <a:font script="Hang" typeface="맑은 고딕"/>
-        <a:font script="Hans" typeface="宋体"/>
-        <a:font script="Hant" typeface="新細明體"/>
-        <a:font script="Arab" typeface="Arial"/>
-        <a:font script="Hebr" typeface="Arial"/>
-        <a:font script="Thai" typeface="Cordia New"/>
-        <a:font script="Ethi" typeface="Nyala"/>
-        <a:font script="Beng" typeface="Vrinda"/>
-        <a:font script="Gujr" typeface="Shruti"/>
-        <a:font script="Khmr" typeface="DaunPenh"/>
-        <a:font script="Knda" typeface="Tunga"/>
-        <a:font script="Guru" typeface="Raavi"/>
-        <a:font script="Cans" typeface="Euphemia"/>
-        <a:font script="Cher" typeface="Plantagenet Cherokee"/>
-        <a:font script="Yiii" typeface="Microsoft Yi Baiti"/>
-        <a:font script="Tibt" typeface="Microsoft Himalaya"/>
-        <a:font script="Thaa" typeface="MV Boli"/>
-        <a:font script="Deva" typeface="Mangal"/>
-        <a:font script="Telu" typeface="Gautami"/>
-        <a:font script="Taml" typeface="Latha"/>
-        <a:font script="Syrc" typeface="Estrangelo Edessa"/>
-        <a:font script="Orya" typeface="Kalinga"/>
-        <a:font script="Mlym" typeface="Kartika"/>
-        <a:font script="Laoo" typeface="DokChampa"/>
-        <a:font script="Sinh" typeface="Iskoola Pota"/>
-        <a:font script="Mong" typeface="Mongolian Baiti"/>
-        <a:font script="Viet" typeface="Arial"/>
-        <a:font script="Uigh" typeface="Microsoft Uighur"/>
-        <a:font script="Geor" typeface="Sylfaen"/>
-      </a:minorFont>
-    </a:fontScheme>
-    <a:fmtScheme name="Office">
-      <a:fillStyleLst>
-        <a:solidFill>
-          <a:schemeClr val="phClr"/>
-        </a:solidFill>
-        <a:gradFill rotWithShape="1">
-          <a:gsLst>
-            <a:gs pos="0">
-              <a:schemeClr val="phClr">
-                <a:tint val="50000"/>
-                <a:satMod val="300000"/>
-              </a:schemeClr>
-            </a:gs>
-            <a:gs pos="35000">
-              <a:schemeClr val="phClr">
-                <a:tint val="37000"/>
-                <a:satMod val="300000"/>
-              </a:schemeClr>
-            </a:gs>
-            <a:gs pos="100000">
-              <a:schemeClr val="phClr">
-                <a:tint val="15000"/>
-                <a:satMod val="350000"/>
-              </a:schemeClr>
-            </a:gs>
-          </a:gsLst>
-          <a:lin ang="16200000" scaled="1"/>
-        </a:gradFill>
-        <a:gradFill rotWithShape="1">
-          <a:gsLst>
-            <a:gs pos="0">
-              <a:schemeClr val="phClr">
-                <a:tint val="100000"/>
-                <a:shade val="100000"/>
-                <a:satMod val="130000"/>
-              </a:schemeClr>
-            </a:gs>
-            <a:gs pos="100000">
-              <a:schemeClr val="phClr">
-                <a:tint val="50000"/>
-                <a:shade val="100000"/>
-                <a:satMod val="350000"/>
-              </a:schemeClr>
-            </a:gs>
-          </a:gsLst>
-          <a:lin ang="16200000" scaled="0"/>
-        </a:gradFill>
-      </a:fillStyleLst>
-      <a:lnStyleLst>
-        <a:ln w="9525" cap="flat" cmpd="sng" algn="ctr">
-          <a:solidFill>
-            <a:schemeClr val="phClr">
-              <a:shade val="95000"/>
-              <a:satMod val="105000"/>
-            </a:schemeClr>
-          </a:solidFill>
-          <a:prstDash val="solid"/>
-        </a:ln>
-        <a:ln w="25400" cap="flat" cmpd="sng" algn="ctr">
-          <a:solidFill>
-            <a:schemeClr val="phClr"/>
-          </a:solidFill>
-          <a:prstDash val="solid"/>
-        </a:ln>
-        <a:ln w="38100" cap="flat" cmpd="sng" algn="ctr">
-          <a:solidFill>
-            <a:schemeClr val="phClr"/>
-          </a:solidFill>
-          <a:prstDash val="solid"/>
-        </a:ln>
-      </a:lnStyleLst>
-      <a:effectStyleLst>
-        <a:effectStyle>
-          <a:effectLst>
-            <a:outerShdw blurRad="40000" dist="20000" dir="5400000" rotWithShape="0">
-              <a:srgbClr val="000000">
-                <a:alpha val="38000"/>
-              </a:srgbClr>
-            </a:outerShdw>
-          </a:effectLst>
-        </a:effectStyle>
-        <a:effectStyle>
-          <a:effectLst>
-            <a:outerShdw blurRad="40000" dist="23000" dir="5400000" rotWithShape="0">
-              <a:srgbClr val="000000">
-                <a:alpha val="35000"/>
-              </a:srgbClr>
-            </a:outerShdw>
-          </a:effectLst>
-        </a:effectStyle>
-        <a:effectStyle>
-          <a:effectLst>
-            <a:outerShdw blurRad="40000" dist="23000" dir="5400000" rotWithShape="0">
-              <a:srgbClr val="000000">
-                <a:alpha val="35000"/>
-              </a:srgbClr>
-            </a:outerShdw>
-          </a:effectLst>
-          <a:scene3d>
-            <a:camera prst="orthographicFront">
-              <a:rot lat="0" lon="0" rev="0"/>
-            </a:camera>
-            <a:lightRig rig="threePt" dir="t">
-              <a:rot lat="0" lon="0" rev="1200000"/>
-            </a:lightRig>
-          </a:scene3d>
-          <a:sp3d>
-            <a:bevelT w="63500" h="25400"/>
-          </a:sp3d>
-        </a:effectStyle>
-      </a:effectStyleLst>
-      <a:bgFillStyleLst>
-        <a:solidFill>
-          <a:schemeClr val="phClr"/>
-        </a:solidFill>
-        <a:gradFill rotWithShape="1">
-          <a:gsLst>
-            <a:gs pos="0">
-              <a:schemeClr val="phClr">
-                <a:tint val="40000"/>
-                <a:satMod val="350000"/>
-              </a:schemeClr>
-            </a:gs>
-            <a:gs pos="40000">
-              <a:schemeClr val="phClr">
-                <a:tint val="45000"/>
-                <a:shade val="99000"/>
-                <a:satMod val="350000"/>
-              </a:schemeClr>
-            </a:gs>
-            <a:gs pos="100000">
-              <a:schemeClr val="phClr">
-                <a:shade val="20000"/>
-                <a:satMod val="255000"/>
-              </a:schemeClr>
-            </a:gs>
-          </a:gsLst>
-          <a:path path="circle">
-            <a:fillToRect l="50000" t="-80000" r="50000" b="180000"/>
-          </a:path>
-        </a:gradFill>
-        <a:gradFill rotWithShape="1">
-          <a:gsLst>
-            <a:gs pos="0">
-              <a:schemeClr val="phClr">
-                <a:tint val="80000"/>
-                <a:satMod val="300000"/>
-              </a:schemeClr>
-            </a:gs>
-            <a:gs pos="100000">
-              <a:schemeClr val="phClr">
-                <a:shade val="30000"/>
-                <a:satMod val="200000"/>
-              </a:schemeClr>
-            </a:gs>
-          </a:gsLst>
-          <a:path path="circle">
-            <a:fillToRect l="50000" t="50000" r="50000" b="50000"/>
-          </a:path>
-        </a:gradFill>
-      </a:bgFillStyleLst>
-    </a:fmtScheme>
-  </a:themeElements>
-</a:theme>
 </file>
--- a/ISTQB Foundation Level Preparation.pptx
+++ b/ISTQB Foundation Level Preparation.pptx
@@ -99,21 +99,23 @@
     <p:sldId id="344" r:id="rId95"/>
     <p:sldId id="345" r:id="rId96"/>
     <p:sldId id="346" r:id="rId97"/>
+    <p:sldId id="347" r:id="rId98"/>
+    <p:sldId id="348" r:id="rId99"/>
   </p:sldIdLst>
   <p:sldSz cy="5143500" cx="9144000"/>
   <p:notesSz cx="6858000" cy="9144000"/>
   <p:embeddedFontLst>
     <p:embeddedFont>
       <p:font typeface="PT Sans Narrow"/>
-      <p:regular r:id="rId98"/>
-      <p:bold r:id="rId99"/>
+      <p:regular r:id="rId100"/>
+      <p:bold r:id="rId101"/>
     </p:embeddedFont>
     <p:embeddedFont>
       <p:font typeface="Open Sans"/>
-      <p:regular r:id="rId100"/>
-      <p:bold r:id="rId101"/>
-      <p:italic r:id="rId102"/>
-      <p:boldItalic r:id="rId103"/>
+      <p:regular r:id="rId102"/>
+      <p:bold r:id="rId103"/>
+      <p:italic r:id="rId104"/>
+      <p:boldItalic r:id="rId105"/>
     </p:embeddedFont>
   </p:embeddedFontLst>
   <p:defaultTextStyle>
@@ -361,7 +363,7 @@
       </p15:sldGuideLst>
     </p:ext>
     <p:ext uri="GoogleSlidesCustomDataVersion2">
-      <go:slidesCustomData xmlns:go="http://customooxmlschemas.google.com/" r:id="rId104" roundtripDataSignature="AMtx7mhoMSMThigeVKpZPK3qQ6l/5hG6wg=="/>
+      <go:slidesCustomData xmlns:go="http://customooxmlschemas.google.com/" r:id="rId106" roundtripDataSignature="AMtx7mhBrZDt4r0vXFM/9oUm5slwPfgfGg=="/>
     </p:ext>
   </p:extLst>
 </p:presentation>
@@ -11351,6 +11353,204 @@
       <p:sp>
         <p:nvSpPr>
           <p:cNvPr id="581" name="Google Shape;581;g2f3140a8ad5_1_21:notes"/>
+          <p:cNvSpPr txBox="1"/>
+          <p:nvPr>
+            <p:ph idx="1" type="body"/>
+          </p:nvPr>
+        </p:nvSpPr>
+        <p:spPr>
+          <a:xfrm>
+            <a:off x="685800" y="4343400"/>
+            <a:ext cx="5486400" cy="4114800"/>
+          </a:xfrm>
+          <a:prstGeom prst="rect">
+            <a:avLst/>
+          </a:prstGeom>
+        </p:spPr>
+        <p:txBody>
+          <a:bodyPr anchorCtr="0" anchor="t" bIns="91425" lIns="91425" spcFirstLastPara="1" rIns="91425" wrap="square" tIns="91425">
+            <a:noAutofit/>
+          </a:bodyPr>
+          <a:lstStyle/>
+          <a:p>
+            <a:pPr indent="0" lvl="0" marL="0" rtl="0" algn="l">
+              <a:spcBef>
+                <a:spcPts val="0"/>
+              </a:spcBef>
+              <a:spcAft>
+                <a:spcPts val="0"/>
+              </a:spcAft>
+              <a:buNone/>
+            </a:pPr>
+            <a:r>
+              <a:t/>
+            </a:r>
+            <a:endParaRPr/>
+          </a:p>
+        </p:txBody>
+      </p:sp>
+    </p:spTree>
+  </p:cSld>
+  <p:clrMapOvr>
+    <a:masterClrMapping/>
+  </p:clrMapOvr>
+</p:notes>
+</file>
+
+<file path=ppt/notesSlides/notesSlide92.xml><?xml version="1.0" encoding="utf-8"?>
+<p:notes xmlns:a="http://schemas.openxmlformats.org/drawingml/2006/main" xmlns:r="http://schemas.openxmlformats.org/officeDocument/2006/relationships" xmlns:mc="http://schemas.openxmlformats.org/markup-compatibility/2006" xmlns:mv="urn:schemas-microsoft-com:mac:vml" xmlns:p="http://schemas.openxmlformats.org/presentationml/2006/main" xmlns:c="http://schemas.openxmlformats.org/drawingml/2006/chart" xmlns:dgm="http://schemas.openxmlformats.org/drawingml/2006/diagram" xmlns:o="urn:schemas-microsoft-com:office:office" xmlns:v="urn:schemas-microsoft-com:vml" xmlns:pvml="urn:schemas-microsoft-com:office:powerpoint" xmlns:com="http://schemas.openxmlformats.org/drawingml/2006/compatibility" xmlns:p14="http://schemas.microsoft.com/office/powerpoint/2010/main" xmlns:p15="http://schemas.microsoft.com/office/powerpoint/2012/main" xmlns:ahyp="http://schemas.microsoft.com/office/drawing/2018/hyperlinkcolor" showMasterPhAnim="0" showMasterSp="0">
+  <p:cSld>
+    <p:spTree>
+      <p:nvGrpSpPr>
+        <p:cNvPr id="584" name="Shape 584"/>
+        <p:cNvGrpSpPr/>
+        <p:nvPr/>
+      </p:nvGrpSpPr>
+      <p:grpSpPr>
+        <a:xfrm>
+          <a:off x="0" y="0"/>
+          <a:ext cx="0" cy="0"/>
+          <a:chOff x="0" y="0"/>
+          <a:chExt cx="0" cy="0"/>
+        </a:xfrm>
+      </p:grpSpPr>
+      <p:sp>
+        <p:nvSpPr>
+          <p:cNvPr id="585" name="Google Shape;585;g2f3140a8ad5_1_33:notes"/>
+          <p:cNvSpPr/>
+          <p:nvPr>
+            <p:ph idx="2" type="sldImg"/>
+          </p:nvPr>
+        </p:nvSpPr>
+        <p:spPr>
+          <a:xfrm>
+            <a:off x="381300" y="685800"/>
+            <a:ext cx="6096000" cy="3429000"/>
+          </a:xfrm>
+          <a:custGeom>
+            <a:rect b="b" l="l" r="r" t="t"/>
+            <a:pathLst>
+              <a:path extrusionOk="0" h="120000" w="120000">
+                <a:moveTo>
+                  <a:pt x="0" y="0"/>
+                </a:moveTo>
+                <a:lnTo>
+                  <a:pt x="120000" y="0"/>
+                </a:lnTo>
+                <a:lnTo>
+                  <a:pt x="120000" y="120000"/>
+                </a:lnTo>
+                <a:lnTo>
+                  <a:pt x="0" y="120000"/>
+                </a:lnTo>
+                <a:close/>
+              </a:path>
+            </a:pathLst>
+          </a:custGeom>
+        </p:spPr>
+      </p:sp>
+      <p:sp>
+        <p:nvSpPr>
+          <p:cNvPr id="586" name="Google Shape;586;g2f3140a8ad5_1_33:notes"/>
+          <p:cNvSpPr txBox="1"/>
+          <p:nvPr>
+            <p:ph idx="1" type="body"/>
+          </p:nvPr>
+        </p:nvSpPr>
+        <p:spPr>
+          <a:xfrm>
+            <a:off x="685800" y="4343400"/>
+            <a:ext cx="5486400" cy="4114800"/>
+          </a:xfrm>
+          <a:prstGeom prst="rect">
+            <a:avLst/>
+          </a:prstGeom>
+        </p:spPr>
+        <p:txBody>
+          <a:bodyPr anchorCtr="0" anchor="t" bIns="91425" lIns="91425" spcFirstLastPara="1" rIns="91425" wrap="square" tIns="91425">
+            <a:noAutofit/>
+          </a:bodyPr>
+          <a:lstStyle/>
+          <a:p>
+            <a:pPr indent="0" lvl="0" marL="0" rtl="0" algn="l">
+              <a:spcBef>
+                <a:spcPts val="0"/>
+              </a:spcBef>
+              <a:spcAft>
+                <a:spcPts val="0"/>
+              </a:spcAft>
+              <a:buNone/>
+            </a:pPr>
+            <a:r>
+              <a:t/>
+            </a:r>
+            <a:endParaRPr/>
+          </a:p>
+        </p:txBody>
+      </p:sp>
+    </p:spTree>
+  </p:cSld>
+  <p:clrMapOvr>
+    <a:masterClrMapping/>
+  </p:clrMapOvr>
+</p:notes>
+</file>
+
+<file path=ppt/notesSlides/notesSlide93.xml><?xml version="1.0" encoding="utf-8"?>
+<p:notes xmlns:a="http://schemas.openxmlformats.org/drawingml/2006/main" xmlns:r="http://schemas.openxmlformats.org/officeDocument/2006/relationships" xmlns:mc="http://schemas.openxmlformats.org/markup-compatibility/2006" xmlns:mv="urn:schemas-microsoft-com:mac:vml" xmlns:p="http://schemas.openxmlformats.org/presentationml/2006/main" xmlns:c="http://schemas.openxmlformats.org/drawingml/2006/chart" xmlns:dgm="http://schemas.openxmlformats.org/drawingml/2006/diagram" xmlns:o="urn:schemas-microsoft-com:office:office" xmlns:v="urn:schemas-microsoft-com:vml" xmlns:pvml="urn:schemas-microsoft-com:office:powerpoint" xmlns:com="http://schemas.openxmlformats.org/drawingml/2006/compatibility" xmlns:p14="http://schemas.microsoft.com/office/powerpoint/2010/main" xmlns:p15="http://schemas.microsoft.com/office/powerpoint/2012/main" xmlns:ahyp="http://schemas.microsoft.com/office/drawing/2018/hyperlinkcolor" showMasterPhAnim="0" showMasterSp="0">
+  <p:cSld>
+    <p:spTree>
+      <p:nvGrpSpPr>
+        <p:cNvPr id="589" name="Shape 589"/>
+        <p:cNvGrpSpPr/>
+        <p:nvPr/>
+      </p:nvGrpSpPr>
+      <p:grpSpPr>
+        <a:xfrm>
+          <a:off x="0" y="0"/>
+          <a:ext cx="0" cy="0"/>
+          <a:chOff x="0" y="0"/>
+          <a:chExt cx="0" cy="0"/>
+        </a:xfrm>
+      </p:grpSpPr>
+      <p:sp>
+        <p:nvSpPr>
+          <p:cNvPr id="590" name="Google Shape;590;g2f3140a8ad5_1_38:notes"/>
+          <p:cNvSpPr/>
+          <p:nvPr>
+            <p:ph idx="2" type="sldImg"/>
+          </p:nvPr>
+        </p:nvSpPr>
+        <p:spPr>
+          <a:xfrm>
+            <a:off x="381300" y="685800"/>
+            <a:ext cx="6096000" cy="3429000"/>
+          </a:xfrm>
+          <a:custGeom>
+            <a:rect b="b" l="l" r="r" t="t"/>
+            <a:pathLst>
+              <a:path extrusionOk="0" h="120000" w="120000">
+                <a:moveTo>
+                  <a:pt x="0" y="0"/>
+                </a:moveTo>
+                <a:lnTo>
+                  <a:pt x="120000" y="0"/>
+                </a:lnTo>
+                <a:lnTo>
+                  <a:pt x="120000" y="120000"/>
+                </a:lnTo>
+                <a:lnTo>
+                  <a:pt x="0" y="120000"/>
+                </a:lnTo>
+                <a:close/>
+              </a:path>
+            </a:pathLst>
+          </a:custGeom>
+        </p:spPr>
+      </p:sp>
+      <p:sp>
+        <p:nvSpPr>
+          <p:cNvPr id="591" name="Google Shape;591;g2f3140a8ad5_1_38:notes"/>
           <p:cNvSpPr txBox="1"/>
           <p:nvPr>
             <p:ph idx="1" type="body"/>
@@ -27230,7 +27430,7 @@
             <a:tbl>
               <a:tblPr>
                 <a:noFill/>
-                <a:tableStyleId>{9B2BD14A-FF83-492A-807A-8444DE86ACF9}</a:tableStyleId>
+                <a:tableStyleId>{6F851F04-CA3F-4AA0-9C6C-100573B83BE5}</a:tableStyleId>
               </a:tblPr>
               <a:tblGrid>
                 <a:gridCol w="5713925"/>
@@ -39200,6 +39400,21 @@
               <a:buNone/>
             </a:pPr>
             <a:r>
+              <a:t/>
+            </a:r>
+            <a:endParaRPr b="1" sz="2600"/>
+          </a:p>
+          <a:p>
+            <a:pPr indent="0" lvl="0" marL="0" rtl="0" algn="l">
+              <a:spcBef>
+                <a:spcPts val="0"/>
+              </a:spcBef>
+              <a:spcAft>
+                <a:spcPts val="0"/>
+              </a:spcAft>
+              <a:buNone/>
+            </a:pPr>
+            <a:r>
               <a:rPr b="1" lang="en" sz="2600"/>
               <a:t>Risk</a:t>
             </a:r>
@@ -39274,36 +39489,6 @@
             <a:r>
               <a:rPr lang="en" sz="2600"/>
               <a:t>o A selected sample of end users performs alpha and beta acceptance testing before the release</a:t>
-            </a:r>
-            <a:endParaRPr sz="2600"/>
-          </a:p>
-          <a:p>
-            <a:pPr indent="0" lvl="0" marL="0" rtl="0" algn="l">
-              <a:spcBef>
-                <a:spcPts val="0"/>
-              </a:spcBef>
-              <a:spcAft>
-                <a:spcPts val="0"/>
-              </a:spcAft>
-              <a:buNone/>
-            </a:pPr>
-            <a:r>
-              <a:t/>
-            </a:r>
-            <a:endParaRPr/>
-          </a:p>
-          <a:p>
-            <a:pPr indent="0" lvl="0" marL="0" rtl="0" algn="l">
-              <a:spcBef>
-                <a:spcPts val="0"/>
-              </a:spcBef>
-              <a:spcAft>
-                <a:spcPts val="0"/>
-              </a:spcAft>
-              <a:buNone/>
-            </a:pPr>
-            <a:r>
-              <a:t/>
             </a:r>
             <a:endParaRPr/>
           </a:p>
@@ -40468,6 +40653,288 @@
               <a:t>d) Is not correct. Requirements engineering is the elicitation, documentation, and management of requirements; it is not closely related to test script versioning</a:t>
             </a:r>
             <a:endParaRPr sz="2300"/>
+          </a:p>
+        </p:txBody>
+      </p:sp>
+    </p:spTree>
+  </p:cSld>
+  <p:clrMapOvr>
+    <a:masterClrMapping/>
+  </p:clrMapOvr>
+</p:sld>
+</file>
+
+<file path=ppt/slides/slide92.xml><?xml version="1.0" encoding="utf-8"?>
+<p:sld xmlns:a="http://schemas.openxmlformats.org/drawingml/2006/main" xmlns:r="http://schemas.openxmlformats.org/officeDocument/2006/relationships" xmlns:mc="http://schemas.openxmlformats.org/markup-compatibility/2006" xmlns:mv="urn:schemas-microsoft-com:mac:vml" xmlns:p="http://schemas.openxmlformats.org/presentationml/2006/main" xmlns:c="http://schemas.openxmlformats.org/drawingml/2006/chart" xmlns:dgm="http://schemas.openxmlformats.org/drawingml/2006/diagram" xmlns:o="urn:schemas-microsoft-com:office:office" xmlns:v="urn:schemas-microsoft-com:vml" xmlns:pvml="urn:schemas-microsoft-com:office:powerpoint" xmlns:com="http://schemas.openxmlformats.org/drawingml/2006/compatibility" xmlns:p14="http://schemas.microsoft.com/office/powerpoint/2010/main" xmlns:p15="http://schemas.microsoft.com/office/powerpoint/2012/main" xmlns:ahyp="http://schemas.microsoft.com/office/drawing/2018/hyperlinkcolor">
+  <p:cSld>
+    <p:spTree>
+      <p:nvGrpSpPr>
+        <p:cNvPr id="587" name="Shape 587"/>
+        <p:cNvGrpSpPr/>
+        <p:nvPr/>
+      </p:nvGrpSpPr>
+      <p:grpSpPr>
+        <a:xfrm>
+          <a:off x="0" y="0"/>
+          <a:ext cx="0" cy="0"/>
+          <a:chOff x="0" y="0"/>
+          <a:chExt cx="0" cy="0"/>
+        </a:xfrm>
+      </p:grpSpPr>
+      <p:sp>
+        <p:nvSpPr>
+          <p:cNvPr id="588" name="Google Shape;588;g2f3140a8ad5_1_33"/>
+          <p:cNvSpPr txBox="1"/>
+          <p:nvPr>
+            <p:ph idx="1" type="body"/>
+          </p:nvPr>
+        </p:nvSpPr>
+        <p:spPr>
+          <a:xfrm>
+            <a:off x="311700" y="279925"/>
+            <a:ext cx="8520600" cy="4548600"/>
+          </a:xfrm>
+          <a:prstGeom prst="rect">
+            <a:avLst/>
+          </a:prstGeom>
+        </p:spPr>
+        <p:txBody>
+          <a:bodyPr anchorCtr="0" anchor="t" bIns="91425" lIns="91425" spcFirstLastPara="1" rIns="91425" wrap="square" tIns="91425">
+            <a:normAutofit lnSpcReduction="20000"/>
+          </a:bodyPr>
+          <a:lstStyle/>
+          <a:p>
+            <a:pPr indent="0" lvl="0" marL="0" rtl="0" algn="l">
+              <a:spcBef>
+                <a:spcPts val="0"/>
+              </a:spcBef>
+              <a:spcAft>
+                <a:spcPts val="0"/>
+              </a:spcAft>
+              <a:buNone/>
+            </a:pPr>
+            <a:r>
+              <a:rPr lang="en" sz="2500">
+                <a:solidFill>
+                  <a:schemeClr val="accent1"/>
+                </a:solidFill>
+                <a:latin typeface="PT Sans Narrow"/>
+                <a:ea typeface="PT Sans Narrow"/>
+                <a:cs typeface="PT Sans Narrow"/>
+                <a:sym typeface="PT Sans Narrow"/>
+              </a:rPr>
+              <a:t>38. </a:t>
+            </a:r>
+            <a:r>
+              <a:rPr lang="en" sz="2500">
+                <a:solidFill>
+                  <a:schemeClr val="accent1"/>
+                </a:solidFill>
+                <a:latin typeface="PT Sans Narrow"/>
+                <a:ea typeface="PT Sans Narrow"/>
+                <a:cs typeface="PT Sans Narrow"/>
+                <a:sym typeface="PT Sans Narrow"/>
+              </a:rPr>
+              <a:t>You received the following defect report from the developers stating that the anomaly described in this test report is not reproducible.</a:t>
+            </a:r>
+            <a:endParaRPr sz="2500">
+              <a:solidFill>
+                <a:schemeClr val="accent1"/>
+              </a:solidFill>
+              <a:latin typeface="PT Sans Narrow"/>
+              <a:ea typeface="PT Sans Narrow"/>
+              <a:cs typeface="PT Sans Narrow"/>
+              <a:sym typeface="PT Sans Narrow"/>
+            </a:endParaRPr>
+          </a:p>
+          <a:p>
+            <a:pPr indent="0" lvl="0" marL="0" rtl="0" algn="l">
+              <a:spcBef>
+                <a:spcPts val="0"/>
+              </a:spcBef>
+              <a:spcAft>
+                <a:spcPts val="0"/>
+              </a:spcAft>
+              <a:buNone/>
+            </a:pPr>
+            <a:r>
+              <a:rPr lang="en" sz="2200"/>
+              <a:t>Application hangs up</a:t>
+            </a:r>
+            <a:endParaRPr sz="2200"/>
+          </a:p>
+          <a:p>
+            <a:pPr indent="0" lvl="0" marL="0" rtl="0" algn="l">
+              <a:spcBef>
+                <a:spcPts val="0"/>
+              </a:spcBef>
+              <a:spcAft>
+                <a:spcPts val="0"/>
+              </a:spcAft>
+              <a:buNone/>
+            </a:pPr>
+            <a:r>
+              <a:rPr lang="en" sz="2200"/>
+              <a:t>2022-May-03 – John Doe – Rejected</a:t>
+            </a:r>
+            <a:endParaRPr sz="2200"/>
+          </a:p>
+          <a:p>
+            <a:pPr indent="0" lvl="0" marL="0" rtl="0" algn="l">
+              <a:spcBef>
+                <a:spcPts val="0"/>
+              </a:spcBef>
+              <a:spcAft>
+                <a:spcPts val="0"/>
+              </a:spcAft>
+              <a:buNone/>
+            </a:pPr>
+            <a:r>
+              <a:rPr lang="en" sz="2200"/>
+              <a:t>The application hangs up after entering “Test input: $ä” in the Name field on the new user creation screen. Tried to log off, log in with test_admin01 account, same issue. Tried with other test admin accounts, same issue. No error message received; log (see attached) contains fatal error notification. Based on the test case TC-1305, the application should accept the provided input and create the user. Please fix with high priority, this feature is related to REQ-0012, which is a critical new business requirement.</a:t>
+            </a:r>
+            <a:endParaRPr sz="2200"/>
+          </a:p>
+        </p:txBody>
+      </p:sp>
+    </p:spTree>
+  </p:cSld>
+  <p:clrMapOvr>
+    <a:masterClrMapping/>
+  </p:clrMapOvr>
+</p:sld>
+</file>
+
+<file path=ppt/slides/slide93.xml><?xml version="1.0" encoding="utf-8"?>
+<p:sld xmlns:a="http://schemas.openxmlformats.org/drawingml/2006/main" xmlns:r="http://schemas.openxmlformats.org/officeDocument/2006/relationships" xmlns:mc="http://schemas.openxmlformats.org/markup-compatibility/2006" xmlns:mv="urn:schemas-microsoft-com:mac:vml" xmlns:p="http://schemas.openxmlformats.org/presentationml/2006/main" xmlns:c="http://schemas.openxmlformats.org/drawingml/2006/chart" xmlns:dgm="http://schemas.openxmlformats.org/drawingml/2006/diagram" xmlns:o="urn:schemas-microsoft-com:office:office" xmlns:v="urn:schemas-microsoft-com:vml" xmlns:pvml="urn:schemas-microsoft-com:office:powerpoint" xmlns:com="http://schemas.openxmlformats.org/drawingml/2006/compatibility" xmlns:p14="http://schemas.microsoft.com/office/powerpoint/2010/main" xmlns:p15="http://schemas.microsoft.com/office/powerpoint/2012/main" xmlns:ahyp="http://schemas.microsoft.com/office/drawing/2018/hyperlinkcolor">
+  <p:cSld>
+    <p:spTree>
+      <p:nvGrpSpPr>
+        <p:cNvPr id="592" name="Shape 592"/>
+        <p:cNvGrpSpPr/>
+        <p:nvPr/>
+      </p:nvGrpSpPr>
+      <p:grpSpPr>
+        <a:xfrm>
+          <a:off x="0" y="0"/>
+          <a:ext cx="0" cy="0"/>
+          <a:chOff x="0" y="0"/>
+          <a:chExt cx="0" cy="0"/>
+        </a:xfrm>
+      </p:grpSpPr>
+      <p:sp>
+        <p:nvSpPr>
+          <p:cNvPr id="593" name="Google Shape;593;g2f3140a8ad5_1_38"/>
+          <p:cNvSpPr txBox="1"/>
+          <p:nvPr>
+            <p:ph idx="1" type="body"/>
+          </p:nvPr>
+        </p:nvSpPr>
+        <p:spPr>
+          <a:xfrm>
+            <a:off x="311700" y="314900"/>
+            <a:ext cx="8520600" cy="4496100"/>
+          </a:xfrm>
+          <a:prstGeom prst="rect">
+            <a:avLst/>
+          </a:prstGeom>
+        </p:spPr>
+        <p:txBody>
+          <a:bodyPr anchorCtr="0" anchor="t" bIns="91425" lIns="91425" spcFirstLastPara="1" rIns="91425" wrap="square" tIns="91425">
+            <a:noAutofit/>
+          </a:bodyPr>
+          <a:lstStyle/>
+          <a:p>
+            <a:pPr indent="0" lvl="0" marL="0" rtl="0" algn="l">
+              <a:spcBef>
+                <a:spcPts val="0"/>
+              </a:spcBef>
+              <a:spcAft>
+                <a:spcPts val="0"/>
+              </a:spcAft>
+              <a:buNone/>
+            </a:pPr>
+            <a:r>
+              <a:rPr b="1" lang="en" sz="1900"/>
+              <a:t>a)</a:t>
+            </a:r>
+            <a:r>
+              <a:rPr lang="en" sz="1900"/>
+              <a:t> Is not correct. The expected result is “the application should accept the provided input and create the user”. The actual result is “The application hangs up after entering “Test input. $ä””.</a:t>
+            </a:r>
+            <a:endParaRPr sz="1900"/>
+          </a:p>
+          <a:p>
+            <a:pPr indent="0" lvl="0" marL="0" rtl="0" algn="l">
+              <a:spcBef>
+                <a:spcPts val="0"/>
+              </a:spcBef>
+              <a:spcAft>
+                <a:spcPts val="0"/>
+              </a:spcAft>
+              <a:buNone/>
+            </a:pPr>
+            <a:r>
+              <a:rPr b="1" lang="en" sz="1900"/>
+              <a:t>b) </a:t>
+            </a:r>
+            <a:r>
+              <a:rPr lang="en" sz="1900"/>
+              <a:t>Is not correct. There is a reference to the test case and to the related requirement and it states that the defect is rejected. Also, the defect status would not be very helpful for the developers</a:t>
+            </a:r>
+            <a:endParaRPr sz="1900"/>
+          </a:p>
+          <a:p>
+            <a:pPr indent="0" lvl="0" marL="0" rtl="0" algn="l">
+              <a:spcBef>
+                <a:spcPts val="0"/>
+              </a:spcBef>
+              <a:spcAft>
+                <a:spcPts val="0"/>
+              </a:spcAft>
+              <a:buNone/>
+            </a:pPr>
+            <a:r>
+              <a:rPr b="1" lang="en" sz="1900">
+                <a:highlight>
+                  <a:schemeClr val="accent6"/>
+                </a:highlight>
+              </a:rPr>
+              <a:t>c)</a:t>
+            </a:r>
+            <a:r>
+              <a:rPr lang="en" sz="1900">
+                <a:highlight>
+                  <a:schemeClr val="accent6"/>
+                </a:highlight>
+              </a:rPr>
+              <a:t> Is correct. We do not know in which test environment the anomaly was detected, and we also do not know which application (and its version) is affected</a:t>
+            </a:r>
+            <a:endParaRPr sz="1900">
+              <a:highlight>
+                <a:schemeClr val="accent6"/>
+              </a:highlight>
+            </a:endParaRPr>
+          </a:p>
+          <a:p>
+            <a:pPr indent="0" lvl="0" marL="0" rtl="0" algn="l">
+              <a:spcBef>
+                <a:spcPts val="0"/>
+              </a:spcBef>
+              <a:spcAft>
+                <a:spcPts val="0"/>
+              </a:spcAft>
+              <a:buNone/>
+            </a:pPr>
+            <a:r>
+              <a:rPr b="1" lang="en" sz="1900"/>
+              <a:t>d)</a:t>
+            </a:r>
+            <a:r>
+              <a:rPr lang="en" sz="1900"/>
+              <a:t> Is not correct. The defect report states that the anomaly is urgent, that it is a global issue (i.e., many, if not all, test administration accounts are affected) and states the impact is high for business stakeholders</a:t>
+            </a:r>
+            <a:endParaRPr sz="1900"/>
           </a:p>
         </p:txBody>
       </p:sp>

--- a/ISTQB Foundation Level Preparation.pptx
+++ b/ISTQB Foundation Level Preparation.pptx
@@ -101,21 +101,24 @@
     <p:sldId id="346" r:id="rId97"/>
     <p:sldId id="347" r:id="rId98"/>
     <p:sldId id="348" r:id="rId99"/>
+    <p:sldId id="349" r:id="rId100"/>
+    <p:sldId id="350" r:id="rId101"/>
+    <p:sldId id="351" r:id="rId102"/>
   </p:sldIdLst>
   <p:sldSz cy="5143500" cx="9144000"/>
   <p:notesSz cx="6858000" cy="9144000"/>
   <p:embeddedFontLst>
     <p:embeddedFont>
       <p:font typeface="PT Sans Narrow"/>
-      <p:regular r:id="rId100"/>
-      <p:bold r:id="rId101"/>
+      <p:regular r:id="rId103"/>
+      <p:bold r:id="rId104"/>
     </p:embeddedFont>
     <p:embeddedFont>
       <p:font typeface="Open Sans"/>
-      <p:regular r:id="rId102"/>
-      <p:bold r:id="rId103"/>
-      <p:italic r:id="rId104"/>
-      <p:boldItalic r:id="rId105"/>
+      <p:regular r:id="rId105"/>
+      <p:bold r:id="rId106"/>
+      <p:italic r:id="rId107"/>
+      <p:boldItalic r:id="rId108"/>
     </p:embeddedFont>
   </p:embeddedFontLst>
   <p:defaultTextStyle>
@@ -363,7 +366,7 @@
       </p15:sldGuideLst>
     </p:ext>
     <p:ext uri="GoogleSlidesCustomDataVersion2">
-      <go:slidesCustomData xmlns:go="http://customooxmlschemas.google.com/" r:id="rId106" roundtripDataSignature="AMtx7mhBrZDt4r0vXFM/9oUm5slwPfgfGg=="/>
+      <go:slidesCustomData xmlns:go="http://customooxmlschemas.google.com/" r:id="rId109" roundtripDataSignature="AMtx7mi09nFvpIn0ZQ+lw3UvF01HnmOSnw=="/>
     </p:ext>
   </p:extLst>
 </p:presentation>
@@ -11515,7 +11518,7 @@
       </p:grpSpPr>
       <p:sp>
         <p:nvSpPr>
-          <p:cNvPr id="590" name="Google Shape;590;g2f3140a8ad5_1_38:notes"/>
+          <p:cNvPr id="590" name="Google Shape;590;g2f3140a8ad5_1_55:notes"/>
           <p:cNvSpPr/>
           <p:nvPr>
             <p:ph idx="2" type="sldImg"/>
@@ -11550,7 +11553,304 @@
       </p:sp>
       <p:sp>
         <p:nvSpPr>
-          <p:cNvPr id="591" name="Google Shape;591;g2f3140a8ad5_1_38:notes"/>
+          <p:cNvPr id="591" name="Google Shape;591;g2f3140a8ad5_1_55:notes"/>
+          <p:cNvSpPr txBox="1"/>
+          <p:nvPr>
+            <p:ph idx="1" type="body"/>
+          </p:nvPr>
+        </p:nvSpPr>
+        <p:spPr>
+          <a:xfrm>
+            <a:off x="685800" y="4343400"/>
+            <a:ext cx="5486400" cy="4114800"/>
+          </a:xfrm>
+          <a:prstGeom prst="rect">
+            <a:avLst/>
+          </a:prstGeom>
+        </p:spPr>
+        <p:txBody>
+          <a:bodyPr anchorCtr="0" anchor="t" bIns="91425" lIns="91425" spcFirstLastPara="1" rIns="91425" wrap="square" tIns="91425">
+            <a:noAutofit/>
+          </a:bodyPr>
+          <a:lstStyle/>
+          <a:p>
+            <a:pPr indent="0" lvl="0" marL="0" rtl="0" algn="l">
+              <a:spcBef>
+                <a:spcPts val="0"/>
+              </a:spcBef>
+              <a:spcAft>
+                <a:spcPts val="0"/>
+              </a:spcAft>
+              <a:buNone/>
+            </a:pPr>
+            <a:r>
+              <a:t/>
+            </a:r>
+            <a:endParaRPr/>
+          </a:p>
+        </p:txBody>
+      </p:sp>
+    </p:spTree>
+  </p:cSld>
+  <p:clrMapOvr>
+    <a:masterClrMapping/>
+  </p:clrMapOvr>
+</p:notes>
+</file>
+
+<file path=ppt/notesSlides/notesSlide94.xml><?xml version="1.0" encoding="utf-8"?>
+<p:notes xmlns:a="http://schemas.openxmlformats.org/drawingml/2006/main" xmlns:r="http://schemas.openxmlformats.org/officeDocument/2006/relationships" xmlns:mc="http://schemas.openxmlformats.org/markup-compatibility/2006" xmlns:mv="urn:schemas-microsoft-com:mac:vml" xmlns:p="http://schemas.openxmlformats.org/presentationml/2006/main" xmlns:c="http://schemas.openxmlformats.org/drawingml/2006/chart" xmlns:dgm="http://schemas.openxmlformats.org/drawingml/2006/diagram" xmlns:o="urn:schemas-microsoft-com:office:office" xmlns:v="urn:schemas-microsoft-com:vml" xmlns:pvml="urn:schemas-microsoft-com:office:powerpoint" xmlns:com="http://schemas.openxmlformats.org/drawingml/2006/compatibility" xmlns:p14="http://schemas.microsoft.com/office/powerpoint/2010/main" xmlns:p15="http://schemas.microsoft.com/office/powerpoint/2012/main" xmlns:ahyp="http://schemas.microsoft.com/office/drawing/2018/hyperlinkcolor" showMasterPhAnim="0" showMasterSp="0">
+  <p:cSld>
+    <p:spTree>
+      <p:nvGrpSpPr>
+        <p:cNvPr id="594" name="Shape 594"/>
+        <p:cNvGrpSpPr/>
+        <p:nvPr/>
+      </p:nvGrpSpPr>
+      <p:grpSpPr>
+        <a:xfrm>
+          <a:off x="0" y="0"/>
+          <a:ext cx="0" cy="0"/>
+          <a:chOff x="0" y="0"/>
+          <a:chExt cx="0" cy="0"/>
+        </a:xfrm>
+      </p:grpSpPr>
+      <p:sp>
+        <p:nvSpPr>
+          <p:cNvPr id="595" name="Google Shape;595;g2f3140a8ad5_1_38:notes"/>
+          <p:cNvSpPr/>
+          <p:nvPr>
+            <p:ph idx="2" type="sldImg"/>
+          </p:nvPr>
+        </p:nvSpPr>
+        <p:spPr>
+          <a:xfrm>
+            <a:off x="381300" y="685800"/>
+            <a:ext cx="6096000" cy="3429000"/>
+          </a:xfrm>
+          <a:custGeom>
+            <a:rect b="b" l="l" r="r" t="t"/>
+            <a:pathLst>
+              <a:path extrusionOk="0" h="120000" w="120000">
+                <a:moveTo>
+                  <a:pt x="0" y="0"/>
+                </a:moveTo>
+                <a:lnTo>
+                  <a:pt x="120000" y="0"/>
+                </a:lnTo>
+                <a:lnTo>
+                  <a:pt x="120000" y="120000"/>
+                </a:lnTo>
+                <a:lnTo>
+                  <a:pt x="0" y="120000"/>
+                </a:lnTo>
+                <a:close/>
+              </a:path>
+            </a:pathLst>
+          </a:custGeom>
+        </p:spPr>
+      </p:sp>
+      <p:sp>
+        <p:nvSpPr>
+          <p:cNvPr id="596" name="Google Shape;596;g2f3140a8ad5_1_38:notes"/>
+          <p:cNvSpPr txBox="1"/>
+          <p:nvPr>
+            <p:ph idx="1" type="body"/>
+          </p:nvPr>
+        </p:nvSpPr>
+        <p:spPr>
+          <a:xfrm>
+            <a:off x="685800" y="4343400"/>
+            <a:ext cx="5486400" cy="4114800"/>
+          </a:xfrm>
+          <a:prstGeom prst="rect">
+            <a:avLst/>
+          </a:prstGeom>
+        </p:spPr>
+        <p:txBody>
+          <a:bodyPr anchorCtr="0" anchor="t" bIns="91425" lIns="91425" spcFirstLastPara="1" rIns="91425" wrap="square" tIns="91425">
+            <a:noAutofit/>
+          </a:bodyPr>
+          <a:lstStyle/>
+          <a:p>
+            <a:pPr indent="0" lvl="0" marL="0" rtl="0" algn="l">
+              <a:spcBef>
+                <a:spcPts val="0"/>
+              </a:spcBef>
+              <a:spcAft>
+                <a:spcPts val="0"/>
+              </a:spcAft>
+              <a:buNone/>
+            </a:pPr>
+            <a:r>
+              <a:t/>
+            </a:r>
+            <a:endParaRPr/>
+          </a:p>
+        </p:txBody>
+      </p:sp>
+    </p:spTree>
+  </p:cSld>
+  <p:clrMapOvr>
+    <a:masterClrMapping/>
+  </p:clrMapOvr>
+</p:notes>
+</file>
+
+<file path=ppt/notesSlides/notesSlide95.xml><?xml version="1.0" encoding="utf-8"?>
+<p:notes xmlns:a="http://schemas.openxmlformats.org/drawingml/2006/main" xmlns:r="http://schemas.openxmlformats.org/officeDocument/2006/relationships" xmlns:mc="http://schemas.openxmlformats.org/markup-compatibility/2006" xmlns:mv="urn:schemas-microsoft-com:mac:vml" xmlns:p="http://schemas.openxmlformats.org/presentationml/2006/main" xmlns:c="http://schemas.openxmlformats.org/drawingml/2006/chart" xmlns:dgm="http://schemas.openxmlformats.org/drawingml/2006/diagram" xmlns:o="urn:schemas-microsoft-com:office:office" xmlns:v="urn:schemas-microsoft-com:vml" xmlns:pvml="urn:schemas-microsoft-com:office:powerpoint" xmlns:com="http://schemas.openxmlformats.org/drawingml/2006/compatibility" xmlns:p14="http://schemas.microsoft.com/office/powerpoint/2010/main" xmlns:p15="http://schemas.microsoft.com/office/powerpoint/2012/main" xmlns:ahyp="http://schemas.microsoft.com/office/drawing/2018/hyperlinkcolor" showMasterPhAnim="0" showMasterSp="0">
+  <p:cSld>
+    <p:spTree>
+      <p:nvGrpSpPr>
+        <p:cNvPr id="599" name="Shape 599"/>
+        <p:cNvGrpSpPr/>
+        <p:nvPr/>
+      </p:nvGrpSpPr>
+      <p:grpSpPr>
+        <a:xfrm>
+          <a:off x="0" y="0"/>
+          <a:ext cx="0" cy="0"/>
+          <a:chOff x="0" y="0"/>
+          <a:chExt cx="0" cy="0"/>
+        </a:xfrm>
+      </p:grpSpPr>
+      <p:sp>
+        <p:nvSpPr>
+          <p:cNvPr id="600" name="Google Shape;600;g2f3140a8ad5_1_45:notes"/>
+          <p:cNvSpPr/>
+          <p:nvPr>
+            <p:ph idx="2" type="sldImg"/>
+          </p:nvPr>
+        </p:nvSpPr>
+        <p:spPr>
+          <a:xfrm>
+            <a:off x="381300" y="685800"/>
+            <a:ext cx="6096000" cy="3429000"/>
+          </a:xfrm>
+          <a:custGeom>
+            <a:rect b="b" l="l" r="r" t="t"/>
+            <a:pathLst>
+              <a:path extrusionOk="0" h="120000" w="120000">
+                <a:moveTo>
+                  <a:pt x="0" y="0"/>
+                </a:moveTo>
+                <a:lnTo>
+                  <a:pt x="120000" y="0"/>
+                </a:lnTo>
+                <a:lnTo>
+                  <a:pt x="120000" y="120000"/>
+                </a:lnTo>
+                <a:lnTo>
+                  <a:pt x="0" y="120000"/>
+                </a:lnTo>
+                <a:close/>
+              </a:path>
+            </a:pathLst>
+          </a:custGeom>
+        </p:spPr>
+      </p:sp>
+      <p:sp>
+        <p:nvSpPr>
+          <p:cNvPr id="601" name="Google Shape;601;g2f3140a8ad5_1_45:notes"/>
+          <p:cNvSpPr txBox="1"/>
+          <p:nvPr>
+            <p:ph idx="1" type="body"/>
+          </p:nvPr>
+        </p:nvSpPr>
+        <p:spPr>
+          <a:xfrm>
+            <a:off x="685800" y="4343400"/>
+            <a:ext cx="5486400" cy="4114800"/>
+          </a:xfrm>
+          <a:prstGeom prst="rect">
+            <a:avLst/>
+          </a:prstGeom>
+        </p:spPr>
+        <p:txBody>
+          <a:bodyPr anchorCtr="0" anchor="t" bIns="91425" lIns="91425" spcFirstLastPara="1" rIns="91425" wrap="square" tIns="91425">
+            <a:noAutofit/>
+          </a:bodyPr>
+          <a:lstStyle/>
+          <a:p>
+            <a:pPr indent="0" lvl="0" marL="0" rtl="0" algn="l">
+              <a:spcBef>
+                <a:spcPts val="0"/>
+              </a:spcBef>
+              <a:spcAft>
+                <a:spcPts val="0"/>
+              </a:spcAft>
+              <a:buNone/>
+            </a:pPr>
+            <a:r>
+              <a:t/>
+            </a:r>
+            <a:endParaRPr/>
+          </a:p>
+        </p:txBody>
+      </p:sp>
+    </p:spTree>
+  </p:cSld>
+  <p:clrMapOvr>
+    <a:masterClrMapping/>
+  </p:clrMapOvr>
+</p:notes>
+</file>
+
+<file path=ppt/notesSlides/notesSlide96.xml><?xml version="1.0" encoding="utf-8"?>
+<p:notes xmlns:a="http://schemas.openxmlformats.org/drawingml/2006/main" xmlns:r="http://schemas.openxmlformats.org/officeDocument/2006/relationships" xmlns:mc="http://schemas.openxmlformats.org/markup-compatibility/2006" xmlns:mv="urn:schemas-microsoft-com:mac:vml" xmlns:p="http://schemas.openxmlformats.org/presentationml/2006/main" xmlns:c="http://schemas.openxmlformats.org/drawingml/2006/chart" xmlns:dgm="http://schemas.openxmlformats.org/drawingml/2006/diagram" xmlns:o="urn:schemas-microsoft-com:office:office" xmlns:v="urn:schemas-microsoft-com:vml" xmlns:pvml="urn:schemas-microsoft-com:office:powerpoint" xmlns:com="http://schemas.openxmlformats.org/drawingml/2006/compatibility" xmlns:p14="http://schemas.microsoft.com/office/powerpoint/2010/main" xmlns:p15="http://schemas.microsoft.com/office/powerpoint/2012/main" xmlns:ahyp="http://schemas.microsoft.com/office/drawing/2018/hyperlinkcolor" showMasterPhAnim="0" showMasterSp="0">
+  <p:cSld>
+    <p:spTree>
+      <p:nvGrpSpPr>
+        <p:cNvPr id="605" name="Shape 605"/>
+        <p:cNvGrpSpPr/>
+        <p:nvPr/>
+      </p:nvGrpSpPr>
+      <p:grpSpPr>
+        <a:xfrm>
+          <a:off x="0" y="0"/>
+          <a:ext cx="0" cy="0"/>
+          <a:chOff x="0" y="0"/>
+          <a:chExt cx="0" cy="0"/>
+        </a:xfrm>
+      </p:grpSpPr>
+      <p:sp>
+        <p:nvSpPr>
+          <p:cNvPr id="606" name="Google Shape;606;g2f3140a8ad5_1_50:notes"/>
+          <p:cNvSpPr/>
+          <p:nvPr>
+            <p:ph idx="2" type="sldImg"/>
+          </p:nvPr>
+        </p:nvSpPr>
+        <p:spPr>
+          <a:xfrm>
+            <a:off x="381300" y="685800"/>
+            <a:ext cx="6096000" cy="3429000"/>
+          </a:xfrm>
+          <a:custGeom>
+            <a:rect b="b" l="l" r="r" t="t"/>
+            <a:pathLst>
+              <a:path extrusionOk="0" h="120000" w="120000">
+                <a:moveTo>
+                  <a:pt x="0" y="0"/>
+                </a:moveTo>
+                <a:lnTo>
+                  <a:pt x="120000" y="0"/>
+                </a:lnTo>
+                <a:lnTo>
+                  <a:pt x="120000" y="120000"/>
+                </a:lnTo>
+                <a:lnTo>
+                  <a:pt x="0" y="120000"/>
+                </a:lnTo>
+                <a:close/>
+              </a:path>
+            </a:pathLst>
+          </a:custGeom>
+        </p:spPr>
+      </p:sp>
+      <p:sp>
+        <p:nvSpPr>
+          <p:cNvPr id="607" name="Google Shape;607;g2f3140a8ad5_1_50:notes"/>
           <p:cNvSpPr txBox="1"/>
           <p:nvPr>
             <p:ph idx="1" type="body"/>
@@ -27430,7 +27730,7 @@
             <a:tbl>
               <a:tblPr>
                 <a:noFill/>
-                <a:tableStyleId>{6F851F04-CA3F-4AA0-9C6C-100573B83BE5}</a:tableStyleId>
+                <a:tableStyleId>{616380FC-F9CC-43B6-833B-32652B141226}</a:tableStyleId>
               </a:tblPr>
               <a:tblGrid>
                 <a:gridCol w="5713925"/>
@@ -40824,7 +41124,167 @@
       </p:grpSpPr>
       <p:sp>
         <p:nvSpPr>
-          <p:cNvPr id="593" name="Google Shape;593;g2f3140a8ad5_1_38"/>
+          <p:cNvPr id="593" name="Google Shape;593;g2f3140a8ad5_1_55"/>
+          <p:cNvSpPr txBox="1"/>
+          <p:nvPr>
+            <p:ph idx="1" type="body"/>
+          </p:nvPr>
+        </p:nvSpPr>
+        <p:spPr>
+          <a:xfrm>
+            <a:off x="311700" y="279925"/>
+            <a:ext cx="8520600" cy="4289100"/>
+          </a:xfrm>
+          <a:prstGeom prst="rect">
+            <a:avLst/>
+          </a:prstGeom>
+        </p:spPr>
+        <p:txBody>
+          <a:bodyPr anchorCtr="0" anchor="t" bIns="91425" lIns="91425" spcFirstLastPara="1" rIns="91425" wrap="square" tIns="91425">
+            <a:noAutofit/>
+          </a:bodyPr>
+          <a:lstStyle/>
+          <a:p>
+            <a:pPr indent="0" lvl="0" marL="0" rtl="0" algn="l">
+              <a:spcBef>
+                <a:spcPts val="0"/>
+              </a:spcBef>
+              <a:spcAft>
+                <a:spcPts val="0"/>
+              </a:spcAft>
+              <a:buNone/>
+            </a:pPr>
+            <a:r>
+              <a:rPr lang="en" sz="2500"/>
+              <a:t>What critical information is MISSING from this test report that would have been useful for the developers?</a:t>
+            </a:r>
+            <a:endParaRPr sz="2500"/>
+          </a:p>
+          <a:p>
+            <a:pPr indent="0" lvl="0" marL="0" rtl="0" algn="l">
+              <a:spcBef>
+                <a:spcPts val="0"/>
+              </a:spcBef>
+              <a:spcAft>
+                <a:spcPts val="0"/>
+              </a:spcAft>
+              <a:buNone/>
+            </a:pPr>
+            <a:r>
+              <a:rPr lang="en" sz="2500"/>
+              <a:t>a) Expected result and actual result</a:t>
+            </a:r>
+            <a:endParaRPr sz="2500"/>
+          </a:p>
+          <a:p>
+            <a:pPr indent="0" lvl="0" marL="0" rtl="0" algn="l">
+              <a:spcBef>
+                <a:spcPts val="0"/>
+              </a:spcBef>
+              <a:spcAft>
+                <a:spcPts val="0"/>
+              </a:spcAft>
+              <a:buNone/>
+            </a:pPr>
+            <a:r>
+              <a:rPr lang="en" sz="2500"/>
+              <a:t>b) References and defect status</a:t>
+            </a:r>
+            <a:endParaRPr sz="2500"/>
+          </a:p>
+          <a:p>
+            <a:pPr indent="0" lvl="0" marL="0" rtl="0" algn="l">
+              <a:spcBef>
+                <a:spcPts val="0"/>
+              </a:spcBef>
+              <a:spcAft>
+                <a:spcPts val="0"/>
+              </a:spcAft>
+              <a:buNone/>
+            </a:pPr>
+            <a:r>
+              <a:rPr lang="en" sz="2500"/>
+              <a:t>c) Test environment and test item</a:t>
+            </a:r>
+            <a:endParaRPr sz="2500"/>
+          </a:p>
+          <a:p>
+            <a:pPr indent="0" lvl="0" marL="0" rtl="0" algn="l">
+              <a:spcBef>
+                <a:spcPts val="0"/>
+              </a:spcBef>
+              <a:spcAft>
+                <a:spcPts val="0"/>
+              </a:spcAft>
+              <a:buNone/>
+            </a:pPr>
+            <a:r>
+              <a:rPr lang="en" sz="2500"/>
+              <a:t>d) Priority and severity</a:t>
+            </a:r>
+            <a:endParaRPr sz="2500"/>
+          </a:p>
+          <a:p>
+            <a:pPr indent="0" lvl="0" marL="0" rtl="0" algn="l">
+              <a:spcBef>
+                <a:spcPts val="0"/>
+              </a:spcBef>
+              <a:spcAft>
+                <a:spcPts val="0"/>
+              </a:spcAft>
+              <a:buNone/>
+            </a:pPr>
+            <a:r>
+              <a:t/>
+            </a:r>
+            <a:endParaRPr sz="2500"/>
+          </a:p>
+          <a:p>
+            <a:pPr indent="0" lvl="0" marL="0" rtl="0" algn="l">
+              <a:spcBef>
+                <a:spcPts val="0"/>
+              </a:spcBef>
+              <a:spcAft>
+                <a:spcPts val="0"/>
+              </a:spcAft>
+              <a:buNone/>
+            </a:pPr>
+            <a:r>
+              <a:rPr lang="en" sz="2500"/>
+              <a:t>Select ONE option.</a:t>
+            </a:r>
+            <a:endParaRPr sz="2500"/>
+          </a:p>
+        </p:txBody>
+      </p:sp>
+    </p:spTree>
+  </p:cSld>
+  <p:clrMapOvr>
+    <a:masterClrMapping/>
+  </p:clrMapOvr>
+</p:sld>
+</file>
+
+<file path=ppt/slides/slide94.xml><?xml version="1.0" encoding="utf-8"?>
+<p:sld xmlns:a="http://schemas.openxmlformats.org/drawingml/2006/main" xmlns:r="http://schemas.openxmlformats.org/officeDocument/2006/relationships" xmlns:mc="http://schemas.openxmlformats.org/markup-compatibility/2006" xmlns:mv="urn:schemas-microsoft-com:mac:vml" xmlns:p="http://schemas.openxmlformats.org/presentationml/2006/main" xmlns:c="http://schemas.openxmlformats.org/drawingml/2006/chart" xmlns:dgm="http://schemas.openxmlformats.org/drawingml/2006/diagram" xmlns:o="urn:schemas-microsoft-com:office:office" xmlns:v="urn:schemas-microsoft-com:vml" xmlns:pvml="urn:schemas-microsoft-com:office:powerpoint" xmlns:com="http://schemas.openxmlformats.org/drawingml/2006/compatibility" xmlns:p14="http://schemas.microsoft.com/office/powerpoint/2010/main" xmlns:p15="http://schemas.microsoft.com/office/powerpoint/2012/main" xmlns:ahyp="http://schemas.microsoft.com/office/drawing/2018/hyperlinkcolor">
+  <p:cSld>
+    <p:spTree>
+      <p:nvGrpSpPr>
+        <p:cNvPr id="597" name="Shape 597"/>
+        <p:cNvGrpSpPr/>
+        <p:nvPr/>
+      </p:nvGrpSpPr>
+      <p:grpSpPr>
+        <a:xfrm>
+          <a:off x="0" y="0"/>
+          <a:ext cx="0" cy="0"/>
+          <a:chOff x="0" y="0"/>
+          <a:chExt cx="0" cy="0"/>
+        </a:xfrm>
+      </p:grpSpPr>
+      <p:sp>
+        <p:nvSpPr>
+          <p:cNvPr id="598" name="Google Shape;598;g2f3140a8ad5_1_38"/>
           <p:cNvSpPr txBox="1"/>
           <p:nvPr>
             <p:ph idx="1" type="body"/>
@@ -40935,6 +41395,212 @@
               <a:t> Is not correct. The defect report states that the anomaly is urgent, that it is a global issue (i.e., many, if not all, test administration accounts are affected) and states the impact is high for business stakeholders</a:t>
             </a:r>
             <a:endParaRPr sz="1900"/>
+          </a:p>
+        </p:txBody>
+      </p:sp>
+    </p:spTree>
+  </p:cSld>
+  <p:clrMapOvr>
+    <a:masterClrMapping/>
+  </p:clrMapOvr>
+</p:sld>
+</file>
+
+<file path=ppt/slides/slide95.xml><?xml version="1.0" encoding="utf-8"?>
+<p:sld xmlns:a="http://schemas.openxmlformats.org/drawingml/2006/main" xmlns:r="http://schemas.openxmlformats.org/officeDocument/2006/relationships" xmlns:mc="http://schemas.openxmlformats.org/markup-compatibility/2006" xmlns:mv="urn:schemas-microsoft-com:mac:vml" xmlns:p="http://schemas.openxmlformats.org/presentationml/2006/main" xmlns:c="http://schemas.openxmlformats.org/drawingml/2006/chart" xmlns:dgm="http://schemas.openxmlformats.org/drawingml/2006/diagram" xmlns:o="urn:schemas-microsoft-com:office:office" xmlns:v="urn:schemas-microsoft-com:vml" xmlns:pvml="urn:schemas-microsoft-com:office:powerpoint" xmlns:com="http://schemas.openxmlformats.org/drawingml/2006/compatibility" xmlns:p14="http://schemas.microsoft.com/office/powerpoint/2010/main" xmlns:p15="http://schemas.microsoft.com/office/powerpoint/2012/main" xmlns:ahyp="http://schemas.microsoft.com/office/drawing/2018/hyperlinkcolor">
+  <p:cSld>
+    <p:spTree>
+      <p:nvGrpSpPr>
+        <p:cNvPr id="602" name="Shape 602"/>
+        <p:cNvGrpSpPr/>
+        <p:nvPr/>
+      </p:nvGrpSpPr>
+      <p:grpSpPr>
+        <a:xfrm>
+          <a:off x="0" y="0"/>
+          <a:ext cx="0" cy="0"/>
+          <a:chOff x="0" y="0"/>
+          <a:chExt cx="0" cy="0"/>
+        </a:xfrm>
+      </p:grpSpPr>
+      <p:sp>
+        <p:nvSpPr>
+          <p:cNvPr id="603" name="Google Shape;603;g2f3140a8ad5_1_45"/>
+          <p:cNvSpPr txBox="1"/>
+          <p:nvPr>
+            <p:ph type="title"/>
+          </p:nvPr>
+        </p:nvSpPr>
+        <p:spPr>
+          <a:xfrm>
+            <a:off x="311700" y="445025"/>
+            <a:ext cx="8520600" cy="707400"/>
+          </a:xfrm>
+          <a:prstGeom prst="rect">
+            <a:avLst/>
+          </a:prstGeom>
+        </p:spPr>
+        <p:txBody>
+          <a:bodyPr anchorCtr="0" anchor="t" bIns="91425" lIns="91425" spcFirstLastPara="1" rIns="91425" wrap="square" tIns="91425">
+            <a:normAutofit fontScale="90000"/>
+          </a:bodyPr>
+          <a:lstStyle/>
+          <a:p>
+            <a:pPr indent="0" lvl="0" marL="0" rtl="0" algn="l">
+              <a:spcBef>
+                <a:spcPts val="0"/>
+              </a:spcBef>
+              <a:spcAft>
+                <a:spcPts val="0"/>
+              </a:spcAft>
+              <a:buNone/>
+            </a:pPr>
+            <a:r>
+              <a:t/>
+            </a:r>
+            <a:endParaRPr/>
+          </a:p>
+        </p:txBody>
+      </p:sp>
+      <p:sp>
+        <p:nvSpPr>
+          <p:cNvPr id="604" name="Google Shape;604;g2f3140a8ad5_1_45"/>
+          <p:cNvSpPr txBox="1"/>
+          <p:nvPr>
+            <p:ph idx="1" type="body"/>
+          </p:nvPr>
+        </p:nvSpPr>
+        <p:spPr>
+          <a:xfrm>
+            <a:off x="311700" y="1266325"/>
+            <a:ext cx="8520600" cy="3302700"/>
+          </a:xfrm>
+          <a:prstGeom prst="rect">
+            <a:avLst/>
+          </a:prstGeom>
+        </p:spPr>
+        <p:txBody>
+          <a:bodyPr anchorCtr="0" anchor="t" bIns="91425" lIns="91425" spcFirstLastPara="1" rIns="91425" wrap="square" tIns="91425">
+            <a:normAutofit/>
+          </a:bodyPr>
+          <a:lstStyle/>
+          <a:p>
+            <a:pPr indent="0" lvl="0" marL="0" rtl="0" algn="l">
+              <a:spcBef>
+                <a:spcPts val="0"/>
+              </a:spcBef>
+              <a:spcAft>
+                <a:spcPts val="0"/>
+              </a:spcAft>
+              <a:buNone/>
+            </a:pPr>
+            <a:r>
+              <a:t/>
+            </a:r>
+            <a:endParaRPr/>
+          </a:p>
+        </p:txBody>
+      </p:sp>
+    </p:spTree>
+  </p:cSld>
+  <p:clrMapOvr>
+    <a:masterClrMapping/>
+  </p:clrMapOvr>
+</p:sld>
+</file>
+
+<file path=ppt/slides/slide96.xml><?xml version="1.0" encoding="utf-8"?>
+<p:sld xmlns:a="http://schemas.openxmlformats.org/drawingml/2006/main" xmlns:r="http://schemas.openxmlformats.org/officeDocument/2006/relationships" xmlns:mc="http://schemas.openxmlformats.org/markup-compatibility/2006" xmlns:mv="urn:schemas-microsoft-com:mac:vml" xmlns:p="http://schemas.openxmlformats.org/presentationml/2006/main" xmlns:c="http://schemas.openxmlformats.org/drawingml/2006/chart" xmlns:dgm="http://schemas.openxmlformats.org/drawingml/2006/diagram" xmlns:o="urn:schemas-microsoft-com:office:office" xmlns:v="urn:schemas-microsoft-com:vml" xmlns:pvml="urn:schemas-microsoft-com:office:powerpoint" xmlns:com="http://schemas.openxmlformats.org/drawingml/2006/compatibility" xmlns:p14="http://schemas.microsoft.com/office/powerpoint/2010/main" xmlns:p15="http://schemas.microsoft.com/office/powerpoint/2012/main" xmlns:ahyp="http://schemas.microsoft.com/office/drawing/2018/hyperlinkcolor">
+  <p:cSld>
+    <p:spTree>
+      <p:nvGrpSpPr>
+        <p:cNvPr id="608" name="Shape 608"/>
+        <p:cNvGrpSpPr/>
+        <p:nvPr/>
+      </p:nvGrpSpPr>
+      <p:grpSpPr>
+        <a:xfrm>
+          <a:off x="0" y="0"/>
+          <a:ext cx="0" cy="0"/>
+          <a:chOff x="0" y="0"/>
+          <a:chExt cx="0" cy="0"/>
+        </a:xfrm>
+      </p:grpSpPr>
+      <p:sp>
+        <p:nvSpPr>
+          <p:cNvPr id="609" name="Google Shape;609;g2f3140a8ad5_1_50"/>
+          <p:cNvSpPr txBox="1"/>
+          <p:nvPr>
+            <p:ph type="title"/>
+          </p:nvPr>
+        </p:nvSpPr>
+        <p:spPr>
+          <a:xfrm>
+            <a:off x="311700" y="445025"/>
+            <a:ext cx="8520600" cy="707400"/>
+          </a:xfrm>
+          <a:prstGeom prst="rect">
+            <a:avLst/>
+          </a:prstGeom>
+        </p:spPr>
+        <p:txBody>
+          <a:bodyPr anchorCtr="0" anchor="t" bIns="91425" lIns="91425" spcFirstLastPara="1" rIns="91425" wrap="square" tIns="91425">
+            <a:normAutofit fontScale="90000"/>
+          </a:bodyPr>
+          <a:lstStyle/>
+          <a:p>
+            <a:pPr indent="0" lvl="0" marL="0" rtl="0" algn="l">
+              <a:spcBef>
+                <a:spcPts val="0"/>
+              </a:spcBef>
+              <a:spcAft>
+                <a:spcPts val="0"/>
+              </a:spcAft>
+              <a:buNone/>
+            </a:pPr>
+            <a:r>
+              <a:t/>
+            </a:r>
+            <a:endParaRPr/>
+          </a:p>
+        </p:txBody>
+      </p:sp>
+      <p:sp>
+        <p:nvSpPr>
+          <p:cNvPr id="610" name="Google Shape;610;g2f3140a8ad5_1_50"/>
+          <p:cNvSpPr txBox="1"/>
+          <p:nvPr>
+            <p:ph idx="1" type="body"/>
+          </p:nvPr>
+        </p:nvSpPr>
+        <p:spPr>
+          <a:xfrm>
+            <a:off x="311700" y="1266325"/>
+            <a:ext cx="8520600" cy="3302700"/>
+          </a:xfrm>
+          <a:prstGeom prst="rect">
+            <a:avLst/>
+          </a:prstGeom>
+        </p:spPr>
+        <p:txBody>
+          <a:bodyPr anchorCtr="0" anchor="t" bIns="91425" lIns="91425" spcFirstLastPara="1" rIns="91425" wrap="square" tIns="91425">
+            <a:normAutofit/>
+          </a:bodyPr>
+          <a:lstStyle/>
+          <a:p>
+            <a:pPr indent="0" lvl="0" marL="0" rtl="0" algn="l">
+              <a:spcBef>
+                <a:spcPts val="0"/>
+              </a:spcBef>
+              <a:spcAft>
+                <a:spcPts val="0"/>
+              </a:spcAft>
+              <a:buNone/>
+            </a:pPr>
+            <a:r>
+              <a:t/>
+            </a:r>
+            <a:endParaRPr/>
           </a:p>
         </p:txBody>
       </p:sp>

--- a/ISTQB Foundation Level Preparation.pptx
+++ b/ISTQB Foundation Level Preparation.pptx
@@ -366,7 +366,7 @@
       </p15:sldGuideLst>
     </p:ext>
     <p:ext uri="GoogleSlidesCustomDataVersion2">
-      <go:slidesCustomData xmlns:go="http://customooxmlschemas.google.com/" r:id="rId109" roundtripDataSignature="AMtx7mi09nFvpIn0ZQ+lw3UvF01HnmOSnw=="/>
+      <go:slidesCustomData xmlns:go="http://customooxmlschemas.google.com/" r:id="rId109" roundtripDataSignature="AMtx7mgVhHyMfMAfxswJyCxVIIU1csaRLQ=="/>
     </p:ext>
   </p:extLst>
 </p:presentation>
@@ -27730,7 +27730,7 @@
             <a:tbl>
               <a:tblPr>
                 <a:noFill/>
-                <a:tableStyleId>{616380FC-F9CC-43B6-833B-32652B141226}</a:tableStyleId>
+                <a:tableStyleId>{2EE3D652-8CFD-408C-B095-F3DED34835DF}</a:tableStyleId>
               </a:tblPr>
               <a:tblGrid>
                 <a:gridCol w="5713925"/>
@@ -41434,7 +41434,7 @@
         <p:spPr>
           <a:xfrm>
             <a:off x="311700" y="445025"/>
-            <a:ext cx="8520600" cy="707400"/>
+            <a:ext cx="8520600" cy="1146900"/>
           </a:xfrm>
           <a:prstGeom prst="rect">
             <a:avLst/>
@@ -41442,7 +41442,7 @@
         </p:spPr>
         <p:txBody>
           <a:bodyPr anchorCtr="0" anchor="t" bIns="91425" lIns="91425" spcFirstLastPara="1" rIns="91425" wrap="square" tIns="91425">
-            <a:normAutofit fontScale="90000"/>
+            <a:noAutofit/>
           </a:bodyPr>
           <a:lstStyle/>
           <a:p>
@@ -41456,9 +41456,23 @@
               <a:buNone/>
             </a:pPr>
             <a:r>
-              <a:t/>
-            </a:r>
-            <a:endParaRPr/>
+              <a:rPr lang="en" sz="3200"/>
+              <a:t>39. </a:t>
+            </a:r>
+            <a:r>
+              <a:rPr b="0" lang="en" sz="3200">
+                <a:latin typeface="Open Sans"/>
+                <a:ea typeface="Open Sans"/>
+                <a:cs typeface="Open Sans"/>
+                <a:sym typeface="Open Sans"/>
+              </a:rPr>
+              <a:t>Which test activity does a data preparation tool support?</a:t>
+            </a:r>
+            <a:r>
+              <a:rPr lang="en" sz="3200"/>
+              <a:t> </a:t>
+            </a:r>
+            <a:endParaRPr sz="3200"/>
           </a:p>
         </p:txBody>
       </p:sp>
@@ -41472,8 +41486,8 @@
         </p:nvSpPr>
         <p:spPr>
           <a:xfrm>
-            <a:off x="311700" y="1266325"/>
-            <a:ext cx="8520600" cy="3302700"/>
+            <a:off x="311700" y="1592025"/>
+            <a:ext cx="8520600" cy="2976900"/>
           </a:xfrm>
           <a:prstGeom prst="rect">
             <a:avLst/>
@@ -41495,9 +41509,89 @@
               <a:buNone/>
             </a:pPr>
             <a:r>
+              <a:rPr lang="en" sz="2500"/>
+              <a:t>a) Test monitoring and control</a:t>
+            </a:r>
+            <a:endParaRPr sz="2500"/>
+          </a:p>
+          <a:p>
+            <a:pPr indent="0" lvl="0" marL="0" rtl="0" algn="l">
+              <a:spcBef>
+                <a:spcPts val="0"/>
+              </a:spcBef>
+              <a:spcAft>
+                <a:spcPts val="0"/>
+              </a:spcAft>
+              <a:buNone/>
+            </a:pPr>
+            <a:r>
+              <a:rPr lang="en" sz="2500"/>
+              <a:t>b) Test analysis and design</a:t>
+            </a:r>
+            <a:endParaRPr sz="2500"/>
+          </a:p>
+          <a:p>
+            <a:pPr indent="0" lvl="0" marL="0" rtl="0" algn="l">
+              <a:spcBef>
+                <a:spcPts val="0"/>
+              </a:spcBef>
+              <a:spcAft>
+                <a:spcPts val="0"/>
+              </a:spcAft>
+              <a:buNone/>
+            </a:pPr>
+            <a:r>
+              <a:rPr lang="en" sz="2500"/>
+              <a:t>c) Test implementation and execution</a:t>
+            </a:r>
+            <a:endParaRPr sz="2500"/>
+          </a:p>
+          <a:p>
+            <a:pPr indent="0" lvl="0" marL="0" rtl="0" algn="l">
+              <a:spcBef>
+                <a:spcPts val="0"/>
+              </a:spcBef>
+              <a:spcAft>
+                <a:spcPts val="0"/>
+              </a:spcAft>
+              <a:buNone/>
+            </a:pPr>
+            <a:r>
+              <a:rPr lang="en" sz="2500"/>
+              <a:t>d) Test completion</a:t>
+            </a:r>
+            <a:endParaRPr sz="2500"/>
+          </a:p>
+          <a:p>
+            <a:pPr indent="0" lvl="0" marL="0" rtl="0" algn="l">
+              <a:spcBef>
+                <a:spcPts val="0"/>
+              </a:spcBef>
+              <a:spcAft>
+                <a:spcPts val="0"/>
+              </a:spcAft>
+              <a:buNone/>
+            </a:pPr>
+            <a:r>
               <a:t/>
             </a:r>
-            <a:endParaRPr/>
+            <a:endParaRPr sz="2500"/>
+          </a:p>
+          <a:p>
+            <a:pPr indent="0" lvl="0" marL="0" rtl="0" algn="l">
+              <a:spcBef>
+                <a:spcPts val="0"/>
+              </a:spcBef>
+              <a:spcAft>
+                <a:spcPts val="0"/>
+              </a:spcAft>
+              <a:buNone/>
+            </a:pPr>
+            <a:r>
+              <a:rPr lang="en" sz="2500"/>
+              <a:t>Select ONE option.</a:t>
+            </a:r>
+            <a:endParaRPr sz="2500"/>
           </a:p>
         </p:txBody>
       </p:sp>
@@ -41531,52 +41625,13 @@
           <p:cNvPr id="609" name="Google Shape;609;g2f3140a8ad5_1_50"/>
           <p:cNvSpPr txBox="1"/>
           <p:nvPr>
-            <p:ph type="title"/>
-          </p:nvPr>
-        </p:nvSpPr>
-        <p:spPr>
-          <a:xfrm>
-            <a:off x="311700" y="445025"/>
-            <a:ext cx="8520600" cy="707400"/>
-          </a:xfrm>
-          <a:prstGeom prst="rect">
-            <a:avLst/>
-          </a:prstGeom>
-        </p:spPr>
-        <p:txBody>
-          <a:bodyPr anchorCtr="0" anchor="t" bIns="91425" lIns="91425" spcFirstLastPara="1" rIns="91425" wrap="square" tIns="91425">
-            <a:normAutofit fontScale="90000"/>
-          </a:bodyPr>
-          <a:lstStyle/>
-          <a:p>
-            <a:pPr indent="0" lvl="0" marL="0" rtl="0" algn="l">
-              <a:spcBef>
-                <a:spcPts val="0"/>
-              </a:spcBef>
-              <a:spcAft>
-                <a:spcPts val="0"/>
-              </a:spcAft>
-              <a:buNone/>
-            </a:pPr>
-            <a:r>
-              <a:t/>
-            </a:r>
-            <a:endParaRPr/>
-          </a:p>
-        </p:txBody>
-      </p:sp>
-      <p:sp>
-        <p:nvSpPr>
-          <p:cNvPr id="610" name="Google Shape;610;g2f3140a8ad5_1_50"/>
-          <p:cNvSpPr txBox="1"/>
-          <p:nvPr>
             <p:ph idx="1" type="body"/>
           </p:nvPr>
         </p:nvSpPr>
         <p:spPr>
           <a:xfrm>
-            <a:off x="311700" y="1266325"/>
-            <a:ext cx="8520600" cy="3302700"/>
+            <a:off x="311700" y="279925"/>
+            <a:ext cx="8520600" cy="4513800"/>
           </a:xfrm>
           <a:prstGeom prst="rect">
             <a:avLst/>
@@ -41598,9 +41653,86 @@
               <a:buNone/>
             </a:pPr>
             <a:r>
-              <a:t/>
-            </a:r>
-            <a:endParaRPr/>
+              <a:rPr b="1" lang="en" sz="1900"/>
+              <a:t>a)</a:t>
+            </a:r>
+            <a:r>
+              <a:rPr lang="en" sz="1900"/>
+              <a:t> Is not correct. Test monitoring involves the ongoing checking of all activities and comparison of actual progress against the test plan. Test control involves taking the actions necessary to meet the test objectives of the test plan. No test data are prepared during these activities</a:t>
+            </a:r>
+            <a:endParaRPr sz="1900"/>
+          </a:p>
+          <a:p>
+            <a:pPr indent="0" lvl="0" marL="0" rtl="0" algn="l">
+              <a:spcBef>
+                <a:spcPts val="0"/>
+              </a:spcBef>
+              <a:spcAft>
+                <a:spcPts val="0"/>
+              </a:spcAft>
+              <a:buNone/>
+            </a:pPr>
+            <a:r>
+              <a:rPr b="1" lang="en" sz="1900"/>
+              <a:t>b)</a:t>
+            </a:r>
+            <a:r>
+              <a:rPr lang="en" sz="1900"/>
+              <a:t> Is not correct. Test analysis includes analyzing the test basis to identify test conditions and prioritize them. Test design includes elaborating the test conditions into test cases and other testware. Test data are not prepared during these activities</a:t>
+            </a:r>
+            <a:endParaRPr sz="1900"/>
+          </a:p>
+          <a:p>
+            <a:pPr indent="0" lvl="0" marL="0" rtl="0" algn="l">
+              <a:spcBef>
+                <a:spcPts val="0"/>
+              </a:spcBef>
+              <a:spcAft>
+                <a:spcPts val="0"/>
+              </a:spcAft>
+              <a:buNone/>
+            </a:pPr>
+            <a:r>
+              <a:rPr b="1" lang="en" sz="1900">
+                <a:highlight>
+                  <a:schemeClr val="accent6"/>
+                </a:highlight>
+              </a:rPr>
+              <a:t>c)</a:t>
+            </a:r>
+            <a:r>
+              <a:rPr lang="en" sz="1900">
+                <a:highlight>
+                  <a:schemeClr val="accent6"/>
+                </a:highlight>
+              </a:rPr>
+              <a:t> Is correct. Test implementation includes creating or acquiring the testware necessary for test execution (e.g., test data)</a:t>
+            </a:r>
+            <a:endParaRPr sz="1900">
+              <a:highlight>
+                <a:schemeClr val="accent6"/>
+              </a:highlight>
+            </a:endParaRPr>
+          </a:p>
+          <a:p>
+            <a:pPr indent="0" lvl="0" marL="0" rtl="0" algn="l">
+              <a:spcBef>
+                <a:spcPts val="0"/>
+              </a:spcBef>
+              <a:spcAft>
+                <a:spcPts val="0"/>
+              </a:spcAft>
+              <a:buNone/>
+            </a:pPr>
+            <a:r>
+              <a:rPr b="1" lang="en" sz="1900"/>
+              <a:t>d)</a:t>
+            </a:r>
+            <a:r>
+              <a:rPr lang="en" sz="1900"/>
+              <a:t> Is not correct. Test completion activities occur at project milestones (e.g., release, end of iteration, test level completion), so it is too late for preparing test data</a:t>
+            </a:r>
+            <a:endParaRPr sz="1900"/>
           </a:p>
         </p:txBody>
       </p:sp>
@@ -41613,6 +41745,285 @@
 </file>
 
 <file path=ppt/theme/theme1.xml><?xml version="1.0" encoding="utf-8"?>
+<a:theme xmlns:a="http://schemas.openxmlformats.org/drawingml/2006/main" xmlns:r="http://schemas.openxmlformats.org/officeDocument/2006/relationships" name="Tropic">
+  <a:themeElements>
+    <a:clrScheme name="Tropic">
+      <a:dk1>
+        <a:srgbClr val="A1E8D9"/>
+      </a:dk1>
+      <a:lt1>
+        <a:srgbClr val="FFFFFF"/>
+      </a:lt1>
+      <a:dk2>
+        <a:srgbClr val="695D46"/>
+      </a:dk2>
+      <a:lt2>
+        <a:srgbClr val="B3A77D"/>
+      </a:lt2>
+      <a:accent1>
+        <a:srgbClr val="EF6C00"/>
+      </a:accent1>
+      <a:accent2>
+        <a:srgbClr val="CE93D8"/>
+      </a:accent2>
+      <a:accent3>
+        <a:srgbClr val="4DB6AC"/>
+      </a:accent3>
+      <a:accent4>
+        <a:srgbClr val="FF9800"/>
+      </a:accent4>
+      <a:accent5>
+        <a:srgbClr val="009668"/>
+      </a:accent5>
+      <a:accent6>
+        <a:srgbClr val="EEFF41"/>
+      </a:accent6>
+      <a:hlink>
+        <a:srgbClr val="009668"/>
+      </a:hlink>
+      <a:folHlink>
+        <a:srgbClr val="009668"/>
+      </a:folHlink>
+    </a:clrScheme>
+    <a:fontScheme name="Office">
+      <a:majorFont>
+        <a:latin typeface="Arial"/>
+        <a:ea typeface=""/>
+        <a:cs typeface=""/>
+        <a:font script="Jpan" typeface="ＭＳ Ｐゴシック"/>
+        <a:font script="Hang" typeface="맑은 고딕"/>
+        <a:font script="Hans" typeface="宋体"/>
+        <a:font script="Hant" typeface="新細明體"/>
+        <a:font script="Arab" typeface="Times New Roman"/>
+        <a:font script="Hebr" typeface="Times New Roman"/>
+        <a:font script="Thai" typeface="Angsana New"/>
+        <a:font script="Ethi" typeface="Nyala"/>
+        <a:font script="Beng" typeface="Vrinda"/>
+        <a:font script="Gujr" typeface="Shruti"/>
+        <a:font script="Khmr" typeface="MoolBoran"/>
+        <a:font script="Knda" typeface="Tunga"/>
+        <a:font script="Guru" typeface="Raavi"/>
+        <a:font script="Cans" typeface="Euphemia"/>
+        <a:font script="Cher" typeface="Plantagenet Cherokee"/>
+        <a:font script="Yiii" typeface="Microsoft Yi Baiti"/>
+        <a:font script="Tibt" typeface="Microsoft Himalaya"/>
+        <a:font script="Thaa" typeface="MV Boli"/>
+        <a:font script="Deva" typeface="Mangal"/>
+        <a:font script="Telu" typeface="Gautami"/>
+        <a:font script="Taml" typeface="Latha"/>
+        <a:font script="Syrc" typeface="Estrangelo Edessa"/>
+        <a:font script="Orya" typeface="Kalinga"/>
+        <a:font script="Mlym" typeface="Kartika"/>
+        <a:font script="Laoo" typeface="DokChampa"/>
+        <a:font script="Sinh" typeface="Iskoola Pota"/>
+        <a:font script="Mong" typeface="Mongolian Baiti"/>
+        <a:font script="Viet" typeface="Times New Roman"/>
+        <a:font script="Uigh" typeface="Microsoft Uighur"/>
+        <a:font script="Geor" typeface="Sylfaen"/>
+      </a:majorFont>
+      <a:minorFont>
+        <a:latin typeface="Arial"/>
+        <a:ea typeface=""/>
+        <a:cs typeface=""/>
+        <a:font script="Jpan" typeface="ＭＳ Ｐゴシック"/>
+        <a:font script="Hang" typeface="맑은 고딕"/>
+        <a:font script="Hans" typeface="宋体"/>
+        <a:font script="Hant" typeface="新細明體"/>
+        <a:font script="Arab" typeface="Arial"/>
+        <a:font script="Hebr" typeface="Arial"/>
+        <a:font script="Thai" typeface="Cordia New"/>
+        <a:font script="Ethi" typeface="Nyala"/>
+        <a:font script="Beng" typeface="Vrinda"/>
+        <a:font script="Gujr" typeface="Shruti"/>
+        <a:font script="Khmr" typeface="DaunPenh"/>
+        <a:font script="Knda" typeface="Tunga"/>
+        <a:font script="Guru" typeface="Raavi"/>
+        <a:font script="Cans" typeface="Euphemia"/>
+        <a:font script="Cher" typeface="Plantagenet Cherokee"/>
+        <a:font script="Yiii" typeface="Microsoft Yi Baiti"/>
+        <a:font script="Tibt" typeface="Microsoft Himalaya"/>
+        <a:font script="Thaa" typeface="MV Boli"/>
+        <a:font script="Deva" typeface="Mangal"/>
+        <a:font script="Telu" typeface="Gautami"/>
+        <a:font script="Taml" typeface="Latha"/>
+        <a:font script="Syrc" typeface="Estrangelo Edessa"/>
+        <a:font script="Orya" typeface="Kalinga"/>
+        <a:font script="Mlym" typeface="Kartika"/>
+        <a:font script="Laoo" typeface="DokChampa"/>
+        <a:font script="Sinh" typeface="Iskoola Pota"/>
+        <a:font script="Mong" typeface="Mongolian Baiti"/>
+        <a:font script="Viet" typeface="Arial"/>
+        <a:font script="Uigh" typeface="Microsoft Uighur"/>
+        <a:font script="Geor" typeface="Sylfaen"/>
+      </a:minorFont>
+    </a:fontScheme>
+    <a:fmtScheme name="Office">
+      <a:fillStyleLst>
+        <a:solidFill>
+          <a:schemeClr val="phClr"/>
+        </a:solidFill>
+        <a:gradFill rotWithShape="1">
+          <a:gsLst>
+            <a:gs pos="0">
+              <a:schemeClr val="phClr">
+                <a:tint val="50000"/>
+                <a:satMod val="300000"/>
+              </a:schemeClr>
+            </a:gs>
+            <a:gs pos="35000">
+              <a:schemeClr val="phClr">
+                <a:tint val="37000"/>
+                <a:satMod val="300000"/>
+              </a:schemeClr>
+            </a:gs>
+            <a:gs pos="100000">
+              <a:schemeClr val="phClr">
+                <a:tint val="15000"/>
+                <a:satMod val="350000"/>
+              </a:schemeClr>
+            </a:gs>
+          </a:gsLst>
+          <a:lin ang="16200000" scaled="1"/>
+        </a:gradFill>
+        <a:gradFill rotWithShape="1">
+          <a:gsLst>
+            <a:gs pos="0">
+              <a:schemeClr val="phClr">
+                <a:tint val="100000"/>
+                <a:shade val="100000"/>
+                <a:satMod val="130000"/>
+              </a:schemeClr>
+            </a:gs>
+            <a:gs pos="100000">
+              <a:schemeClr val="phClr">
+                <a:tint val="50000"/>
+                <a:shade val="100000"/>
+                <a:satMod val="350000"/>
+              </a:schemeClr>
+            </a:gs>
+          </a:gsLst>
+          <a:lin ang="16200000" scaled="0"/>
+        </a:gradFill>
+      </a:fillStyleLst>
+      <a:lnStyleLst>
+        <a:ln w="9525" cap="flat" cmpd="sng" algn="ctr">
+          <a:solidFill>
+            <a:schemeClr val="phClr">
+              <a:shade val="95000"/>
+              <a:satMod val="105000"/>
+            </a:schemeClr>
+          </a:solidFill>
+          <a:prstDash val="solid"/>
+        </a:ln>
+        <a:ln w="25400" cap="flat" cmpd="sng" algn="ctr">
+          <a:solidFill>
+            <a:schemeClr val="phClr"/>
+          </a:solidFill>
+          <a:prstDash val="solid"/>
+        </a:ln>
+        <a:ln w="38100" cap="flat" cmpd="sng" algn="ctr">
+          <a:solidFill>
+            <a:schemeClr val="phClr"/>
+          </a:solidFill>
+          <a:prstDash val="solid"/>
+        </a:ln>
+      </a:lnStyleLst>
+      <a:effectStyleLst>
+        <a:effectStyle>
+          <a:effectLst>
+            <a:outerShdw blurRad="40000" dist="20000" dir="5400000" rotWithShape="0">
+              <a:srgbClr val="000000">
+                <a:alpha val="38000"/>
+              </a:srgbClr>
+            </a:outerShdw>
+          </a:effectLst>
+        </a:effectStyle>
+        <a:effectStyle>
+          <a:effectLst>
+            <a:outerShdw blurRad="40000" dist="23000" dir="5400000" rotWithShape="0">
+              <a:srgbClr val="000000">
+                <a:alpha val="35000"/>
+              </a:srgbClr>
+            </a:outerShdw>
+          </a:effectLst>
+        </a:effectStyle>
+        <a:effectStyle>
+          <a:effectLst>
+            <a:outerShdw blurRad="40000" dist="23000" dir="5400000" rotWithShape="0">
+              <a:srgbClr val="000000">
+                <a:alpha val="35000"/>
+              </a:srgbClr>
+            </a:outerShdw>
+          </a:effectLst>
+          <a:scene3d>
+            <a:camera prst="orthographicFront">
+              <a:rot lat="0" lon="0" rev="0"/>
+            </a:camera>
+            <a:lightRig rig="threePt" dir="t">
+              <a:rot lat="0" lon="0" rev="1200000"/>
+            </a:lightRig>
+          </a:scene3d>
+          <a:sp3d>
+            <a:bevelT w="63500" h="25400"/>
+          </a:sp3d>
+        </a:effectStyle>
+      </a:effectStyleLst>
+      <a:bgFillStyleLst>
+        <a:solidFill>
+          <a:schemeClr val="phClr"/>
+        </a:solidFill>
+        <a:gradFill rotWithShape="1">
+          <a:gsLst>
+            <a:gs pos="0">
+              <a:schemeClr val="phClr">
+                <a:tint val="40000"/>
+                <a:satMod val="350000"/>
+              </a:schemeClr>
+            </a:gs>
+            <a:gs pos="40000">
+              <a:schemeClr val="phClr">
+                <a:tint val="45000"/>
+                <a:shade val="99000"/>
+                <a:satMod val="350000"/>
+              </a:schemeClr>
+            </a:gs>
+            <a:gs pos="100000">
+              <a:schemeClr val="phClr">
+                <a:shade val="20000"/>
+                <a:satMod val="255000"/>
+              </a:schemeClr>
+            </a:gs>
+          </a:gsLst>
+          <a:path path="circle">
+            <a:fillToRect l="50000" t="-80000" r="50000" b="180000"/>
+          </a:path>
+        </a:gradFill>
+        <a:gradFill rotWithShape="1">
+          <a:gsLst>
+            <a:gs pos="0">
+              <a:schemeClr val="phClr">
+                <a:tint val="80000"/>
+                <a:satMod val="300000"/>
+              </a:schemeClr>
+            </a:gs>
+            <a:gs pos="100000">
+              <a:schemeClr val="phClr">
+                <a:shade val="30000"/>
+                <a:satMod val="200000"/>
+              </a:schemeClr>
+            </a:gs>
+          </a:gsLst>
+          <a:path path="circle">
+            <a:fillToRect l="50000" t="50000" r="50000" b="50000"/>
+          </a:path>
+        </a:gradFill>
+      </a:bgFillStyleLst>
+    </a:fmtScheme>
+  </a:themeElements>
+</a:theme>
+</file>
+
+<file path=ppt/theme/theme2.xml><?xml version="1.0" encoding="utf-8"?>
 <a:theme xmlns:a="http://schemas.openxmlformats.org/drawingml/2006/main" xmlns:r="http://schemas.openxmlformats.org/officeDocument/2006/relationships">
   <a:themeElements>
     <a:clrScheme name="Default">
@@ -41889,283 +42300,4 @@
     </a:fmtScheme>
   </a:themeElements>
 </a:theme>
-</file>
-
-<file path=ppt/theme/theme2.xml><?xml version="1.0" encoding="utf-8"?>
-<a:theme xmlns:a="http://schemas.openxmlformats.org/drawingml/2006/main" xmlns:r="http://schemas.openxmlformats.org/officeDocument/2006/relationships" name="Tropic">
-  <a:themeElements>
-    <a:clrScheme name="Tropic">
-      <a:dk1>
-        <a:srgbClr val="A1E8D9"/>
-      </a:dk1>
-      <a:lt1>
-        <a:srgbClr val="FFFFFF"/>
-      </a:lt1>
-      <a:dk2>
-        <a:srgbClr val="695D46"/>
-      </a:dk2>
-      <a:lt2>
-        <a:srgbClr val="B3A77D"/>
-      </a:lt2>
-      <a:accent1>
-        <a:srgbClr val="EF6C00"/>
-      </a:accent1>
-      <a:accent2>
-        <a:srgbClr val="CE93D8"/>
-      </a:accent2>
-      <a:accent3>
-        <a:srgbClr val="4DB6AC"/>
-      </a:accent3>
-      <a:accent4>
-        <a:srgbClr val="FF9800"/>
-      </a:accent4>
-      <a:accent5>
-        <a:srgbClr val="009668"/>
-      </a:accent5>
-      <a:accent6>
-        <a:srgbClr val="EEFF41"/>
-      </a:accent6>
-      <a:hlink>
-        <a:srgbClr val="009668"/>
-      </a:hlink>
-      <a:folHlink>
-        <a:srgbClr val="009668"/>
-      </a:folHlink>
-    </a:clrScheme>
-    <a:fontScheme name="Office">
-      <a:majorFont>
-        <a:latin typeface="Arial"/>
-        <a:ea typeface=""/>
-        <a:cs typeface=""/>
-        <a:font script="Jpan" typeface="ＭＳ Ｐゴシック"/>
-        <a:font script="Hang" typeface="맑은 고딕"/>
-        <a:font script="Hans" typeface="宋体"/>
-        <a:font script="Hant" typeface="新細明體"/>
-        <a:font script="Arab" typeface="Times New Roman"/>
-        <a:font script="Hebr" typeface="Times New Roman"/>
-        <a:font script="Thai" typeface="Angsana New"/>
-        <a:font script="Ethi" typeface="Nyala"/>
-        <a:font script="Beng" typeface="Vrinda"/>
-        <a:font script="Gujr" typeface="Shruti"/>
-        <a:font script="Khmr" typeface="MoolBoran"/>
-        <a:font script="Knda" typeface="Tunga"/>
-        <a:font script="Guru" typeface="Raavi"/>
-        <a:font script="Cans" typeface="Euphemia"/>
-        <a:font script="Cher" typeface="Plantagenet Cherokee"/>
-        <a:font script="Yiii" typeface="Microsoft Yi Baiti"/>
-        <a:font script="Tibt" typeface="Microsoft Himalaya"/>
-        <a:font script="Thaa" typeface="MV Boli"/>
-        <a:font script="Deva" typeface="Mangal"/>
-        <a:font script="Telu" typeface="Gautami"/>
-        <a:font script="Taml" typeface="Latha"/>
-        <a:font script="Syrc" typeface="Estrangelo Edessa"/>
-        <a:font script="Orya" typeface="Kalinga"/>
-        <a:font script="Mlym" typeface="Kartika"/>
-        <a:font script="Laoo" typeface="DokChampa"/>
-        <a:font script="Sinh" typeface="Iskoola Pota"/>
-        <a:font script="Mong" typeface="Mongolian Baiti"/>
-        <a:font script="Viet" typeface="Times New Roman"/>
-        <a:font script="Uigh" typeface="Microsoft Uighur"/>
-        <a:font script="Geor" typeface="Sylfaen"/>
-      </a:majorFont>
-      <a:minorFont>
-        <a:latin typeface="Arial"/>
-        <a:ea typeface=""/>
-        <a:cs typeface=""/>
-        <a:font script="Jpan" typeface="ＭＳ Ｐゴシック"/>
-        <a:font script="Hang" typeface="맑은 고딕"/>
-        <a:font script="Hans" typeface="宋体"/>
-        <a:font script="Hant" typeface="新細明體"/>
-        <a:font script="Arab" typeface="Arial"/>
-        <a:font script="Hebr" typeface="Arial"/>
-        <a:font script="Thai" typeface="Cordia New"/>
-        <a:font script="Ethi" typeface="Nyala"/>
-        <a:font script="Beng" typeface="Vrinda"/>
-        <a:font script="Gujr" typeface="Shruti"/>
-        <a:font script="Khmr" typeface="DaunPenh"/>
-        <a:font script="Knda" typeface="Tunga"/>
-        <a:font script="Guru" typeface="Raavi"/>
-        <a:font script="Cans" typeface="Euphemia"/>
-        <a:font script="Cher" typeface="Plantagenet Cherokee"/>
-        <a:font script="Yiii" typeface="Microsoft Yi Baiti"/>
-        <a:font script="Tibt" typeface="Microsoft Himalaya"/>
-        <a:font script="Thaa" typeface="MV Boli"/>
-        <a:font script="Deva" typeface="Mangal"/>
-        <a:font script="Telu" typeface="Gautami"/>
-        <a:font script="Taml" typeface="Latha"/>
-        <a:font script="Syrc" typeface="Estrangelo Edessa"/>
-        <a:font script="Orya" typeface="Kalinga"/>
-        <a:font script="Mlym" typeface="Kartika"/>
-        <a:font script="Laoo" typeface="DokChampa"/>
-        <a:font script="Sinh" typeface="Iskoola Pota"/>
-        <a:font script="Mong" typeface="Mongolian Baiti"/>
-        <a:font script="Viet" typeface="Arial"/>
-        <a:font script="Uigh" typeface="Microsoft Uighur"/>
-        <a:font script="Geor" typeface="Sylfaen"/>
-      </a:minorFont>
-    </a:fontScheme>
-    <a:fmtScheme name="Office">
-      <a:fillStyleLst>
-        <a:solidFill>
-          <a:schemeClr val="phClr"/>
-        </a:solidFill>
-        <a:gradFill rotWithShape="1">
-          <a:gsLst>
-            <a:gs pos="0">
-              <a:schemeClr val="phClr">
-                <a:tint val="50000"/>
-                <a:satMod val="300000"/>
-              </a:schemeClr>
-            </a:gs>
-            <a:gs pos="35000">
-              <a:schemeClr val="phClr">
-                <a:tint val="37000"/>
-                <a:satMod val="300000"/>
-              </a:schemeClr>
-            </a:gs>
-            <a:gs pos="100000">
-              <a:schemeClr val="phClr">
-                <a:tint val="15000"/>
-                <a:satMod val="350000"/>
-              </a:schemeClr>
-            </a:gs>
-          </a:gsLst>
-          <a:lin ang="16200000" scaled="1"/>
-        </a:gradFill>
-        <a:gradFill rotWithShape="1">
-          <a:gsLst>
-            <a:gs pos="0">
-              <a:schemeClr val="phClr">
-                <a:tint val="100000"/>
-                <a:shade val="100000"/>
-                <a:satMod val="130000"/>
-              </a:schemeClr>
-            </a:gs>
-            <a:gs pos="100000">
-              <a:schemeClr val="phClr">
-                <a:tint val="50000"/>
-                <a:shade val="100000"/>
-                <a:satMod val="350000"/>
-              </a:schemeClr>
-            </a:gs>
-          </a:gsLst>
-          <a:lin ang="16200000" scaled="0"/>
-        </a:gradFill>
-      </a:fillStyleLst>
-      <a:lnStyleLst>
-        <a:ln w="9525" cap="flat" cmpd="sng" algn="ctr">
-          <a:solidFill>
-            <a:schemeClr val="phClr">
-              <a:shade val="95000"/>
-              <a:satMod val="105000"/>
-            </a:schemeClr>
-          </a:solidFill>
-          <a:prstDash val="solid"/>
-        </a:ln>
-        <a:ln w="25400" cap="flat" cmpd="sng" algn="ctr">
-          <a:solidFill>
-            <a:schemeClr val="phClr"/>
-          </a:solidFill>
-          <a:prstDash val="solid"/>
-        </a:ln>
-        <a:ln w="38100" cap="flat" cmpd="sng" algn="ctr">
-          <a:solidFill>
-            <a:schemeClr val="phClr"/>
-          </a:solidFill>
-          <a:prstDash val="solid"/>
-        </a:ln>
-      </a:lnStyleLst>
-      <a:effectStyleLst>
-        <a:effectStyle>
-          <a:effectLst>
-            <a:outerShdw blurRad="40000" dist="20000" dir="5400000" rotWithShape="0">
-              <a:srgbClr val="000000">
-                <a:alpha val="38000"/>
-              </a:srgbClr>
-            </a:outerShdw>
-          </a:effectLst>
-        </a:effectStyle>
-        <a:effectStyle>
-          <a:effectLst>
-            <a:outerShdw blurRad="40000" dist="23000" dir="5400000" rotWithShape="0">
-              <a:srgbClr val="000000">
-                <a:alpha val="35000"/>
-              </a:srgbClr>
-            </a:outerShdw>
-          </a:effectLst>
-        </a:effectStyle>
-        <a:effectStyle>
-          <a:effectLst>
-            <a:outerShdw blurRad="40000" dist="23000" dir="5400000" rotWithShape="0">
-              <a:srgbClr val="000000">
-                <a:alpha val="35000"/>
-              </a:srgbClr>
-            </a:outerShdw>
-          </a:effectLst>
-          <a:scene3d>
-            <a:camera prst="orthographicFront">
-              <a:rot lat="0" lon="0" rev="0"/>
-            </a:camera>
-            <a:lightRig rig="threePt" dir="t">
-              <a:rot lat="0" lon="0" rev="1200000"/>
-            </a:lightRig>
-          </a:scene3d>
-          <a:sp3d>
-            <a:bevelT w="63500" h="25400"/>
-          </a:sp3d>
-        </a:effectStyle>
-      </a:effectStyleLst>
-      <a:bgFillStyleLst>
-        <a:solidFill>
-          <a:schemeClr val="phClr"/>
-        </a:solidFill>
-        <a:gradFill rotWithShape="1">
-          <a:gsLst>
-            <a:gs pos="0">
-              <a:schemeClr val="phClr">
-                <a:tint val="40000"/>
-                <a:satMod val="350000"/>
-              </a:schemeClr>
-            </a:gs>
-            <a:gs pos="40000">
-              <a:schemeClr val="phClr">
-                <a:tint val="45000"/>
-                <a:shade val="99000"/>
-                <a:satMod val="350000"/>
-              </a:schemeClr>
-            </a:gs>
-            <a:gs pos="100000">
-              <a:schemeClr val="phClr">
-                <a:shade val="20000"/>
-                <a:satMod val="255000"/>
-              </a:schemeClr>
-            </a:gs>
-          </a:gsLst>
-          <a:path path="circle">
-            <a:fillToRect l="50000" t="-80000" r="50000" b="180000"/>
-          </a:path>
-        </a:gradFill>
-        <a:gradFill rotWithShape="1">
-          <a:gsLst>
-            <a:gs pos="0">
-              <a:schemeClr val="phClr">
-                <a:tint val="80000"/>
-                <a:satMod val="300000"/>
-              </a:schemeClr>
-            </a:gs>
-            <a:gs pos="100000">
-              <a:schemeClr val="phClr">
-                <a:shade val="30000"/>
-                <a:satMod val="200000"/>
-              </a:schemeClr>
-            </a:gs>
-          </a:gsLst>
-          <a:path path="circle">
-            <a:fillToRect l="50000" t="50000" r="50000" b="50000"/>
-          </a:path>
-        </a:gradFill>
-      </a:bgFillStyleLst>
-    </a:fmtScheme>
-  </a:themeElements>
-</a:theme>
 </file>